--- a/document/画像生成用.pptx
+++ b/document/画像生成用.pptx
@@ -9,6 +9,11 @@
     <p:sldId id="257" r:id="rId3"/>
     <p:sldId id="258" r:id="rId4"/>
     <p:sldId id="259" r:id="rId5"/>
+    <p:sldId id="260" r:id="rId6"/>
+    <p:sldId id="261" r:id="rId7"/>
+    <p:sldId id="262" r:id="rId8"/>
+    <p:sldId id="263" r:id="rId9"/>
+    <p:sldId id="264" r:id="rId10"/>
   </p:sldIdLst>
   <p:sldSz cx="12192000" cy="6858000"/>
   <p:notesSz cx="6858000" cy="9144000"/>
@@ -4969,6 +4974,960 @@
 </p:sld>
 </file>
 
+<file path=ppt/slides/slide5.xml><?xml version="1.0" encoding="utf-8"?>
+<p:sld xmlns:a="http://schemas.openxmlformats.org/drawingml/2006/main" xmlns:r="http://schemas.openxmlformats.org/officeDocument/2006/relationships" xmlns:p="http://schemas.openxmlformats.org/presentationml/2006/main">
+  <p:cSld>
+    <p:spTree>
+      <p:nvGrpSpPr>
+        <p:cNvPr id="1" name=""/>
+        <p:cNvGrpSpPr/>
+        <p:nvPr/>
+      </p:nvGrpSpPr>
+      <p:grpSpPr>
+        <a:xfrm>
+          <a:off x="0" y="0"/>
+          <a:ext cx="0" cy="0"/>
+          <a:chOff x="0" y="0"/>
+          <a:chExt cx="0" cy="0"/>
+        </a:xfrm>
+      </p:grpSpPr>
+      <p:pic>
+        <p:nvPicPr>
+          <p:cNvPr id="5" name="図 4" descr="グラフィカル ユーザー インターフェイス, アプリケーション&#10;&#10;自動的に生成された説明">
+            <a:extLst>
+              <a:ext uri="{FF2B5EF4-FFF2-40B4-BE49-F238E27FC236}">
+                <a16:creationId xmlns:a16="http://schemas.microsoft.com/office/drawing/2014/main" id="{DADC9B33-2202-B769-8BBE-E519C492345A}"/>
+              </a:ext>
+            </a:extLst>
+          </p:cNvPr>
+          <p:cNvPicPr>
+            <a:picLocks noChangeAspect="1"/>
+          </p:cNvPicPr>
+          <p:nvPr/>
+        </p:nvPicPr>
+        <p:blipFill>
+          <a:blip r:embed="rId2"/>
+          <a:stretch>
+            <a:fillRect/>
+          </a:stretch>
+        </p:blipFill>
+        <p:spPr>
+          <a:xfrm>
+            <a:off x="0" y="0"/>
+            <a:ext cx="12191152" cy="5184742"/>
+          </a:xfrm>
+          <a:prstGeom prst="rect">
+            <a:avLst/>
+          </a:prstGeom>
+        </p:spPr>
+      </p:pic>
+      <p:sp>
+        <p:nvSpPr>
+          <p:cNvPr id="6" name="正方形/長方形 5">
+            <a:extLst>
+              <a:ext uri="{FF2B5EF4-FFF2-40B4-BE49-F238E27FC236}">
+                <a16:creationId xmlns:a16="http://schemas.microsoft.com/office/drawing/2014/main" id="{F1B49D37-032A-A92C-C00D-677B660B15B6}"/>
+              </a:ext>
+            </a:extLst>
+          </p:cNvPr>
+          <p:cNvSpPr/>
+          <p:nvPr/>
+        </p:nvSpPr>
+        <p:spPr>
+          <a:xfrm>
+            <a:off x="174613" y="1131786"/>
+            <a:ext cx="3861627" cy="236976"/>
+          </a:xfrm>
+          <a:prstGeom prst="rect">
+            <a:avLst/>
+          </a:prstGeom>
+          <a:solidFill>
+            <a:schemeClr val="accent2">
+              <a:alpha val="50000"/>
+            </a:schemeClr>
+          </a:solidFill>
+        </p:spPr>
+        <p:style>
+          <a:lnRef idx="2">
+            <a:schemeClr val="accent2">
+              <a:shade val="15000"/>
+            </a:schemeClr>
+          </a:lnRef>
+          <a:fillRef idx="1">
+            <a:schemeClr val="accent2"/>
+          </a:fillRef>
+          <a:effectRef idx="0">
+            <a:schemeClr val="accent2"/>
+          </a:effectRef>
+          <a:fontRef idx="minor">
+            <a:schemeClr val="lt1"/>
+          </a:fontRef>
+        </p:style>
+        <p:txBody>
+          <a:bodyPr rtlCol="0" anchor="ctr"/>
+          <a:lstStyle/>
+          <a:p>
+            <a:pPr algn="ctr"/>
+            <a:endParaRPr kumimoji="1" lang="ja-JP" altLang="en-US"/>
+          </a:p>
+        </p:txBody>
+      </p:sp>
+      <p:sp>
+        <p:nvSpPr>
+          <p:cNvPr id="7" name="正方形/長方形 6">
+            <a:extLst>
+              <a:ext uri="{FF2B5EF4-FFF2-40B4-BE49-F238E27FC236}">
+                <a16:creationId xmlns:a16="http://schemas.microsoft.com/office/drawing/2014/main" id="{130841D9-3CCB-E903-7202-C7A6E99D0EDE}"/>
+              </a:ext>
+            </a:extLst>
+          </p:cNvPr>
+          <p:cNvSpPr/>
+          <p:nvPr/>
+        </p:nvSpPr>
+        <p:spPr>
+          <a:xfrm>
+            <a:off x="174613" y="1680113"/>
+            <a:ext cx="3861627" cy="236976"/>
+          </a:xfrm>
+          <a:prstGeom prst="rect">
+            <a:avLst/>
+          </a:prstGeom>
+          <a:solidFill>
+            <a:schemeClr val="accent2">
+              <a:alpha val="50000"/>
+            </a:schemeClr>
+          </a:solidFill>
+        </p:spPr>
+        <p:style>
+          <a:lnRef idx="2">
+            <a:schemeClr val="accent2">
+              <a:shade val="15000"/>
+            </a:schemeClr>
+          </a:lnRef>
+          <a:fillRef idx="1">
+            <a:schemeClr val="accent2"/>
+          </a:fillRef>
+          <a:effectRef idx="0">
+            <a:schemeClr val="accent2"/>
+          </a:effectRef>
+          <a:fontRef idx="minor">
+            <a:schemeClr val="lt1"/>
+          </a:fontRef>
+        </p:style>
+        <p:txBody>
+          <a:bodyPr rtlCol="0" anchor="ctr"/>
+          <a:lstStyle/>
+          <a:p>
+            <a:pPr algn="ctr"/>
+            <a:endParaRPr kumimoji="1" lang="ja-JP" altLang="en-US"/>
+          </a:p>
+        </p:txBody>
+      </p:sp>
+      <p:sp>
+        <p:nvSpPr>
+          <p:cNvPr id="8" name="正方形/長方形 7">
+            <a:extLst>
+              <a:ext uri="{FF2B5EF4-FFF2-40B4-BE49-F238E27FC236}">
+                <a16:creationId xmlns:a16="http://schemas.microsoft.com/office/drawing/2014/main" id="{71E75316-C40E-C361-1338-3E0FA31BE26E}"/>
+              </a:ext>
+            </a:extLst>
+          </p:cNvPr>
+          <p:cNvSpPr/>
+          <p:nvPr/>
+        </p:nvSpPr>
+        <p:spPr>
+          <a:xfrm>
+            <a:off x="10341206" y="4766237"/>
+            <a:ext cx="1121791" cy="260674"/>
+          </a:xfrm>
+          <a:prstGeom prst="rect">
+            <a:avLst/>
+          </a:prstGeom>
+          <a:solidFill>
+            <a:schemeClr val="accent2">
+              <a:alpha val="50000"/>
+            </a:schemeClr>
+          </a:solidFill>
+        </p:spPr>
+        <p:style>
+          <a:lnRef idx="2">
+            <a:schemeClr val="accent2">
+              <a:shade val="15000"/>
+            </a:schemeClr>
+          </a:lnRef>
+          <a:fillRef idx="1">
+            <a:schemeClr val="accent2"/>
+          </a:fillRef>
+          <a:effectRef idx="0">
+            <a:schemeClr val="accent2"/>
+          </a:effectRef>
+          <a:fontRef idx="minor">
+            <a:schemeClr val="lt1"/>
+          </a:fontRef>
+        </p:style>
+        <p:txBody>
+          <a:bodyPr rtlCol="0" anchor="ctr"/>
+          <a:lstStyle/>
+          <a:p>
+            <a:pPr algn="ctr"/>
+            <a:endParaRPr kumimoji="1" lang="ja-JP" altLang="en-US"/>
+          </a:p>
+        </p:txBody>
+      </p:sp>
+      <p:sp>
+        <p:nvSpPr>
+          <p:cNvPr id="9" name="テキスト ボックス 8">
+            <a:extLst>
+              <a:ext uri="{FF2B5EF4-FFF2-40B4-BE49-F238E27FC236}">
+                <a16:creationId xmlns:a16="http://schemas.microsoft.com/office/drawing/2014/main" id="{6D645027-7454-069C-BEC1-0CCA5DE29873}"/>
+              </a:ext>
+            </a:extLst>
+          </p:cNvPr>
+          <p:cNvSpPr txBox="1"/>
+          <p:nvPr/>
+        </p:nvSpPr>
+        <p:spPr>
+          <a:xfrm>
+            <a:off x="1762814" y="1089343"/>
+            <a:ext cx="414779" cy="305234"/>
+          </a:xfrm>
+          <a:prstGeom prst="rect">
+            <a:avLst/>
+          </a:prstGeom>
+          <a:noFill/>
+        </p:spPr>
+        <p:txBody>
+          <a:bodyPr wrap="square" rtlCol="0">
+            <a:spAutoFit/>
+          </a:bodyPr>
+          <a:lstStyle/>
+          <a:p>
+            <a:r>
+              <a:rPr lang="en-US" altLang="ja-JP" dirty="0"/>
+              <a:t>③</a:t>
+            </a:r>
+            <a:endParaRPr kumimoji="1" lang="ja-JP" altLang="en-US"/>
+          </a:p>
+        </p:txBody>
+      </p:sp>
+      <p:sp>
+        <p:nvSpPr>
+          <p:cNvPr id="10" name="テキスト ボックス 9">
+            <a:extLst>
+              <a:ext uri="{FF2B5EF4-FFF2-40B4-BE49-F238E27FC236}">
+                <a16:creationId xmlns:a16="http://schemas.microsoft.com/office/drawing/2014/main" id="{A486561B-49B9-F57B-E97E-E1113E349628}"/>
+              </a:ext>
+            </a:extLst>
+          </p:cNvPr>
+          <p:cNvSpPr txBox="1"/>
+          <p:nvPr/>
+        </p:nvSpPr>
+        <p:spPr>
+          <a:xfrm>
+            <a:off x="3357514" y="1637668"/>
+            <a:ext cx="414779" cy="369332"/>
+          </a:xfrm>
+          <a:prstGeom prst="rect">
+            <a:avLst/>
+          </a:prstGeom>
+          <a:noFill/>
+        </p:spPr>
+        <p:txBody>
+          <a:bodyPr wrap="square" rtlCol="0">
+            <a:spAutoFit/>
+          </a:bodyPr>
+          <a:lstStyle/>
+          <a:p>
+            <a:r>
+              <a:rPr kumimoji="1" lang="ja-JP" altLang="en-US"/>
+              <a:t>④</a:t>
+            </a:r>
+            <a:endParaRPr kumimoji="1" lang="en-US" altLang="ja-JP" dirty="0"/>
+          </a:p>
+        </p:txBody>
+      </p:sp>
+      <p:sp>
+        <p:nvSpPr>
+          <p:cNvPr id="11" name="テキスト ボックス 10">
+            <a:extLst>
+              <a:ext uri="{FF2B5EF4-FFF2-40B4-BE49-F238E27FC236}">
+                <a16:creationId xmlns:a16="http://schemas.microsoft.com/office/drawing/2014/main" id="{86C42038-7486-C79F-7D54-CBAF55E3046F}"/>
+              </a:ext>
+            </a:extLst>
+          </p:cNvPr>
+          <p:cNvSpPr txBox="1"/>
+          <p:nvPr/>
+        </p:nvSpPr>
+        <p:spPr>
+          <a:xfrm>
+            <a:off x="10419761" y="4743957"/>
+            <a:ext cx="414779" cy="369332"/>
+          </a:xfrm>
+          <a:prstGeom prst="rect">
+            <a:avLst/>
+          </a:prstGeom>
+          <a:noFill/>
+        </p:spPr>
+        <p:txBody>
+          <a:bodyPr wrap="square" rtlCol="0">
+            <a:spAutoFit/>
+          </a:bodyPr>
+          <a:lstStyle/>
+          <a:p>
+            <a:r>
+              <a:rPr lang="en-US" altLang="ja-JP" dirty="0"/>
+              <a:t>⑤</a:t>
+            </a:r>
+            <a:endParaRPr kumimoji="1" lang="ja-JP" altLang="en-US"/>
+          </a:p>
+        </p:txBody>
+      </p:sp>
+    </p:spTree>
+    <p:extLst>
+      <p:ext uri="{BB962C8B-B14F-4D97-AF65-F5344CB8AC3E}">
+        <p14:creationId xmlns:p14="http://schemas.microsoft.com/office/powerpoint/2010/main" val="3937282397"/>
+      </p:ext>
+    </p:extLst>
+  </p:cSld>
+  <p:clrMapOvr>
+    <a:masterClrMapping/>
+  </p:clrMapOvr>
+</p:sld>
+</file>
+
+<file path=ppt/slides/slide6.xml><?xml version="1.0" encoding="utf-8"?>
+<p:sld xmlns:a="http://schemas.openxmlformats.org/drawingml/2006/main" xmlns:r="http://schemas.openxmlformats.org/officeDocument/2006/relationships" xmlns:p="http://schemas.openxmlformats.org/presentationml/2006/main">
+  <p:cSld>
+    <p:spTree>
+      <p:nvGrpSpPr>
+        <p:cNvPr id="1" name=""/>
+        <p:cNvGrpSpPr/>
+        <p:nvPr/>
+      </p:nvGrpSpPr>
+      <p:grpSpPr>
+        <a:xfrm>
+          <a:off x="0" y="0"/>
+          <a:ext cx="0" cy="0"/>
+          <a:chOff x="0" y="0"/>
+          <a:chExt cx="0" cy="0"/>
+        </a:xfrm>
+      </p:grpSpPr>
+      <p:pic>
+        <p:nvPicPr>
+          <p:cNvPr id="5" name="図 4" descr="グラフィカル ユーザー インターフェイス, アプリケーション, Word&#10;&#10;自動的に生成された説明">
+            <a:extLst>
+              <a:ext uri="{FF2B5EF4-FFF2-40B4-BE49-F238E27FC236}">
+                <a16:creationId xmlns:a16="http://schemas.microsoft.com/office/drawing/2014/main" id="{29FBF5A6-6808-2AD2-7F95-7AE62F3DC296}"/>
+              </a:ext>
+            </a:extLst>
+          </p:cNvPr>
+          <p:cNvPicPr>
+            <a:picLocks noChangeAspect="1"/>
+          </p:cNvPicPr>
+          <p:nvPr/>
+        </p:nvPicPr>
+        <p:blipFill>
+          <a:blip r:embed="rId2"/>
+          <a:stretch>
+            <a:fillRect/>
+          </a:stretch>
+        </p:blipFill>
+        <p:spPr>
+          <a:xfrm>
+            <a:off x="-1" y="0"/>
+            <a:ext cx="12201687" cy="5184742"/>
+          </a:xfrm>
+          <a:prstGeom prst="rect">
+            <a:avLst/>
+          </a:prstGeom>
+        </p:spPr>
+      </p:pic>
+    </p:spTree>
+    <p:extLst>
+      <p:ext uri="{BB962C8B-B14F-4D97-AF65-F5344CB8AC3E}">
+        <p14:creationId xmlns:p14="http://schemas.microsoft.com/office/powerpoint/2010/main" val="1367162684"/>
+      </p:ext>
+    </p:extLst>
+  </p:cSld>
+  <p:clrMapOvr>
+    <a:masterClrMapping/>
+  </p:clrMapOvr>
+</p:sld>
+</file>
+
+<file path=ppt/slides/slide7.xml><?xml version="1.0" encoding="utf-8"?>
+<p:sld xmlns:a="http://schemas.openxmlformats.org/drawingml/2006/main" xmlns:r="http://schemas.openxmlformats.org/officeDocument/2006/relationships" xmlns:p="http://schemas.openxmlformats.org/presentationml/2006/main">
+  <p:cSld>
+    <p:spTree>
+      <p:nvGrpSpPr>
+        <p:cNvPr id="1" name=""/>
+        <p:cNvGrpSpPr/>
+        <p:nvPr/>
+      </p:nvGrpSpPr>
+      <p:grpSpPr>
+        <a:xfrm>
+          <a:off x="0" y="0"/>
+          <a:ext cx="0" cy="0"/>
+          <a:chOff x="0" y="0"/>
+          <a:chExt cx="0" cy="0"/>
+        </a:xfrm>
+      </p:grpSpPr>
+      <p:pic>
+        <p:nvPicPr>
+          <p:cNvPr id="5" name="図 4" descr="グラフィカル ユーザー インターフェイス, テキスト, アプリケーション&#10;&#10;自動的に生成された説明">
+            <a:extLst>
+              <a:ext uri="{FF2B5EF4-FFF2-40B4-BE49-F238E27FC236}">
+                <a16:creationId xmlns:a16="http://schemas.microsoft.com/office/drawing/2014/main" id="{0F226E97-3808-D2B7-2612-36D829824C07}"/>
+              </a:ext>
+            </a:extLst>
+          </p:cNvPr>
+          <p:cNvPicPr>
+            <a:picLocks noChangeAspect="1"/>
+          </p:cNvPicPr>
+          <p:nvPr/>
+        </p:nvPicPr>
+        <p:blipFill>
+          <a:blip r:embed="rId2"/>
+          <a:stretch>
+            <a:fillRect/>
+          </a:stretch>
+        </p:blipFill>
+        <p:spPr>
+          <a:xfrm>
+            <a:off x="0" y="0"/>
+            <a:ext cx="12054750" cy="5533534"/>
+          </a:xfrm>
+          <a:prstGeom prst="rect">
+            <a:avLst/>
+          </a:prstGeom>
+        </p:spPr>
+      </p:pic>
+      <p:sp>
+        <p:nvSpPr>
+          <p:cNvPr id="7" name="正方形/長方形 6">
+            <a:extLst>
+              <a:ext uri="{FF2B5EF4-FFF2-40B4-BE49-F238E27FC236}">
+                <a16:creationId xmlns:a16="http://schemas.microsoft.com/office/drawing/2014/main" id="{EA1B1539-B2D1-5A60-C73E-AE1340ADB3E1}"/>
+              </a:ext>
+            </a:extLst>
+          </p:cNvPr>
+          <p:cNvSpPr/>
+          <p:nvPr/>
+        </p:nvSpPr>
+        <p:spPr>
+          <a:xfrm>
+            <a:off x="1270939" y="5143307"/>
+            <a:ext cx="2037870" cy="236976"/>
+          </a:xfrm>
+          <a:prstGeom prst="rect">
+            <a:avLst/>
+          </a:prstGeom>
+          <a:solidFill>
+            <a:schemeClr val="accent2">
+              <a:alpha val="50000"/>
+            </a:schemeClr>
+          </a:solidFill>
+        </p:spPr>
+        <p:style>
+          <a:lnRef idx="2">
+            <a:schemeClr val="accent2">
+              <a:shade val="15000"/>
+            </a:schemeClr>
+          </a:lnRef>
+          <a:fillRef idx="1">
+            <a:schemeClr val="accent2"/>
+          </a:fillRef>
+          <a:effectRef idx="0">
+            <a:schemeClr val="accent2"/>
+          </a:effectRef>
+          <a:fontRef idx="minor">
+            <a:schemeClr val="lt1"/>
+          </a:fontRef>
+        </p:style>
+        <p:txBody>
+          <a:bodyPr rtlCol="0" anchor="ctr"/>
+          <a:lstStyle/>
+          <a:p>
+            <a:pPr algn="ctr"/>
+            <a:endParaRPr kumimoji="1" lang="ja-JP" altLang="en-US"/>
+          </a:p>
+        </p:txBody>
+      </p:sp>
+      <p:sp>
+        <p:nvSpPr>
+          <p:cNvPr id="15" name="テキスト ボックス 14">
+            <a:extLst>
+              <a:ext uri="{FF2B5EF4-FFF2-40B4-BE49-F238E27FC236}">
+                <a16:creationId xmlns:a16="http://schemas.microsoft.com/office/drawing/2014/main" id="{75F1AF36-A0D3-5611-D0C0-845F7A65E385}"/>
+              </a:ext>
+            </a:extLst>
+          </p:cNvPr>
+          <p:cNvSpPr txBox="1"/>
+          <p:nvPr/>
+        </p:nvSpPr>
+        <p:spPr>
+          <a:xfrm>
+            <a:off x="2843535" y="5103330"/>
+            <a:ext cx="414779" cy="305234"/>
+          </a:xfrm>
+          <a:prstGeom prst="rect">
+            <a:avLst/>
+          </a:prstGeom>
+          <a:noFill/>
+        </p:spPr>
+        <p:txBody>
+          <a:bodyPr wrap="square" rtlCol="0">
+            <a:spAutoFit/>
+          </a:bodyPr>
+          <a:lstStyle/>
+          <a:p>
+            <a:r>
+              <a:rPr lang="en-US" altLang="ja-JP" dirty="0"/>
+              <a:t>③</a:t>
+            </a:r>
+            <a:endParaRPr kumimoji="1" lang="ja-JP" altLang="en-US"/>
+          </a:p>
+        </p:txBody>
+      </p:sp>
+    </p:spTree>
+    <p:extLst>
+      <p:ext uri="{BB962C8B-B14F-4D97-AF65-F5344CB8AC3E}">
+        <p14:creationId xmlns:p14="http://schemas.microsoft.com/office/powerpoint/2010/main" val="3749420761"/>
+      </p:ext>
+    </p:extLst>
+  </p:cSld>
+  <p:clrMapOvr>
+    <a:masterClrMapping/>
+  </p:clrMapOvr>
+</p:sld>
+</file>
+
+<file path=ppt/slides/slide8.xml><?xml version="1.0" encoding="utf-8"?>
+<p:sld xmlns:a="http://schemas.openxmlformats.org/drawingml/2006/main" xmlns:r="http://schemas.openxmlformats.org/officeDocument/2006/relationships" xmlns:p="http://schemas.openxmlformats.org/presentationml/2006/main">
+  <p:cSld>
+    <p:spTree>
+      <p:nvGrpSpPr>
+        <p:cNvPr id="1" name=""/>
+        <p:cNvGrpSpPr/>
+        <p:nvPr/>
+      </p:nvGrpSpPr>
+      <p:grpSpPr>
+        <a:xfrm>
+          <a:off x="0" y="0"/>
+          <a:ext cx="0" cy="0"/>
+          <a:chOff x="0" y="0"/>
+          <a:chExt cx="0" cy="0"/>
+        </a:xfrm>
+      </p:grpSpPr>
+      <p:pic>
+        <p:nvPicPr>
+          <p:cNvPr id="5" name="図 4" descr="ダイアグラム&#10;&#10;低い精度で自動的に生成された説明">
+            <a:extLst>
+              <a:ext uri="{FF2B5EF4-FFF2-40B4-BE49-F238E27FC236}">
+                <a16:creationId xmlns:a16="http://schemas.microsoft.com/office/drawing/2014/main" id="{792A485A-FFBC-AD0B-950C-315FD4E943E1}"/>
+              </a:ext>
+            </a:extLst>
+          </p:cNvPr>
+          <p:cNvPicPr>
+            <a:picLocks noChangeAspect="1"/>
+          </p:cNvPicPr>
+          <p:nvPr/>
+        </p:nvPicPr>
+        <p:blipFill>
+          <a:blip r:embed="rId2"/>
+          <a:stretch>
+            <a:fillRect/>
+          </a:stretch>
+        </p:blipFill>
+        <p:spPr>
+          <a:xfrm>
+            <a:off x="188536" y="103108"/>
+            <a:ext cx="11142483" cy="6651783"/>
+          </a:xfrm>
+          <a:prstGeom prst="rect">
+            <a:avLst/>
+          </a:prstGeom>
+        </p:spPr>
+      </p:pic>
+      <p:sp>
+        <p:nvSpPr>
+          <p:cNvPr id="6" name="正方形/長方形 5">
+            <a:extLst>
+              <a:ext uri="{FF2B5EF4-FFF2-40B4-BE49-F238E27FC236}">
+                <a16:creationId xmlns:a16="http://schemas.microsoft.com/office/drawing/2014/main" id="{5E86F2AA-D313-F7AA-B96F-774284937EB2}"/>
+              </a:ext>
+            </a:extLst>
+          </p:cNvPr>
+          <p:cNvSpPr/>
+          <p:nvPr/>
+        </p:nvSpPr>
+        <p:spPr>
+          <a:xfrm flipV="1">
+            <a:off x="6396304" y="329937"/>
+            <a:ext cx="881190" cy="216817"/>
+          </a:xfrm>
+          <a:prstGeom prst="rect">
+            <a:avLst/>
+          </a:prstGeom>
+          <a:solidFill>
+            <a:schemeClr val="accent2">
+              <a:alpha val="50000"/>
+            </a:schemeClr>
+          </a:solidFill>
+        </p:spPr>
+        <p:style>
+          <a:lnRef idx="2">
+            <a:schemeClr val="accent2">
+              <a:shade val="15000"/>
+            </a:schemeClr>
+          </a:lnRef>
+          <a:fillRef idx="1">
+            <a:schemeClr val="accent2"/>
+          </a:fillRef>
+          <a:effectRef idx="0">
+            <a:schemeClr val="accent2"/>
+          </a:effectRef>
+          <a:fontRef idx="minor">
+            <a:schemeClr val="lt1"/>
+          </a:fontRef>
+        </p:style>
+        <p:txBody>
+          <a:bodyPr rtlCol="0" anchor="ctr"/>
+          <a:lstStyle/>
+          <a:p>
+            <a:pPr algn="ctr"/>
+            <a:endParaRPr kumimoji="1" lang="ja-JP" altLang="en-US"/>
+          </a:p>
+        </p:txBody>
+      </p:sp>
+      <p:sp>
+        <p:nvSpPr>
+          <p:cNvPr id="7" name="正方形/長方形 6">
+            <a:extLst>
+              <a:ext uri="{FF2B5EF4-FFF2-40B4-BE49-F238E27FC236}">
+                <a16:creationId xmlns:a16="http://schemas.microsoft.com/office/drawing/2014/main" id="{62C91D83-B27D-851D-6485-02B4163E0B91}"/>
+              </a:ext>
+            </a:extLst>
+          </p:cNvPr>
+          <p:cNvSpPr/>
+          <p:nvPr/>
+        </p:nvSpPr>
+        <p:spPr>
+          <a:xfrm flipV="1">
+            <a:off x="6396304" y="556765"/>
+            <a:ext cx="2775976" cy="216816"/>
+          </a:xfrm>
+          <a:prstGeom prst="rect">
+            <a:avLst/>
+          </a:prstGeom>
+          <a:solidFill>
+            <a:schemeClr val="accent2">
+              <a:alpha val="50000"/>
+            </a:schemeClr>
+          </a:solidFill>
+        </p:spPr>
+        <p:style>
+          <a:lnRef idx="2">
+            <a:schemeClr val="accent2">
+              <a:shade val="15000"/>
+            </a:schemeClr>
+          </a:lnRef>
+          <a:fillRef idx="1">
+            <a:schemeClr val="accent2"/>
+          </a:fillRef>
+          <a:effectRef idx="0">
+            <a:schemeClr val="accent2"/>
+          </a:effectRef>
+          <a:fontRef idx="minor">
+            <a:schemeClr val="lt1"/>
+          </a:fontRef>
+        </p:style>
+        <p:txBody>
+          <a:bodyPr rtlCol="0" anchor="ctr"/>
+          <a:lstStyle/>
+          <a:p>
+            <a:pPr algn="ctr"/>
+            <a:endParaRPr kumimoji="1" lang="ja-JP" altLang="en-US"/>
+          </a:p>
+        </p:txBody>
+      </p:sp>
+      <p:sp>
+        <p:nvSpPr>
+          <p:cNvPr id="8" name="正方形/長方形 7">
+            <a:extLst>
+              <a:ext uri="{FF2B5EF4-FFF2-40B4-BE49-F238E27FC236}">
+                <a16:creationId xmlns:a16="http://schemas.microsoft.com/office/drawing/2014/main" id="{31A5317B-761F-AD05-07A6-D1325023983D}"/>
+              </a:ext>
+            </a:extLst>
+          </p:cNvPr>
+          <p:cNvSpPr/>
+          <p:nvPr/>
+        </p:nvSpPr>
+        <p:spPr>
+          <a:xfrm flipV="1">
+            <a:off x="8555043" y="5724225"/>
+            <a:ext cx="2775976" cy="216816"/>
+          </a:xfrm>
+          <a:prstGeom prst="rect">
+            <a:avLst/>
+          </a:prstGeom>
+          <a:solidFill>
+            <a:schemeClr val="accent2">
+              <a:alpha val="50000"/>
+            </a:schemeClr>
+          </a:solidFill>
+        </p:spPr>
+        <p:style>
+          <a:lnRef idx="2">
+            <a:schemeClr val="accent2">
+              <a:shade val="15000"/>
+            </a:schemeClr>
+          </a:lnRef>
+          <a:fillRef idx="1">
+            <a:schemeClr val="accent2"/>
+          </a:fillRef>
+          <a:effectRef idx="0">
+            <a:schemeClr val="accent2"/>
+          </a:effectRef>
+          <a:fontRef idx="minor">
+            <a:schemeClr val="lt1"/>
+          </a:fontRef>
+        </p:style>
+        <p:txBody>
+          <a:bodyPr rtlCol="0" anchor="ctr"/>
+          <a:lstStyle/>
+          <a:p>
+            <a:pPr algn="ctr"/>
+            <a:endParaRPr kumimoji="1" lang="ja-JP" altLang="en-US"/>
+          </a:p>
+        </p:txBody>
+      </p:sp>
+    </p:spTree>
+    <p:extLst>
+      <p:ext uri="{BB962C8B-B14F-4D97-AF65-F5344CB8AC3E}">
+        <p14:creationId xmlns:p14="http://schemas.microsoft.com/office/powerpoint/2010/main" val="1386079753"/>
+      </p:ext>
+    </p:extLst>
+  </p:cSld>
+  <p:clrMapOvr>
+    <a:masterClrMapping/>
+  </p:clrMapOvr>
+</p:sld>
+</file>
+
+<file path=ppt/slides/slide9.xml><?xml version="1.0" encoding="utf-8"?>
+<p:sld xmlns:a="http://schemas.openxmlformats.org/drawingml/2006/main" xmlns:r="http://schemas.openxmlformats.org/officeDocument/2006/relationships" xmlns:p="http://schemas.openxmlformats.org/presentationml/2006/main">
+  <p:cSld>
+    <p:spTree>
+      <p:nvGrpSpPr>
+        <p:cNvPr id="1" name=""/>
+        <p:cNvGrpSpPr/>
+        <p:nvPr/>
+      </p:nvGrpSpPr>
+      <p:grpSpPr>
+        <a:xfrm>
+          <a:off x="0" y="0"/>
+          <a:ext cx="0" cy="0"/>
+          <a:chOff x="0" y="0"/>
+          <a:chExt cx="0" cy="0"/>
+        </a:xfrm>
+      </p:grpSpPr>
+      <p:pic>
+        <p:nvPicPr>
+          <p:cNvPr id="5" name="図 4" descr="ダイアグラム&#10;&#10;低い精度で自動的に生成された説明">
+            <a:extLst>
+              <a:ext uri="{FF2B5EF4-FFF2-40B4-BE49-F238E27FC236}">
+                <a16:creationId xmlns:a16="http://schemas.microsoft.com/office/drawing/2014/main" id="{792A485A-FFBC-AD0B-950C-315FD4E943E1}"/>
+              </a:ext>
+            </a:extLst>
+          </p:cNvPr>
+          <p:cNvPicPr>
+            <a:picLocks noChangeAspect="1"/>
+          </p:cNvPicPr>
+          <p:nvPr/>
+        </p:nvPicPr>
+        <p:blipFill>
+          <a:blip r:embed="rId2"/>
+          <a:stretch>
+            <a:fillRect/>
+          </a:stretch>
+        </p:blipFill>
+        <p:spPr>
+          <a:xfrm>
+            <a:off x="188536" y="103108"/>
+            <a:ext cx="11142483" cy="6651783"/>
+          </a:xfrm>
+          <a:prstGeom prst="rect">
+            <a:avLst/>
+          </a:prstGeom>
+        </p:spPr>
+      </p:pic>
+      <p:sp>
+        <p:nvSpPr>
+          <p:cNvPr id="6" name="正方形/長方形 5">
+            <a:extLst>
+              <a:ext uri="{FF2B5EF4-FFF2-40B4-BE49-F238E27FC236}">
+                <a16:creationId xmlns:a16="http://schemas.microsoft.com/office/drawing/2014/main" id="{5E86F2AA-D313-F7AA-B96F-774284937EB2}"/>
+              </a:ext>
+            </a:extLst>
+          </p:cNvPr>
+          <p:cNvSpPr/>
+          <p:nvPr/>
+        </p:nvSpPr>
+        <p:spPr>
+          <a:xfrm flipV="1">
+            <a:off x="6396304" y="329937"/>
+            <a:ext cx="881190" cy="216817"/>
+          </a:xfrm>
+          <a:prstGeom prst="rect">
+            <a:avLst/>
+          </a:prstGeom>
+          <a:solidFill>
+            <a:schemeClr val="accent2">
+              <a:alpha val="50000"/>
+            </a:schemeClr>
+          </a:solidFill>
+        </p:spPr>
+        <p:style>
+          <a:lnRef idx="2">
+            <a:schemeClr val="accent2">
+              <a:shade val="15000"/>
+            </a:schemeClr>
+          </a:lnRef>
+          <a:fillRef idx="1">
+            <a:schemeClr val="accent2"/>
+          </a:fillRef>
+          <a:effectRef idx="0">
+            <a:schemeClr val="accent2"/>
+          </a:effectRef>
+          <a:fontRef idx="minor">
+            <a:schemeClr val="lt1"/>
+          </a:fontRef>
+        </p:style>
+        <p:txBody>
+          <a:bodyPr rtlCol="0" anchor="ctr"/>
+          <a:lstStyle/>
+          <a:p>
+            <a:pPr algn="ctr"/>
+            <a:endParaRPr kumimoji="1" lang="ja-JP" altLang="en-US"/>
+          </a:p>
+        </p:txBody>
+      </p:sp>
+      <p:sp>
+        <p:nvSpPr>
+          <p:cNvPr id="7" name="正方形/長方形 6">
+            <a:extLst>
+              <a:ext uri="{FF2B5EF4-FFF2-40B4-BE49-F238E27FC236}">
+                <a16:creationId xmlns:a16="http://schemas.microsoft.com/office/drawing/2014/main" id="{62C91D83-B27D-851D-6485-02B4163E0B91}"/>
+              </a:ext>
+            </a:extLst>
+          </p:cNvPr>
+          <p:cNvSpPr/>
+          <p:nvPr/>
+        </p:nvSpPr>
+        <p:spPr>
+          <a:xfrm flipV="1">
+            <a:off x="6396304" y="556765"/>
+            <a:ext cx="2775976" cy="216816"/>
+          </a:xfrm>
+          <a:prstGeom prst="rect">
+            <a:avLst/>
+          </a:prstGeom>
+          <a:solidFill>
+            <a:schemeClr val="accent2">
+              <a:alpha val="50000"/>
+            </a:schemeClr>
+          </a:solidFill>
+        </p:spPr>
+        <p:style>
+          <a:lnRef idx="2">
+            <a:schemeClr val="accent2">
+              <a:shade val="15000"/>
+            </a:schemeClr>
+          </a:lnRef>
+          <a:fillRef idx="1">
+            <a:schemeClr val="accent2"/>
+          </a:fillRef>
+          <a:effectRef idx="0">
+            <a:schemeClr val="accent2"/>
+          </a:effectRef>
+          <a:fontRef idx="minor">
+            <a:schemeClr val="lt1"/>
+          </a:fontRef>
+        </p:style>
+        <p:txBody>
+          <a:bodyPr rtlCol="0" anchor="ctr"/>
+          <a:lstStyle/>
+          <a:p>
+            <a:pPr algn="ctr"/>
+            <a:endParaRPr kumimoji="1" lang="ja-JP" altLang="en-US"/>
+          </a:p>
+        </p:txBody>
+      </p:sp>
+      <p:sp>
+        <p:nvSpPr>
+          <p:cNvPr id="8" name="正方形/長方形 7">
+            <a:extLst>
+              <a:ext uri="{FF2B5EF4-FFF2-40B4-BE49-F238E27FC236}">
+                <a16:creationId xmlns:a16="http://schemas.microsoft.com/office/drawing/2014/main" id="{31A5317B-761F-AD05-07A6-D1325023983D}"/>
+              </a:ext>
+            </a:extLst>
+          </p:cNvPr>
+          <p:cNvSpPr/>
+          <p:nvPr/>
+        </p:nvSpPr>
+        <p:spPr>
+          <a:xfrm flipV="1">
+            <a:off x="8555043" y="5912761"/>
+            <a:ext cx="2775976" cy="216816"/>
+          </a:xfrm>
+          <a:prstGeom prst="rect">
+            <a:avLst/>
+          </a:prstGeom>
+          <a:solidFill>
+            <a:schemeClr val="accent2">
+              <a:alpha val="50000"/>
+            </a:schemeClr>
+          </a:solidFill>
+        </p:spPr>
+        <p:style>
+          <a:lnRef idx="2">
+            <a:schemeClr val="accent2">
+              <a:shade val="15000"/>
+            </a:schemeClr>
+          </a:lnRef>
+          <a:fillRef idx="1">
+            <a:schemeClr val="accent2"/>
+          </a:fillRef>
+          <a:effectRef idx="0">
+            <a:schemeClr val="accent2"/>
+          </a:effectRef>
+          <a:fontRef idx="minor">
+            <a:schemeClr val="lt1"/>
+          </a:fontRef>
+        </p:style>
+        <p:txBody>
+          <a:bodyPr rtlCol="0" anchor="ctr"/>
+          <a:lstStyle/>
+          <a:p>
+            <a:pPr algn="ctr"/>
+            <a:endParaRPr kumimoji="1" lang="ja-JP" altLang="en-US"/>
+          </a:p>
+        </p:txBody>
+      </p:sp>
+    </p:spTree>
+    <p:extLst>
+      <p:ext uri="{BB962C8B-B14F-4D97-AF65-F5344CB8AC3E}">
+        <p14:creationId xmlns:p14="http://schemas.microsoft.com/office/powerpoint/2010/main" val="1182010517"/>
+      </p:ext>
+    </p:extLst>
+  </p:cSld>
+  <p:clrMapOvr>
+    <a:masterClrMapping/>
+  </p:clrMapOvr>
+</p:sld>
+</file>
+
 <file path=ppt/theme/theme1.xml><?xml version="1.0" encoding="utf-8"?>
 <a:theme xmlns:a="http://schemas.openxmlformats.org/drawingml/2006/main" name="Office テーマ">
   <a:themeElements>

--- a/document/画像生成用.pptx
+++ b/document/画像生成用.pptx
@@ -8,12 +8,15 @@
     <p:sldId id="256" r:id="rId2"/>
     <p:sldId id="257" r:id="rId3"/>
     <p:sldId id="258" r:id="rId4"/>
-    <p:sldId id="259" r:id="rId5"/>
-    <p:sldId id="260" r:id="rId6"/>
-    <p:sldId id="261" r:id="rId7"/>
-    <p:sldId id="262" r:id="rId8"/>
-    <p:sldId id="263" r:id="rId9"/>
+    <p:sldId id="263" r:id="rId5"/>
+    <p:sldId id="259" r:id="rId6"/>
+    <p:sldId id="260" r:id="rId7"/>
+    <p:sldId id="261" r:id="rId8"/>
+    <p:sldId id="262" r:id="rId9"/>
     <p:sldId id="264" r:id="rId10"/>
+    <p:sldId id="265" r:id="rId11"/>
+    <p:sldId id="266" r:id="rId12"/>
+    <p:sldId id="267" r:id="rId13"/>
   </p:sldIdLst>
   <p:sldSz cx="12192000" cy="6858000"/>
   <p:notesSz cx="6858000" cy="9144000"/>
@@ -267,7 +270,7 @@
           <a:p>
             <a:fld id="{1AF6F0EA-576A-C44D-B280-4FBFCA599755}" type="datetimeFigureOut">
               <a:rPr kumimoji="1" lang="ja-JP" altLang="en-US" smtClean="0"/>
-              <a:t>2023/7/26</a:t>
+              <a:t>2023/7/27</a:t>
             </a:fld>
             <a:endParaRPr kumimoji="1" lang="ja-JP" altLang="en-US"/>
           </a:p>
@@ -497,7 +500,7 @@
           <a:p>
             <a:fld id="{1AF6F0EA-576A-C44D-B280-4FBFCA599755}" type="datetimeFigureOut">
               <a:rPr kumimoji="1" lang="ja-JP" altLang="en-US" smtClean="0"/>
-              <a:t>2023/7/26</a:t>
+              <a:t>2023/7/27</a:t>
             </a:fld>
             <a:endParaRPr kumimoji="1" lang="ja-JP" altLang="en-US"/>
           </a:p>
@@ -737,7 +740,7 @@
           <a:p>
             <a:fld id="{1AF6F0EA-576A-C44D-B280-4FBFCA599755}" type="datetimeFigureOut">
               <a:rPr kumimoji="1" lang="ja-JP" altLang="en-US" smtClean="0"/>
-              <a:t>2023/7/26</a:t>
+              <a:t>2023/7/27</a:t>
             </a:fld>
             <a:endParaRPr kumimoji="1" lang="ja-JP" altLang="en-US"/>
           </a:p>
@@ -967,7 +970,7 @@
           <a:p>
             <a:fld id="{1AF6F0EA-576A-C44D-B280-4FBFCA599755}" type="datetimeFigureOut">
               <a:rPr kumimoji="1" lang="ja-JP" altLang="en-US" smtClean="0"/>
-              <a:t>2023/7/26</a:t>
+              <a:t>2023/7/27</a:t>
             </a:fld>
             <a:endParaRPr kumimoji="1" lang="ja-JP" altLang="en-US"/>
           </a:p>
@@ -1242,7 +1245,7 @@
           <a:p>
             <a:fld id="{1AF6F0EA-576A-C44D-B280-4FBFCA599755}" type="datetimeFigureOut">
               <a:rPr kumimoji="1" lang="ja-JP" altLang="en-US" smtClean="0"/>
-              <a:t>2023/7/26</a:t>
+              <a:t>2023/7/27</a:t>
             </a:fld>
             <a:endParaRPr kumimoji="1" lang="ja-JP" altLang="en-US"/>
           </a:p>
@@ -1571,7 +1574,7 @@
           <a:p>
             <a:fld id="{1AF6F0EA-576A-C44D-B280-4FBFCA599755}" type="datetimeFigureOut">
               <a:rPr kumimoji="1" lang="ja-JP" altLang="en-US" smtClean="0"/>
-              <a:t>2023/7/26</a:t>
+              <a:t>2023/7/27</a:t>
             </a:fld>
             <a:endParaRPr kumimoji="1" lang="ja-JP" altLang="en-US"/>
           </a:p>
@@ -2047,7 +2050,7 @@
           <a:p>
             <a:fld id="{1AF6F0EA-576A-C44D-B280-4FBFCA599755}" type="datetimeFigureOut">
               <a:rPr kumimoji="1" lang="ja-JP" altLang="en-US" smtClean="0"/>
-              <a:t>2023/7/26</a:t>
+              <a:t>2023/7/27</a:t>
             </a:fld>
             <a:endParaRPr kumimoji="1" lang="ja-JP" altLang="en-US"/>
           </a:p>
@@ -2188,7 +2191,7 @@
           <a:p>
             <a:fld id="{1AF6F0EA-576A-C44D-B280-4FBFCA599755}" type="datetimeFigureOut">
               <a:rPr kumimoji="1" lang="ja-JP" altLang="en-US" smtClean="0"/>
-              <a:t>2023/7/26</a:t>
+              <a:t>2023/7/27</a:t>
             </a:fld>
             <a:endParaRPr kumimoji="1" lang="ja-JP" altLang="en-US"/>
           </a:p>
@@ -2301,7 +2304,7 @@
           <a:p>
             <a:fld id="{1AF6F0EA-576A-C44D-B280-4FBFCA599755}" type="datetimeFigureOut">
               <a:rPr kumimoji="1" lang="ja-JP" altLang="en-US" smtClean="0"/>
-              <a:t>2023/7/26</a:t>
+              <a:t>2023/7/27</a:t>
             </a:fld>
             <a:endParaRPr kumimoji="1" lang="ja-JP" altLang="en-US"/>
           </a:p>
@@ -2644,7 +2647,7 @@
           <a:p>
             <a:fld id="{1AF6F0EA-576A-C44D-B280-4FBFCA599755}" type="datetimeFigureOut">
               <a:rPr kumimoji="1" lang="ja-JP" altLang="en-US" smtClean="0"/>
-              <a:t>2023/7/26</a:t>
+              <a:t>2023/7/27</a:t>
             </a:fld>
             <a:endParaRPr kumimoji="1" lang="ja-JP" altLang="en-US"/>
           </a:p>
@@ -2932,7 +2935,7 @@
           <a:p>
             <a:fld id="{1AF6F0EA-576A-C44D-B280-4FBFCA599755}" type="datetimeFigureOut">
               <a:rPr kumimoji="1" lang="ja-JP" altLang="en-US" smtClean="0"/>
-              <a:t>2023/7/26</a:t>
+              <a:t>2023/7/27</a:t>
             </a:fld>
             <a:endParaRPr kumimoji="1" lang="ja-JP" altLang="en-US"/>
           </a:p>
@@ -3205,7 +3208,7 @@
           <a:p>
             <a:fld id="{1AF6F0EA-576A-C44D-B280-4FBFCA599755}" type="datetimeFigureOut">
               <a:rPr kumimoji="1" lang="ja-JP" altLang="en-US" smtClean="0"/>
-              <a:t>2023/7/26</a:t>
+              <a:t>2023/7/27</a:t>
             </a:fld>
             <a:endParaRPr kumimoji="1" lang="ja-JP" altLang="en-US"/>
           </a:p>
@@ -3925,6 +3928,795 @@
 </p:sld>
 </file>
 
+<file path=ppt/slides/slide10.xml><?xml version="1.0" encoding="utf-8"?>
+<p:sld xmlns:a="http://schemas.openxmlformats.org/drawingml/2006/main" xmlns:r="http://schemas.openxmlformats.org/officeDocument/2006/relationships" xmlns:p="http://schemas.openxmlformats.org/presentationml/2006/main">
+  <p:cSld>
+    <p:spTree>
+      <p:nvGrpSpPr>
+        <p:cNvPr id="1" name=""/>
+        <p:cNvGrpSpPr/>
+        <p:nvPr/>
+      </p:nvGrpSpPr>
+      <p:grpSpPr>
+        <a:xfrm>
+          <a:off x="0" y="0"/>
+          <a:ext cx="0" cy="0"/>
+          <a:chOff x="0" y="0"/>
+          <a:chExt cx="0" cy="0"/>
+        </a:xfrm>
+      </p:grpSpPr>
+      <p:pic>
+        <p:nvPicPr>
+          <p:cNvPr id="5" name="図 4" descr="グラフィカル ユーザー インターフェイス, アプリケーション, Word&#10;&#10;自動的に生成された説明">
+            <a:extLst>
+              <a:ext uri="{FF2B5EF4-FFF2-40B4-BE49-F238E27FC236}">
+                <a16:creationId xmlns:a16="http://schemas.microsoft.com/office/drawing/2014/main" id="{7A7AA791-D1CB-AC47-6412-60286396B92F}"/>
+              </a:ext>
+            </a:extLst>
+          </p:cNvPr>
+          <p:cNvPicPr>
+            <a:picLocks noChangeAspect="1"/>
+          </p:cNvPicPr>
+          <p:nvPr/>
+        </p:nvPicPr>
+        <p:blipFill>
+          <a:blip r:embed="rId2"/>
+          <a:stretch>
+            <a:fillRect/>
+          </a:stretch>
+        </p:blipFill>
+        <p:spPr>
+          <a:xfrm>
+            <a:off x="140438" y="126351"/>
+            <a:ext cx="11780168" cy="5005630"/>
+          </a:xfrm>
+          <a:prstGeom prst="rect">
+            <a:avLst/>
+          </a:prstGeom>
+        </p:spPr>
+      </p:pic>
+      <p:sp>
+        <p:nvSpPr>
+          <p:cNvPr id="6" name="正方形/長方形 5">
+            <a:extLst>
+              <a:ext uri="{FF2B5EF4-FFF2-40B4-BE49-F238E27FC236}">
+                <a16:creationId xmlns:a16="http://schemas.microsoft.com/office/drawing/2014/main" id="{C8BC4142-80A2-40ED-ADFF-0A628B9BF412}"/>
+              </a:ext>
+            </a:extLst>
+          </p:cNvPr>
+          <p:cNvSpPr/>
+          <p:nvPr/>
+        </p:nvSpPr>
+        <p:spPr>
+          <a:xfrm>
+            <a:off x="285570" y="1238962"/>
+            <a:ext cx="11481128" cy="1332357"/>
+          </a:xfrm>
+          <a:prstGeom prst="rect">
+            <a:avLst/>
+          </a:prstGeom>
+          <a:solidFill>
+            <a:schemeClr val="accent2">
+              <a:alpha val="50000"/>
+            </a:schemeClr>
+          </a:solidFill>
+        </p:spPr>
+        <p:style>
+          <a:lnRef idx="2">
+            <a:schemeClr val="accent2">
+              <a:shade val="15000"/>
+            </a:schemeClr>
+          </a:lnRef>
+          <a:fillRef idx="1">
+            <a:schemeClr val="accent2"/>
+          </a:fillRef>
+          <a:effectRef idx="0">
+            <a:schemeClr val="accent2"/>
+          </a:effectRef>
+          <a:fontRef idx="minor">
+            <a:schemeClr val="lt1"/>
+          </a:fontRef>
+        </p:style>
+        <p:txBody>
+          <a:bodyPr rtlCol="0" anchor="ctr"/>
+          <a:lstStyle/>
+          <a:p>
+            <a:pPr algn="ctr"/>
+            <a:endParaRPr kumimoji="1" lang="ja-JP" altLang="en-US"/>
+          </a:p>
+        </p:txBody>
+      </p:sp>
+      <p:sp>
+        <p:nvSpPr>
+          <p:cNvPr id="8" name="正方形/長方形 7">
+            <a:extLst>
+              <a:ext uri="{FF2B5EF4-FFF2-40B4-BE49-F238E27FC236}">
+                <a16:creationId xmlns:a16="http://schemas.microsoft.com/office/drawing/2014/main" id="{8F50BC32-A6BD-84C6-2F07-72D3F4FBDF85}"/>
+              </a:ext>
+            </a:extLst>
+          </p:cNvPr>
+          <p:cNvSpPr/>
+          <p:nvPr/>
+        </p:nvSpPr>
+        <p:spPr>
+          <a:xfrm>
+            <a:off x="285570" y="3962886"/>
+            <a:ext cx="2429277" cy="236976"/>
+          </a:xfrm>
+          <a:prstGeom prst="rect">
+            <a:avLst/>
+          </a:prstGeom>
+          <a:solidFill>
+            <a:schemeClr val="accent2">
+              <a:alpha val="50000"/>
+            </a:schemeClr>
+          </a:solidFill>
+        </p:spPr>
+        <p:style>
+          <a:lnRef idx="2">
+            <a:schemeClr val="accent2">
+              <a:shade val="15000"/>
+            </a:schemeClr>
+          </a:lnRef>
+          <a:fillRef idx="1">
+            <a:schemeClr val="accent2"/>
+          </a:fillRef>
+          <a:effectRef idx="0">
+            <a:schemeClr val="accent2"/>
+          </a:effectRef>
+          <a:fontRef idx="minor">
+            <a:schemeClr val="lt1"/>
+          </a:fontRef>
+        </p:style>
+        <p:txBody>
+          <a:bodyPr rtlCol="0" anchor="ctr"/>
+          <a:lstStyle/>
+          <a:p>
+            <a:pPr algn="ctr"/>
+            <a:endParaRPr kumimoji="1" lang="ja-JP" altLang="en-US"/>
+          </a:p>
+        </p:txBody>
+      </p:sp>
+      <p:sp>
+        <p:nvSpPr>
+          <p:cNvPr id="9" name="正方形/長方形 8">
+            <a:extLst>
+              <a:ext uri="{FF2B5EF4-FFF2-40B4-BE49-F238E27FC236}">
+                <a16:creationId xmlns:a16="http://schemas.microsoft.com/office/drawing/2014/main" id="{D3523918-FDC2-12DE-518E-A7AEC37298E9}"/>
+              </a:ext>
+            </a:extLst>
+          </p:cNvPr>
+          <p:cNvSpPr/>
+          <p:nvPr/>
+        </p:nvSpPr>
+        <p:spPr>
+          <a:xfrm>
+            <a:off x="10292315" y="4809946"/>
+            <a:ext cx="917945" cy="236976"/>
+          </a:xfrm>
+          <a:prstGeom prst="rect">
+            <a:avLst/>
+          </a:prstGeom>
+          <a:solidFill>
+            <a:schemeClr val="accent2">
+              <a:alpha val="50000"/>
+            </a:schemeClr>
+          </a:solidFill>
+        </p:spPr>
+        <p:style>
+          <a:lnRef idx="2">
+            <a:schemeClr val="accent2">
+              <a:shade val="15000"/>
+            </a:schemeClr>
+          </a:lnRef>
+          <a:fillRef idx="1">
+            <a:schemeClr val="accent2"/>
+          </a:fillRef>
+          <a:effectRef idx="0">
+            <a:schemeClr val="accent2"/>
+          </a:effectRef>
+          <a:fontRef idx="minor">
+            <a:schemeClr val="lt1"/>
+          </a:fontRef>
+        </p:style>
+        <p:txBody>
+          <a:bodyPr rtlCol="0" anchor="ctr"/>
+          <a:lstStyle/>
+          <a:p>
+            <a:pPr algn="ctr"/>
+            <a:endParaRPr kumimoji="1" lang="ja-JP" altLang="en-US"/>
+          </a:p>
+        </p:txBody>
+      </p:sp>
+      <p:sp>
+        <p:nvSpPr>
+          <p:cNvPr id="10" name="テキスト ボックス 9">
+            <a:extLst>
+              <a:ext uri="{FF2B5EF4-FFF2-40B4-BE49-F238E27FC236}">
+                <a16:creationId xmlns:a16="http://schemas.microsoft.com/office/drawing/2014/main" id="{21BA5F26-7D20-B049-D4B3-0858BCDDD6A0}"/>
+              </a:ext>
+            </a:extLst>
+          </p:cNvPr>
+          <p:cNvSpPr txBox="1"/>
+          <p:nvPr/>
+        </p:nvSpPr>
+        <p:spPr>
+          <a:xfrm>
+            <a:off x="5207763" y="2266085"/>
+            <a:ext cx="414779" cy="305234"/>
+          </a:xfrm>
+          <a:prstGeom prst="rect">
+            <a:avLst/>
+          </a:prstGeom>
+          <a:noFill/>
+        </p:spPr>
+        <p:txBody>
+          <a:bodyPr wrap="square" rtlCol="0">
+            <a:spAutoFit/>
+          </a:bodyPr>
+          <a:lstStyle/>
+          <a:p>
+            <a:r>
+              <a:rPr lang="en-US" altLang="ja-JP" dirty="0"/>
+              <a:t>③</a:t>
+            </a:r>
+            <a:endParaRPr kumimoji="1" lang="ja-JP" altLang="en-US"/>
+          </a:p>
+        </p:txBody>
+      </p:sp>
+      <p:sp>
+        <p:nvSpPr>
+          <p:cNvPr id="11" name="テキスト ボックス 10">
+            <a:extLst>
+              <a:ext uri="{FF2B5EF4-FFF2-40B4-BE49-F238E27FC236}">
+                <a16:creationId xmlns:a16="http://schemas.microsoft.com/office/drawing/2014/main" id="{A7CE45BF-1E77-7672-E6BB-FCB36E9FDD76}"/>
+              </a:ext>
+            </a:extLst>
+          </p:cNvPr>
+          <p:cNvSpPr txBox="1"/>
+          <p:nvPr/>
+        </p:nvSpPr>
+        <p:spPr>
+          <a:xfrm>
+            <a:off x="2300068" y="3908503"/>
+            <a:ext cx="414779" cy="369332"/>
+          </a:xfrm>
+          <a:prstGeom prst="rect">
+            <a:avLst/>
+          </a:prstGeom>
+          <a:noFill/>
+        </p:spPr>
+        <p:txBody>
+          <a:bodyPr wrap="square" rtlCol="0">
+            <a:spAutoFit/>
+          </a:bodyPr>
+          <a:lstStyle/>
+          <a:p>
+            <a:r>
+              <a:rPr kumimoji="1" lang="en-US" altLang="ja-JP" dirty="0"/>
+              <a:t>④</a:t>
+            </a:r>
+            <a:endParaRPr kumimoji="1" lang="ja-JP" altLang="en-US"/>
+          </a:p>
+        </p:txBody>
+      </p:sp>
+      <p:sp>
+        <p:nvSpPr>
+          <p:cNvPr id="12" name="テキスト ボックス 11">
+            <a:extLst>
+              <a:ext uri="{FF2B5EF4-FFF2-40B4-BE49-F238E27FC236}">
+                <a16:creationId xmlns:a16="http://schemas.microsoft.com/office/drawing/2014/main" id="{28E7BA2A-DA12-2F3A-465B-B72B88BB5DB8}"/>
+              </a:ext>
+            </a:extLst>
+          </p:cNvPr>
+          <p:cNvSpPr txBox="1"/>
+          <p:nvPr/>
+        </p:nvSpPr>
+        <p:spPr>
+          <a:xfrm>
+            <a:off x="10292316" y="4760330"/>
+            <a:ext cx="414779" cy="369332"/>
+          </a:xfrm>
+          <a:prstGeom prst="rect">
+            <a:avLst/>
+          </a:prstGeom>
+          <a:noFill/>
+        </p:spPr>
+        <p:txBody>
+          <a:bodyPr wrap="square" rtlCol="0">
+            <a:spAutoFit/>
+          </a:bodyPr>
+          <a:lstStyle/>
+          <a:p>
+            <a:r>
+              <a:rPr kumimoji="1" lang="en-US" altLang="ja-JP" dirty="0"/>
+              <a:t>⑤</a:t>
+            </a:r>
+            <a:endParaRPr kumimoji="1" lang="ja-JP" altLang="en-US"/>
+          </a:p>
+        </p:txBody>
+      </p:sp>
+    </p:spTree>
+    <p:extLst>
+      <p:ext uri="{BB962C8B-B14F-4D97-AF65-F5344CB8AC3E}">
+        <p14:creationId xmlns:p14="http://schemas.microsoft.com/office/powerpoint/2010/main" val="3686609184"/>
+      </p:ext>
+    </p:extLst>
+  </p:cSld>
+  <p:clrMapOvr>
+    <a:masterClrMapping/>
+  </p:clrMapOvr>
+</p:sld>
+</file>
+
+<file path=ppt/slides/slide11.xml><?xml version="1.0" encoding="utf-8"?>
+<p:sld xmlns:a="http://schemas.openxmlformats.org/drawingml/2006/main" xmlns:r="http://schemas.openxmlformats.org/officeDocument/2006/relationships" xmlns:p="http://schemas.openxmlformats.org/presentationml/2006/main">
+  <p:cSld>
+    <p:spTree>
+      <p:nvGrpSpPr>
+        <p:cNvPr id="1" name=""/>
+        <p:cNvGrpSpPr/>
+        <p:nvPr/>
+      </p:nvGrpSpPr>
+      <p:grpSpPr>
+        <a:xfrm>
+          <a:off x="0" y="0"/>
+          <a:ext cx="0" cy="0"/>
+          <a:chOff x="0" y="0"/>
+          <a:chExt cx="0" cy="0"/>
+        </a:xfrm>
+      </p:grpSpPr>
+      <p:pic>
+        <p:nvPicPr>
+          <p:cNvPr id="7" name="図 6" descr="グラフィカル ユーザー インターフェイス, アプリケーション&#10;&#10;自動的に生成された説明">
+            <a:extLst>
+              <a:ext uri="{FF2B5EF4-FFF2-40B4-BE49-F238E27FC236}">
+                <a16:creationId xmlns:a16="http://schemas.microsoft.com/office/drawing/2014/main" id="{7F485572-129D-E8F9-FA79-34FA12038D1D}"/>
+              </a:ext>
+            </a:extLst>
+          </p:cNvPr>
+          <p:cNvPicPr>
+            <a:picLocks noChangeAspect="1"/>
+          </p:cNvPicPr>
+          <p:nvPr/>
+        </p:nvPicPr>
+        <p:blipFill>
+          <a:blip r:embed="rId2"/>
+          <a:stretch>
+            <a:fillRect/>
+          </a:stretch>
+        </p:blipFill>
+        <p:spPr>
+          <a:xfrm>
+            <a:off x="88061" y="123497"/>
+            <a:ext cx="12043383" cy="5121898"/>
+          </a:xfrm>
+          <a:prstGeom prst="rect">
+            <a:avLst/>
+          </a:prstGeom>
+        </p:spPr>
+      </p:pic>
+      <p:sp>
+        <p:nvSpPr>
+          <p:cNvPr id="8" name="正方形/長方形 7">
+            <a:extLst>
+              <a:ext uri="{FF2B5EF4-FFF2-40B4-BE49-F238E27FC236}">
+                <a16:creationId xmlns:a16="http://schemas.microsoft.com/office/drawing/2014/main" id="{7365CD41-09F2-9850-696E-EFFDAF1D62A1}"/>
+              </a:ext>
+            </a:extLst>
+          </p:cNvPr>
+          <p:cNvSpPr/>
+          <p:nvPr/>
+        </p:nvSpPr>
+        <p:spPr>
+          <a:xfrm>
+            <a:off x="1412706" y="4845595"/>
+            <a:ext cx="2037870" cy="236976"/>
+          </a:xfrm>
+          <a:prstGeom prst="rect">
+            <a:avLst/>
+          </a:prstGeom>
+          <a:solidFill>
+            <a:schemeClr val="accent2">
+              <a:alpha val="50000"/>
+            </a:schemeClr>
+          </a:solidFill>
+        </p:spPr>
+        <p:style>
+          <a:lnRef idx="2">
+            <a:schemeClr val="accent2">
+              <a:shade val="15000"/>
+            </a:schemeClr>
+          </a:lnRef>
+          <a:fillRef idx="1">
+            <a:schemeClr val="accent2"/>
+          </a:fillRef>
+          <a:effectRef idx="0">
+            <a:schemeClr val="accent2"/>
+          </a:effectRef>
+          <a:fontRef idx="minor">
+            <a:schemeClr val="lt1"/>
+          </a:fontRef>
+        </p:style>
+        <p:txBody>
+          <a:bodyPr rtlCol="0" anchor="ctr"/>
+          <a:lstStyle/>
+          <a:p>
+            <a:pPr algn="ctr"/>
+            <a:endParaRPr kumimoji="1" lang="ja-JP" altLang="en-US"/>
+          </a:p>
+        </p:txBody>
+      </p:sp>
+      <p:sp>
+        <p:nvSpPr>
+          <p:cNvPr id="9" name="テキスト ボックス 8">
+            <a:extLst>
+              <a:ext uri="{FF2B5EF4-FFF2-40B4-BE49-F238E27FC236}">
+                <a16:creationId xmlns:a16="http://schemas.microsoft.com/office/drawing/2014/main" id="{EDD322DA-73DD-981B-6FA1-06A7557FF4CE}"/>
+              </a:ext>
+            </a:extLst>
+          </p:cNvPr>
+          <p:cNvSpPr txBox="1"/>
+          <p:nvPr/>
+        </p:nvSpPr>
+        <p:spPr>
+          <a:xfrm>
+            <a:off x="2985302" y="4798530"/>
+            <a:ext cx="414779" cy="369332"/>
+          </a:xfrm>
+          <a:prstGeom prst="rect">
+            <a:avLst/>
+          </a:prstGeom>
+          <a:noFill/>
+        </p:spPr>
+        <p:txBody>
+          <a:bodyPr wrap="square" rtlCol="0">
+            <a:spAutoFit/>
+          </a:bodyPr>
+          <a:lstStyle/>
+          <a:p>
+            <a:r>
+              <a:rPr lang="en-US" altLang="ja-JP" dirty="0"/>
+              <a:t>②</a:t>
+            </a:r>
+            <a:endParaRPr kumimoji="1" lang="ja-JP" altLang="en-US"/>
+          </a:p>
+        </p:txBody>
+      </p:sp>
+    </p:spTree>
+    <p:extLst>
+      <p:ext uri="{BB962C8B-B14F-4D97-AF65-F5344CB8AC3E}">
+        <p14:creationId xmlns:p14="http://schemas.microsoft.com/office/powerpoint/2010/main" val="769661010"/>
+      </p:ext>
+    </p:extLst>
+  </p:cSld>
+  <p:clrMapOvr>
+    <a:masterClrMapping/>
+  </p:clrMapOvr>
+</p:sld>
+</file>
+
+<file path=ppt/slides/slide12.xml><?xml version="1.0" encoding="utf-8"?>
+<p:sld xmlns:a="http://schemas.openxmlformats.org/drawingml/2006/main" xmlns:r="http://schemas.openxmlformats.org/officeDocument/2006/relationships" xmlns:p="http://schemas.openxmlformats.org/presentationml/2006/main">
+  <p:cSld>
+    <p:spTree>
+      <p:nvGrpSpPr>
+        <p:cNvPr id="1" name=""/>
+        <p:cNvGrpSpPr/>
+        <p:nvPr/>
+      </p:nvGrpSpPr>
+      <p:grpSpPr>
+        <a:xfrm>
+          <a:off x="0" y="0"/>
+          <a:ext cx="0" cy="0"/>
+          <a:chOff x="0" y="0"/>
+          <a:chExt cx="0" cy="0"/>
+        </a:xfrm>
+      </p:grpSpPr>
+      <p:pic>
+        <p:nvPicPr>
+          <p:cNvPr id="5" name="図 4" descr="グラフィカル ユーザー インターフェイス&#10;&#10;自動的に生成された説明">
+            <a:extLst>
+              <a:ext uri="{FF2B5EF4-FFF2-40B4-BE49-F238E27FC236}">
+                <a16:creationId xmlns:a16="http://schemas.microsoft.com/office/drawing/2014/main" id="{7E9E2CC8-B85D-FFD3-3EA9-66E8BE3E4DB1}"/>
+              </a:ext>
+            </a:extLst>
+          </p:cNvPr>
+          <p:cNvPicPr>
+            <a:picLocks noChangeAspect="1"/>
+          </p:cNvPicPr>
+          <p:nvPr/>
+        </p:nvPicPr>
+        <p:blipFill>
+          <a:blip r:embed="rId2"/>
+          <a:stretch>
+            <a:fillRect/>
+          </a:stretch>
+        </p:blipFill>
+        <p:spPr>
+          <a:xfrm>
+            <a:off x="0" y="-119092"/>
+            <a:ext cx="9699097" cy="6977092"/>
+          </a:xfrm>
+          <a:prstGeom prst="rect">
+            <a:avLst/>
+          </a:prstGeom>
+        </p:spPr>
+      </p:pic>
+      <p:sp>
+        <p:nvSpPr>
+          <p:cNvPr id="6" name="正方形/長方形 5">
+            <a:extLst>
+              <a:ext uri="{FF2B5EF4-FFF2-40B4-BE49-F238E27FC236}">
+                <a16:creationId xmlns:a16="http://schemas.microsoft.com/office/drawing/2014/main" id="{99C9FA9F-D8BA-DC8E-9F28-07EE9516F699}"/>
+              </a:ext>
+            </a:extLst>
+          </p:cNvPr>
+          <p:cNvSpPr/>
+          <p:nvPr/>
+        </p:nvSpPr>
+        <p:spPr>
+          <a:xfrm>
+            <a:off x="384806" y="1238962"/>
+            <a:ext cx="8900961" cy="1332357"/>
+          </a:xfrm>
+          <a:prstGeom prst="rect">
+            <a:avLst/>
+          </a:prstGeom>
+          <a:solidFill>
+            <a:schemeClr val="accent2">
+              <a:alpha val="50000"/>
+            </a:schemeClr>
+          </a:solidFill>
+        </p:spPr>
+        <p:style>
+          <a:lnRef idx="2">
+            <a:schemeClr val="accent2">
+              <a:shade val="15000"/>
+            </a:schemeClr>
+          </a:lnRef>
+          <a:fillRef idx="1">
+            <a:schemeClr val="accent2"/>
+          </a:fillRef>
+          <a:effectRef idx="0">
+            <a:schemeClr val="accent2"/>
+          </a:effectRef>
+          <a:fontRef idx="minor">
+            <a:schemeClr val="lt1"/>
+          </a:fontRef>
+        </p:style>
+        <p:txBody>
+          <a:bodyPr rtlCol="0" anchor="ctr"/>
+          <a:lstStyle/>
+          <a:p>
+            <a:pPr algn="ctr"/>
+            <a:endParaRPr kumimoji="1" lang="ja-JP" altLang="en-US"/>
+          </a:p>
+        </p:txBody>
+      </p:sp>
+      <p:sp>
+        <p:nvSpPr>
+          <p:cNvPr id="7" name="正方形/長方形 6">
+            <a:extLst>
+              <a:ext uri="{FF2B5EF4-FFF2-40B4-BE49-F238E27FC236}">
+                <a16:creationId xmlns:a16="http://schemas.microsoft.com/office/drawing/2014/main" id="{7EBE4D75-FFC9-7A2E-BB5D-648A8BBC63A1}"/>
+              </a:ext>
+            </a:extLst>
+          </p:cNvPr>
+          <p:cNvSpPr/>
+          <p:nvPr/>
+        </p:nvSpPr>
+        <p:spPr>
+          <a:xfrm>
+            <a:off x="384806" y="5399307"/>
+            <a:ext cx="2039324" cy="236976"/>
+          </a:xfrm>
+          <a:prstGeom prst="rect">
+            <a:avLst/>
+          </a:prstGeom>
+          <a:solidFill>
+            <a:schemeClr val="accent2">
+              <a:alpha val="50000"/>
+            </a:schemeClr>
+          </a:solidFill>
+        </p:spPr>
+        <p:style>
+          <a:lnRef idx="2">
+            <a:schemeClr val="accent2">
+              <a:shade val="15000"/>
+            </a:schemeClr>
+          </a:lnRef>
+          <a:fillRef idx="1">
+            <a:schemeClr val="accent2"/>
+          </a:fillRef>
+          <a:effectRef idx="0">
+            <a:schemeClr val="accent2"/>
+          </a:effectRef>
+          <a:fontRef idx="minor">
+            <a:schemeClr val="lt1"/>
+          </a:fontRef>
+        </p:style>
+        <p:txBody>
+          <a:bodyPr rtlCol="0" anchor="ctr"/>
+          <a:lstStyle/>
+          <a:p>
+            <a:pPr algn="ctr"/>
+            <a:endParaRPr kumimoji="1" lang="ja-JP" altLang="en-US"/>
+          </a:p>
+        </p:txBody>
+      </p:sp>
+      <p:sp>
+        <p:nvSpPr>
+          <p:cNvPr id="8" name="正方形/長方形 7">
+            <a:extLst>
+              <a:ext uri="{FF2B5EF4-FFF2-40B4-BE49-F238E27FC236}">
+                <a16:creationId xmlns:a16="http://schemas.microsoft.com/office/drawing/2014/main" id="{27232A6C-F772-0BC5-5462-840DE5817D6E}"/>
+              </a:ext>
+            </a:extLst>
+          </p:cNvPr>
+          <p:cNvSpPr/>
+          <p:nvPr/>
+        </p:nvSpPr>
+        <p:spPr>
+          <a:xfrm>
+            <a:off x="6946605" y="6241797"/>
+            <a:ext cx="1410585" cy="236976"/>
+          </a:xfrm>
+          <a:prstGeom prst="rect">
+            <a:avLst/>
+          </a:prstGeom>
+          <a:solidFill>
+            <a:schemeClr val="accent2">
+              <a:alpha val="50000"/>
+            </a:schemeClr>
+          </a:solidFill>
+        </p:spPr>
+        <p:style>
+          <a:lnRef idx="2">
+            <a:schemeClr val="accent2">
+              <a:shade val="15000"/>
+            </a:schemeClr>
+          </a:lnRef>
+          <a:fillRef idx="1">
+            <a:schemeClr val="accent2"/>
+          </a:fillRef>
+          <a:effectRef idx="0">
+            <a:schemeClr val="accent2"/>
+          </a:effectRef>
+          <a:fontRef idx="minor">
+            <a:schemeClr val="lt1"/>
+          </a:fontRef>
+        </p:style>
+        <p:txBody>
+          <a:bodyPr rtlCol="0" anchor="ctr"/>
+          <a:lstStyle/>
+          <a:p>
+            <a:pPr algn="ctr"/>
+            <a:endParaRPr kumimoji="1" lang="ja-JP" altLang="en-US"/>
+          </a:p>
+        </p:txBody>
+      </p:sp>
+      <p:sp>
+        <p:nvSpPr>
+          <p:cNvPr id="9" name="テキスト ボックス 8">
+            <a:extLst>
+              <a:ext uri="{FF2B5EF4-FFF2-40B4-BE49-F238E27FC236}">
+                <a16:creationId xmlns:a16="http://schemas.microsoft.com/office/drawing/2014/main" id="{CBD6964A-7581-ADA2-DDB7-0E0D31FB31DC}"/>
+              </a:ext>
+            </a:extLst>
+          </p:cNvPr>
+          <p:cNvSpPr txBox="1"/>
+          <p:nvPr/>
+        </p:nvSpPr>
+        <p:spPr>
+          <a:xfrm>
+            <a:off x="5207764" y="2266085"/>
+            <a:ext cx="348198" cy="369332"/>
+          </a:xfrm>
+          <a:prstGeom prst="rect">
+            <a:avLst/>
+          </a:prstGeom>
+          <a:noFill/>
+        </p:spPr>
+        <p:txBody>
+          <a:bodyPr wrap="square" rtlCol="0">
+            <a:spAutoFit/>
+          </a:bodyPr>
+          <a:lstStyle/>
+          <a:p>
+            <a:r>
+              <a:rPr lang="en-US" altLang="ja-JP" dirty="0"/>
+              <a:t>③</a:t>
+            </a:r>
+            <a:endParaRPr kumimoji="1" lang="ja-JP" altLang="en-US"/>
+          </a:p>
+        </p:txBody>
+      </p:sp>
+      <p:sp>
+        <p:nvSpPr>
+          <p:cNvPr id="10" name="テキスト ボックス 9">
+            <a:extLst>
+              <a:ext uri="{FF2B5EF4-FFF2-40B4-BE49-F238E27FC236}">
+                <a16:creationId xmlns:a16="http://schemas.microsoft.com/office/drawing/2014/main" id="{4EAD9077-3E92-E568-26BA-0EE10EB905AA}"/>
+              </a:ext>
+            </a:extLst>
+          </p:cNvPr>
+          <p:cNvSpPr txBox="1"/>
+          <p:nvPr/>
+        </p:nvSpPr>
+        <p:spPr>
+          <a:xfrm>
+            <a:off x="2075932" y="5348939"/>
+            <a:ext cx="348198" cy="369332"/>
+          </a:xfrm>
+          <a:prstGeom prst="rect">
+            <a:avLst/>
+          </a:prstGeom>
+          <a:noFill/>
+        </p:spPr>
+        <p:txBody>
+          <a:bodyPr wrap="square" rtlCol="0">
+            <a:spAutoFit/>
+          </a:bodyPr>
+          <a:lstStyle/>
+          <a:p>
+            <a:r>
+              <a:rPr kumimoji="1" lang="en-US" altLang="ja-JP" dirty="0"/>
+              <a:t>④</a:t>
+            </a:r>
+            <a:endParaRPr kumimoji="1" lang="ja-JP" altLang="en-US"/>
+          </a:p>
+        </p:txBody>
+      </p:sp>
+      <p:sp>
+        <p:nvSpPr>
+          <p:cNvPr id="11" name="テキスト ボックス 10">
+            <a:extLst>
+              <a:ext uri="{FF2B5EF4-FFF2-40B4-BE49-F238E27FC236}">
+                <a16:creationId xmlns:a16="http://schemas.microsoft.com/office/drawing/2014/main" id="{C58B48A3-3799-962B-1D16-E7FDE4E383B5}"/>
+              </a:ext>
+            </a:extLst>
+          </p:cNvPr>
+          <p:cNvSpPr txBox="1"/>
+          <p:nvPr/>
+        </p:nvSpPr>
+        <p:spPr>
+          <a:xfrm>
+            <a:off x="6946607" y="6192181"/>
+            <a:ext cx="396946" cy="369332"/>
+          </a:xfrm>
+          <a:prstGeom prst="rect">
+            <a:avLst/>
+          </a:prstGeom>
+          <a:noFill/>
+        </p:spPr>
+        <p:txBody>
+          <a:bodyPr wrap="square" rtlCol="0">
+            <a:spAutoFit/>
+          </a:bodyPr>
+          <a:lstStyle/>
+          <a:p>
+            <a:r>
+              <a:rPr kumimoji="1" lang="en-US" altLang="ja-JP" dirty="0"/>
+              <a:t>⑤</a:t>
+            </a:r>
+            <a:endParaRPr kumimoji="1" lang="ja-JP" altLang="en-US"/>
+          </a:p>
+        </p:txBody>
+      </p:sp>
+    </p:spTree>
+    <p:extLst>
+      <p:ext uri="{BB962C8B-B14F-4D97-AF65-F5344CB8AC3E}">
+        <p14:creationId xmlns:p14="http://schemas.microsoft.com/office/powerpoint/2010/main" val="59409426"/>
+      </p:ext>
+    </p:extLst>
+  </p:cSld>
+  <p:clrMapOvr>
+    <a:masterClrMapping/>
+  </p:clrMapOvr>
+</p:sld>
+</file>
+
 <file path=ppt/slides/slide2.xml><?xml version="1.0" encoding="utf-8"?>
 <p:sld xmlns:a="http://schemas.openxmlformats.org/drawingml/2006/main" xmlns:r="http://schemas.openxmlformats.org/officeDocument/2006/relationships" xmlns:p="http://schemas.openxmlformats.org/presentationml/2006/main">
   <p:cSld>
@@ -4412,10 +5204,10 @@
       </p:grpSpPr>
       <p:pic>
         <p:nvPicPr>
-          <p:cNvPr id="5" name="図 4" descr="グラフィカル ユーザー インターフェイス, テキスト, アプリケーション&#10;&#10;自動的に生成された説明">
-            <a:extLst>
-              <a:ext uri="{FF2B5EF4-FFF2-40B4-BE49-F238E27FC236}">
-                <a16:creationId xmlns:a16="http://schemas.microsoft.com/office/drawing/2014/main" id="{0F226E97-3808-D2B7-2612-36D829824C07}"/>
+          <p:cNvPr id="5" name="図 4" descr="ダイアグラム&#10;&#10;低い精度で自動的に生成された説明">
+            <a:extLst>
+              <a:ext uri="{FF2B5EF4-FFF2-40B4-BE49-F238E27FC236}">
+                <a16:creationId xmlns:a16="http://schemas.microsoft.com/office/drawing/2014/main" id="{792A485A-FFBC-AD0B-950C-315FD4E943E1}"/>
               </a:ext>
             </a:extLst>
           </p:cNvPr>
@@ -4432,8 +5224,8 @@
         </p:blipFill>
         <p:spPr>
           <a:xfrm>
-            <a:off x="0" y="0"/>
-            <a:ext cx="12054750" cy="5533534"/>
+            <a:off x="188536" y="103108"/>
+            <a:ext cx="11142483" cy="6651783"/>
           </a:xfrm>
           <a:prstGeom prst="rect">
             <a:avLst/>
@@ -4442,10 +5234,10 @@
       </p:pic>
       <p:sp>
         <p:nvSpPr>
-          <p:cNvPr id="7" name="正方形/長方形 6">
-            <a:extLst>
-              <a:ext uri="{FF2B5EF4-FFF2-40B4-BE49-F238E27FC236}">
-                <a16:creationId xmlns:a16="http://schemas.microsoft.com/office/drawing/2014/main" id="{EA1B1539-B2D1-5A60-C73E-AE1340ADB3E1}"/>
+          <p:cNvPr id="6" name="正方形/長方形 5">
+            <a:extLst>
+              <a:ext uri="{FF2B5EF4-FFF2-40B4-BE49-F238E27FC236}">
+                <a16:creationId xmlns:a16="http://schemas.microsoft.com/office/drawing/2014/main" id="{5E86F2AA-D313-F7AA-B96F-774284937EB2}"/>
               </a:ext>
             </a:extLst>
           </p:cNvPr>
@@ -4453,9 +5245,9 @@
           <p:nvPr/>
         </p:nvSpPr>
         <p:spPr>
-          <a:xfrm>
-            <a:off x="163617" y="1103505"/>
-            <a:ext cx="3861627" cy="236976"/>
+          <a:xfrm flipV="1">
+            <a:off x="6396304" y="329937"/>
+            <a:ext cx="881190" cy="216817"/>
           </a:xfrm>
           <a:prstGeom prst="rect">
             <a:avLst/>
@@ -4493,10 +5285,10 @@
       </p:sp>
       <p:sp>
         <p:nvSpPr>
-          <p:cNvPr id="10" name="正方形/長方形 9">
-            <a:extLst>
-              <a:ext uri="{FF2B5EF4-FFF2-40B4-BE49-F238E27FC236}">
-                <a16:creationId xmlns:a16="http://schemas.microsoft.com/office/drawing/2014/main" id="{58F496C7-5411-F006-C49C-E018E6CCE343}"/>
+          <p:cNvPr id="7" name="正方形/長方形 6">
+            <a:extLst>
+              <a:ext uri="{FF2B5EF4-FFF2-40B4-BE49-F238E27FC236}">
+                <a16:creationId xmlns:a16="http://schemas.microsoft.com/office/drawing/2014/main" id="{62C91D83-B27D-851D-6485-02B4163E0B91}"/>
               </a:ext>
             </a:extLst>
           </p:cNvPr>
@@ -4504,9 +5296,9 @@
           <p:nvPr/>
         </p:nvSpPr>
         <p:spPr>
-          <a:xfrm>
-            <a:off x="163617" y="1414590"/>
-            <a:ext cx="3861627" cy="236976"/>
+          <a:xfrm flipV="1">
+            <a:off x="6396304" y="556765"/>
+            <a:ext cx="2775976" cy="216816"/>
           </a:xfrm>
           <a:prstGeom prst="rect">
             <a:avLst/>
@@ -4544,10 +5336,10 @@
       </p:sp>
       <p:sp>
         <p:nvSpPr>
-          <p:cNvPr id="11" name="正方形/長方形 10">
-            <a:extLst>
-              <a:ext uri="{FF2B5EF4-FFF2-40B4-BE49-F238E27FC236}">
-                <a16:creationId xmlns:a16="http://schemas.microsoft.com/office/drawing/2014/main" id="{F7BBE09A-0C56-4FAA-5E1F-0A1E9FFCA888}"/>
+          <p:cNvPr id="8" name="正方形/長方形 7">
+            <a:extLst>
+              <a:ext uri="{FF2B5EF4-FFF2-40B4-BE49-F238E27FC236}">
+                <a16:creationId xmlns:a16="http://schemas.microsoft.com/office/drawing/2014/main" id="{31A5317B-761F-AD05-07A6-D1325023983D}"/>
               </a:ext>
             </a:extLst>
           </p:cNvPr>
@@ -4555,9 +5347,9 @@
           <p:nvPr/>
         </p:nvSpPr>
         <p:spPr>
-          <a:xfrm>
-            <a:off x="163617" y="1670989"/>
-            <a:ext cx="3861627" cy="236976"/>
+          <a:xfrm flipV="1">
+            <a:off x="8555043" y="5724225"/>
+            <a:ext cx="2775976" cy="216816"/>
           </a:xfrm>
           <a:prstGeom prst="rect">
             <a:avLst/>
@@ -4593,378 +5385,10 @@
           </a:p>
         </p:txBody>
       </p:sp>
-      <p:sp>
-        <p:nvSpPr>
-          <p:cNvPr id="12" name="正方形/長方形 11">
-            <a:extLst>
-              <a:ext uri="{FF2B5EF4-FFF2-40B4-BE49-F238E27FC236}">
-                <a16:creationId xmlns:a16="http://schemas.microsoft.com/office/drawing/2014/main" id="{A7AF254D-C990-4EC1-A19C-F10E533186EF}"/>
-              </a:ext>
-            </a:extLst>
-          </p:cNvPr>
-          <p:cNvSpPr/>
-          <p:nvPr/>
-        </p:nvSpPr>
-        <p:spPr>
-          <a:xfrm>
-            <a:off x="163617" y="1940565"/>
-            <a:ext cx="3861627" cy="236976"/>
-          </a:xfrm>
-          <a:prstGeom prst="rect">
-            <a:avLst/>
-          </a:prstGeom>
-          <a:solidFill>
-            <a:schemeClr val="accent2">
-              <a:alpha val="50000"/>
-            </a:schemeClr>
-          </a:solidFill>
-        </p:spPr>
-        <p:style>
-          <a:lnRef idx="2">
-            <a:schemeClr val="accent2">
-              <a:shade val="15000"/>
-            </a:schemeClr>
-          </a:lnRef>
-          <a:fillRef idx="1">
-            <a:schemeClr val="accent2"/>
-          </a:fillRef>
-          <a:effectRef idx="0">
-            <a:schemeClr val="accent2"/>
-          </a:effectRef>
-          <a:fontRef idx="minor">
-            <a:schemeClr val="lt1"/>
-          </a:fontRef>
-        </p:style>
-        <p:txBody>
-          <a:bodyPr rtlCol="0" anchor="ctr"/>
-          <a:lstStyle/>
-          <a:p>
-            <a:pPr algn="ctr"/>
-            <a:endParaRPr kumimoji="1" lang="ja-JP" altLang="en-US"/>
-          </a:p>
-        </p:txBody>
-      </p:sp>
-      <p:sp>
-        <p:nvSpPr>
-          <p:cNvPr id="13" name="正方形/長方形 12">
-            <a:extLst>
-              <a:ext uri="{FF2B5EF4-FFF2-40B4-BE49-F238E27FC236}">
-                <a16:creationId xmlns:a16="http://schemas.microsoft.com/office/drawing/2014/main" id="{9CD14508-5982-3A33-5AC8-5EE8FBC22AEA}"/>
-              </a:ext>
-            </a:extLst>
-          </p:cNvPr>
-          <p:cNvSpPr/>
-          <p:nvPr/>
-        </p:nvSpPr>
-        <p:spPr>
-          <a:xfrm>
-            <a:off x="163617" y="2443986"/>
-            <a:ext cx="3861627" cy="236976"/>
-          </a:xfrm>
-          <a:prstGeom prst="rect">
-            <a:avLst/>
-          </a:prstGeom>
-          <a:solidFill>
-            <a:schemeClr val="accent2">
-              <a:alpha val="50000"/>
-            </a:schemeClr>
-          </a:solidFill>
-        </p:spPr>
-        <p:style>
-          <a:lnRef idx="2">
-            <a:schemeClr val="accent2">
-              <a:shade val="15000"/>
-            </a:schemeClr>
-          </a:lnRef>
-          <a:fillRef idx="1">
-            <a:schemeClr val="accent2"/>
-          </a:fillRef>
-          <a:effectRef idx="0">
-            <a:schemeClr val="accent2"/>
-          </a:effectRef>
-          <a:fontRef idx="minor">
-            <a:schemeClr val="lt1"/>
-          </a:fontRef>
-        </p:style>
-        <p:txBody>
-          <a:bodyPr rtlCol="0" anchor="ctr"/>
-          <a:lstStyle/>
-          <a:p>
-            <a:pPr algn="ctr"/>
-            <a:endParaRPr kumimoji="1" lang="ja-JP" altLang="en-US"/>
-          </a:p>
-        </p:txBody>
-      </p:sp>
-      <p:sp>
-        <p:nvSpPr>
-          <p:cNvPr id="14" name="正方形/長方形 13">
-            <a:extLst>
-              <a:ext uri="{FF2B5EF4-FFF2-40B4-BE49-F238E27FC236}">
-                <a16:creationId xmlns:a16="http://schemas.microsoft.com/office/drawing/2014/main" id="{D6259E2C-14F8-35D3-D93D-802C3B24B013}"/>
-              </a:ext>
-            </a:extLst>
-          </p:cNvPr>
-          <p:cNvSpPr/>
-          <p:nvPr/>
-        </p:nvSpPr>
-        <p:spPr>
-          <a:xfrm>
-            <a:off x="10256363" y="5124453"/>
-            <a:ext cx="1121791" cy="260674"/>
-          </a:xfrm>
-          <a:prstGeom prst="rect">
-            <a:avLst/>
-          </a:prstGeom>
-          <a:solidFill>
-            <a:schemeClr val="accent2">
-              <a:alpha val="50000"/>
-            </a:schemeClr>
-          </a:solidFill>
-        </p:spPr>
-        <p:style>
-          <a:lnRef idx="2">
-            <a:schemeClr val="accent2">
-              <a:shade val="15000"/>
-            </a:schemeClr>
-          </a:lnRef>
-          <a:fillRef idx="1">
-            <a:schemeClr val="accent2"/>
-          </a:fillRef>
-          <a:effectRef idx="0">
-            <a:schemeClr val="accent2"/>
-          </a:effectRef>
-          <a:fontRef idx="minor">
-            <a:schemeClr val="lt1"/>
-          </a:fontRef>
-        </p:style>
-        <p:txBody>
-          <a:bodyPr rtlCol="0" anchor="ctr"/>
-          <a:lstStyle/>
-          <a:p>
-            <a:pPr algn="ctr"/>
-            <a:endParaRPr kumimoji="1" lang="ja-JP" altLang="en-US"/>
-          </a:p>
-        </p:txBody>
-      </p:sp>
-      <p:sp>
-        <p:nvSpPr>
-          <p:cNvPr id="15" name="テキスト ボックス 14">
-            <a:extLst>
-              <a:ext uri="{FF2B5EF4-FFF2-40B4-BE49-F238E27FC236}">
-                <a16:creationId xmlns:a16="http://schemas.microsoft.com/office/drawing/2014/main" id="{75F1AF36-A0D3-5611-D0C0-845F7A65E385}"/>
-              </a:ext>
-            </a:extLst>
-          </p:cNvPr>
-          <p:cNvSpPr txBox="1"/>
-          <p:nvPr/>
-        </p:nvSpPr>
-        <p:spPr>
-          <a:xfrm>
-            <a:off x="1762814" y="1061062"/>
-            <a:ext cx="414779" cy="305234"/>
-          </a:xfrm>
-          <a:prstGeom prst="rect">
-            <a:avLst/>
-          </a:prstGeom>
-          <a:noFill/>
-        </p:spPr>
-        <p:txBody>
-          <a:bodyPr wrap="square" rtlCol="0">
-            <a:spAutoFit/>
-          </a:bodyPr>
-          <a:lstStyle/>
-          <a:p>
-            <a:r>
-              <a:rPr lang="en-US" altLang="ja-JP" dirty="0"/>
-              <a:t>③</a:t>
-            </a:r>
-            <a:endParaRPr kumimoji="1" lang="ja-JP" altLang="en-US"/>
-          </a:p>
-        </p:txBody>
-      </p:sp>
-      <p:sp>
-        <p:nvSpPr>
-          <p:cNvPr id="16" name="テキスト ボックス 15">
-            <a:extLst>
-              <a:ext uri="{FF2B5EF4-FFF2-40B4-BE49-F238E27FC236}">
-                <a16:creationId xmlns:a16="http://schemas.microsoft.com/office/drawing/2014/main" id="{A07B7557-DC94-B5AF-2628-6CEC0664BD79}"/>
-              </a:ext>
-            </a:extLst>
-          </p:cNvPr>
-          <p:cNvSpPr txBox="1"/>
-          <p:nvPr/>
-        </p:nvSpPr>
-        <p:spPr>
-          <a:xfrm>
-            <a:off x="3493985" y="1367129"/>
-            <a:ext cx="414779" cy="369332"/>
-          </a:xfrm>
-          <a:prstGeom prst="rect">
-            <a:avLst/>
-          </a:prstGeom>
-          <a:noFill/>
-        </p:spPr>
-        <p:txBody>
-          <a:bodyPr wrap="square" rtlCol="0">
-            <a:spAutoFit/>
-          </a:bodyPr>
-          <a:lstStyle/>
-          <a:p>
-            <a:r>
-              <a:rPr kumimoji="1" lang="ja-JP" altLang="en-US"/>
-              <a:t>④</a:t>
-            </a:r>
-          </a:p>
-        </p:txBody>
-      </p:sp>
-      <p:sp>
-        <p:nvSpPr>
-          <p:cNvPr id="17" name="テキスト ボックス 16">
-            <a:extLst>
-              <a:ext uri="{FF2B5EF4-FFF2-40B4-BE49-F238E27FC236}">
-                <a16:creationId xmlns:a16="http://schemas.microsoft.com/office/drawing/2014/main" id="{5C2CDE54-DD12-4961-4AAF-4CEF6E9ED2C9}"/>
-              </a:ext>
-            </a:extLst>
-          </p:cNvPr>
-          <p:cNvSpPr txBox="1"/>
-          <p:nvPr/>
-        </p:nvSpPr>
-        <p:spPr>
-          <a:xfrm>
-            <a:off x="3493985" y="1632712"/>
-            <a:ext cx="414779" cy="369332"/>
-          </a:xfrm>
-          <a:prstGeom prst="rect">
-            <a:avLst/>
-          </a:prstGeom>
-          <a:noFill/>
-        </p:spPr>
-        <p:txBody>
-          <a:bodyPr wrap="square" rtlCol="0">
-            <a:spAutoFit/>
-          </a:bodyPr>
-          <a:lstStyle/>
-          <a:p>
-            <a:r>
-              <a:rPr kumimoji="1" lang="en-US" altLang="ja-JP" dirty="0"/>
-              <a:t>⑤</a:t>
-            </a:r>
-            <a:endParaRPr kumimoji="1" lang="ja-JP" altLang="en-US"/>
-          </a:p>
-        </p:txBody>
-      </p:sp>
-      <p:sp>
-        <p:nvSpPr>
-          <p:cNvPr id="18" name="テキスト ボックス 17">
-            <a:extLst>
-              <a:ext uri="{FF2B5EF4-FFF2-40B4-BE49-F238E27FC236}">
-                <a16:creationId xmlns:a16="http://schemas.microsoft.com/office/drawing/2014/main" id="{B4F253DA-EAAE-BCDF-CD9D-8423F535D624}"/>
-              </a:ext>
-            </a:extLst>
-          </p:cNvPr>
-          <p:cNvSpPr txBox="1"/>
-          <p:nvPr/>
-        </p:nvSpPr>
-        <p:spPr>
-          <a:xfrm>
-            <a:off x="3493985" y="1897969"/>
-            <a:ext cx="414779" cy="369332"/>
-          </a:xfrm>
-          <a:prstGeom prst="rect">
-            <a:avLst/>
-          </a:prstGeom>
-          <a:noFill/>
-        </p:spPr>
-        <p:txBody>
-          <a:bodyPr wrap="square" rtlCol="0">
-            <a:spAutoFit/>
-          </a:bodyPr>
-          <a:lstStyle/>
-          <a:p>
-            <a:r>
-              <a:rPr kumimoji="1" lang="en-US" altLang="ja-JP" dirty="0"/>
-              <a:t>⑥</a:t>
-            </a:r>
-            <a:endParaRPr kumimoji="1" lang="ja-JP" altLang="en-US"/>
-          </a:p>
-        </p:txBody>
-      </p:sp>
-      <p:sp>
-        <p:nvSpPr>
-          <p:cNvPr id="19" name="テキスト ボックス 18">
-            <a:extLst>
-              <a:ext uri="{FF2B5EF4-FFF2-40B4-BE49-F238E27FC236}">
-                <a16:creationId xmlns:a16="http://schemas.microsoft.com/office/drawing/2014/main" id="{F1B82F31-3AF4-2E34-B9E3-FCFB986ABE20}"/>
-              </a:ext>
-            </a:extLst>
-          </p:cNvPr>
-          <p:cNvSpPr txBox="1"/>
-          <p:nvPr/>
-        </p:nvSpPr>
-        <p:spPr>
-          <a:xfrm>
-            <a:off x="3079206" y="2404009"/>
-            <a:ext cx="414779" cy="369332"/>
-          </a:xfrm>
-          <a:prstGeom prst="rect">
-            <a:avLst/>
-          </a:prstGeom>
-          <a:noFill/>
-        </p:spPr>
-        <p:txBody>
-          <a:bodyPr wrap="square" rtlCol="0">
-            <a:spAutoFit/>
-          </a:bodyPr>
-          <a:lstStyle/>
-          <a:p>
-            <a:r>
-              <a:rPr kumimoji="1" lang="en-US" altLang="ja-JP" dirty="0"/>
-              <a:t>⑦</a:t>
-            </a:r>
-            <a:endParaRPr kumimoji="1" lang="ja-JP" altLang="en-US"/>
-          </a:p>
-        </p:txBody>
-      </p:sp>
-      <p:sp>
-        <p:nvSpPr>
-          <p:cNvPr id="20" name="テキスト ボックス 19">
-            <a:extLst>
-              <a:ext uri="{FF2B5EF4-FFF2-40B4-BE49-F238E27FC236}">
-                <a16:creationId xmlns:a16="http://schemas.microsoft.com/office/drawing/2014/main" id="{F1190591-83A3-0C4E-D80E-4B3CE5197BCA}"/>
-              </a:ext>
-            </a:extLst>
-          </p:cNvPr>
-          <p:cNvSpPr txBox="1"/>
-          <p:nvPr/>
-        </p:nvSpPr>
-        <p:spPr>
-          <a:xfrm>
-            <a:off x="10256363" y="5102173"/>
-            <a:ext cx="414779" cy="369332"/>
-          </a:xfrm>
-          <a:prstGeom prst="rect">
-            <a:avLst/>
-          </a:prstGeom>
-          <a:noFill/>
-        </p:spPr>
-        <p:txBody>
-          <a:bodyPr wrap="square" rtlCol="0">
-            <a:spAutoFit/>
-          </a:bodyPr>
-          <a:lstStyle/>
-          <a:p>
-            <a:r>
-              <a:rPr kumimoji="1" lang="en-US" altLang="ja-JP" dirty="0"/>
-              <a:t>⑧</a:t>
-            </a:r>
-            <a:endParaRPr kumimoji="1" lang="ja-JP" altLang="en-US"/>
-          </a:p>
-        </p:txBody>
-      </p:sp>
     </p:spTree>
     <p:extLst>
       <p:ext uri="{BB962C8B-B14F-4D97-AF65-F5344CB8AC3E}">
-        <p14:creationId xmlns:p14="http://schemas.microsoft.com/office/powerpoint/2010/main" val="4036690311"/>
+        <p14:creationId xmlns:p14="http://schemas.microsoft.com/office/powerpoint/2010/main" val="1386079753"/>
       </p:ext>
     </p:extLst>
   </p:cSld>
@@ -4993,10 +5417,10 @@
       </p:grpSpPr>
       <p:pic>
         <p:nvPicPr>
-          <p:cNvPr id="5" name="図 4" descr="グラフィカル ユーザー インターフェイス, アプリケーション&#10;&#10;自動的に生成された説明">
-            <a:extLst>
-              <a:ext uri="{FF2B5EF4-FFF2-40B4-BE49-F238E27FC236}">
-                <a16:creationId xmlns:a16="http://schemas.microsoft.com/office/drawing/2014/main" id="{DADC9B33-2202-B769-8BBE-E519C492345A}"/>
+          <p:cNvPr id="5" name="図 4" descr="グラフィカル ユーザー インターフェイス, テキスト, アプリケーション&#10;&#10;自動的に生成された説明">
+            <a:extLst>
+              <a:ext uri="{FF2B5EF4-FFF2-40B4-BE49-F238E27FC236}">
+                <a16:creationId xmlns:a16="http://schemas.microsoft.com/office/drawing/2014/main" id="{0F226E97-3808-D2B7-2612-36D829824C07}"/>
               </a:ext>
             </a:extLst>
           </p:cNvPr>
@@ -5014,7 +5438,7 @@
         <p:spPr>
           <a:xfrm>
             <a:off x="0" y="0"/>
-            <a:ext cx="12191152" cy="5184742"/>
+            <a:ext cx="12054750" cy="5533534"/>
           </a:xfrm>
           <a:prstGeom prst="rect">
             <a:avLst/>
@@ -5023,10 +5447,10 @@
       </p:pic>
       <p:sp>
         <p:nvSpPr>
-          <p:cNvPr id="6" name="正方形/長方形 5">
-            <a:extLst>
-              <a:ext uri="{FF2B5EF4-FFF2-40B4-BE49-F238E27FC236}">
-                <a16:creationId xmlns:a16="http://schemas.microsoft.com/office/drawing/2014/main" id="{F1B49D37-032A-A92C-C00D-677B660B15B6}"/>
+          <p:cNvPr id="7" name="正方形/長方形 6">
+            <a:extLst>
+              <a:ext uri="{FF2B5EF4-FFF2-40B4-BE49-F238E27FC236}">
+                <a16:creationId xmlns:a16="http://schemas.microsoft.com/office/drawing/2014/main" id="{EA1B1539-B2D1-5A60-C73E-AE1340ADB3E1}"/>
               </a:ext>
             </a:extLst>
           </p:cNvPr>
@@ -5035,7 +5459,7 @@
         </p:nvSpPr>
         <p:spPr>
           <a:xfrm>
-            <a:off x="174613" y="1131786"/>
+            <a:off x="163617" y="1103505"/>
             <a:ext cx="3861627" cy="236976"/>
           </a:xfrm>
           <a:prstGeom prst="rect">
@@ -5074,10 +5498,10 @@
       </p:sp>
       <p:sp>
         <p:nvSpPr>
-          <p:cNvPr id="7" name="正方形/長方形 6">
-            <a:extLst>
-              <a:ext uri="{FF2B5EF4-FFF2-40B4-BE49-F238E27FC236}">
-                <a16:creationId xmlns:a16="http://schemas.microsoft.com/office/drawing/2014/main" id="{130841D9-3CCB-E903-7202-C7A6E99D0EDE}"/>
+          <p:cNvPr id="10" name="正方形/長方形 9">
+            <a:extLst>
+              <a:ext uri="{FF2B5EF4-FFF2-40B4-BE49-F238E27FC236}">
+                <a16:creationId xmlns:a16="http://schemas.microsoft.com/office/drawing/2014/main" id="{58F496C7-5411-F006-C49C-E018E6CCE343}"/>
               </a:ext>
             </a:extLst>
           </p:cNvPr>
@@ -5086,7 +5510,7 @@
         </p:nvSpPr>
         <p:spPr>
           <a:xfrm>
-            <a:off x="174613" y="1680113"/>
+            <a:off x="163617" y="1414590"/>
             <a:ext cx="3861627" cy="236976"/>
           </a:xfrm>
           <a:prstGeom prst="rect">
@@ -5125,10 +5549,10 @@
       </p:sp>
       <p:sp>
         <p:nvSpPr>
-          <p:cNvPr id="8" name="正方形/長方形 7">
-            <a:extLst>
-              <a:ext uri="{FF2B5EF4-FFF2-40B4-BE49-F238E27FC236}">
-                <a16:creationId xmlns:a16="http://schemas.microsoft.com/office/drawing/2014/main" id="{71E75316-C40E-C361-1338-3E0FA31BE26E}"/>
+          <p:cNvPr id="11" name="正方形/長方形 10">
+            <a:extLst>
+              <a:ext uri="{FF2B5EF4-FFF2-40B4-BE49-F238E27FC236}">
+                <a16:creationId xmlns:a16="http://schemas.microsoft.com/office/drawing/2014/main" id="{F7BBE09A-0C56-4FAA-5E1F-0A1E9FFCA888}"/>
               </a:ext>
             </a:extLst>
           </p:cNvPr>
@@ -5137,8 +5561,8 @@
         </p:nvSpPr>
         <p:spPr>
           <a:xfrm>
-            <a:off x="10341206" y="4766237"/>
-            <a:ext cx="1121791" cy="260674"/>
+            <a:off x="163617" y="1670989"/>
+            <a:ext cx="3861627" cy="236976"/>
           </a:xfrm>
           <a:prstGeom prst="rect">
             <a:avLst/>
@@ -5176,10 +5600,163 @@
       </p:sp>
       <p:sp>
         <p:nvSpPr>
-          <p:cNvPr id="9" name="テキスト ボックス 8">
-            <a:extLst>
-              <a:ext uri="{FF2B5EF4-FFF2-40B4-BE49-F238E27FC236}">
-                <a16:creationId xmlns:a16="http://schemas.microsoft.com/office/drawing/2014/main" id="{6D645027-7454-069C-BEC1-0CCA5DE29873}"/>
+          <p:cNvPr id="12" name="正方形/長方形 11">
+            <a:extLst>
+              <a:ext uri="{FF2B5EF4-FFF2-40B4-BE49-F238E27FC236}">
+                <a16:creationId xmlns:a16="http://schemas.microsoft.com/office/drawing/2014/main" id="{A7AF254D-C990-4EC1-A19C-F10E533186EF}"/>
+              </a:ext>
+            </a:extLst>
+          </p:cNvPr>
+          <p:cNvSpPr/>
+          <p:nvPr/>
+        </p:nvSpPr>
+        <p:spPr>
+          <a:xfrm>
+            <a:off x="163617" y="1940565"/>
+            <a:ext cx="3861627" cy="236976"/>
+          </a:xfrm>
+          <a:prstGeom prst="rect">
+            <a:avLst/>
+          </a:prstGeom>
+          <a:solidFill>
+            <a:schemeClr val="accent2">
+              <a:alpha val="50000"/>
+            </a:schemeClr>
+          </a:solidFill>
+        </p:spPr>
+        <p:style>
+          <a:lnRef idx="2">
+            <a:schemeClr val="accent2">
+              <a:shade val="15000"/>
+            </a:schemeClr>
+          </a:lnRef>
+          <a:fillRef idx="1">
+            <a:schemeClr val="accent2"/>
+          </a:fillRef>
+          <a:effectRef idx="0">
+            <a:schemeClr val="accent2"/>
+          </a:effectRef>
+          <a:fontRef idx="minor">
+            <a:schemeClr val="lt1"/>
+          </a:fontRef>
+        </p:style>
+        <p:txBody>
+          <a:bodyPr rtlCol="0" anchor="ctr"/>
+          <a:lstStyle/>
+          <a:p>
+            <a:pPr algn="ctr"/>
+            <a:endParaRPr kumimoji="1" lang="ja-JP" altLang="en-US"/>
+          </a:p>
+        </p:txBody>
+      </p:sp>
+      <p:sp>
+        <p:nvSpPr>
+          <p:cNvPr id="13" name="正方形/長方形 12">
+            <a:extLst>
+              <a:ext uri="{FF2B5EF4-FFF2-40B4-BE49-F238E27FC236}">
+                <a16:creationId xmlns:a16="http://schemas.microsoft.com/office/drawing/2014/main" id="{9CD14508-5982-3A33-5AC8-5EE8FBC22AEA}"/>
+              </a:ext>
+            </a:extLst>
+          </p:cNvPr>
+          <p:cNvSpPr/>
+          <p:nvPr/>
+        </p:nvSpPr>
+        <p:spPr>
+          <a:xfrm>
+            <a:off x="163617" y="2443986"/>
+            <a:ext cx="3861627" cy="236976"/>
+          </a:xfrm>
+          <a:prstGeom prst="rect">
+            <a:avLst/>
+          </a:prstGeom>
+          <a:solidFill>
+            <a:schemeClr val="accent2">
+              <a:alpha val="50000"/>
+            </a:schemeClr>
+          </a:solidFill>
+        </p:spPr>
+        <p:style>
+          <a:lnRef idx="2">
+            <a:schemeClr val="accent2">
+              <a:shade val="15000"/>
+            </a:schemeClr>
+          </a:lnRef>
+          <a:fillRef idx="1">
+            <a:schemeClr val="accent2"/>
+          </a:fillRef>
+          <a:effectRef idx="0">
+            <a:schemeClr val="accent2"/>
+          </a:effectRef>
+          <a:fontRef idx="minor">
+            <a:schemeClr val="lt1"/>
+          </a:fontRef>
+        </p:style>
+        <p:txBody>
+          <a:bodyPr rtlCol="0" anchor="ctr"/>
+          <a:lstStyle/>
+          <a:p>
+            <a:pPr algn="ctr"/>
+            <a:endParaRPr kumimoji="1" lang="ja-JP" altLang="en-US"/>
+          </a:p>
+        </p:txBody>
+      </p:sp>
+      <p:sp>
+        <p:nvSpPr>
+          <p:cNvPr id="14" name="正方形/長方形 13">
+            <a:extLst>
+              <a:ext uri="{FF2B5EF4-FFF2-40B4-BE49-F238E27FC236}">
+                <a16:creationId xmlns:a16="http://schemas.microsoft.com/office/drawing/2014/main" id="{D6259E2C-14F8-35D3-D93D-802C3B24B013}"/>
+              </a:ext>
+            </a:extLst>
+          </p:cNvPr>
+          <p:cNvSpPr/>
+          <p:nvPr/>
+        </p:nvSpPr>
+        <p:spPr>
+          <a:xfrm>
+            <a:off x="10256363" y="5124453"/>
+            <a:ext cx="1121791" cy="260674"/>
+          </a:xfrm>
+          <a:prstGeom prst="rect">
+            <a:avLst/>
+          </a:prstGeom>
+          <a:solidFill>
+            <a:schemeClr val="accent2">
+              <a:alpha val="50000"/>
+            </a:schemeClr>
+          </a:solidFill>
+        </p:spPr>
+        <p:style>
+          <a:lnRef idx="2">
+            <a:schemeClr val="accent2">
+              <a:shade val="15000"/>
+            </a:schemeClr>
+          </a:lnRef>
+          <a:fillRef idx="1">
+            <a:schemeClr val="accent2"/>
+          </a:fillRef>
+          <a:effectRef idx="0">
+            <a:schemeClr val="accent2"/>
+          </a:effectRef>
+          <a:fontRef idx="minor">
+            <a:schemeClr val="lt1"/>
+          </a:fontRef>
+        </p:style>
+        <p:txBody>
+          <a:bodyPr rtlCol="0" anchor="ctr"/>
+          <a:lstStyle/>
+          <a:p>
+            <a:pPr algn="ctr"/>
+            <a:endParaRPr kumimoji="1" lang="ja-JP" altLang="en-US"/>
+          </a:p>
+        </p:txBody>
+      </p:sp>
+      <p:sp>
+        <p:nvSpPr>
+          <p:cNvPr id="15" name="テキスト ボックス 14">
+            <a:extLst>
+              <a:ext uri="{FF2B5EF4-FFF2-40B4-BE49-F238E27FC236}">
+                <a16:creationId xmlns:a16="http://schemas.microsoft.com/office/drawing/2014/main" id="{75F1AF36-A0D3-5611-D0C0-845F7A65E385}"/>
               </a:ext>
             </a:extLst>
           </p:cNvPr>
@@ -5188,7 +5765,7 @@
         </p:nvSpPr>
         <p:spPr>
           <a:xfrm>
-            <a:off x="1762814" y="1089343"/>
+            <a:off x="1762814" y="1061062"/>
             <a:ext cx="414779" cy="305234"/>
           </a:xfrm>
           <a:prstGeom prst="rect">
@@ -5212,10 +5789,10 @@
       </p:sp>
       <p:sp>
         <p:nvSpPr>
-          <p:cNvPr id="10" name="テキスト ボックス 9">
-            <a:extLst>
-              <a:ext uri="{FF2B5EF4-FFF2-40B4-BE49-F238E27FC236}">
-                <a16:creationId xmlns:a16="http://schemas.microsoft.com/office/drawing/2014/main" id="{A486561B-49B9-F57B-E97E-E1113E349628}"/>
+          <p:cNvPr id="16" name="テキスト ボックス 15">
+            <a:extLst>
+              <a:ext uri="{FF2B5EF4-FFF2-40B4-BE49-F238E27FC236}">
+                <a16:creationId xmlns:a16="http://schemas.microsoft.com/office/drawing/2014/main" id="{A07B7557-DC94-B5AF-2628-6CEC0664BD79}"/>
               </a:ext>
             </a:extLst>
           </p:cNvPr>
@@ -5224,7 +5801,7 @@
         </p:nvSpPr>
         <p:spPr>
           <a:xfrm>
-            <a:off x="3357514" y="1637668"/>
+            <a:off x="3493985" y="1367129"/>
             <a:ext cx="414779" cy="369332"/>
           </a:xfrm>
           <a:prstGeom prst="rect">
@@ -5242,16 +5819,15 @@
               <a:rPr kumimoji="1" lang="ja-JP" altLang="en-US"/>
               <a:t>④</a:t>
             </a:r>
-            <a:endParaRPr kumimoji="1" lang="en-US" altLang="ja-JP" dirty="0"/>
-          </a:p>
-        </p:txBody>
-      </p:sp>
-      <p:sp>
-        <p:nvSpPr>
-          <p:cNvPr id="11" name="テキスト ボックス 10">
-            <a:extLst>
-              <a:ext uri="{FF2B5EF4-FFF2-40B4-BE49-F238E27FC236}">
-                <a16:creationId xmlns:a16="http://schemas.microsoft.com/office/drawing/2014/main" id="{86C42038-7486-C79F-7D54-CBAF55E3046F}"/>
+          </a:p>
+        </p:txBody>
+      </p:sp>
+      <p:sp>
+        <p:nvSpPr>
+          <p:cNvPr id="17" name="テキスト ボックス 16">
+            <a:extLst>
+              <a:ext uri="{FF2B5EF4-FFF2-40B4-BE49-F238E27FC236}">
+                <a16:creationId xmlns:a16="http://schemas.microsoft.com/office/drawing/2014/main" id="{5C2CDE54-DD12-4961-4AAF-4CEF6E9ED2C9}"/>
               </a:ext>
             </a:extLst>
           </p:cNvPr>
@@ -5260,7 +5836,7 @@
         </p:nvSpPr>
         <p:spPr>
           <a:xfrm>
-            <a:off x="10419761" y="4743957"/>
+            <a:off x="3493985" y="1632712"/>
             <a:ext cx="414779" cy="369332"/>
           </a:xfrm>
           <a:prstGeom prst="rect">
@@ -5275,8 +5851,116 @@
           <a:lstStyle/>
           <a:p>
             <a:r>
-              <a:rPr lang="en-US" altLang="ja-JP" dirty="0"/>
+              <a:rPr kumimoji="1" lang="en-US" altLang="ja-JP" dirty="0"/>
               <a:t>⑤</a:t>
+            </a:r>
+            <a:endParaRPr kumimoji="1" lang="ja-JP" altLang="en-US"/>
+          </a:p>
+        </p:txBody>
+      </p:sp>
+      <p:sp>
+        <p:nvSpPr>
+          <p:cNvPr id="18" name="テキスト ボックス 17">
+            <a:extLst>
+              <a:ext uri="{FF2B5EF4-FFF2-40B4-BE49-F238E27FC236}">
+                <a16:creationId xmlns:a16="http://schemas.microsoft.com/office/drawing/2014/main" id="{B4F253DA-EAAE-BCDF-CD9D-8423F535D624}"/>
+              </a:ext>
+            </a:extLst>
+          </p:cNvPr>
+          <p:cNvSpPr txBox="1"/>
+          <p:nvPr/>
+        </p:nvSpPr>
+        <p:spPr>
+          <a:xfrm>
+            <a:off x="3493985" y="1897969"/>
+            <a:ext cx="414779" cy="369332"/>
+          </a:xfrm>
+          <a:prstGeom prst="rect">
+            <a:avLst/>
+          </a:prstGeom>
+          <a:noFill/>
+        </p:spPr>
+        <p:txBody>
+          <a:bodyPr wrap="square" rtlCol="0">
+            <a:spAutoFit/>
+          </a:bodyPr>
+          <a:lstStyle/>
+          <a:p>
+            <a:r>
+              <a:rPr kumimoji="1" lang="en-US" altLang="ja-JP" dirty="0"/>
+              <a:t>⑥</a:t>
+            </a:r>
+            <a:endParaRPr kumimoji="1" lang="ja-JP" altLang="en-US"/>
+          </a:p>
+        </p:txBody>
+      </p:sp>
+      <p:sp>
+        <p:nvSpPr>
+          <p:cNvPr id="19" name="テキスト ボックス 18">
+            <a:extLst>
+              <a:ext uri="{FF2B5EF4-FFF2-40B4-BE49-F238E27FC236}">
+                <a16:creationId xmlns:a16="http://schemas.microsoft.com/office/drawing/2014/main" id="{F1B82F31-3AF4-2E34-B9E3-FCFB986ABE20}"/>
+              </a:ext>
+            </a:extLst>
+          </p:cNvPr>
+          <p:cNvSpPr txBox="1"/>
+          <p:nvPr/>
+        </p:nvSpPr>
+        <p:spPr>
+          <a:xfrm>
+            <a:off x="3079206" y="2404009"/>
+            <a:ext cx="414779" cy="369332"/>
+          </a:xfrm>
+          <a:prstGeom prst="rect">
+            <a:avLst/>
+          </a:prstGeom>
+          <a:noFill/>
+        </p:spPr>
+        <p:txBody>
+          <a:bodyPr wrap="square" rtlCol="0">
+            <a:spAutoFit/>
+          </a:bodyPr>
+          <a:lstStyle/>
+          <a:p>
+            <a:r>
+              <a:rPr kumimoji="1" lang="en-US" altLang="ja-JP" dirty="0"/>
+              <a:t>⑦</a:t>
+            </a:r>
+            <a:endParaRPr kumimoji="1" lang="ja-JP" altLang="en-US"/>
+          </a:p>
+        </p:txBody>
+      </p:sp>
+      <p:sp>
+        <p:nvSpPr>
+          <p:cNvPr id="20" name="テキスト ボックス 19">
+            <a:extLst>
+              <a:ext uri="{FF2B5EF4-FFF2-40B4-BE49-F238E27FC236}">
+                <a16:creationId xmlns:a16="http://schemas.microsoft.com/office/drawing/2014/main" id="{F1190591-83A3-0C4E-D80E-4B3CE5197BCA}"/>
+              </a:ext>
+            </a:extLst>
+          </p:cNvPr>
+          <p:cNvSpPr txBox="1"/>
+          <p:nvPr/>
+        </p:nvSpPr>
+        <p:spPr>
+          <a:xfrm>
+            <a:off x="10256363" y="5102173"/>
+            <a:ext cx="414779" cy="369332"/>
+          </a:xfrm>
+          <a:prstGeom prst="rect">
+            <a:avLst/>
+          </a:prstGeom>
+          <a:noFill/>
+        </p:spPr>
+        <p:txBody>
+          <a:bodyPr wrap="square" rtlCol="0">
+            <a:spAutoFit/>
+          </a:bodyPr>
+          <a:lstStyle/>
+          <a:p>
+            <a:r>
+              <a:rPr kumimoji="1" lang="en-US" altLang="ja-JP" dirty="0"/>
+              <a:t>⑧</a:t>
             </a:r>
             <a:endParaRPr kumimoji="1" lang="ja-JP" altLang="en-US"/>
           </a:p>
@@ -5285,7 +5969,7 @@
     </p:spTree>
     <p:extLst>
       <p:ext uri="{BB962C8B-B14F-4D97-AF65-F5344CB8AC3E}">
-        <p14:creationId xmlns:p14="http://schemas.microsoft.com/office/powerpoint/2010/main" val="3937282397"/>
+        <p14:creationId xmlns:p14="http://schemas.microsoft.com/office/powerpoint/2010/main" val="4036690311"/>
       </p:ext>
     </p:extLst>
   </p:cSld>
@@ -5314,10 +5998,10 @@
       </p:grpSpPr>
       <p:pic>
         <p:nvPicPr>
-          <p:cNvPr id="5" name="図 4" descr="グラフィカル ユーザー インターフェイス, アプリケーション, Word&#10;&#10;自動的に生成された説明">
-            <a:extLst>
-              <a:ext uri="{FF2B5EF4-FFF2-40B4-BE49-F238E27FC236}">
-                <a16:creationId xmlns:a16="http://schemas.microsoft.com/office/drawing/2014/main" id="{29FBF5A6-6808-2AD2-7F95-7AE62F3DC296}"/>
+          <p:cNvPr id="5" name="図 4" descr="グラフィカル ユーザー インターフェイス, アプリケーション&#10;&#10;自動的に生成された説明">
+            <a:extLst>
+              <a:ext uri="{FF2B5EF4-FFF2-40B4-BE49-F238E27FC236}">
+                <a16:creationId xmlns:a16="http://schemas.microsoft.com/office/drawing/2014/main" id="{DADC9B33-2202-B769-8BBE-E519C492345A}"/>
               </a:ext>
             </a:extLst>
           </p:cNvPr>
@@ -5334,18 +6018,279 @@
         </p:blipFill>
         <p:spPr>
           <a:xfrm>
-            <a:off x="-1" y="0"/>
-            <a:ext cx="12201687" cy="5184742"/>
+            <a:off x="0" y="0"/>
+            <a:ext cx="12191152" cy="5184742"/>
           </a:xfrm>
           <a:prstGeom prst="rect">
             <a:avLst/>
           </a:prstGeom>
         </p:spPr>
       </p:pic>
+      <p:sp>
+        <p:nvSpPr>
+          <p:cNvPr id="6" name="正方形/長方形 5">
+            <a:extLst>
+              <a:ext uri="{FF2B5EF4-FFF2-40B4-BE49-F238E27FC236}">
+                <a16:creationId xmlns:a16="http://schemas.microsoft.com/office/drawing/2014/main" id="{F1B49D37-032A-A92C-C00D-677B660B15B6}"/>
+              </a:ext>
+            </a:extLst>
+          </p:cNvPr>
+          <p:cNvSpPr/>
+          <p:nvPr/>
+        </p:nvSpPr>
+        <p:spPr>
+          <a:xfrm>
+            <a:off x="174613" y="1131786"/>
+            <a:ext cx="3861627" cy="236976"/>
+          </a:xfrm>
+          <a:prstGeom prst="rect">
+            <a:avLst/>
+          </a:prstGeom>
+          <a:solidFill>
+            <a:schemeClr val="accent2">
+              <a:alpha val="50000"/>
+            </a:schemeClr>
+          </a:solidFill>
+        </p:spPr>
+        <p:style>
+          <a:lnRef idx="2">
+            <a:schemeClr val="accent2">
+              <a:shade val="15000"/>
+            </a:schemeClr>
+          </a:lnRef>
+          <a:fillRef idx="1">
+            <a:schemeClr val="accent2"/>
+          </a:fillRef>
+          <a:effectRef idx="0">
+            <a:schemeClr val="accent2"/>
+          </a:effectRef>
+          <a:fontRef idx="minor">
+            <a:schemeClr val="lt1"/>
+          </a:fontRef>
+        </p:style>
+        <p:txBody>
+          <a:bodyPr rtlCol="0" anchor="ctr"/>
+          <a:lstStyle/>
+          <a:p>
+            <a:pPr algn="ctr"/>
+            <a:endParaRPr kumimoji="1" lang="ja-JP" altLang="en-US"/>
+          </a:p>
+        </p:txBody>
+      </p:sp>
+      <p:sp>
+        <p:nvSpPr>
+          <p:cNvPr id="7" name="正方形/長方形 6">
+            <a:extLst>
+              <a:ext uri="{FF2B5EF4-FFF2-40B4-BE49-F238E27FC236}">
+                <a16:creationId xmlns:a16="http://schemas.microsoft.com/office/drawing/2014/main" id="{130841D9-3CCB-E903-7202-C7A6E99D0EDE}"/>
+              </a:ext>
+            </a:extLst>
+          </p:cNvPr>
+          <p:cNvSpPr/>
+          <p:nvPr/>
+        </p:nvSpPr>
+        <p:spPr>
+          <a:xfrm>
+            <a:off x="174613" y="1680113"/>
+            <a:ext cx="3861627" cy="236976"/>
+          </a:xfrm>
+          <a:prstGeom prst="rect">
+            <a:avLst/>
+          </a:prstGeom>
+          <a:solidFill>
+            <a:schemeClr val="accent2">
+              <a:alpha val="50000"/>
+            </a:schemeClr>
+          </a:solidFill>
+        </p:spPr>
+        <p:style>
+          <a:lnRef idx="2">
+            <a:schemeClr val="accent2">
+              <a:shade val="15000"/>
+            </a:schemeClr>
+          </a:lnRef>
+          <a:fillRef idx="1">
+            <a:schemeClr val="accent2"/>
+          </a:fillRef>
+          <a:effectRef idx="0">
+            <a:schemeClr val="accent2"/>
+          </a:effectRef>
+          <a:fontRef idx="minor">
+            <a:schemeClr val="lt1"/>
+          </a:fontRef>
+        </p:style>
+        <p:txBody>
+          <a:bodyPr rtlCol="0" anchor="ctr"/>
+          <a:lstStyle/>
+          <a:p>
+            <a:pPr algn="ctr"/>
+            <a:endParaRPr kumimoji="1" lang="ja-JP" altLang="en-US"/>
+          </a:p>
+        </p:txBody>
+      </p:sp>
+      <p:sp>
+        <p:nvSpPr>
+          <p:cNvPr id="8" name="正方形/長方形 7">
+            <a:extLst>
+              <a:ext uri="{FF2B5EF4-FFF2-40B4-BE49-F238E27FC236}">
+                <a16:creationId xmlns:a16="http://schemas.microsoft.com/office/drawing/2014/main" id="{71E75316-C40E-C361-1338-3E0FA31BE26E}"/>
+              </a:ext>
+            </a:extLst>
+          </p:cNvPr>
+          <p:cNvSpPr/>
+          <p:nvPr/>
+        </p:nvSpPr>
+        <p:spPr>
+          <a:xfrm>
+            <a:off x="10341206" y="4766237"/>
+            <a:ext cx="1121791" cy="260674"/>
+          </a:xfrm>
+          <a:prstGeom prst="rect">
+            <a:avLst/>
+          </a:prstGeom>
+          <a:solidFill>
+            <a:schemeClr val="accent2">
+              <a:alpha val="50000"/>
+            </a:schemeClr>
+          </a:solidFill>
+        </p:spPr>
+        <p:style>
+          <a:lnRef idx="2">
+            <a:schemeClr val="accent2">
+              <a:shade val="15000"/>
+            </a:schemeClr>
+          </a:lnRef>
+          <a:fillRef idx="1">
+            <a:schemeClr val="accent2"/>
+          </a:fillRef>
+          <a:effectRef idx="0">
+            <a:schemeClr val="accent2"/>
+          </a:effectRef>
+          <a:fontRef idx="minor">
+            <a:schemeClr val="lt1"/>
+          </a:fontRef>
+        </p:style>
+        <p:txBody>
+          <a:bodyPr rtlCol="0" anchor="ctr"/>
+          <a:lstStyle/>
+          <a:p>
+            <a:pPr algn="ctr"/>
+            <a:endParaRPr kumimoji="1" lang="ja-JP" altLang="en-US"/>
+          </a:p>
+        </p:txBody>
+      </p:sp>
+      <p:sp>
+        <p:nvSpPr>
+          <p:cNvPr id="9" name="テキスト ボックス 8">
+            <a:extLst>
+              <a:ext uri="{FF2B5EF4-FFF2-40B4-BE49-F238E27FC236}">
+                <a16:creationId xmlns:a16="http://schemas.microsoft.com/office/drawing/2014/main" id="{6D645027-7454-069C-BEC1-0CCA5DE29873}"/>
+              </a:ext>
+            </a:extLst>
+          </p:cNvPr>
+          <p:cNvSpPr txBox="1"/>
+          <p:nvPr/>
+        </p:nvSpPr>
+        <p:spPr>
+          <a:xfrm>
+            <a:off x="1762814" y="1089343"/>
+            <a:ext cx="414779" cy="305234"/>
+          </a:xfrm>
+          <a:prstGeom prst="rect">
+            <a:avLst/>
+          </a:prstGeom>
+          <a:noFill/>
+        </p:spPr>
+        <p:txBody>
+          <a:bodyPr wrap="square" rtlCol="0">
+            <a:spAutoFit/>
+          </a:bodyPr>
+          <a:lstStyle/>
+          <a:p>
+            <a:r>
+              <a:rPr lang="en-US" altLang="ja-JP" dirty="0"/>
+              <a:t>③</a:t>
+            </a:r>
+            <a:endParaRPr kumimoji="1" lang="ja-JP" altLang="en-US"/>
+          </a:p>
+        </p:txBody>
+      </p:sp>
+      <p:sp>
+        <p:nvSpPr>
+          <p:cNvPr id="10" name="テキスト ボックス 9">
+            <a:extLst>
+              <a:ext uri="{FF2B5EF4-FFF2-40B4-BE49-F238E27FC236}">
+                <a16:creationId xmlns:a16="http://schemas.microsoft.com/office/drawing/2014/main" id="{A486561B-49B9-F57B-E97E-E1113E349628}"/>
+              </a:ext>
+            </a:extLst>
+          </p:cNvPr>
+          <p:cNvSpPr txBox="1"/>
+          <p:nvPr/>
+        </p:nvSpPr>
+        <p:spPr>
+          <a:xfrm>
+            <a:off x="3357514" y="1637668"/>
+            <a:ext cx="414779" cy="369332"/>
+          </a:xfrm>
+          <a:prstGeom prst="rect">
+            <a:avLst/>
+          </a:prstGeom>
+          <a:noFill/>
+        </p:spPr>
+        <p:txBody>
+          <a:bodyPr wrap="square" rtlCol="0">
+            <a:spAutoFit/>
+          </a:bodyPr>
+          <a:lstStyle/>
+          <a:p>
+            <a:r>
+              <a:rPr kumimoji="1" lang="ja-JP" altLang="en-US"/>
+              <a:t>④</a:t>
+            </a:r>
+            <a:endParaRPr kumimoji="1" lang="en-US" altLang="ja-JP" dirty="0"/>
+          </a:p>
+        </p:txBody>
+      </p:sp>
+      <p:sp>
+        <p:nvSpPr>
+          <p:cNvPr id="11" name="テキスト ボックス 10">
+            <a:extLst>
+              <a:ext uri="{FF2B5EF4-FFF2-40B4-BE49-F238E27FC236}">
+                <a16:creationId xmlns:a16="http://schemas.microsoft.com/office/drawing/2014/main" id="{86C42038-7486-C79F-7D54-CBAF55E3046F}"/>
+              </a:ext>
+            </a:extLst>
+          </p:cNvPr>
+          <p:cNvSpPr txBox="1"/>
+          <p:nvPr/>
+        </p:nvSpPr>
+        <p:spPr>
+          <a:xfrm>
+            <a:off x="10419761" y="4743957"/>
+            <a:ext cx="414779" cy="369332"/>
+          </a:xfrm>
+          <a:prstGeom prst="rect">
+            <a:avLst/>
+          </a:prstGeom>
+          <a:noFill/>
+        </p:spPr>
+        <p:txBody>
+          <a:bodyPr wrap="square" rtlCol="0">
+            <a:spAutoFit/>
+          </a:bodyPr>
+          <a:lstStyle/>
+          <a:p>
+            <a:r>
+              <a:rPr lang="en-US" altLang="ja-JP" dirty="0"/>
+              <a:t>⑤</a:t>
+            </a:r>
+            <a:endParaRPr kumimoji="1" lang="ja-JP" altLang="en-US"/>
+          </a:p>
+        </p:txBody>
+      </p:sp>
     </p:spTree>
     <p:extLst>
       <p:ext uri="{BB962C8B-B14F-4D97-AF65-F5344CB8AC3E}">
-        <p14:creationId xmlns:p14="http://schemas.microsoft.com/office/powerpoint/2010/main" val="1367162684"/>
+        <p14:creationId xmlns:p14="http://schemas.microsoft.com/office/powerpoint/2010/main" val="3937282397"/>
       </p:ext>
     </p:extLst>
   </p:cSld>
@@ -5374,10 +6319,10 @@
       </p:grpSpPr>
       <p:pic>
         <p:nvPicPr>
-          <p:cNvPr id="5" name="図 4" descr="グラフィカル ユーザー インターフェイス, テキスト, アプリケーション&#10;&#10;自動的に生成された説明">
-            <a:extLst>
-              <a:ext uri="{FF2B5EF4-FFF2-40B4-BE49-F238E27FC236}">
-                <a16:creationId xmlns:a16="http://schemas.microsoft.com/office/drawing/2014/main" id="{0F226E97-3808-D2B7-2612-36D829824C07}"/>
+          <p:cNvPr id="5" name="図 4" descr="グラフィカル ユーザー インターフェイス, アプリケーション, Word&#10;&#10;自動的に生成された説明">
+            <a:extLst>
+              <a:ext uri="{FF2B5EF4-FFF2-40B4-BE49-F238E27FC236}">
+                <a16:creationId xmlns:a16="http://schemas.microsoft.com/office/drawing/2014/main" id="{29FBF5A6-6808-2AD2-7F95-7AE62F3DC296}"/>
               </a:ext>
             </a:extLst>
           </p:cNvPr>
@@ -5394,105 +6339,18 @@
         </p:blipFill>
         <p:spPr>
           <a:xfrm>
-            <a:off x="0" y="0"/>
-            <a:ext cx="12054750" cy="5533534"/>
+            <a:off x="-1" y="0"/>
+            <a:ext cx="12201687" cy="5184742"/>
           </a:xfrm>
           <a:prstGeom prst="rect">
             <a:avLst/>
           </a:prstGeom>
         </p:spPr>
       </p:pic>
-      <p:sp>
-        <p:nvSpPr>
-          <p:cNvPr id="7" name="正方形/長方形 6">
-            <a:extLst>
-              <a:ext uri="{FF2B5EF4-FFF2-40B4-BE49-F238E27FC236}">
-                <a16:creationId xmlns:a16="http://schemas.microsoft.com/office/drawing/2014/main" id="{EA1B1539-B2D1-5A60-C73E-AE1340ADB3E1}"/>
-              </a:ext>
-            </a:extLst>
-          </p:cNvPr>
-          <p:cNvSpPr/>
-          <p:nvPr/>
-        </p:nvSpPr>
-        <p:spPr>
-          <a:xfrm>
-            <a:off x="1270939" y="5143307"/>
-            <a:ext cx="2037870" cy="236976"/>
-          </a:xfrm>
-          <a:prstGeom prst="rect">
-            <a:avLst/>
-          </a:prstGeom>
-          <a:solidFill>
-            <a:schemeClr val="accent2">
-              <a:alpha val="50000"/>
-            </a:schemeClr>
-          </a:solidFill>
-        </p:spPr>
-        <p:style>
-          <a:lnRef idx="2">
-            <a:schemeClr val="accent2">
-              <a:shade val="15000"/>
-            </a:schemeClr>
-          </a:lnRef>
-          <a:fillRef idx="1">
-            <a:schemeClr val="accent2"/>
-          </a:fillRef>
-          <a:effectRef idx="0">
-            <a:schemeClr val="accent2"/>
-          </a:effectRef>
-          <a:fontRef idx="minor">
-            <a:schemeClr val="lt1"/>
-          </a:fontRef>
-        </p:style>
-        <p:txBody>
-          <a:bodyPr rtlCol="0" anchor="ctr"/>
-          <a:lstStyle/>
-          <a:p>
-            <a:pPr algn="ctr"/>
-            <a:endParaRPr kumimoji="1" lang="ja-JP" altLang="en-US"/>
-          </a:p>
-        </p:txBody>
-      </p:sp>
-      <p:sp>
-        <p:nvSpPr>
-          <p:cNvPr id="15" name="テキスト ボックス 14">
-            <a:extLst>
-              <a:ext uri="{FF2B5EF4-FFF2-40B4-BE49-F238E27FC236}">
-                <a16:creationId xmlns:a16="http://schemas.microsoft.com/office/drawing/2014/main" id="{75F1AF36-A0D3-5611-D0C0-845F7A65E385}"/>
-              </a:ext>
-            </a:extLst>
-          </p:cNvPr>
-          <p:cNvSpPr txBox="1"/>
-          <p:nvPr/>
-        </p:nvSpPr>
-        <p:spPr>
-          <a:xfrm>
-            <a:off x="2843535" y="5103330"/>
-            <a:ext cx="414779" cy="305234"/>
-          </a:xfrm>
-          <a:prstGeom prst="rect">
-            <a:avLst/>
-          </a:prstGeom>
-          <a:noFill/>
-        </p:spPr>
-        <p:txBody>
-          <a:bodyPr wrap="square" rtlCol="0">
-            <a:spAutoFit/>
-          </a:bodyPr>
-          <a:lstStyle/>
-          <a:p>
-            <a:r>
-              <a:rPr lang="en-US" altLang="ja-JP" dirty="0"/>
-              <a:t>③</a:t>
-            </a:r>
-            <a:endParaRPr kumimoji="1" lang="ja-JP" altLang="en-US"/>
-          </a:p>
-        </p:txBody>
-      </p:sp>
     </p:spTree>
     <p:extLst>
       <p:ext uri="{BB962C8B-B14F-4D97-AF65-F5344CB8AC3E}">
-        <p14:creationId xmlns:p14="http://schemas.microsoft.com/office/powerpoint/2010/main" val="3749420761"/>
+        <p14:creationId xmlns:p14="http://schemas.microsoft.com/office/powerpoint/2010/main" val="1367162684"/>
       </p:ext>
     </p:extLst>
   </p:cSld>
@@ -5521,10 +6379,10 @@
       </p:grpSpPr>
       <p:pic>
         <p:nvPicPr>
-          <p:cNvPr id="5" name="図 4" descr="ダイアグラム&#10;&#10;低い精度で自動的に生成された説明">
-            <a:extLst>
-              <a:ext uri="{FF2B5EF4-FFF2-40B4-BE49-F238E27FC236}">
-                <a16:creationId xmlns:a16="http://schemas.microsoft.com/office/drawing/2014/main" id="{792A485A-FFBC-AD0B-950C-315FD4E943E1}"/>
+          <p:cNvPr id="5" name="図 4" descr="グラフィカル ユーザー インターフェイス, テキスト, アプリケーション&#10;&#10;自動的に生成された説明">
+            <a:extLst>
+              <a:ext uri="{FF2B5EF4-FFF2-40B4-BE49-F238E27FC236}">
+                <a16:creationId xmlns:a16="http://schemas.microsoft.com/office/drawing/2014/main" id="{0F226E97-3808-D2B7-2612-36D829824C07}"/>
               </a:ext>
             </a:extLst>
           </p:cNvPr>
@@ -5541,8 +6399,8 @@
         </p:blipFill>
         <p:spPr>
           <a:xfrm>
-            <a:off x="188536" y="103108"/>
-            <a:ext cx="11142483" cy="6651783"/>
+            <a:off x="0" y="0"/>
+            <a:ext cx="12054750" cy="5533534"/>
           </a:xfrm>
           <a:prstGeom prst="rect">
             <a:avLst/>
@@ -5551,10 +6409,10 @@
       </p:pic>
       <p:sp>
         <p:nvSpPr>
-          <p:cNvPr id="6" name="正方形/長方形 5">
-            <a:extLst>
-              <a:ext uri="{FF2B5EF4-FFF2-40B4-BE49-F238E27FC236}">
-                <a16:creationId xmlns:a16="http://schemas.microsoft.com/office/drawing/2014/main" id="{5E86F2AA-D313-F7AA-B96F-774284937EB2}"/>
+          <p:cNvPr id="7" name="正方形/長方形 6">
+            <a:extLst>
+              <a:ext uri="{FF2B5EF4-FFF2-40B4-BE49-F238E27FC236}">
+                <a16:creationId xmlns:a16="http://schemas.microsoft.com/office/drawing/2014/main" id="{EA1B1539-B2D1-5A60-C73E-AE1340ADB3E1}"/>
               </a:ext>
             </a:extLst>
           </p:cNvPr>
@@ -5562,9 +6420,9 @@
           <p:nvPr/>
         </p:nvSpPr>
         <p:spPr>
-          <a:xfrm flipV="1">
-            <a:off x="6396304" y="329937"/>
-            <a:ext cx="881190" cy="216817"/>
+          <a:xfrm>
+            <a:off x="1270939" y="5143307"/>
+            <a:ext cx="2037870" cy="236976"/>
           </a:xfrm>
           <a:prstGeom prst="rect">
             <a:avLst/>
@@ -5602,102 +6460,36 @@
       </p:sp>
       <p:sp>
         <p:nvSpPr>
-          <p:cNvPr id="7" name="正方形/長方形 6">
-            <a:extLst>
-              <a:ext uri="{FF2B5EF4-FFF2-40B4-BE49-F238E27FC236}">
-                <a16:creationId xmlns:a16="http://schemas.microsoft.com/office/drawing/2014/main" id="{62C91D83-B27D-851D-6485-02B4163E0B91}"/>
-              </a:ext>
-            </a:extLst>
-          </p:cNvPr>
-          <p:cNvSpPr/>
+          <p:cNvPr id="15" name="テキスト ボックス 14">
+            <a:extLst>
+              <a:ext uri="{FF2B5EF4-FFF2-40B4-BE49-F238E27FC236}">
+                <a16:creationId xmlns:a16="http://schemas.microsoft.com/office/drawing/2014/main" id="{75F1AF36-A0D3-5611-D0C0-845F7A65E385}"/>
+              </a:ext>
+            </a:extLst>
+          </p:cNvPr>
+          <p:cNvSpPr txBox="1"/>
           <p:nvPr/>
         </p:nvSpPr>
         <p:spPr>
-          <a:xfrm flipV="1">
-            <a:off x="6396304" y="556765"/>
-            <a:ext cx="2775976" cy="216816"/>
+          <a:xfrm>
+            <a:off x="2843535" y="5096242"/>
+            <a:ext cx="414779" cy="369332"/>
           </a:xfrm>
           <a:prstGeom prst="rect">
             <a:avLst/>
           </a:prstGeom>
-          <a:solidFill>
-            <a:schemeClr val="accent2">
-              <a:alpha val="50000"/>
-            </a:schemeClr>
-          </a:solidFill>
-        </p:spPr>
-        <p:style>
-          <a:lnRef idx="2">
-            <a:schemeClr val="accent2">
-              <a:shade val="15000"/>
-            </a:schemeClr>
-          </a:lnRef>
-          <a:fillRef idx="1">
-            <a:schemeClr val="accent2"/>
-          </a:fillRef>
-          <a:effectRef idx="0">
-            <a:schemeClr val="accent2"/>
-          </a:effectRef>
-          <a:fontRef idx="minor">
-            <a:schemeClr val="lt1"/>
-          </a:fontRef>
-        </p:style>
-        <p:txBody>
-          <a:bodyPr rtlCol="0" anchor="ctr"/>
-          <a:lstStyle/>
-          <a:p>
-            <a:pPr algn="ctr"/>
-            <a:endParaRPr kumimoji="1" lang="ja-JP" altLang="en-US"/>
-          </a:p>
-        </p:txBody>
-      </p:sp>
-      <p:sp>
-        <p:nvSpPr>
-          <p:cNvPr id="8" name="正方形/長方形 7">
-            <a:extLst>
-              <a:ext uri="{FF2B5EF4-FFF2-40B4-BE49-F238E27FC236}">
-                <a16:creationId xmlns:a16="http://schemas.microsoft.com/office/drawing/2014/main" id="{31A5317B-761F-AD05-07A6-D1325023983D}"/>
-              </a:ext>
-            </a:extLst>
-          </p:cNvPr>
-          <p:cNvSpPr/>
-          <p:nvPr/>
-        </p:nvSpPr>
-        <p:spPr>
-          <a:xfrm flipV="1">
-            <a:off x="8555043" y="5724225"/>
-            <a:ext cx="2775976" cy="216816"/>
-          </a:xfrm>
-          <a:prstGeom prst="rect">
-            <a:avLst/>
-          </a:prstGeom>
-          <a:solidFill>
-            <a:schemeClr val="accent2">
-              <a:alpha val="50000"/>
-            </a:schemeClr>
-          </a:solidFill>
-        </p:spPr>
-        <p:style>
-          <a:lnRef idx="2">
-            <a:schemeClr val="accent2">
-              <a:shade val="15000"/>
-            </a:schemeClr>
-          </a:lnRef>
-          <a:fillRef idx="1">
-            <a:schemeClr val="accent2"/>
-          </a:fillRef>
-          <a:effectRef idx="0">
-            <a:schemeClr val="accent2"/>
-          </a:effectRef>
-          <a:fontRef idx="minor">
-            <a:schemeClr val="lt1"/>
-          </a:fontRef>
-        </p:style>
-        <p:txBody>
-          <a:bodyPr rtlCol="0" anchor="ctr"/>
-          <a:lstStyle/>
-          <a:p>
-            <a:pPr algn="ctr"/>
+          <a:noFill/>
+        </p:spPr>
+        <p:txBody>
+          <a:bodyPr wrap="square" rtlCol="0">
+            <a:spAutoFit/>
+          </a:bodyPr>
+          <a:lstStyle/>
+          <a:p>
+            <a:r>
+              <a:rPr lang="en-US" altLang="ja-JP" dirty="0"/>
+              <a:t>②</a:t>
+            </a:r>
             <a:endParaRPr kumimoji="1" lang="ja-JP" altLang="en-US"/>
           </a:p>
         </p:txBody>
@@ -5705,7 +6497,7 @@
     </p:spTree>
     <p:extLst>
       <p:ext uri="{BB962C8B-B14F-4D97-AF65-F5344CB8AC3E}">
-        <p14:creationId xmlns:p14="http://schemas.microsoft.com/office/powerpoint/2010/main" val="1386079753"/>
+        <p14:creationId xmlns:p14="http://schemas.microsoft.com/office/powerpoint/2010/main" val="3749420761"/>
       </p:ext>
     </p:extLst>
   </p:cSld>

--- a/document/画像生成用.pptx
+++ b/document/画像生成用.pptx
@@ -7,16 +7,17 @@
   <p:sldIdLst>
     <p:sldId id="256" r:id="rId2"/>
     <p:sldId id="257" r:id="rId3"/>
-    <p:sldId id="258" r:id="rId4"/>
-    <p:sldId id="263" r:id="rId5"/>
-    <p:sldId id="259" r:id="rId6"/>
-    <p:sldId id="260" r:id="rId7"/>
-    <p:sldId id="261" r:id="rId8"/>
-    <p:sldId id="262" r:id="rId9"/>
-    <p:sldId id="264" r:id="rId10"/>
-    <p:sldId id="265" r:id="rId11"/>
-    <p:sldId id="266" r:id="rId12"/>
-    <p:sldId id="267" r:id="rId13"/>
+    <p:sldId id="268" r:id="rId4"/>
+    <p:sldId id="258" r:id="rId5"/>
+    <p:sldId id="263" r:id="rId6"/>
+    <p:sldId id="259" r:id="rId7"/>
+    <p:sldId id="260" r:id="rId8"/>
+    <p:sldId id="261" r:id="rId9"/>
+    <p:sldId id="262" r:id="rId10"/>
+    <p:sldId id="264" r:id="rId11"/>
+    <p:sldId id="265" r:id="rId12"/>
+    <p:sldId id="266" r:id="rId13"/>
+    <p:sldId id="267" r:id="rId14"/>
   </p:sldIdLst>
   <p:sldSz cx="12192000" cy="6858000"/>
   <p:notesSz cx="6858000" cy="9144000"/>
@@ -270,7 +271,7 @@
           <a:p>
             <a:fld id="{1AF6F0EA-576A-C44D-B280-4FBFCA599755}" type="datetimeFigureOut">
               <a:rPr kumimoji="1" lang="ja-JP" altLang="en-US" smtClean="0"/>
-              <a:t>2023/7/27</a:t>
+              <a:t>2023/8/1</a:t>
             </a:fld>
             <a:endParaRPr kumimoji="1" lang="ja-JP" altLang="en-US"/>
           </a:p>
@@ -500,7 +501,7 @@
           <a:p>
             <a:fld id="{1AF6F0EA-576A-C44D-B280-4FBFCA599755}" type="datetimeFigureOut">
               <a:rPr kumimoji="1" lang="ja-JP" altLang="en-US" smtClean="0"/>
-              <a:t>2023/7/27</a:t>
+              <a:t>2023/8/1</a:t>
             </a:fld>
             <a:endParaRPr kumimoji="1" lang="ja-JP" altLang="en-US"/>
           </a:p>
@@ -740,7 +741,7 @@
           <a:p>
             <a:fld id="{1AF6F0EA-576A-C44D-B280-4FBFCA599755}" type="datetimeFigureOut">
               <a:rPr kumimoji="1" lang="ja-JP" altLang="en-US" smtClean="0"/>
-              <a:t>2023/7/27</a:t>
+              <a:t>2023/8/1</a:t>
             </a:fld>
             <a:endParaRPr kumimoji="1" lang="ja-JP" altLang="en-US"/>
           </a:p>
@@ -970,7 +971,7 @@
           <a:p>
             <a:fld id="{1AF6F0EA-576A-C44D-B280-4FBFCA599755}" type="datetimeFigureOut">
               <a:rPr kumimoji="1" lang="ja-JP" altLang="en-US" smtClean="0"/>
-              <a:t>2023/7/27</a:t>
+              <a:t>2023/8/1</a:t>
             </a:fld>
             <a:endParaRPr kumimoji="1" lang="ja-JP" altLang="en-US"/>
           </a:p>
@@ -1245,7 +1246,7 @@
           <a:p>
             <a:fld id="{1AF6F0EA-576A-C44D-B280-4FBFCA599755}" type="datetimeFigureOut">
               <a:rPr kumimoji="1" lang="ja-JP" altLang="en-US" smtClean="0"/>
-              <a:t>2023/7/27</a:t>
+              <a:t>2023/8/1</a:t>
             </a:fld>
             <a:endParaRPr kumimoji="1" lang="ja-JP" altLang="en-US"/>
           </a:p>
@@ -1574,7 +1575,7 @@
           <a:p>
             <a:fld id="{1AF6F0EA-576A-C44D-B280-4FBFCA599755}" type="datetimeFigureOut">
               <a:rPr kumimoji="1" lang="ja-JP" altLang="en-US" smtClean="0"/>
-              <a:t>2023/7/27</a:t>
+              <a:t>2023/8/1</a:t>
             </a:fld>
             <a:endParaRPr kumimoji="1" lang="ja-JP" altLang="en-US"/>
           </a:p>
@@ -2050,7 +2051,7 @@
           <a:p>
             <a:fld id="{1AF6F0EA-576A-C44D-B280-4FBFCA599755}" type="datetimeFigureOut">
               <a:rPr kumimoji="1" lang="ja-JP" altLang="en-US" smtClean="0"/>
-              <a:t>2023/7/27</a:t>
+              <a:t>2023/8/1</a:t>
             </a:fld>
             <a:endParaRPr kumimoji="1" lang="ja-JP" altLang="en-US"/>
           </a:p>
@@ -2191,7 +2192,7 @@
           <a:p>
             <a:fld id="{1AF6F0EA-576A-C44D-B280-4FBFCA599755}" type="datetimeFigureOut">
               <a:rPr kumimoji="1" lang="ja-JP" altLang="en-US" smtClean="0"/>
-              <a:t>2023/7/27</a:t>
+              <a:t>2023/8/1</a:t>
             </a:fld>
             <a:endParaRPr kumimoji="1" lang="ja-JP" altLang="en-US"/>
           </a:p>
@@ -2304,7 +2305,7 @@
           <a:p>
             <a:fld id="{1AF6F0EA-576A-C44D-B280-4FBFCA599755}" type="datetimeFigureOut">
               <a:rPr kumimoji="1" lang="ja-JP" altLang="en-US" smtClean="0"/>
-              <a:t>2023/7/27</a:t>
+              <a:t>2023/8/1</a:t>
             </a:fld>
             <a:endParaRPr kumimoji="1" lang="ja-JP" altLang="en-US"/>
           </a:p>
@@ -2647,7 +2648,7 @@
           <a:p>
             <a:fld id="{1AF6F0EA-576A-C44D-B280-4FBFCA599755}" type="datetimeFigureOut">
               <a:rPr kumimoji="1" lang="ja-JP" altLang="en-US" smtClean="0"/>
-              <a:t>2023/7/27</a:t>
+              <a:t>2023/8/1</a:t>
             </a:fld>
             <a:endParaRPr kumimoji="1" lang="ja-JP" altLang="en-US"/>
           </a:p>
@@ -2935,7 +2936,7 @@
           <a:p>
             <a:fld id="{1AF6F0EA-576A-C44D-B280-4FBFCA599755}" type="datetimeFigureOut">
               <a:rPr kumimoji="1" lang="ja-JP" altLang="en-US" smtClean="0"/>
-              <a:t>2023/7/27</a:t>
+              <a:t>2023/8/1</a:t>
             </a:fld>
             <a:endParaRPr kumimoji="1" lang="ja-JP" altLang="en-US"/>
           </a:p>
@@ -3208,7 +3209,7 @@
           <a:p>
             <a:fld id="{1AF6F0EA-576A-C44D-B280-4FBFCA599755}" type="datetimeFigureOut">
               <a:rPr kumimoji="1" lang="ja-JP" altLang="en-US" smtClean="0"/>
-              <a:t>2023/7/27</a:t>
+              <a:t>2023/8/1</a:t>
             </a:fld>
             <a:endParaRPr kumimoji="1" lang="ja-JP" altLang="en-US"/>
           </a:p>
@@ -3947,10 +3948,10 @@
       </p:grpSpPr>
       <p:pic>
         <p:nvPicPr>
-          <p:cNvPr id="5" name="図 4" descr="グラフィカル ユーザー インターフェイス, アプリケーション, Word&#10;&#10;自動的に生成された説明">
-            <a:extLst>
-              <a:ext uri="{FF2B5EF4-FFF2-40B4-BE49-F238E27FC236}">
-                <a16:creationId xmlns:a16="http://schemas.microsoft.com/office/drawing/2014/main" id="{7A7AA791-D1CB-AC47-6412-60286396B92F}"/>
+          <p:cNvPr id="5" name="図 4" descr="ダイアグラム&#10;&#10;低い精度で自動的に生成された説明">
+            <a:extLst>
+              <a:ext uri="{FF2B5EF4-FFF2-40B4-BE49-F238E27FC236}">
+                <a16:creationId xmlns:a16="http://schemas.microsoft.com/office/drawing/2014/main" id="{792A485A-FFBC-AD0B-950C-315FD4E943E1}"/>
               </a:ext>
             </a:extLst>
           </p:cNvPr>
@@ -3967,8 +3968,8 @@
         </p:blipFill>
         <p:spPr>
           <a:xfrm>
-            <a:off x="140438" y="126351"/>
-            <a:ext cx="11780168" cy="5005630"/>
+            <a:off x="188536" y="103108"/>
+            <a:ext cx="11142483" cy="6651783"/>
           </a:xfrm>
           <a:prstGeom prst="rect">
             <a:avLst/>
@@ -3980,7 +3981,7 @@
           <p:cNvPr id="6" name="正方形/長方形 5">
             <a:extLst>
               <a:ext uri="{FF2B5EF4-FFF2-40B4-BE49-F238E27FC236}">
-                <a16:creationId xmlns:a16="http://schemas.microsoft.com/office/drawing/2014/main" id="{C8BC4142-80A2-40ED-ADFF-0A628B9BF412}"/>
+                <a16:creationId xmlns:a16="http://schemas.microsoft.com/office/drawing/2014/main" id="{5E86F2AA-D313-F7AA-B96F-774284937EB2}"/>
               </a:ext>
             </a:extLst>
           </p:cNvPr>
@@ -3988,9 +3989,9 @@
           <p:nvPr/>
         </p:nvSpPr>
         <p:spPr>
-          <a:xfrm>
-            <a:off x="285570" y="1238962"/>
-            <a:ext cx="11481128" cy="1332357"/>
+          <a:xfrm flipV="1">
+            <a:off x="6396304" y="329937"/>
+            <a:ext cx="881190" cy="216817"/>
           </a:xfrm>
           <a:prstGeom prst="rect">
             <a:avLst/>
@@ -4028,10 +4029,10 @@
       </p:sp>
       <p:sp>
         <p:nvSpPr>
-          <p:cNvPr id="8" name="正方形/長方形 7">
-            <a:extLst>
-              <a:ext uri="{FF2B5EF4-FFF2-40B4-BE49-F238E27FC236}">
-                <a16:creationId xmlns:a16="http://schemas.microsoft.com/office/drawing/2014/main" id="{8F50BC32-A6BD-84C6-2F07-72D3F4FBDF85}"/>
+          <p:cNvPr id="7" name="正方形/長方形 6">
+            <a:extLst>
+              <a:ext uri="{FF2B5EF4-FFF2-40B4-BE49-F238E27FC236}">
+                <a16:creationId xmlns:a16="http://schemas.microsoft.com/office/drawing/2014/main" id="{62C91D83-B27D-851D-6485-02B4163E0B91}"/>
               </a:ext>
             </a:extLst>
           </p:cNvPr>
@@ -4039,9 +4040,9 @@
           <p:nvPr/>
         </p:nvSpPr>
         <p:spPr>
-          <a:xfrm>
-            <a:off x="285570" y="3962886"/>
-            <a:ext cx="2429277" cy="236976"/>
+          <a:xfrm flipV="1">
+            <a:off x="6396304" y="556765"/>
+            <a:ext cx="2775976" cy="216816"/>
           </a:xfrm>
           <a:prstGeom prst="rect">
             <a:avLst/>
@@ -4079,10 +4080,10 @@
       </p:sp>
       <p:sp>
         <p:nvSpPr>
-          <p:cNvPr id="9" name="正方形/長方形 8">
-            <a:extLst>
-              <a:ext uri="{FF2B5EF4-FFF2-40B4-BE49-F238E27FC236}">
-                <a16:creationId xmlns:a16="http://schemas.microsoft.com/office/drawing/2014/main" id="{D3523918-FDC2-12DE-518E-A7AEC37298E9}"/>
+          <p:cNvPr id="8" name="正方形/長方形 7">
+            <a:extLst>
+              <a:ext uri="{FF2B5EF4-FFF2-40B4-BE49-F238E27FC236}">
+                <a16:creationId xmlns:a16="http://schemas.microsoft.com/office/drawing/2014/main" id="{31A5317B-761F-AD05-07A6-D1325023983D}"/>
               </a:ext>
             </a:extLst>
           </p:cNvPr>
@@ -4090,9 +4091,9 @@
           <p:nvPr/>
         </p:nvSpPr>
         <p:spPr>
-          <a:xfrm>
-            <a:off x="10292315" y="4809946"/>
-            <a:ext cx="917945" cy="236976"/>
+          <a:xfrm flipV="1">
+            <a:off x="8555043" y="5912761"/>
+            <a:ext cx="2775976" cy="216816"/>
           </a:xfrm>
           <a:prstGeom prst="rect">
             <a:avLst/>
@@ -4128,118 +4129,10 @@
           </a:p>
         </p:txBody>
       </p:sp>
-      <p:sp>
-        <p:nvSpPr>
-          <p:cNvPr id="10" name="テキスト ボックス 9">
-            <a:extLst>
-              <a:ext uri="{FF2B5EF4-FFF2-40B4-BE49-F238E27FC236}">
-                <a16:creationId xmlns:a16="http://schemas.microsoft.com/office/drawing/2014/main" id="{21BA5F26-7D20-B049-D4B3-0858BCDDD6A0}"/>
-              </a:ext>
-            </a:extLst>
-          </p:cNvPr>
-          <p:cNvSpPr txBox="1"/>
-          <p:nvPr/>
-        </p:nvSpPr>
-        <p:spPr>
-          <a:xfrm>
-            <a:off x="5207763" y="2266085"/>
-            <a:ext cx="414779" cy="305234"/>
-          </a:xfrm>
-          <a:prstGeom prst="rect">
-            <a:avLst/>
-          </a:prstGeom>
-          <a:noFill/>
-        </p:spPr>
-        <p:txBody>
-          <a:bodyPr wrap="square" rtlCol="0">
-            <a:spAutoFit/>
-          </a:bodyPr>
-          <a:lstStyle/>
-          <a:p>
-            <a:r>
-              <a:rPr lang="en-US" altLang="ja-JP" dirty="0"/>
-              <a:t>③</a:t>
-            </a:r>
-            <a:endParaRPr kumimoji="1" lang="ja-JP" altLang="en-US"/>
-          </a:p>
-        </p:txBody>
-      </p:sp>
-      <p:sp>
-        <p:nvSpPr>
-          <p:cNvPr id="11" name="テキスト ボックス 10">
-            <a:extLst>
-              <a:ext uri="{FF2B5EF4-FFF2-40B4-BE49-F238E27FC236}">
-                <a16:creationId xmlns:a16="http://schemas.microsoft.com/office/drawing/2014/main" id="{A7CE45BF-1E77-7672-E6BB-FCB36E9FDD76}"/>
-              </a:ext>
-            </a:extLst>
-          </p:cNvPr>
-          <p:cNvSpPr txBox="1"/>
-          <p:nvPr/>
-        </p:nvSpPr>
-        <p:spPr>
-          <a:xfrm>
-            <a:off x="2300068" y="3908503"/>
-            <a:ext cx="414779" cy="369332"/>
-          </a:xfrm>
-          <a:prstGeom prst="rect">
-            <a:avLst/>
-          </a:prstGeom>
-          <a:noFill/>
-        </p:spPr>
-        <p:txBody>
-          <a:bodyPr wrap="square" rtlCol="0">
-            <a:spAutoFit/>
-          </a:bodyPr>
-          <a:lstStyle/>
-          <a:p>
-            <a:r>
-              <a:rPr kumimoji="1" lang="en-US" altLang="ja-JP" dirty="0"/>
-              <a:t>④</a:t>
-            </a:r>
-            <a:endParaRPr kumimoji="1" lang="ja-JP" altLang="en-US"/>
-          </a:p>
-        </p:txBody>
-      </p:sp>
-      <p:sp>
-        <p:nvSpPr>
-          <p:cNvPr id="12" name="テキスト ボックス 11">
-            <a:extLst>
-              <a:ext uri="{FF2B5EF4-FFF2-40B4-BE49-F238E27FC236}">
-                <a16:creationId xmlns:a16="http://schemas.microsoft.com/office/drawing/2014/main" id="{28E7BA2A-DA12-2F3A-465B-B72B88BB5DB8}"/>
-              </a:ext>
-            </a:extLst>
-          </p:cNvPr>
-          <p:cNvSpPr txBox="1"/>
-          <p:nvPr/>
-        </p:nvSpPr>
-        <p:spPr>
-          <a:xfrm>
-            <a:off x="10292316" y="4760330"/>
-            <a:ext cx="414779" cy="369332"/>
-          </a:xfrm>
-          <a:prstGeom prst="rect">
-            <a:avLst/>
-          </a:prstGeom>
-          <a:noFill/>
-        </p:spPr>
-        <p:txBody>
-          <a:bodyPr wrap="square" rtlCol="0">
-            <a:spAutoFit/>
-          </a:bodyPr>
-          <a:lstStyle/>
-          <a:p>
-            <a:r>
-              <a:rPr kumimoji="1" lang="en-US" altLang="ja-JP" dirty="0"/>
-              <a:t>⑤</a:t>
-            </a:r>
-            <a:endParaRPr kumimoji="1" lang="ja-JP" altLang="en-US"/>
-          </a:p>
-        </p:txBody>
-      </p:sp>
     </p:spTree>
     <p:extLst>
       <p:ext uri="{BB962C8B-B14F-4D97-AF65-F5344CB8AC3E}">
-        <p14:creationId xmlns:p14="http://schemas.microsoft.com/office/powerpoint/2010/main" val="3686609184"/>
+        <p14:creationId xmlns:p14="http://schemas.microsoft.com/office/powerpoint/2010/main" val="1182010517"/>
       </p:ext>
     </p:extLst>
   </p:cSld>
@@ -4268,10 +4161,10 @@
       </p:grpSpPr>
       <p:pic>
         <p:nvPicPr>
-          <p:cNvPr id="7" name="図 6" descr="グラフィカル ユーザー インターフェイス, アプリケーション&#10;&#10;自動的に生成された説明">
-            <a:extLst>
-              <a:ext uri="{FF2B5EF4-FFF2-40B4-BE49-F238E27FC236}">
-                <a16:creationId xmlns:a16="http://schemas.microsoft.com/office/drawing/2014/main" id="{7F485572-129D-E8F9-FA79-34FA12038D1D}"/>
+          <p:cNvPr id="5" name="図 4" descr="グラフィカル ユーザー インターフェイス, アプリケーション, Word&#10;&#10;自動的に生成された説明">
+            <a:extLst>
+              <a:ext uri="{FF2B5EF4-FFF2-40B4-BE49-F238E27FC236}">
+                <a16:creationId xmlns:a16="http://schemas.microsoft.com/office/drawing/2014/main" id="{7A7AA791-D1CB-AC47-6412-60286396B92F}"/>
               </a:ext>
             </a:extLst>
           </p:cNvPr>
@@ -4288,8 +4181,8 @@
         </p:blipFill>
         <p:spPr>
           <a:xfrm>
-            <a:off x="88061" y="123497"/>
-            <a:ext cx="12043383" cy="5121898"/>
+            <a:off x="140438" y="126351"/>
+            <a:ext cx="11780168" cy="5005630"/>
           </a:xfrm>
           <a:prstGeom prst="rect">
             <a:avLst/>
@@ -4298,10 +4191,10 @@
       </p:pic>
       <p:sp>
         <p:nvSpPr>
-          <p:cNvPr id="8" name="正方形/長方形 7">
-            <a:extLst>
-              <a:ext uri="{FF2B5EF4-FFF2-40B4-BE49-F238E27FC236}">
-                <a16:creationId xmlns:a16="http://schemas.microsoft.com/office/drawing/2014/main" id="{7365CD41-09F2-9850-696E-EFFDAF1D62A1}"/>
+          <p:cNvPr id="6" name="正方形/長方形 5">
+            <a:extLst>
+              <a:ext uri="{FF2B5EF4-FFF2-40B4-BE49-F238E27FC236}">
+                <a16:creationId xmlns:a16="http://schemas.microsoft.com/office/drawing/2014/main" id="{C8BC4142-80A2-40ED-ADFF-0A628B9BF412}"/>
               </a:ext>
             </a:extLst>
           </p:cNvPr>
@@ -4310,8 +4203,8 @@
         </p:nvSpPr>
         <p:spPr>
           <a:xfrm>
-            <a:off x="1412706" y="4845595"/>
-            <a:ext cx="2037870" cy="236976"/>
+            <a:off x="285570" y="1238962"/>
+            <a:ext cx="11481128" cy="1332357"/>
           </a:xfrm>
           <a:prstGeom prst="rect">
             <a:avLst/>
@@ -4349,6 +4242,327 @@
       </p:sp>
       <p:sp>
         <p:nvSpPr>
+          <p:cNvPr id="8" name="正方形/長方形 7">
+            <a:extLst>
+              <a:ext uri="{FF2B5EF4-FFF2-40B4-BE49-F238E27FC236}">
+                <a16:creationId xmlns:a16="http://schemas.microsoft.com/office/drawing/2014/main" id="{8F50BC32-A6BD-84C6-2F07-72D3F4FBDF85}"/>
+              </a:ext>
+            </a:extLst>
+          </p:cNvPr>
+          <p:cNvSpPr/>
+          <p:nvPr/>
+        </p:nvSpPr>
+        <p:spPr>
+          <a:xfrm>
+            <a:off x="285570" y="3962886"/>
+            <a:ext cx="2429277" cy="236976"/>
+          </a:xfrm>
+          <a:prstGeom prst="rect">
+            <a:avLst/>
+          </a:prstGeom>
+          <a:solidFill>
+            <a:schemeClr val="accent2">
+              <a:alpha val="50000"/>
+            </a:schemeClr>
+          </a:solidFill>
+        </p:spPr>
+        <p:style>
+          <a:lnRef idx="2">
+            <a:schemeClr val="accent2">
+              <a:shade val="15000"/>
+            </a:schemeClr>
+          </a:lnRef>
+          <a:fillRef idx="1">
+            <a:schemeClr val="accent2"/>
+          </a:fillRef>
+          <a:effectRef idx="0">
+            <a:schemeClr val="accent2"/>
+          </a:effectRef>
+          <a:fontRef idx="minor">
+            <a:schemeClr val="lt1"/>
+          </a:fontRef>
+        </p:style>
+        <p:txBody>
+          <a:bodyPr rtlCol="0" anchor="ctr"/>
+          <a:lstStyle/>
+          <a:p>
+            <a:pPr algn="ctr"/>
+            <a:endParaRPr kumimoji="1" lang="ja-JP" altLang="en-US"/>
+          </a:p>
+        </p:txBody>
+      </p:sp>
+      <p:sp>
+        <p:nvSpPr>
+          <p:cNvPr id="9" name="正方形/長方形 8">
+            <a:extLst>
+              <a:ext uri="{FF2B5EF4-FFF2-40B4-BE49-F238E27FC236}">
+                <a16:creationId xmlns:a16="http://schemas.microsoft.com/office/drawing/2014/main" id="{D3523918-FDC2-12DE-518E-A7AEC37298E9}"/>
+              </a:ext>
+            </a:extLst>
+          </p:cNvPr>
+          <p:cNvSpPr/>
+          <p:nvPr/>
+        </p:nvSpPr>
+        <p:spPr>
+          <a:xfrm>
+            <a:off x="10292315" y="4809946"/>
+            <a:ext cx="917945" cy="236976"/>
+          </a:xfrm>
+          <a:prstGeom prst="rect">
+            <a:avLst/>
+          </a:prstGeom>
+          <a:solidFill>
+            <a:schemeClr val="accent2">
+              <a:alpha val="50000"/>
+            </a:schemeClr>
+          </a:solidFill>
+        </p:spPr>
+        <p:style>
+          <a:lnRef idx="2">
+            <a:schemeClr val="accent2">
+              <a:shade val="15000"/>
+            </a:schemeClr>
+          </a:lnRef>
+          <a:fillRef idx="1">
+            <a:schemeClr val="accent2"/>
+          </a:fillRef>
+          <a:effectRef idx="0">
+            <a:schemeClr val="accent2"/>
+          </a:effectRef>
+          <a:fontRef idx="minor">
+            <a:schemeClr val="lt1"/>
+          </a:fontRef>
+        </p:style>
+        <p:txBody>
+          <a:bodyPr rtlCol="0" anchor="ctr"/>
+          <a:lstStyle/>
+          <a:p>
+            <a:pPr algn="ctr"/>
+            <a:endParaRPr kumimoji="1" lang="ja-JP" altLang="en-US"/>
+          </a:p>
+        </p:txBody>
+      </p:sp>
+      <p:sp>
+        <p:nvSpPr>
+          <p:cNvPr id="10" name="テキスト ボックス 9">
+            <a:extLst>
+              <a:ext uri="{FF2B5EF4-FFF2-40B4-BE49-F238E27FC236}">
+                <a16:creationId xmlns:a16="http://schemas.microsoft.com/office/drawing/2014/main" id="{21BA5F26-7D20-B049-D4B3-0858BCDDD6A0}"/>
+              </a:ext>
+            </a:extLst>
+          </p:cNvPr>
+          <p:cNvSpPr txBox="1"/>
+          <p:nvPr/>
+        </p:nvSpPr>
+        <p:spPr>
+          <a:xfrm>
+            <a:off x="5207763" y="2266085"/>
+            <a:ext cx="414779" cy="305234"/>
+          </a:xfrm>
+          <a:prstGeom prst="rect">
+            <a:avLst/>
+          </a:prstGeom>
+          <a:noFill/>
+        </p:spPr>
+        <p:txBody>
+          <a:bodyPr wrap="square" rtlCol="0">
+            <a:spAutoFit/>
+          </a:bodyPr>
+          <a:lstStyle/>
+          <a:p>
+            <a:r>
+              <a:rPr lang="en-US" altLang="ja-JP" dirty="0"/>
+              <a:t>③</a:t>
+            </a:r>
+            <a:endParaRPr kumimoji="1" lang="ja-JP" altLang="en-US"/>
+          </a:p>
+        </p:txBody>
+      </p:sp>
+      <p:sp>
+        <p:nvSpPr>
+          <p:cNvPr id="11" name="テキスト ボックス 10">
+            <a:extLst>
+              <a:ext uri="{FF2B5EF4-FFF2-40B4-BE49-F238E27FC236}">
+                <a16:creationId xmlns:a16="http://schemas.microsoft.com/office/drawing/2014/main" id="{A7CE45BF-1E77-7672-E6BB-FCB36E9FDD76}"/>
+              </a:ext>
+            </a:extLst>
+          </p:cNvPr>
+          <p:cNvSpPr txBox="1"/>
+          <p:nvPr/>
+        </p:nvSpPr>
+        <p:spPr>
+          <a:xfrm>
+            <a:off x="2300068" y="3908503"/>
+            <a:ext cx="414779" cy="369332"/>
+          </a:xfrm>
+          <a:prstGeom prst="rect">
+            <a:avLst/>
+          </a:prstGeom>
+          <a:noFill/>
+        </p:spPr>
+        <p:txBody>
+          <a:bodyPr wrap="square" rtlCol="0">
+            <a:spAutoFit/>
+          </a:bodyPr>
+          <a:lstStyle/>
+          <a:p>
+            <a:r>
+              <a:rPr kumimoji="1" lang="en-US" altLang="ja-JP" dirty="0"/>
+              <a:t>④</a:t>
+            </a:r>
+            <a:endParaRPr kumimoji="1" lang="ja-JP" altLang="en-US"/>
+          </a:p>
+        </p:txBody>
+      </p:sp>
+      <p:sp>
+        <p:nvSpPr>
+          <p:cNvPr id="12" name="テキスト ボックス 11">
+            <a:extLst>
+              <a:ext uri="{FF2B5EF4-FFF2-40B4-BE49-F238E27FC236}">
+                <a16:creationId xmlns:a16="http://schemas.microsoft.com/office/drawing/2014/main" id="{28E7BA2A-DA12-2F3A-465B-B72B88BB5DB8}"/>
+              </a:ext>
+            </a:extLst>
+          </p:cNvPr>
+          <p:cNvSpPr txBox="1"/>
+          <p:nvPr/>
+        </p:nvSpPr>
+        <p:spPr>
+          <a:xfrm>
+            <a:off x="10292316" y="4760330"/>
+            <a:ext cx="414779" cy="369332"/>
+          </a:xfrm>
+          <a:prstGeom prst="rect">
+            <a:avLst/>
+          </a:prstGeom>
+          <a:noFill/>
+        </p:spPr>
+        <p:txBody>
+          <a:bodyPr wrap="square" rtlCol="0">
+            <a:spAutoFit/>
+          </a:bodyPr>
+          <a:lstStyle/>
+          <a:p>
+            <a:r>
+              <a:rPr kumimoji="1" lang="en-US" altLang="ja-JP" dirty="0"/>
+              <a:t>⑤</a:t>
+            </a:r>
+            <a:endParaRPr kumimoji="1" lang="ja-JP" altLang="en-US"/>
+          </a:p>
+        </p:txBody>
+      </p:sp>
+    </p:spTree>
+    <p:extLst>
+      <p:ext uri="{BB962C8B-B14F-4D97-AF65-F5344CB8AC3E}">
+        <p14:creationId xmlns:p14="http://schemas.microsoft.com/office/powerpoint/2010/main" val="3686609184"/>
+      </p:ext>
+    </p:extLst>
+  </p:cSld>
+  <p:clrMapOvr>
+    <a:masterClrMapping/>
+  </p:clrMapOvr>
+</p:sld>
+</file>
+
+<file path=ppt/slides/slide12.xml><?xml version="1.0" encoding="utf-8"?>
+<p:sld xmlns:a="http://schemas.openxmlformats.org/drawingml/2006/main" xmlns:r="http://schemas.openxmlformats.org/officeDocument/2006/relationships" xmlns:p="http://schemas.openxmlformats.org/presentationml/2006/main">
+  <p:cSld>
+    <p:spTree>
+      <p:nvGrpSpPr>
+        <p:cNvPr id="1" name=""/>
+        <p:cNvGrpSpPr/>
+        <p:nvPr/>
+      </p:nvGrpSpPr>
+      <p:grpSpPr>
+        <a:xfrm>
+          <a:off x="0" y="0"/>
+          <a:ext cx="0" cy="0"/>
+          <a:chOff x="0" y="0"/>
+          <a:chExt cx="0" cy="0"/>
+        </a:xfrm>
+      </p:grpSpPr>
+      <p:pic>
+        <p:nvPicPr>
+          <p:cNvPr id="7" name="図 6" descr="グラフィカル ユーザー インターフェイス, アプリケーション&#10;&#10;自動的に生成された説明">
+            <a:extLst>
+              <a:ext uri="{FF2B5EF4-FFF2-40B4-BE49-F238E27FC236}">
+                <a16:creationId xmlns:a16="http://schemas.microsoft.com/office/drawing/2014/main" id="{7F485572-129D-E8F9-FA79-34FA12038D1D}"/>
+              </a:ext>
+            </a:extLst>
+          </p:cNvPr>
+          <p:cNvPicPr>
+            <a:picLocks noChangeAspect="1"/>
+          </p:cNvPicPr>
+          <p:nvPr/>
+        </p:nvPicPr>
+        <p:blipFill>
+          <a:blip r:embed="rId2"/>
+          <a:stretch>
+            <a:fillRect/>
+          </a:stretch>
+        </p:blipFill>
+        <p:spPr>
+          <a:xfrm>
+            <a:off x="88061" y="123497"/>
+            <a:ext cx="12043383" cy="5121898"/>
+          </a:xfrm>
+          <a:prstGeom prst="rect">
+            <a:avLst/>
+          </a:prstGeom>
+        </p:spPr>
+      </p:pic>
+      <p:sp>
+        <p:nvSpPr>
+          <p:cNvPr id="8" name="正方形/長方形 7">
+            <a:extLst>
+              <a:ext uri="{FF2B5EF4-FFF2-40B4-BE49-F238E27FC236}">
+                <a16:creationId xmlns:a16="http://schemas.microsoft.com/office/drawing/2014/main" id="{7365CD41-09F2-9850-696E-EFFDAF1D62A1}"/>
+              </a:ext>
+            </a:extLst>
+          </p:cNvPr>
+          <p:cNvSpPr/>
+          <p:nvPr/>
+        </p:nvSpPr>
+        <p:spPr>
+          <a:xfrm>
+            <a:off x="1412706" y="4845595"/>
+            <a:ext cx="2037870" cy="236976"/>
+          </a:xfrm>
+          <a:prstGeom prst="rect">
+            <a:avLst/>
+          </a:prstGeom>
+          <a:solidFill>
+            <a:schemeClr val="accent2">
+              <a:alpha val="50000"/>
+            </a:schemeClr>
+          </a:solidFill>
+        </p:spPr>
+        <p:style>
+          <a:lnRef idx="2">
+            <a:schemeClr val="accent2">
+              <a:shade val="15000"/>
+            </a:schemeClr>
+          </a:lnRef>
+          <a:fillRef idx="1">
+            <a:schemeClr val="accent2"/>
+          </a:fillRef>
+          <a:effectRef idx="0">
+            <a:schemeClr val="accent2"/>
+          </a:effectRef>
+          <a:fontRef idx="minor">
+            <a:schemeClr val="lt1"/>
+          </a:fontRef>
+        </p:style>
+        <p:txBody>
+          <a:bodyPr rtlCol="0" anchor="ctr"/>
+          <a:lstStyle/>
+          <a:p>
+            <a:pPr algn="ctr"/>
+            <a:endParaRPr kumimoji="1" lang="ja-JP" altLang="en-US"/>
+          </a:p>
+        </p:txBody>
+      </p:sp>
+      <p:sp>
+        <p:nvSpPr>
           <p:cNvPr id="9" name="テキスト ボックス 8">
             <a:extLst>
               <a:ext uri="{FF2B5EF4-FFF2-40B4-BE49-F238E27FC236}">
@@ -4396,7 +4610,7 @@
 </p:sld>
 </file>
 
-<file path=ppt/slides/slide12.xml><?xml version="1.0" encoding="utf-8"?>
+<file path=ppt/slides/slide13.xml><?xml version="1.0" encoding="utf-8"?>
 <p:sld xmlns:a="http://schemas.openxmlformats.org/drawingml/2006/main" xmlns:r="http://schemas.openxmlformats.org/officeDocument/2006/relationships" xmlns:p="http://schemas.openxmlformats.org/presentationml/2006/main">
   <p:cSld>
     <p:spTree>
@@ -4990,7 +5204,7 @@
         </p:blipFill>
         <p:spPr>
           <a:xfrm>
-            <a:off x="25399" y="722745"/>
+            <a:off x="25399" y="717550"/>
             <a:ext cx="11992941" cy="5356679"/>
           </a:xfrm>
           <a:prstGeom prst="rect">
@@ -5063,8 +5277,8 @@
         </p:nvSpPr>
         <p:spPr>
           <a:xfrm>
-            <a:off x="1451518" y="1281831"/>
-            <a:ext cx="2933446" cy="236976"/>
+            <a:off x="1456714" y="1302610"/>
+            <a:ext cx="237004" cy="427475"/>
           </a:xfrm>
           <a:prstGeom prst="rect">
             <a:avLst/>
@@ -5102,10 +5316,10 @@
       </p:sp>
       <p:sp>
         <p:nvSpPr>
-          <p:cNvPr id="2" name="テキスト ボックス 1">
-            <a:extLst>
-              <a:ext uri="{FF2B5EF4-FFF2-40B4-BE49-F238E27FC236}">
-                <a16:creationId xmlns:a16="http://schemas.microsoft.com/office/drawing/2014/main" id="{EDEF2282-8A60-95E1-17C0-FA7AFF4C8EC9}"/>
+          <p:cNvPr id="8" name="テキスト ボックス 7">
+            <a:extLst>
+              <a:ext uri="{FF2B5EF4-FFF2-40B4-BE49-F238E27FC236}">
+                <a16:creationId xmlns:a16="http://schemas.microsoft.com/office/drawing/2014/main" id="{660630BC-C544-3A5A-EA8F-93FB72648396}"/>
               </a:ext>
             </a:extLst>
           </p:cNvPr>
@@ -5130,7 +5344,7 @@
           <a:p>
             <a:r>
               <a:rPr kumimoji="1" lang="en-US" altLang="ja-JP" sz="1100" dirty="0"/>
-              <a:t>②</a:t>
+              <a:t>①</a:t>
             </a:r>
             <a:endParaRPr kumimoji="1" lang="ja-JP" altLang="en-US" sz="1100"/>
           </a:p>
@@ -5138,10 +5352,10 @@
       </p:sp>
       <p:sp>
         <p:nvSpPr>
-          <p:cNvPr id="3" name="テキスト ボックス 2">
-            <a:extLst>
-              <a:ext uri="{FF2B5EF4-FFF2-40B4-BE49-F238E27FC236}">
-                <a16:creationId xmlns:a16="http://schemas.microsoft.com/office/drawing/2014/main" id="{D75980EF-42A6-FFE9-7C5B-C80AFC5FE4CF}"/>
+          <p:cNvPr id="9" name="テキスト ボックス 8">
+            <a:extLst>
+              <a:ext uri="{FF2B5EF4-FFF2-40B4-BE49-F238E27FC236}">
+                <a16:creationId xmlns:a16="http://schemas.microsoft.com/office/drawing/2014/main" id="{519F9579-DF62-3CE0-5BE6-F337DCAA6413}"/>
               </a:ext>
             </a:extLst>
           </p:cNvPr>
@@ -5150,7 +5364,7 @@
         </p:nvSpPr>
         <p:spPr>
           <a:xfrm>
-            <a:off x="4094274" y="1281831"/>
+            <a:off x="1399307" y="1488834"/>
             <a:ext cx="290690" cy="261610"/>
           </a:xfrm>
           <a:prstGeom prst="rect">
@@ -5165,8 +5379,8 @@
           <a:lstStyle/>
           <a:p>
             <a:r>
-              <a:rPr kumimoji="1" lang="en-US" altLang="ja-JP" sz="1100" dirty="0"/>
-              <a:t>③</a:t>
+              <a:rPr lang="en-US" altLang="ja-JP" sz="1100" dirty="0"/>
+              <a:t>②</a:t>
             </a:r>
             <a:endParaRPr kumimoji="1" lang="ja-JP" altLang="en-US" sz="1100"/>
           </a:p>
@@ -5175,7 +5389,7 @@
     </p:spTree>
     <p:extLst>
       <p:ext uri="{BB962C8B-B14F-4D97-AF65-F5344CB8AC3E}">
-        <p14:creationId xmlns:p14="http://schemas.microsoft.com/office/powerpoint/2010/main" val="2456419198"/>
+        <p14:creationId xmlns:p14="http://schemas.microsoft.com/office/powerpoint/2010/main" val="812902546"/>
       </p:ext>
     </p:extLst>
   </p:cSld>
@@ -5204,10 +5418,10 @@
       </p:grpSpPr>
       <p:pic>
         <p:nvPicPr>
-          <p:cNvPr id="5" name="図 4" descr="ダイアグラム&#10;&#10;低い精度で自動的に生成された説明">
-            <a:extLst>
-              <a:ext uri="{FF2B5EF4-FFF2-40B4-BE49-F238E27FC236}">
-                <a16:creationId xmlns:a16="http://schemas.microsoft.com/office/drawing/2014/main" id="{792A485A-FFBC-AD0B-950C-315FD4E943E1}"/>
+          <p:cNvPr id="5" name="図 4" descr="グラフィカル ユーザー インターフェイス, テキスト, アプリケーション&#10;&#10;自動的に生成された説明">
+            <a:extLst>
+              <a:ext uri="{FF2B5EF4-FFF2-40B4-BE49-F238E27FC236}">
+                <a16:creationId xmlns:a16="http://schemas.microsoft.com/office/drawing/2014/main" id="{53CB1558-A007-52C5-5218-AC26224CCACB}"/>
               </a:ext>
             </a:extLst>
           </p:cNvPr>
@@ -5224,8 +5438,8 @@
         </p:blipFill>
         <p:spPr>
           <a:xfrm>
-            <a:off x="188536" y="103108"/>
-            <a:ext cx="11142483" cy="6651783"/>
+            <a:off x="25399" y="722745"/>
+            <a:ext cx="11992941" cy="5356679"/>
           </a:xfrm>
           <a:prstGeom prst="rect">
             <a:avLst/>
@@ -5237,7 +5451,7 @@
           <p:cNvPr id="6" name="正方形/長方形 5">
             <a:extLst>
               <a:ext uri="{FF2B5EF4-FFF2-40B4-BE49-F238E27FC236}">
-                <a16:creationId xmlns:a16="http://schemas.microsoft.com/office/drawing/2014/main" id="{5E86F2AA-D313-F7AA-B96F-774284937EB2}"/>
+                <a16:creationId xmlns:a16="http://schemas.microsoft.com/office/drawing/2014/main" id="{B869F619-1A38-109C-A2CE-E1B69F530256}"/>
               </a:ext>
             </a:extLst>
           </p:cNvPr>
@@ -5245,9 +5459,9 @@
           <p:nvPr/>
         </p:nvSpPr>
         <p:spPr>
-          <a:xfrm flipV="1">
-            <a:off x="6396304" y="329937"/>
-            <a:ext cx="881190" cy="216817"/>
+          <a:xfrm>
+            <a:off x="135337" y="1358029"/>
+            <a:ext cx="1267436" cy="236976"/>
           </a:xfrm>
           <a:prstGeom prst="rect">
             <a:avLst/>
@@ -5288,7 +5502,7 @@
           <p:cNvPr id="7" name="正方形/長方形 6">
             <a:extLst>
               <a:ext uri="{FF2B5EF4-FFF2-40B4-BE49-F238E27FC236}">
-                <a16:creationId xmlns:a16="http://schemas.microsoft.com/office/drawing/2014/main" id="{62C91D83-B27D-851D-6485-02B4163E0B91}"/>
+                <a16:creationId xmlns:a16="http://schemas.microsoft.com/office/drawing/2014/main" id="{37C813D8-80B0-57F5-7ECD-370B2C8F5F78}"/>
               </a:ext>
             </a:extLst>
           </p:cNvPr>
@@ -5296,9 +5510,9 @@
           <p:nvPr/>
         </p:nvSpPr>
         <p:spPr>
-          <a:xfrm flipV="1">
-            <a:off x="6396304" y="556765"/>
-            <a:ext cx="2775976" cy="216816"/>
+          <a:xfrm>
+            <a:off x="1451518" y="1281831"/>
+            <a:ext cx="2933446" cy="236976"/>
           </a:xfrm>
           <a:prstGeom prst="rect">
             <a:avLst/>
@@ -5336,59 +5550,80 @@
       </p:sp>
       <p:sp>
         <p:nvSpPr>
-          <p:cNvPr id="8" name="正方形/長方形 7">
-            <a:extLst>
-              <a:ext uri="{FF2B5EF4-FFF2-40B4-BE49-F238E27FC236}">
-                <a16:creationId xmlns:a16="http://schemas.microsoft.com/office/drawing/2014/main" id="{31A5317B-761F-AD05-07A6-D1325023983D}"/>
-              </a:ext>
-            </a:extLst>
-          </p:cNvPr>
-          <p:cNvSpPr/>
+          <p:cNvPr id="2" name="テキスト ボックス 1">
+            <a:extLst>
+              <a:ext uri="{FF2B5EF4-FFF2-40B4-BE49-F238E27FC236}">
+                <a16:creationId xmlns:a16="http://schemas.microsoft.com/office/drawing/2014/main" id="{EDEF2282-8A60-95E1-17C0-FA7AFF4C8EC9}"/>
+              </a:ext>
+            </a:extLst>
+          </p:cNvPr>
+          <p:cNvSpPr txBox="1"/>
           <p:nvPr/>
         </p:nvSpPr>
         <p:spPr>
-          <a:xfrm flipV="1">
-            <a:off x="8555043" y="5724225"/>
-            <a:ext cx="2775976" cy="216816"/>
-          </a:xfrm>
-          <a:prstGeom prst="rect">
-            <a:avLst/>
-          </a:prstGeom>
-          <a:solidFill>
-            <a:schemeClr val="accent2">
-              <a:alpha val="50000"/>
-            </a:schemeClr>
-          </a:solidFill>
-        </p:spPr>
-        <p:style>
-          <a:lnRef idx="2">
-            <a:schemeClr val="accent2">
-              <a:shade val="15000"/>
-            </a:schemeClr>
-          </a:lnRef>
-          <a:fillRef idx="1">
-            <a:schemeClr val="accent2"/>
-          </a:fillRef>
-          <a:effectRef idx="0">
-            <a:schemeClr val="accent2"/>
-          </a:effectRef>
-          <a:fontRef idx="minor">
-            <a:schemeClr val="lt1"/>
-          </a:fontRef>
-        </p:style>
-        <p:txBody>
-          <a:bodyPr rtlCol="0" anchor="ctr"/>
-          <a:lstStyle/>
-          <a:p>
-            <a:pPr algn="ctr"/>
-            <a:endParaRPr kumimoji="1" lang="ja-JP" altLang="en-US"/>
+          <a:xfrm>
+            <a:off x="1054676" y="1358029"/>
+            <a:ext cx="290690" cy="261610"/>
+          </a:xfrm>
+          <a:prstGeom prst="rect">
+            <a:avLst/>
+          </a:prstGeom>
+          <a:noFill/>
+        </p:spPr>
+        <p:txBody>
+          <a:bodyPr wrap="square" rtlCol="0">
+            <a:spAutoFit/>
+          </a:bodyPr>
+          <a:lstStyle/>
+          <a:p>
+            <a:r>
+              <a:rPr kumimoji="1" lang="en-US" altLang="ja-JP" sz="1100" dirty="0"/>
+              <a:t>②</a:t>
+            </a:r>
+            <a:endParaRPr kumimoji="1" lang="ja-JP" altLang="en-US" sz="1100"/>
+          </a:p>
+        </p:txBody>
+      </p:sp>
+      <p:sp>
+        <p:nvSpPr>
+          <p:cNvPr id="3" name="テキスト ボックス 2">
+            <a:extLst>
+              <a:ext uri="{FF2B5EF4-FFF2-40B4-BE49-F238E27FC236}">
+                <a16:creationId xmlns:a16="http://schemas.microsoft.com/office/drawing/2014/main" id="{D75980EF-42A6-FFE9-7C5B-C80AFC5FE4CF}"/>
+              </a:ext>
+            </a:extLst>
+          </p:cNvPr>
+          <p:cNvSpPr txBox="1"/>
+          <p:nvPr/>
+        </p:nvSpPr>
+        <p:spPr>
+          <a:xfrm>
+            <a:off x="4094274" y="1281831"/>
+            <a:ext cx="290690" cy="261610"/>
+          </a:xfrm>
+          <a:prstGeom prst="rect">
+            <a:avLst/>
+          </a:prstGeom>
+          <a:noFill/>
+        </p:spPr>
+        <p:txBody>
+          <a:bodyPr wrap="square" rtlCol="0">
+            <a:spAutoFit/>
+          </a:bodyPr>
+          <a:lstStyle/>
+          <a:p>
+            <a:r>
+              <a:rPr kumimoji="1" lang="en-US" altLang="ja-JP" sz="1100" dirty="0"/>
+              <a:t>③</a:t>
+            </a:r>
+            <a:endParaRPr kumimoji="1" lang="ja-JP" altLang="en-US" sz="1100"/>
           </a:p>
         </p:txBody>
       </p:sp>
     </p:spTree>
     <p:extLst>
       <p:ext uri="{BB962C8B-B14F-4D97-AF65-F5344CB8AC3E}">
-        <p14:creationId xmlns:p14="http://schemas.microsoft.com/office/powerpoint/2010/main" val="1386079753"/>
+        <p14:creationId xmlns:p14="http://schemas.microsoft.com/office/powerpoint/2010/main" val="2456419198"/>
       </p:ext>
     </p:extLst>
   </p:cSld>
@@ -5417,10 +5652,10 @@
       </p:grpSpPr>
       <p:pic>
         <p:nvPicPr>
-          <p:cNvPr id="5" name="図 4" descr="グラフィカル ユーザー インターフェイス, テキスト, アプリケーション&#10;&#10;自動的に生成された説明">
-            <a:extLst>
-              <a:ext uri="{FF2B5EF4-FFF2-40B4-BE49-F238E27FC236}">
-                <a16:creationId xmlns:a16="http://schemas.microsoft.com/office/drawing/2014/main" id="{0F226E97-3808-D2B7-2612-36D829824C07}"/>
+          <p:cNvPr id="5" name="図 4" descr="ダイアグラム&#10;&#10;低い精度で自動的に生成された説明">
+            <a:extLst>
+              <a:ext uri="{FF2B5EF4-FFF2-40B4-BE49-F238E27FC236}">
+                <a16:creationId xmlns:a16="http://schemas.microsoft.com/office/drawing/2014/main" id="{792A485A-FFBC-AD0B-950C-315FD4E943E1}"/>
               </a:ext>
             </a:extLst>
           </p:cNvPr>
@@ -5437,8 +5672,8 @@
         </p:blipFill>
         <p:spPr>
           <a:xfrm>
-            <a:off x="0" y="0"/>
-            <a:ext cx="12054750" cy="5533534"/>
+            <a:off x="188536" y="103108"/>
+            <a:ext cx="11142483" cy="6651783"/>
           </a:xfrm>
           <a:prstGeom prst="rect">
             <a:avLst/>
@@ -5447,10 +5682,10 @@
       </p:pic>
       <p:sp>
         <p:nvSpPr>
-          <p:cNvPr id="7" name="正方形/長方形 6">
-            <a:extLst>
-              <a:ext uri="{FF2B5EF4-FFF2-40B4-BE49-F238E27FC236}">
-                <a16:creationId xmlns:a16="http://schemas.microsoft.com/office/drawing/2014/main" id="{EA1B1539-B2D1-5A60-C73E-AE1340ADB3E1}"/>
+          <p:cNvPr id="6" name="正方形/長方形 5">
+            <a:extLst>
+              <a:ext uri="{FF2B5EF4-FFF2-40B4-BE49-F238E27FC236}">
+                <a16:creationId xmlns:a16="http://schemas.microsoft.com/office/drawing/2014/main" id="{5E86F2AA-D313-F7AA-B96F-774284937EB2}"/>
               </a:ext>
             </a:extLst>
           </p:cNvPr>
@@ -5458,9 +5693,9 @@
           <p:nvPr/>
         </p:nvSpPr>
         <p:spPr>
-          <a:xfrm>
-            <a:off x="163617" y="1103505"/>
-            <a:ext cx="3861627" cy="236976"/>
+          <a:xfrm flipV="1">
+            <a:off x="6396304" y="329937"/>
+            <a:ext cx="881190" cy="216817"/>
           </a:xfrm>
           <a:prstGeom prst="rect">
             <a:avLst/>
@@ -5498,10 +5733,10 @@
       </p:sp>
       <p:sp>
         <p:nvSpPr>
-          <p:cNvPr id="10" name="正方形/長方形 9">
-            <a:extLst>
-              <a:ext uri="{FF2B5EF4-FFF2-40B4-BE49-F238E27FC236}">
-                <a16:creationId xmlns:a16="http://schemas.microsoft.com/office/drawing/2014/main" id="{58F496C7-5411-F006-C49C-E018E6CCE343}"/>
+          <p:cNvPr id="7" name="正方形/長方形 6">
+            <a:extLst>
+              <a:ext uri="{FF2B5EF4-FFF2-40B4-BE49-F238E27FC236}">
+                <a16:creationId xmlns:a16="http://schemas.microsoft.com/office/drawing/2014/main" id="{62C91D83-B27D-851D-6485-02B4163E0B91}"/>
               </a:ext>
             </a:extLst>
           </p:cNvPr>
@@ -5509,9 +5744,9 @@
           <p:nvPr/>
         </p:nvSpPr>
         <p:spPr>
-          <a:xfrm>
-            <a:off x="163617" y="1414590"/>
-            <a:ext cx="3861627" cy="236976"/>
+          <a:xfrm flipV="1">
+            <a:off x="6396304" y="556765"/>
+            <a:ext cx="2775976" cy="216816"/>
           </a:xfrm>
           <a:prstGeom prst="rect">
             <a:avLst/>
@@ -5549,10 +5784,10 @@
       </p:sp>
       <p:sp>
         <p:nvSpPr>
-          <p:cNvPr id="11" name="正方形/長方形 10">
-            <a:extLst>
-              <a:ext uri="{FF2B5EF4-FFF2-40B4-BE49-F238E27FC236}">
-                <a16:creationId xmlns:a16="http://schemas.microsoft.com/office/drawing/2014/main" id="{F7BBE09A-0C56-4FAA-5E1F-0A1E9FFCA888}"/>
+          <p:cNvPr id="8" name="正方形/長方形 7">
+            <a:extLst>
+              <a:ext uri="{FF2B5EF4-FFF2-40B4-BE49-F238E27FC236}">
+                <a16:creationId xmlns:a16="http://schemas.microsoft.com/office/drawing/2014/main" id="{31A5317B-761F-AD05-07A6-D1325023983D}"/>
               </a:ext>
             </a:extLst>
           </p:cNvPr>
@@ -5560,9 +5795,9 @@
           <p:nvPr/>
         </p:nvSpPr>
         <p:spPr>
-          <a:xfrm>
-            <a:off x="163617" y="1670989"/>
-            <a:ext cx="3861627" cy="236976"/>
+          <a:xfrm flipV="1">
+            <a:off x="8555043" y="5724225"/>
+            <a:ext cx="2775976" cy="216816"/>
           </a:xfrm>
           <a:prstGeom prst="rect">
             <a:avLst/>
@@ -5598,378 +5833,10 @@
           </a:p>
         </p:txBody>
       </p:sp>
-      <p:sp>
-        <p:nvSpPr>
-          <p:cNvPr id="12" name="正方形/長方形 11">
-            <a:extLst>
-              <a:ext uri="{FF2B5EF4-FFF2-40B4-BE49-F238E27FC236}">
-                <a16:creationId xmlns:a16="http://schemas.microsoft.com/office/drawing/2014/main" id="{A7AF254D-C990-4EC1-A19C-F10E533186EF}"/>
-              </a:ext>
-            </a:extLst>
-          </p:cNvPr>
-          <p:cNvSpPr/>
-          <p:nvPr/>
-        </p:nvSpPr>
-        <p:spPr>
-          <a:xfrm>
-            <a:off x="163617" y="1940565"/>
-            <a:ext cx="3861627" cy="236976"/>
-          </a:xfrm>
-          <a:prstGeom prst="rect">
-            <a:avLst/>
-          </a:prstGeom>
-          <a:solidFill>
-            <a:schemeClr val="accent2">
-              <a:alpha val="50000"/>
-            </a:schemeClr>
-          </a:solidFill>
-        </p:spPr>
-        <p:style>
-          <a:lnRef idx="2">
-            <a:schemeClr val="accent2">
-              <a:shade val="15000"/>
-            </a:schemeClr>
-          </a:lnRef>
-          <a:fillRef idx="1">
-            <a:schemeClr val="accent2"/>
-          </a:fillRef>
-          <a:effectRef idx="0">
-            <a:schemeClr val="accent2"/>
-          </a:effectRef>
-          <a:fontRef idx="minor">
-            <a:schemeClr val="lt1"/>
-          </a:fontRef>
-        </p:style>
-        <p:txBody>
-          <a:bodyPr rtlCol="0" anchor="ctr"/>
-          <a:lstStyle/>
-          <a:p>
-            <a:pPr algn="ctr"/>
-            <a:endParaRPr kumimoji="1" lang="ja-JP" altLang="en-US"/>
-          </a:p>
-        </p:txBody>
-      </p:sp>
-      <p:sp>
-        <p:nvSpPr>
-          <p:cNvPr id="13" name="正方形/長方形 12">
-            <a:extLst>
-              <a:ext uri="{FF2B5EF4-FFF2-40B4-BE49-F238E27FC236}">
-                <a16:creationId xmlns:a16="http://schemas.microsoft.com/office/drawing/2014/main" id="{9CD14508-5982-3A33-5AC8-5EE8FBC22AEA}"/>
-              </a:ext>
-            </a:extLst>
-          </p:cNvPr>
-          <p:cNvSpPr/>
-          <p:nvPr/>
-        </p:nvSpPr>
-        <p:spPr>
-          <a:xfrm>
-            <a:off x="163617" y="2443986"/>
-            <a:ext cx="3861627" cy="236976"/>
-          </a:xfrm>
-          <a:prstGeom prst="rect">
-            <a:avLst/>
-          </a:prstGeom>
-          <a:solidFill>
-            <a:schemeClr val="accent2">
-              <a:alpha val="50000"/>
-            </a:schemeClr>
-          </a:solidFill>
-        </p:spPr>
-        <p:style>
-          <a:lnRef idx="2">
-            <a:schemeClr val="accent2">
-              <a:shade val="15000"/>
-            </a:schemeClr>
-          </a:lnRef>
-          <a:fillRef idx="1">
-            <a:schemeClr val="accent2"/>
-          </a:fillRef>
-          <a:effectRef idx="0">
-            <a:schemeClr val="accent2"/>
-          </a:effectRef>
-          <a:fontRef idx="minor">
-            <a:schemeClr val="lt1"/>
-          </a:fontRef>
-        </p:style>
-        <p:txBody>
-          <a:bodyPr rtlCol="0" anchor="ctr"/>
-          <a:lstStyle/>
-          <a:p>
-            <a:pPr algn="ctr"/>
-            <a:endParaRPr kumimoji="1" lang="ja-JP" altLang="en-US"/>
-          </a:p>
-        </p:txBody>
-      </p:sp>
-      <p:sp>
-        <p:nvSpPr>
-          <p:cNvPr id="14" name="正方形/長方形 13">
-            <a:extLst>
-              <a:ext uri="{FF2B5EF4-FFF2-40B4-BE49-F238E27FC236}">
-                <a16:creationId xmlns:a16="http://schemas.microsoft.com/office/drawing/2014/main" id="{D6259E2C-14F8-35D3-D93D-802C3B24B013}"/>
-              </a:ext>
-            </a:extLst>
-          </p:cNvPr>
-          <p:cNvSpPr/>
-          <p:nvPr/>
-        </p:nvSpPr>
-        <p:spPr>
-          <a:xfrm>
-            <a:off x="10256363" y="5124453"/>
-            <a:ext cx="1121791" cy="260674"/>
-          </a:xfrm>
-          <a:prstGeom prst="rect">
-            <a:avLst/>
-          </a:prstGeom>
-          <a:solidFill>
-            <a:schemeClr val="accent2">
-              <a:alpha val="50000"/>
-            </a:schemeClr>
-          </a:solidFill>
-        </p:spPr>
-        <p:style>
-          <a:lnRef idx="2">
-            <a:schemeClr val="accent2">
-              <a:shade val="15000"/>
-            </a:schemeClr>
-          </a:lnRef>
-          <a:fillRef idx="1">
-            <a:schemeClr val="accent2"/>
-          </a:fillRef>
-          <a:effectRef idx="0">
-            <a:schemeClr val="accent2"/>
-          </a:effectRef>
-          <a:fontRef idx="minor">
-            <a:schemeClr val="lt1"/>
-          </a:fontRef>
-        </p:style>
-        <p:txBody>
-          <a:bodyPr rtlCol="0" anchor="ctr"/>
-          <a:lstStyle/>
-          <a:p>
-            <a:pPr algn="ctr"/>
-            <a:endParaRPr kumimoji="1" lang="ja-JP" altLang="en-US"/>
-          </a:p>
-        </p:txBody>
-      </p:sp>
-      <p:sp>
-        <p:nvSpPr>
-          <p:cNvPr id="15" name="テキスト ボックス 14">
-            <a:extLst>
-              <a:ext uri="{FF2B5EF4-FFF2-40B4-BE49-F238E27FC236}">
-                <a16:creationId xmlns:a16="http://schemas.microsoft.com/office/drawing/2014/main" id="{75F1AF36-A0D3-5611-D0C0-845F7A65E385}"/>
-              </a:ext>
-            </a:extLst>
-          </p:cNvPr>
-          <p:cNvSpPr txBox="1"/>
-          <p:nvPr/>
-        </p:nvSpPr>
-        <p:spPr>
-          <a:xfrm>
-            <a:off x="1762814" y="1061062"/>
-            <a:ext cx="414779" cy="305234"/>
-          </a:xfrm>
-          <a:prstGeom prst="rect">
-            <a:avLst/>
-          </a:prstGeom>
-          <a:noFill/>
-        </p:spPr>
-        <p:txBody>
-          <a:bodyPr wrap="square" rtlCol="0">
-            <a:spAutoFit/>
-          </a:bodyPr>
-          <a:lstStyle/>
-          <a:p>
-            <a:r>
-              <a:rPr lang="en-US" altLang="ja-JP" dirty="0"/>
-              <a:t>③</a:t>
-            </a:r>
-            <a:endParaRPr kumimoji="1" lang="ja-JP" altLang="en-US"/>
-          </a:p>
-        </p:txBody>
-      </p:sp>
-      <p:sp>
-        <p:nvSpPr>
-          <p:cNvPr id="16" name="テキスト ボックス 15">
-            <a:extLst>
-              <a:ext uri="{FF2B5EF4-FFF2-40B4-BE49-F238E27FC236}">
-                <a16:creationId xmlns:a16="http://schemas.microsoft.com/office/drawing/2014/main" id="{A07B7557-DC94-B5AF-2628-6CEC0664BD79}"/>
-              </a:ext>
-            </a:extLst>
-          </p:cNvPr>
-          <p:cNvSpPr txBox="1"/>
-          <p:nvPr/>
-        </p:nvSpPr>
-        <p:spPr>
-          <a:xfrm>
-            <a:off x="3493985" y="1367129"/>
-            <a:ext cx="414779" cy="369332"/>
-          </a:xfrm>
-          <a:prstGeom prst="rect">
-            <a:avLst/>
-          </a:prstGeom>
-          <a:noFill/>
-        </p:spPr>
-        <p:txBody>
-          <a:bodyPr wrap="square" rtlCol="0">
-            <a:spAutoFit/>
-          </a:bodyPr>
-          <a:lstStyle/>
-          <a:p>
-            <a:r>
-              <a:rPr kumimoji="1" lang="ja-JP" altLang="en-US"/>
-              <a:t>④</a:t>
-            </a:r>
-          </a:p>
-        </p:txBody>
-      </p:sp>
-      <p:sp>
-        <p:nvSpPr>
-          <p:cNvPr id="17" name="テキスト ボックス 16">
-            <a:extLst>
-              <a:ext uri="{FF2B5EF4-FFF2-40B4-BE49-F238E27FC236}">
-                <a16:creationId xmlns:a16="http://schemas.microsoft.com/office/drawing/2014/main" id="{5C2CDE54-DD12-4961-4AAF-4CEF6E9ED2C9}"/>
-              </a:ext>
-            </a:extLst>
-          </p:cNvPr>
-          <p:cNvSpPr txBox="1"/>
-          <p:nvPr/>
-        </p:nvSpPr>
-        <p:spPr>
-          <a:xfrm>
-            <a:off x="3493985" y="1632712"/>
-            <a:ext cx="414779" cy="369332"/>
-          </a:xfrm>
-          <a:prstGeom prst="rect">
-            <a:avLst/>
-          </a:prstGeom>
-          <a:noFill/>
-        </p:spPr>
-        <p:txBody>
-          <a:bodyPr wrap="square" rtlCol="0">
-            <a:spAutoFit/>
-          </a:bodyPr>
-          <a:lstStyle/>
-          <a:p>
-            <a:r>
-              <a:rPr kumimoji="1" lang="en-US" altLang="ja-JP" dirty="0"/>
-              <a:t>⑤</a:t>
-            </a:r>
-            <a:endParaRPr kumimoji="1" lang="ja-JP" altLang="en-US"/>
-          </a:p>
-        </p:txBody>
-      </p:sp>
-      <p:sp>
-        <p:nvSpPr>
-          <p:cNvPr id="18" name="テキスト ボックス 17">
-            <a:extLst>
-              <a:ext uri="{FF2B5EF4-FFF2-40B4-BE49-F238E27FC236}">
-                <a16:creationId xmlns:a16="http://schemas.microsoft.com/office/drawing/2014/main" id="{B4F253DA-EAAE-BCDF-CD9D-8423F535D624}"/>
-              </a:ext>
-            </a:extLst>
-          </p:cNvPr>
-          <p:cNvSpPr txBox="1"/>
-          <p:nvPr/>
-        </p:nvSpPr>
-        <p:spPr>
-          <a:xfrm>
-            <a:off x="3493985" y="1897969"/>
-            <a:ext cx="414779" cy="369332"/>
-          </a:xfrm>
-          <a:prstGeom prst="rect">
-            <a:avLst/>
-          </a:prstGeom>
-          <a:noFill/>
-        </p:spPr>
-        <p:txBody>
-          <a:bodyPr wrap="square" rtlCol="0">
-            <a:spAutoFit/>
-          </a:bodyPr>
-          <a:lstStyle/>
-          <a:p>
-            <a:r>
-              <a:rPr kumimoji="1" lang="en-US" altLang="ja-JP" dirty="0"/>
-              <a:t>⑥</a:t>
-            </a:r>
-            <a:endParaRPr kumimoji="1" lang="ja-JP" altLang="en-US"/>
-          </a:p>
-        </p:txBody>
-      </p:sp>
-      <p:sp>
-        <p:nvSpPr>
-          <p:cNvPr id="19" name="テキスト ボックス 18">
-            <a:extLst>
-              <a:ext uri="{FF2B5EF4-FFF2-40B4-BE49-F238E27FC236}">
-                <a16:creationId xmlns:a16="http://schemas.microsoft.com/office/drawing/2014/main" id="{F1B82F31-3AF4-2E34-B9E3-FCFB986ABE20}"/>
-              </a:ext>
-            </a:extLst>
-          </p:cNvPr>
-          <p:cNvSpPr txBox="1"/>
-          <p:nvPr/>
-        </p:nvSpPr>
-        <p:spPr>
-          <a:xfrm>
-            <a:off x="3079206" y="2404009"/>
-            <a:ext cx="414779" cy="369332"/>
-          </a:xfrm>
-          <a:prstGeom prst="rect">
-            <a:avLst/>
-          </a:prstGeom>
-          <a:noFill/>
-        </p:spPr>
-        <p:txBody>
-          <a:bodyPr wrap="square" rtlCol="0">
-            <a:spAutoFit/>
-          </a:bodyPr>
-          <a:lstStyle/>
-          <a:p>
-            <a:r>
-              <a:rPr kumimoji="1" lang="en-US" altLang="ja-JP" dirty="0"/>
-              <a:t>⑦</a:t>
-            </a:r>
-            <a:endParaRPr kumimoji="1" lang="ja-JP" altLang="en-US"/>
-          </a:p>
-        </p:txBody>
-      </p:sp>
-      <p:sp>
-        <p:nvSpPr>
-          <p:cNvPr id="20" name="テキスト ボックス 19">
-            <a:extLst>
-              <a:ext uri="{FF2B5EF4-FFF2-40B4-BE49-F238E27FC236}">
-                <a16:creationId xmlns:a16="http://schemas.microsoft.com/office/drawing/2014/main" id="{F1190591-83A3-0C4E-D80E-4B3CE5197BCA}"/>
-              </a:ext>
-            </a:extLst>
-          </p:cNvPr>
-          <p:cNvSpPr txBox="1"/>
-          <p:nvPr/>
-        </p:nvSpPr>
-        <p:spPr>
-          <a:xfrm>
-            <a:off x="10256363" y="5102173"/>
-            <a:ext cx="414779" cy="369332"/>
-          </a:xfrm>
-          <a:prstGeom prst="rect">
-            <a:avLst/>
-          </a:prstGeom>
-          <a:noFill/>
-        </p:spPr>
-        <p:txBody>
-          <a:bodyPr wrap="square" rtlCol="0">
-            <a:spAutoFit/>
-          </a:bodyPr>
-          <a:lstStyle/>
-          <a:p>
-            <a:r>
-              <a:rPr kumimoji="1" lang="en-US" altLang="ja-JP" dirty="0"/>
-              <a:t>⑧</a:t>
-            </a:r>
-            <a:endParaRPr kumimoji="1" lang="ja-JP" altLang="en-US"/>
-          </a:p>
-        </p:txBody>
-      </p:sp>
     </p:spTree>
     <p:extLst>
       <p:ext uri="{BB962C8B-B14F-4D97-AF65-F5344CB8AC3E}">
-        <p14:creationId xmlns:p14="http://schemas.microsoft.com/office/powerpoint/2010/main" val="4036690311"/>
+        <p14:creationId xmlns:p14="http://schemas.microsoft.com/office/powerpoint/2010/main" val="1386079753"/>
       </p:ext>
     </p:extLst>
   </p:cSld>
@@ -5998,10 +5865,10 @@
       </p:grpSpPr>
       <p:pic>
         <p:nvPicPr>
-          <p:cNvPr id="5" name="図 4" descr="グラフィカル ユーザー インターフェイス, アプリケーション&#10;&#10;自動的に生成された説明">
-            <a:extLst>
-              <a:ext uri="{FF2B5EF4-FFF2-40B4-BE49-F238E27FC236}">
-                <a16:creationId xmlns:a16="http://schemas.microsoft.com/office/drawing/2014/main" id="{DADC9B33-2202-B769-8BBE-E519C492345A}"/>
+          <p:cNvPr id="5" name="図 4" descr="グラフィカル ユーザー インターフェイス, テキスト, アプリケーション&#10;&#10;自動的に生成された説明">
+            <a:extLst>
+              <a:ext uri="{FF2B5EF4-FFF2-40B4-BE49-F238E27FC236}">
+                <a16:creationId xmlns:a16="http://schemas.microsoft.com/office/drawing/2014/main" id="{0F226E97-3808-D2B7-2612-36D829824C07}"/>
               </a:ext>
             </a:extLst>
           </p:cNvPr>
@@ -6019,7 +5886,7 @@
         <p:spPr>
           <a:xfrm>
             <a:off x="0" y="0"/>
-            <a:ext cx="12191152" cy="5184742"/>
+            <a:ext cx="12054750" cy="5533534"/>
           </a:xfrm>
           <a:prstGeom prst="rect">
             <a:avLst/>
@@ -6028,10 +5895,10 @@
       </p:pic>
       <p:sp>
         <p:nvSpPr>
-          <p:cNvPr id="6" name="正方形/長方形 5">
-            <a:extLst>
-              <a:ext uri="{FF2B5EF4-FFF2-40B4-BE49-F238E27FC236}">
-                <a16:creationId xmlns:a16="http://schemas.microsoft.com/office/drawing/2014/main" id="{F1B49D37-032A-A92C-C00D-677B660B15B6}"/>
+          <p:cNvPr id="7" name="正方形/長方形 6">
+            <a:extLst>
+              <a:ext uri="{FF2B5EF4-FFF2-40B4-BE49-F238E27FC236}">
+                <a16:creationId xmlns:a16="http://schemas.microsoft.com/office/drawing/2014/main" id="{EA1B1539-B2D1-5A60-C73E-AE1340ADB3E1}"/>
               </a:ext>
             </a:extLst>
           </p:cNvPr>
@@ -6040,7 +5907,7 @@
         </p:nvSpPr>
         <p:spPr>
           <a:xfrm>
-            <a:off x="174613" y="1131786"/>
+            <a:off x="163617" y="1103505"/>
             <a:ext cx="3861627" cy="236976"/>
           </a:xfrm>
           <a:prstGeom prst="rect">
@@ -6079,10 +5946,10 @@
       </p:sp>
       <p:sp>
         <p:nvSpPr>
-          <p:cNvPr id="7" name="正方形/長方形 6">
-            <a:extLst>
-              <a:ext uri="{FF2B5EF4-FFF2-40B4-BE49-F238E27FC236}">
-                <a16:creationId xmlns:a16="http://schemas.microsoft.com/office/drawing/2014/main" id="{130841D9-3CCB-E903-7202-C7A6E99D0EDE}"/>
+          <p:cNvPr id="10" name="正方形/長方形 9">
+            <a:extLst>
+              <a:ext uri="{FF2B5EF4-FFF2-40B4-BE49-F238E27FC236}">
+                <a16:creationId xmlns:a16="http://schemas.microsoft.com/office/drawing/2014/main" id="{58F496C7-5411-F006-C49C-E018E6CCE343}"/>
               </a:ext>
             </a:extLst>
           </p:cNvPr>
@@ -6091,7 +5958,7 @@
         </p:nvSpPr>
         <p:spPr>
           <a:xfrm>
-            <a:off x="174613" y="1680113"/>
+            <a:off x="163617" y="1414590"/>
             <a:ext cx="3861627" cy="236976"/>
           </a:xfrm>
           <a:prstGeom prst="rect">
@@ -6130,10 +5997,10 @@
       </p:sp>
       <p:sp>
         <p:nvSpPr>
-          <p:cNvPr id="8" name="正方形/長方形 7">
-            <a:extLst>
-              <a:ext uri="{FF2B5EF4-FFF2-40B4-BE49-F238E27FC236}">
-                <a16:creationId xmlns:a16="http://schemas.microsoft.com/office/drawing/2014/main" id="{71E75316-C40E-C361-1338-3E0FA31BE26E}"/>
+          <p:cNvPr id="11" name="正方形/長方形 10">
+            <a:extLst>
+              <a:ext uri="{FF2B5EF4-FFF2-40B4-BE49-F238E27FC236}">
+                <a16:creationId xmlns:a16="http://schemas.microsoft.com/office/drawing/2014/main" id="{F7BBE09A-0C56-4FAA-5E1F-0A1E9FFCA888}"/>
               </a:ext>
             </a:extLst>
           </p:cNvPr>
@@ -6142,8 +6009,8 @@
         </p:nvSpPr>
         <p:spPr>
           <a:xfrm>
-            <a:off x="10341206" y="4766237"/>
-            <a:ext cx="1121791" cy="260674"/>
+            <a:off x="163617" y="1670989"/>
+            <a:ext cx="3861627" cy="236976"/>
           </a:xfrm>
           <a:prstGeom prst="rect">
             <a:avLst/>
@@ -6181,10 +6048,163 @@
       </p:sp>
       <p:sp>
         <p:nvSpPr>
-          <p:cNvPr id="9" name="テキスト ボックス 8">
-            <a:extLst>
-              <a:ext uri="{FF2B5EF4-FFF2-40B4-BE49-F238E27FC236}">
-                <a16:creationId xmlns:a16="http://schemas.microsoft.com/office/drawing/2014/main" id="{6D645027-7454-069C-BEC1-0CCA5DE29873}"/>
+          <p:cNvPr id="12" name="正方形/長方形 11">
+            <a:extLst>
+              <a:ext uri="{FF2B5EF4-FFF2-40B4-BE49-F238E27FC236}">
+                <a16:creationId xmlns:a16="http://schemas.microsoft.com/office/drawing/2014/main" id="{A7AF254D-C990-4EC1-A19C-F10E533186EF}"/>
+              </a:ext>
+            </a:extLst>
+          </p:cNvPr>
+          <p:cNvSpPr/>
+          <p:nvPr/>
+        </p:nvSpPr>
+        <p:spPr>
+          <a:xfrm>
+            <a:off x="163617" y="1940565"/>
+            <a:ext cx="3861627" cy="236976"/>
+          </a:xfrm>
+          <a:prstGeom prst="rect">
+            <a:avLst/>
+          </a:prstGeom>
+          <a:solidFill>
+            <a:schemeClr val="accent2">
+              <a:alpha val="50000"/>
+            </a:schemeClr>
+          </a:solidFill>
+        </p:spPr>
+        <p:style>
+          <a:lnRef idx="2">
+            <a:schemeClr val="accent2">
+              <a:shade val="15000"/>
+            </a:schemeClr>
+          </a:lnRef>
+          <a:fillRef idx="1">
+            <a:schemeClr val="accent2"/>
+          </a:fillRef>
+          <a:effectRef idx="0">
+            <a:schemeClr val="accent2"/>
+          </a:effectRef>
+          <a:fontRef idx="minor">
+            <a:schemeClr val="lt1"/>
+          </a:fontRef>
+        </p:style>
+        <p:txBody>
+          <a:bodyPr rtlCol="0" anchor="ctr"/>
+          <a:lstStyle/>
+          <a:p>
+            <a:pPr algn="ctr"/>
+            <a:endParaRPr kumimoji="1" lang="ja-JP" altLang="en-US"/>
+          </a:p>
+        </p:txBody>
+      </p:sp>
+      <p:sp>
+        <p:nvSpPr>
+          <p:cNvPr id="13" name="正方形/長方形 12">
+            <a:extLst>
+              <a:ext uri="{FF2B5EF4-FFF2-40B4-BE49-F238E27FC236}">
+                <a16:creationId xmlns:a16="http://schemas.microsoft.com/office/drawing/2014/main" id="{9CD14508-5982-3A33-5AC8-5EE8FBC22AEA}"/>
+              </a:ext>
+            </a:extLst>
+          </p:cNvPr>
+          <p:cNvSpPr/>
+          <p:nvPr/>
+        </p:nvSpPr>
+        <p:spPr>
+          <a:xfrm>
+            <a:off x="163617" y="2443986"/>
+            <a:ext cx="3861627" cy="236976"/>
+          </a:xfrm>
+          <a:prstGeom prst="rect">
+            <a:avLst/>
+          </a:prstGeom>
+          <a:solidFill>
+            <a:schemeClr val="accent2">
+              <a:alpha val="50000"/>
+            </a:schemeClr>
+          </a:solidFill>
+        </p:spPr>
+        <p:style>
+          <a:lnRef idx="2">
+            <a:schemeClr val="accent2">
+              <a:shade val="15000"/>
+            </a:schemeClr>
+          </a:lnRef>
+          <a:fillRef idx="1">
+            <a:schemeClr val="accent2"/>
+          </a:fillRef>
+          <a:effectRef idx="0">
+            <a:schemeClr val="accent2"/>
+          </a:effectRef>
+          <a:fontRef idx="minor">
+            <a:schemeClr val="lt1"/>
+          </a:fontRef>
+        </p:style>
+        <p:txBody>
+          <a:bodyPr rtlCol="0" anchor="ctr"/>
+          <a:lstStyle/>
+          <a:p>
+            <a:pPr algn="ctr"/>
+            <a:endParaRPr kumimoji="1" lang="ja-JP" altLang="en-US"/>
+          </a:p>
+        </p:txBody>
+      </p:sp>
+      <p:sp>
+        <p:nvSpPr>
+          <p:cNvPr id="14" name="正方形/長方形 13">
+            <a:extLst>
+              <a:ext uri="{FF2B5EF4-FFF2-40B4-BE49-F238E27FC236}">
+                <a16:creationId xmlns:a16="http://schemas.microsoft.com/office/drawing/2014/main" id="{D6259E2C-14F8-35D3-D93D-802C3B24B013}"/>
+              </a:ext>
+            </a:extLst>
+          </p:cNvPr>
+          <p:cNvSpPr/>
+          <p:nvPr/>
+        </p:nvSpPr>
+        <p:spPr>
+          <a:xfrm>
+            <a:off x="10256363" y="5124453"/>
+            <a:ext cx="1121791" cy="260674"/>
+          </a:xfrm>
+          <a:prstGeom prst="rect">
+            <a:avLst/>
+          </a:prstGeom>
+          <a:solidFill>
+            <a:schemeClr val="accent2">
+              <a:alpha val="50000"/>
+            </a:schemeClr>
+          </a:solidFill>
+        </p:spPr>
+        <p:style>
+          <a:lnRef idx="2">
+            <a:schemeClr val="accent2">
+              <a:shade val="15000"/>
+            </a:schemeClr>
+          </a:lnRef>
+          <a:fillRef idx="1">
+            <a:schemeClr val="accent2"/>
+          </a:fillRef>
+          <a:effectRef idx="0">
+            <a:schemeClr val="accent2"/>
+          </a:effectRef>
+          <a:fontRef idx="minor">
+            <a:schemeClr val="lt1"/>
+          </a:fontRef>
+        </p:style>
+        <p:txBody>
+          <a:bodyPr rtlCol="0" anchor="ctr"/>
+          <a:lstStyle/>
+          <a:p>
+            <a:pPr algn="ctr"/>
+            <a:endParaRPr kumimoji="1" lang="ja-JP" altLang="en-US"/>
+          </a:p>
+        </p:txBody>
+      </p:sp>
+      <p:sp>
+        <p:nvSpPr>
+          <p:cNvPr id="15" name="テキスト ボックス 14">
+            <a:extLst>
+              <a:ext uri="{FF2B5EF4-FFF2-40B4-BE49-F238E27FC236}">
+                <a16:creationId xmlns:a16="http://schemas.microsoft.com/office/drawing/2014/main" id="{75F1AF36-A0D3-5611-D0C0-845F7A65E385}"/>
               </a:ext>
             </a:extLst>
           </p:cNvPr>
@@ -6193,7 +6213,7 @@
         </p:nvSpPr>
         <p:spPr>
           <a:xfrm>
-            <a:off x="1762814" y="1089343"/>
+            <a:off x="1762814" y="1061062"/>
             <a:ext cx="414779" cy="305234"/>
           </a:xfrm>
           <a:prstGeom prst="rect">
@@ -6217,10 +6237,10 @@
       </p:sp>
       <p:sp>
         <p:nvSpPr>
-          <p:cNvPr id="10" name="テキスト ボックス 9">
-            <a:extLst>
-              <a:ext uri="{FF2B5EF4-FFF2-40B4-BE49-F238E27FC236}">
-                <a16:creationId xmlns:a16="http://schemas.microsoft.com/office/drawing/2014/main" id="{A486561B-49B9-F57B-E97E-E1113E349628}"/>
+          <p:cNvPr id="16" name="テキスト ボックス 15">
+            <a:extLst>
+              <a:ext uri="{FF2B5EF4-FFF2-40B4-BE49-F238E27FC236}">
+                <a16:creationId xmlns:a16="http://schemas.microsoft.com/office/drawing/2014/main" id="{A07B7557-DC94-B5AF-2628-6CEC0664BD79}"/>
               </a:ext>
             </a:extLst>
           </p:cNvPr>
@@ -6229,7 +6249,7 @@
         </p:nvSpPr>
         <p:spPr>
           <a:xfrm>
-            <a:off x="3357514" y="1637668"/>
+            <a:off x="3493985" y="1367129"/>
             <a:ext cx="414779" cy="369332"/>
           </a:xfrm>
           <a:prstGeom prst="rect">
@@ -6247,16 +6267,15 @@
               <a:rPr kumimoji="1" lang="ja-JP" altLang="en-US"/>
               <a:t>④</a:t>
             </a:r>
-            <a:endParaRPr kumimoji="1" lang="en-US" altLang="ja-JP" dirty="0"/>
-          </a:p>
-        </p:txBody>
-      </p:sp>
-      <p:sp>
-        <p:nvSpPr>
-          <p:cNvPr id="11" name="テキスト ボックス 10">
-            <a:extLst>
-              <a:ext uri="{FF2B5EF4-FFF2-40B4-BE49-F238E27FC236}">
-                <a16:creationId xmlns:a16="http://schemas.microsoft.com/office/drawing/2014/main" id="{86C42038-7486-C79F-7D54-CBAF55E3046F}"/>
+          </a:p>
+        </p:txBody>
+      </p:sp>
+      <p:sp>
+        <p:nvSpPr>
+          <p:cNvPr id="17" name="テキスト ボックス 16">
+            <a:extLst>
+              <a:ext uri="{FF2B5EF4-FFF2-40B4-BE49-F238E27FC236}">
+                <a16:creationId xmlns:a16="http://schemas.microsoft.com/office/drawing/2014/main" id="{5C2CDE54-DD12-4961-4AAF-4CEF6E9ED2C9}"/>
               </a:ext>
             </a:extLst>
           </p:cNvPr>
@@ -6265,7 +6284,7 @@
         </p:nvSpPr>
         <p:spPr>
           <a:xfrm>
-            <a:off x="10419761" y="4743957"/>
+            <a:off x="3493985" y="1632712"/>
             <a:ext cx="414779" cy="369332"/>
           </a:xfrm>
           <a:prstGeom prst="rect">
@@ -6280,8 +6299,116 @@
           <a:lstStyle/>
           <a:p>
             <a:r>
-              <a:rPr lang="en-US" altLang="ja-JP" dirty="0"/>
+              <a:rPr kumimoji="1" lang="en-US" altLang="ja-JP" dirty="0"/>
               <a:t>⑤</a:t>
+            </a:r>
+            <a:endParaRPr kumimoji="1" lang="ja-JP" altLang="en-US"/>
+          </a:p>
+        </p:txBody>
+      </p:sp>
+      <p:sp>
+        <p:nvSpPr>
+          <p:cNvPr id="18" name="テキスト ボックス 17">
+            <a:extLst>
+              <a:ext uri="{FF2B5EF4-FFF2-40B4-BE49-F238E27FC236}">
+                <a16:creationId xmlns:a16="http://schemas.microsoft.com/office/drawing/2014/main" id="{B4F253DA-EAAE-BCDF-CD9D-8423F535D624}"/>
+              </a:ext>
+            </a:extLst>
+          </p:cNvPr>
+          <p:cNvSpPr txBox="1"/>
+          <p:nvPr/>
+        </p:nvSpPr>
+        <p:spPr>
+          <a:xfrm>
+            <a:off x="3493985" y="1897969"/>
+            <a:ext cx="414779" cy="369332"/>
+          </a:xfrm>
+          <a:prstGeom prst="rect">
+            <a:avLst/>
+          </a:prstGeom>
+          <a:noFill/>
+        </p:spPr>
+        <p:txBody>
+          <a:bodyPr wrap="square" rtlCol="0">
+            <a:spAutoFit/>
+          </a:bodyPr>
+          <a:lstStyle/>
+          <a:p>
+            <a:r>
+              <a:rPr kumimoji="1" lang="en-US" altLang="ja-JP" dirty="0"/>
+              <a:t>⑥</a:t>
+            </a:r>
+            <a:endParaRPr kumimoji="1" lang="ja-JP" altLang="en-US"/>
+          </a:p>
+        </p:txBody>
+      </p:sp>
+      <p:sp>
+        <p:nvSpPr>
+          <p:cNvPr id="19" name="テキスト ボックス 18">
+            <a:extLst>
+              <a:ext uri="{FF2B5EF4-FFF2-40B4-BE49-F238E27FC236}">
+                <a16:creationId xmlns:a16="http://schemas.microsoft.com/office/drawing/2014/main" id="{F1B82F31-3AF4-2E34-B9E3-FCFB986ABE20}"/>
+              </a:ext>
+            </a:extLst>
+          </p:cNvPr>
+          <p:cNvSpPr txBox="1"/>
+          <p:nvPr/>
+        </p:nvSpPr>
+        <p:spPr>
+          <a:xfrm>
+            <a:off x="3079206" y="2404009"/>
+            <a:ext cx="414779" cy="369332"/>
+          </a:xfrm>
+          <a:prstGeom prst="rect">
+            <a:avLst/>
+          </a:prstGeom>
+          <a:noFill/>
+        </p:spPr>
+        <p:txBody>
+          <a:bodyPr wrap="square" rtlCol="0">
+            <a:spAutoFit/>
+          </a:bodyPr>
+          <a:lstStyle/>
+          <a:p>
+            <a:r>
+              <a:rPr kumimoji="1" lang="en-US" altLang="ja-JP" dirty="0"/>
+              <a:t>⑦</a:t>
+            </a:r>
+            <a:endParaRPr kumimoji="1" lang="ja-JP" altLang="en-US"/>
+          </a:p>
+        </p:txBody>
+      </p:sp>
+      <p:sp>
+        <p:nvSpPr>
+          <p:cNvPr id="20" name="テキスト ボックス 19">
+            <a:extLst>
+              <a:ext uri="{FF2B5EF4-FFF2-40B4-BE49-F238E27FC236}">
+                <a16:creationId xmlns:a16="http://schemas.microsoft.com/office/drawing/2014/main" id="{F1190591-83A3-0C4E-D80E-4B3CE5197BCA}"/>
+              </a:ext>
+            </a:extLst>
+          </p:cNvPr>
+          <p:cNvSpPr txBox="1"/>
+          <p:nvPr/>
+        </p:nvSpPr>
+        <p:spPr>
+          <a:xfrm>
+            <a:off x="10256363" y="5102173"/>
+            <a:ext cx="414779" cy="369332"/>
+          </a:xfrm>
+          <a:prstGeom prst="rect">
+            <a:avLst/>
+          </a:prstGeom>
+          <a:noFill/>
+        </p:spPr>
+        <p:txBody>
+          <a:bodyPr wrap="square" rtlCol="0">
+            <a:spAutoFit/>
+          </a:bodyPr>
+          <a:lstStyle/>
+          <a:p>
+            <a:r>
+              <a:rPr kumimoji="1" lang="en-US" altLang="ja-JP" dirty="0"/>
+              <a:t>⑧</a:t>
             </a:r>
             <a:endParaRPr kumimoji="1" lang="ja-JP" altLang="en-US"/>
           </a:p>
@@ -6290,7 +6417,7 @@
     </p:spTree>
     <p:extLst>
       <p:ext uri="{BB962C8B-B14F-4D97-AF65-F5344CB8AC3E}">
-        <p14:creationId xmlns:p14="http://schemas.microsoft.com/office/powerpoint/2010/main" val="3937282397"/>
+        <p14:creationId xmlns:p14="http://schemas.microsoft.com/office/powerpoint/2010/main" val="4036690311"/>
       </p:ext>
     </p:extLst>
   </p:cSld>
@@ -6319,10 +6446,10 @@
       </p:grpSpPr>
       <p:pic>
         <p:nvPicPr>
-          <p:cNvPr id="5" name="図 4" descr="グラフィカル ユーザー インターフェイス, アプリケーション, Word&#10;&#10;自動的に生成された説明">
-            <a:extLst>
-              <a:ext uri="{FF2B5EF4-FFF2-40B4-BE49-F238E27FC236}">
-                <a16:creationId xmlns:a16="http://schemas.microsoft.com/office/drawing/2014/main" id="{29FBF5A6-6808-2AD2-7F95-7AE62F3DC296}"/>
+          <p:cNvPr id="5" name="図 4" descr="グラフィカル ユーザー インターフェイス, アプリケーション&#10;&#10;自動的に生成された説明">
+            <a:extLst>
+              <a:ext uri="{FF2B5EF4-FFF2-40B4-BE49-F238E27FC236}">
+                <a16:creationId xmlns:a16="http://schemas.microsoft.com/office/drawing/2014/main" id="{DADC9B33-2202-B769-8BBE-E519C492345A}"/>
               </a:ext>
             </a:extLst>
           </p:cNvPr>
@@ -6339,18 +6466,279 @@
         </p:blipFill>
         <p:spPr>
           <a:xfrm>
-            <a:off x="-1" y="0"/>
-            <a:ext cx="12201687" cy="5184742"/>
+            <a:off x="0" y="0"/>
+            <a:ext cx="12191152" cy="5184742"/>
           </a:xfrm>
           <a:prstGeom prst="rect">
             <a:avLst/>
           </a:prstGeom>
         </p:spPr>
       </p:pic>
+      <p:sp>
+        <p:nvSpPr>
+          <p:cNvPr id="6" name="正方形/長方形 5">
+            <a:extLst>
+              <a:ext uri="{FF2B5EF4-FFF2-40B4-BE49-F238E27FC236}">
+                <a16:creationId xmlns:a16="http://schemas.microsoft.com/office/drawing/2014/main" id="{F1B49D37-032A-A92C-C00D-677B660B15B6}"/>
+              </a:ext>
+            </a:extLst>
+          </p:cNvPr>
+          <p:cNvSpPr/>
+          <p:nvPr/>
+        </p:nvSpPr>
+        <p:spPr>
+          <a:xfrm>
+            <a:off x="174613" y="1131786"/>
+            <a:ext cx="3861627" cy="236976"/>
+          </a:xfrm>
+          <a:prstGeom prst="rect">
+            <a:avLst/>
+          </a:prstGeom>
+          <a:solidFill>
+            <a:schemeClr val="accent2">
+              <a:alpha val="50000"/>
+            </a:schemeClr>
+          </a:solidFill>
+        </p:spPr>
+        <p:style>
+          <a:lnRef idx="2">
+            <a:schemeClr val="accent2">
+              <a:shade val="15000"/>
+            </a:schemeClr>
+          </a:lnRef>
+          <a:fillRef idx="1">
+            <a:schemeClr val="accent2"/>
+          </a:fillRef>
+          <a:effectRef idx="0">
+            <a:schemeClr val="accent2"/>
+          </a:effectRef>
+          <a:fontRef idx="minor">
+            <a:schemeClr val="lt1"/>
+          </a:fontRef>
+        </p:style>
+        <p:txBody>
+          <a:bodyPr rtlCol="0" anchor="ctr"/>
+          <a:lstStyle/>
+          <a:p>
+            <a:pPr algn="ctr"/>
+            <a:endParaRPr kumimoji="1" lang="ja-JP" altLang="en-US"/>
+          </a:p>
+        </p:txBody>
+      </p:sp>
+      <p:sp>
+        <p:nvSpPr>
+          <p:cNvPr id="7" name="正方形/長方形 6">
+            <a:extLst>
+              <a:ext uri="{FF2B5EF4-FFF2-40B4-BE49-F238E27FC236}">
+                <a16:creationId xmlns:a16="http://schemas.microsoft.com/office/drawing/2014/main" id="{130841D9-3CCB-E903-7202-C7A6E99D0EDE}"/>
+              </a:ext>
+            </a:extLst>
+          </p:cNvPr>
+          <p:cNvSpPr/>
+          <p:nvPr/>
+        </p:nvSpPr>
+        <p:spPr>
+          <a:xfrm>
+            <a:off x="174613" y="1680113"/>
+            <a:ext cx="3861627" cy="236976"/>
+          </a:xfrm>
+          <a:prstGeom prst="rect">
+            <a:avLst/>
+          </a:prstGeom>
+          <a:solidFill>
+            <a:schemeClr val="accent2">
+              <a:alpha val="50000"/>
+            </a:schemeClr>
+          </a:solidFill>
+        </p:spPr>
+        <p:style>
+          <a:lnRef idx="2">
+            <a:schemeClr val="accent2">
+              <a:shade val="15000"/>
+            </a:schemeClr>
+          </a:lnRef>
+          <a:fillRef idx="1">
+            <a:schemeClr val="accent2"/>
+          </a:fillRef>
+          <a:effectRef idx="0">
+            <a:schemeClr val="accent2"/>
+          </a:effectRef>
+          <a:fontRef idx="minor">
+            <a:schemeClr val="lt1"/>
+          </a:fontRef>
+        </p:style>
+        <p:txBody>
+          <a:bodyPr rtlCol="0" anchor="ctr"/>
+          <a:lstStyle/>
+          <a:p>
+            <a:pPr algn="ctr"/>
+            <a:endParaRPr kumimoji="1" lang="ja-JP" altLang="en-US"/>
+          </a:p>
+        </p:txBody>
+      </p:sp>
+      <p:sp>
+        <p:nvSpPr>
+          <p:cNvPr id="8" name="正方形/長方形 7">
+            <a:extLst>
+              <a:ext uri="{FF2B5EF4-FFF2-40B4-BE49-F238E27FC236}">
+                <a16:creationId xmlns:a16="http://schemas.microsoft.com/office/drawing/2014/main" id="{71E75316-C40E-C361-1338-3E0FA31BE26E}"/>
+              </a:ext>
+            </a:extLst>
+          </p:cNvPr>
+          <p:cNvSpPr/>
+          <p:nvPr/>
+        </p:nvSpPr>
+        <p:spPr>
+          <a:xfrm>
+            <a:off x="10341206" y="4766237"/>
+            <a:ext cx="1121791" cy="260674"/>
+          </a:xfrm>
+          <a:prstGeom prst="rect">
+            <a:avLst/>
+          </a:prstGeom>
+          <a:solidFill>
+            <a:schemeClr val="accent2">
+              <a:alpha val="50000"/>
+            </a:schemeClr>
+          </a:solidFill>
+        </p:spPr>
+        <p:style>
+          <a:lnRef idx="2">
+            <a:schemeClr val="accent2">
+              <a:shade val="15000"/>
+            </a:schemeClr>
+          </a:lnRef>
+          <a:fillRef idx="1">
+            <a:schemeClr val="accent2"/>
+          </a:fillRef>
+          <a:effectRef idx="0">
+            <a:schemeClr val="accent2"/>
+          </a:effectRef>
+          <a:fontRef idx="minor">
+            <a:schemeClr val="lt1"/>
+          </a:fontRef>
+        </p:style>
+        <p:txBody>
+          <a:bodyPr rtlCol="0" anchor="ctr"/>
+          <a:lstStyle/>
+          <a:p>
+            <a:pPr algn="ctr"/>
+            <a:endParaRPr kumimoji="1" lang="ja-JP" altLang="en-US"/>
+          </a:p>
+        </p:txBody>
+      </p:sp>
+      <p:sp>
+        <p:nvSpPr>
+          <p:cNvPr id="9" name="テキスト ボックス 8">
+            <a:extLst>
+              <a:ext uri="{FF2B5EF4-FFF2-40B4-BE49-F238E27FC236}">
+                <a16:creationId xmlns:a16="http://schemas.microsoft.com/office/drawing/2014/main" id="{6D645027-7454-069C-BEC1-0CCA5DE29873}"/>
+              </a:ext>
+            </a:extLst>
+          </p:cNvPr>
+          <p:cNvSpPr txBox="1"/>
+          <p:nvPr/>
+        </p:nvSpPr>
+        <p:spPr>
+          <a:xfrm>
+            <a:off x="1762814" y="1089343"/>
+            <a:ext cx="414779" cy="305234"/>
+          </a:xfrm>
+          <a:prstGeom prst="rect">
+            <a:avLst/>
+          </a:prstGeom>
+          <a:noFill/>
+        </p:spPr>
+        <p:txBody>
+          <a:bodyPr wrap="square" rtlCol="0">
+            <a:spAutoFit/>
+          </a:bodyPr>
+          <a:lstStyle/>
+          <a:p>
+            <a:r>
+              <a:rPr lang="en-US" altLang="ja-JP" dirty="0"/>
+              <a:t>③</a:t>
+            </a:r>
+            <a:endParaRPr kumimoji="1" lang="ja-JP" altLang="en-US"/>
+          </a:p>
+        </p:txBody>
+      </p:sp>
+      <p:sp>
+        <p:nvSpPr>
+          <p:cNvPr id="10" name="テキスト ボックス 9">
+            <a:extLst>
+              <a:ext uri="{FF2B5EF4-FFF2-40B4-BE49-F238E27FC236}">
+                <a16:creationId xmlns:a16="http://schemas.microsoft.com/office/drawing/2014/main" id="{A486561B-49B9-F57B-E97E-E1113E349628}"/>
+              </a:ext>
+            </a:extLst>
+          </p:cNvPr>
+          <p:cNvSpPr txBox="1"/>
+          <p:nvPr/>
+        </p:nvSpPr>
+        <p:spPr>
+          <a:xfrm>
+            <a:off x="3357514" y="1637668"/>
+            <a:ext cx="414779" cy="369332"/>
+          </a:xfrm>
+          <a:prstGeom prst="rect">
+            <a:avLst/>
+          </a:prstGeom>
+          <a:noFill/>
+        </p:spPr>
+        <p:txBody>
+          <a:bodyPr wrap="square" rtlCol="0">
+            <a:spAutoFit/>
+          </a:bodyPr>
+          <a:lstStyle/>
+          <a:p>
+            <a:r>
+              <a:rPr kumimoji="1" lang="ja-JP" altLang="en-US"/>
+              <a:t>④</a:t>
+            </a:r>
+            <a:endParaRPr kumimoji="1" lang="en-US" altLang="ja-JP" dirty="0"/>
+          </a:p>
+        </p:txBody>
+      </p:sp>
+      <p:sp>
+        <p:nvSpPr>
+          <p:cNvPr id="11" name="テキスト ボックス 10">
+            <a:extLst>
+              <a:ext uri="{FF2B5EF4-FFF2-40B4-BE49-F238E27FC236}">
+                <a16:creationId xmlns:a16="http://schemas.microsoft.com/office/drawing/2014/main" id="{86C42038-7486-C79F-7D54-CBAF55E3046F}"/>
+              </a:ext>
+            </a:extLst>
+          </p:cNvPr>
+          <p:cNvSpPr txBox="1"/>
+          <p:nvPr/>
+        </p:nvSpPr>
+        <p:spPr>
+          <a:xfrm>
+            <a:off x="10419761" y="4743957"/>
+            <a:ext cx="414779" cy="369332"/>
+          </a:xfrm>
+          <a:prstGeom prst="rect">
+            <a:avLst/>
+          </a:prstGeom>
+          <a:noFill/>
+        </p:spPr>
+        <p:txBody>
+          <a:bodyPr wrap="square" rtlCol="0">
+            <a:spAutoFit/>
+          </a:bodyPr>
+          <a:lstStyle/>
+          <a:p>
+            <a:r>
+              <a:rPr lang="en-US" altLang="ja-JP" dirty="0"/>
+              <a:t>⑤</a:t>
+            </a:r>
+            <a:endParaRPr kumimoji="1" lang="ja-JP" altLang="en-US"/>
+          </a:p>
+        </p:txBody>
+      </p:sp>
     </p:spTree>
     <p:extLst>
       <p:ext uri="{BB962C8B-B14F-4D97-AF65-F5344CB8AC3E}">
-        <p14:creationId xmlns:p14="http://schemas.microsoft.com/office/powerpoint/2010/main" val="1367162684"/>
+        <p14:creationId xmlns:p14="http://schemas.microsoft.com/office/powerpoint/2010/main" val="3937282397"/>
       </p:ext>
     </p:extLst>
   </p:cSld>
@@ -6379,10 +6767,10 @@
       </p:grpSpPr>
       <p:pic>
         <p:nvPicPr>
-          <p:cNvPr id="5" name="図 4" descr="グラフィカル ユーザー インターフェイス, テキスト, アプリケーション&#10;&#10;自動的に生成された説明">
-            <a:extLst>
-              <a:ext uri="{FF2B5EF4-FFF2-40B4-BE49-F238E27FC236}">
-                <a16:creationId xmlns:a16="http://schemas.microsoft.com/office/drawing/2014/main" id="{0F226E97-3808-D2B7-2612-36D829824C07}"/>
+          <p:cNvPr id="5" name="図 4" descr="グラフィカル ユーザー インターフェイス, アプリケーション, Word&#10;&#10;自動的に生成された説明">
+            <a:extLst>
+              <a:ext uri="{FF2B5EF4-FFF2-40B4-BE49-F238E27FC236}">
+                <a16:creationId xmlns:a16="http://schemas.microsoft.com/office/drawing/2014/main" id="{29FBF5A6-6808-2AD2-7F95-7AE62F3DC296}"/>
               </a:ext>
             </a:extLst>
           </p:cNvPr>
@@ -6399,105 +6787,18 @@
         </p:blipFill>
         <p:spPr>
           <a:xfrm>
-            <a:off x="0" y="0"/>
-            <a:ext cx="12054750" cy="5533534"/>
+            <a:off x="-1" y="0"/>
+            <a:ext cx="12201687" cy="5184742"/>
           </a:xfrm>
           <a:prstGeom prst="rect">
             <a:avLst/>
           </a:prstGeom>
         </p:spPr>
       </p:pic>
-      <p:sp>
-        <p:nvSpPr>
-          <p:cNvPr id="7" name="正方形/長方形 6">
-            <a:extLst>
-              <a:ext uri="{FF2B5EF4-FFF2-40B4-BE49-F238E27FC236}">
-                <a16:creationId xmlns:a16="http://schemas.microsoft.com/office/drawing/2014/main" id="{EA1B1539-B2D1-5A60-C73E-AE1340ADB3E1}"/>
-              </a:ext>
-            </a:extLst>
-          </p:cNvPr>
-          <p:cNvSpPr/>
-          <p:nvPr/>
-        </p:nvSpPr>
-        <p:spPr>
-          <a:xfrm>
-            <a:off x="1270939" y="5143307"/>
-            <a:ext cx="2037870" cy="236976"/>
-          </a:xfrm>
-          <a:prstGeom prst="rect">
-            <a:avLst/>
-          </a:prstGeom>
-          <a:solidFill>
-            <a:schemeClr val="accent2">
-              <a:alpha val="50000"/>
-            </a:schemeClr>
-          </a:solidFill>
-        </p:spPr>
-        <p:style>
-          <a:lnRef idx="2">
-            <a:schemeClr val="accent2">
-              <a:shade val="15000"/>
-            </a:schemeClr>
-          </a:lnRef>
-          <a:fillRef idx="1">
-            <a:schemeClr val="accent2"/>
-          </a:fillRef>
-          <a:effectRef idx="0">
-            <a:schemeClr val="accent2"/>
-          </a:effectRef>
-          <a:fontRef idx="minor">
-            <a:schemeClr val="lt1"/>
-          </a:fontRef>
-        </p:style>
-        <p:txBody>
-          <a:bodyPr rtlCol="0" anchor="ctr"/>
-          <a:lstStyle/>
-          <a:p>
-            <a:pPr algn="ctr"/>
-            <a:endParaRPr kumimoji="1" lang="ja-JP" altLang="en-US"/>
-          </a:p>
-        </p:txBody>
-      </p:sp>
-      <p:sp>
-        <p:nvSpPr>
-          <p:cNvPr id="15" name="テキスト ボックス 14">
-            <a:extLst>
-              <a:ext uri="{FF2B5EF4-FFF2-40B4-BE49-F238E27FC236}">
-                <a16:creationId xmlns:a16="http://schemas.microsoft.com/office/drawing/2014/main" id="{75F1AF36-A0D3-5611-D0C0-845F7A65E385}"/>
-              </a:ext>
-            </a:extLst>
-          </p:cNvPr>
-          <p:cNvSpPr txBox="1"/>
-          <p:nvPr/>
-        </p:nvSpPr>
-        <p:spPr>
-          <a:xfrm>
-            <a:off x="2843535" y="5096242"/>
-            <a:ext cx="414779" cy="369332"/>
-          </a:xfrm>
-          <a:prstGeom prst="rect">
-            <a:avLst/>
-          </a:prstGeom>
-          <a:noFill/>
-        </p:spPr>
-        <p:txBody>
-          <a:bodyPr wrap="square" rtlCol="0">
-            <a:spAutoFit/>
-          </a:bodyPr>
-          <a:lstStyle/>
-          <a:p>
-            <a:r>
-              <a:rPr lang="en-US" altLang="ja-JP" dirty="0"/>
-              <a:t>②</a:t>
-            </a:r>
-            <a:endParaRPr kumimoji="1" lang="ja-JP" altLang="en-US"/>
-          </a:p>
-        </p:txBody>
-      </p:sp>
     </p:spTree>
     <p:extLst>
       <p:ext uri="{BB962C8B-B14F-4D97-AF65-F5344CB8AC3E}">
-        <p14:creationId xmlns:p14="http://schemas.microsoft.com/office/powerpoint/2010/main" val="3749420761"/>
+        <p14:creationId xmlns:p14="http://schemas.microsoft.com/office/powerpoint/2010/main" val="1367162684"/>
       </p:ext>
     </p:extLst>
   </p:cSld>
@@ -6526,10 +6827,10 @@
       </p:grpSpPr>
       <p:pic>
         <p:nvPicPr>
-          <p:cNvPr id="5" name="図 4" descr="ダイアグラム&#10;&#10;低い精度で自動的に生成された説明">
-            <a:extLst>
-              <a:ext uri="{FF2B5EF4-FFF2-40B4-BE49-F238E27FC236}">
-                <a16:creationId xmlns:a16="http://schemas.microsoft.com/office/drawing/2014/main" id="{792A485A-FFBC-AD0B-950C-315FD4E943E1}"/>
+          <p:cNvPr id="5" name="図 4" descr="グラフィカル ユーザー インターフェイス, テキスト, アプリケーション&#10;&#10;自動的に生成された説明">
+            <a:extLst>
+              <a:ext uri="{FF2B5EF4-FFF2-40B4-BE49-F238E27FC236}">
+                <a16:creationId xmlns:a16="http://schemas.microsoft.com/office/drawing/2014/main" id="{0F226E97-3808-D2B7-2612-36D829824C07}"/>
               </a:ext>
             </a:extLst>
           </p:cNvPr>
@@ -6546,8 +6847,8 @@
         </p:blipFill>
         <p:spPr>
           <a:xfrm>
-            <a:off x="188536" y="103108"/>
-            <a:ext cx="11142483" cy="6651783"/>
+            <a:off x="0" y="0"/>
+            <a:ext cx="12054750" cy="5533534"/>
           </a:xfrm>
           <a:prstGeom prst="rect">
             <a:avLst/>
@@ -6556,10 +6857,10 @@
       </p:pic>
       <p:sp>
         <p:nvSpPr>
-          <p:cNvPr id="6" name="正方形/長方形 5">
-            <a:extLst>
-              <a:ext uri="{FF2B5EF4-FFF2-40B4-BE49-F238E27FC236}">
-                <a16:creationId xmlns:a16="http://schemas.microsoft.com/office/drawing/2014/main" id="{5E86F2AA-D313-F7AA-B96F-774284937EB2}"/>
+          <p:cNvPr id="7" name="正方形/長方形 6">
+            <a:extLst>
+              <a:ext uri="{FF2B5EF4-FFF2-40B4-BE49-F238E27FC236}">
+                <a16:creationId xmlns:a16="http://schemas.microsoft.com/office/drawing/2014/main" id="{EA1B1539-B2D1-5A60-C73E-AE1340ADB3E1}"/>
               </a:ext>
             </a:extLst>
           </p:cNvPr>
@@ -6567,9 +6868,9 @@
           <p:nvPr/>
         </p:nvSpPr>
         <p:spPr>
-          <a:xfrm flipV="1">
-            <a:off x="6396304" y="329937"/>
-            <a:ext cx="881190" cy="216817"/>
+          <a:xfrm>
+            <a:off x="1270939" y="5143307"/>
+            <a:ext cx="2037870" cy="236976"/>
           </a:xfrm>
           <a:prstGeom prst="rect">
             <a:avLst/>
@@ -6607,102 +6908,36 @@
       </p:sp>
       <p:sp>
         <p:nvSpPr>
-          <p:cNvPr id="7" name="正方形/長方形 6">
-            <a:extLst>
-              <a:ext uri="{FF2B5EF4-FFF2-40B4-BE49-F238E27FC236}">
-                <a16:creationId xmlns:a16="http://schemas.microsoft.com/office/drawing/2014/main" id="{62C91D83-B27D-851D-6485-02B4163E0B91}"/>
-              </a:ext>
-            </a:extLst>
-          </p:cNvPr>
-          <p:cNvSpPr/>
+          <p:cNvPr id="15" name="テキスト ボックス 14">
+            <a:extLst>
+              <a:ext uri="{FF2B5EF4-FFF2-40B4-BE49-F238E27FC236}">
+                <a16:creationId xmlns:a16="http://schemas.microsoft.com/office/drawing/2014/main" id="{75F1AF36-A0D3-5611-D0C0-845F7A65E385}"/>
+              </a:ext>
+            </a:extLst>
+          </p:cNvPr>
+          <p:cNvSpPr txBox="1"/>
           <p:nvPr/>
         </p:nvSpPr>
         <p:spPr>
-          <a:xfrm flipV="1">
-            <a:off x="6396304" y="556765"/>
-            <a:ext cx="2775976" cy="216816"/>
-          </a:xfrm>
-          <a:prstGeom prst="rect">
-            <a:avLst/>
-          </a:prstGeom>
-          <a:solidFill>
-            <a:schemeClr val="accent2">
-              <a:alpha val="50000"/>
-            </a:schemeClr>
-          </a:solidFill>
-        </p:spPr>
-        <p:style>
-          <a:lnRef idx="2">
-            <a:schemeClr val="accent2">
-              <a:shade val="15000"/>
-            </a:schemeClr>
-          </a:lnRef>
-          <a:fillRef idx="1">
-            <a:schemeClr val="accent2"/>
-          </a:fillRef>
-          <a:effectRef idx="0">
-            <a:schemeClr val="accent2"/>
-          </a:effectRef>
-          <a:fontRef idx="minor">
-            <a:schemeClr val="lt1"/>
-          </a:fontRef>
-        </p:style>
-        <p:txBody>
-          <a:bodyPr rtlCol="0" anchor="ctr"/>
-          <a:lstStyle/>
-          <a:p>
-            <a:pPr algn="ctr"/>
-            <a:endParaRPr kumimoji="1" lang="ja-JP" altLang="en-US"/>
-          </a:p>
-        </p:txBody>
-      </p:sp>
-      <p:sp>
-        <p:nvSpPr>
-          <p:cNvPr id="8" name="正方形/長方形 7">
-            <a:extLst>
-              <a:ext uri="{FF2B5EF4-FFF2-40B4-BE49-F238E27FC236}">
-                <a16:creationId xmlns:a16="http://schemas.microsoft.com/office/drawing/2014/main" id="{31A5317B-761F-AD05-07A6-D1325023983D}"/>
-              </a:ext>
-            </a:extLst>
-          </p:cNvPr>
-          <p:cNvSpPr/>
-          <p:nvPr/>
-        </p:nvSpPr>
-        <p:spPr>
-          <a:xfrm flipV="1">
-            <a:off x="8555043" y="5912761"/>
-            <a:ext cx="2775976" cy="216816"/>
-          </a:xfrm>
-          <a:prstGeom prst="rect">
-            <a:avLst/>
-          </a:prstGeom>
-          <a:solidFill>
-            <a:schemeClr val="accent2">
-              <a:alpha val="50000"/>
-            </a:schemeClr>
-          </a:solidFill>
-        </p:spPr>
-        <p:style>
-          <a:lnRef idx="2">
-            <a:schemeClr val="accent2">
-              <a:shade val="15000"/>
-            </a:schemeClr>
-          </a:lnRef>
-          <a:fillRef idx="1">
-            <a:schemeClr val="accent2"/>
-          </a:fillRef>
-          <a:effectRef idx="0">
-            <a:schemeClr val="accent2"/>
-          </a:effectRef>
-          <a:fontRef idx="minor">
-            <a:schemeClr val="lt1"/>
-          </a:fontRef>
-        </p:style>
-        <p:txBody>
-          <a:bodyPr rtlCol="0" anchor="ctr"/>
-          <a:lstStyle/>
-          <a:p>
-            <a:pPr algn="ctr"/>
+          <a:xfrm>
+            <a:off x="2843535" y="5096242"/>
+            <a:ext cx="414779" cy="369332"/>
+          </a:xfrm>
+          <a:prstGeom prst="rect">
+            <a:avLst/>
+          </a:prstGeom>
+          <a:noFill/>
+        </p:spPr>
+        <p:txBody>
+          <a:bodyPr wrap="square" rtlCol="0">
+            <a:spAutoFit/>
+          </a:bodyPr>
+          <a:lstStyle/>
+          <a:p>
+            <a:r>
+              <a:rPr lang="en-US" altLang="ja-JP" dirty="0"/>
+              <a:t>②</a:t>
+            </a:r>
             <a:endParaRPr kumimoji="1" lang="ja-JP" altLang="en-US"/>
           </a:p>
         </p:txBody>
@@ -6710,7 +6945,7 @@
     </p:spTree>
     <p:extLst>
       <p:ext uri="{BB962C8B-B14F-4D97-AF65-F5344CB8AC3E}">
-        <p14:creationId xmlns:p14="http://schemas.microsoft.com/office/powerpoint/2010/main" val="1182010517"/>
+        <p14:creationId xmlns:p14="http://schemas.microsoft.com/office/powerpoint/2010/main" val="3749420761"/>
       </p:ext>
     </p:extLst>
   </p:cSld>

--- a/document/画像生成用.pptx
+++ b/document/画像生成用.pptx
@@ -6,18 +6,19 @@
   </p:sldMasterIdLst>
   <p:sldIdLst>
     <p:sldId id="256" r:id="rId2"/>
-    <p:sldId id="257" r:id="rId3"/>
-    <p:sldId id="268" r:id="rId4"/>
-    <p:sldId id="258" r:id="rId5"/>
-    <p:sldId id="263" r:id="rId6"/>
-    <p:sldId id="259" r:id="rId7"/>
-    <p:sldId id="260" r:id="rId8"/>
-    <p:sldId id="261" r:id="rId9"/>
-    <p:sldId id="262" r:id="rId10"/>
-    <p:sldId id="264" r:id="rId11"/>
-    <p:sldId id="265" r:id="rId12"/>
-    <p:sldId id="266" r:id="rId13"/>
-    <p:sldId id="267" r:id="rId14"/>
+    <p:sldId id="269" r:id="rId3"/>
+    <p:sldId id="257" r:id="rId4"/>
+    <p:sldId id="268" r:id="rId5"/>
+    <p:sldId id="258" r:id="rId6"/>
+    <p:sldId id="263" r:id="rId7"/>
+    <p:sldId id="259" r:id="rId8"/>
+    <p:sldId id="260" r:id="rId9"/>
+    <p:sldId id="261" r:id="rId10"/>
+    <p:sldId id="262" r:id="rId11"/>
+    <p:sldId id="264" r:id="rId12"/>
+    <p:sldId id="265" r:id="rId13"/>
+    <p:sldId id="266" r:id="rId14"/>
+    <p:sldId id="267" r:id="rId15"/>
   </p:sldIdLst>
   <p:sldSz cx="12192000" cy="6858000"/>
   <p:notesSz cx="6858000" cy="9144000"/>
@@ -3948,10 +3949,10 @@
       </p:grpSpPr>
       <p:pic>
         <p:nvPicPr>
-          <p:cNvPr id="5" name="図 4" descr="ダイアグラム&#10;&#10;低い精度で自動的に生成された説明">
-            <a:extLst>
-              <a:ext uri="{FF2B5EF4-FFF2-40B4-BE49-F238E27FC236}">
-                <a16:creationId xmlns:a16="http://schemas.microsoft.com/office/drawing/2014/main" id="{792A485A-FFBC-AD0B-950C-315FD4E943E1}"/>
+          <p:cNvPr id="5" name="図 4" descr="グラフィカル ユーザー インターフェイス, テキスト, アプリケーション&#10;&#10;自動的に生成された説明">
+            <a:extLst>
+              <a:ext uri="{FF2B5EF4-FFF2-40B4-BE49-F238E27FC236}">
+                <a16:creationId xmlns:a16="http://schemas.microsoft.com/office/drawing/2014/main" id="{0F226E97-3808-D2B7-2612-36D829824C07}"/>
               </a:ext>
             </a:extLst>
           </p:cNvPr>
@@ -3968,8 +3969,8 @@
         </p:blipFill>
         <p:spPr>
           <a:xfrm>
-            <a:off x="188536" y="103108"/>
-            <a:ext cx="11142483" cy="6651783"/>
+            <a:off x="0" y="0"/>
+            <a:ext cx="12054750" cy="5533534"/>
           </a:xfrm>
           <a:prstGeom prst="rect">
             <a:avLst/>
@@ -3978,10 +3979,10 @@
       </p:pic>
       <p:sp>
         <p:nvSpPr>
-          <p:cNvPr id="6" name="正方形/長方形 5">
-            <a:extLst>
-              <a:ext uri="{FF2B5EF4-FFF2-40B4-BE49-F238E27FC236}">
-                <a16:creationId xmlns:a16="http://schemas.microsoft.com/office/drawing/2014/main" id="{5E86F2AA-D313-F7AA-B96F-774284937EB2}"/>
+          <p:cNvPr id="7" name="正方形/長方形 6">
+            <a:extLst>
+              <a:ext uri="{FF2B5EF4-FFF2-40B4-BE49-F238E27FC236}">
+                <a16:creationId xmlns:a16="http://schemas.microsoft.com/office/drawing/2014/main" id="{EA1B1539-B2D1-5A60-C73E-AE1340ADB3E1}"/>
               </a:ext>
             </a:extLst>
           </p:cNvPr>
@@ -3989,9 +3990,9 @@
           <p:nvPr/>
         </p:nvSpPr>
         <p:spPr>
-          <a:xfrm flipV="1">
-            <a:off x="6396304" y="329937"/>
-            <a:ext cx="881190" cy="216817"/>
+          <a:xfrm>
+            <a:off x="1270939" y="5143307"/>
+            <a:ext cx="2037870" cy="236976"/>
           </a:xfrm>
           <a:prstGeom prst="rect">
             <a:avLst/>
@@ -4029,102 +4030,36 @@
       </p:sp>
       <p:sp>
         <p:nvSpPr>
-          <p:cNvPr id="7" name="正方形/長方形 6">
-            <a:extLst>
-              <a:ext uri="{FF2B5EF4-FFF2-40B4-BE49-F238E27FC236}">
-                <a16:creationId xmlns:a16="http://schemas.microsoft.com/office/drawing/2014/main" id="{62C91D83-B27D-851D-6485-02B4163E0B91}"/>
-              </a:ext>
-            </a:extLst>
-          </p:cNvPr>
-          <p:cNvSpPr/>
+          <p:cNvPr id="15" name="テキスト ボックス 14">
+            <a:extLst>
+              <a:ext uri="{FF2B5EF4-FFF2-40B4-BE49-F238E27FC236}">
+                <a16:creationId xmlns:a16="http://schemas.microsoft.com/office/drawing/2014/main" id="{75F1AF36-A0D3-5611-D0C0-845F7A65E385}"/>
+              </a:ext>
+            </a:extLst>
+          </p:cNvPr>
+          <p:cNvSpPr txBox="1"/>
           <p:nvPr/>
         </p:nvSpPr>
         <p:spPr>
-          <a:xfrm flipV="1">
-            <a:off x="6396304" y="556765"/>
-            <a:ext cx="2775976" cy="216816"/>
-          </a:xfrm>
-          <a:prstGeom prst="rect">
-            <a:avLst/>
-          </a:prstGeom>
-          <a:solidFill>
-            <a:schemeClr val="accent2">
-              <a:alpha val="50000"/>
-            </a:schemeClr>
-          </a:solidFill>
-        </p:spPr>
-        <p:style>
-          <a:lnRef idx="2">
-            <a:schemeClr val="accent2">
-              <a:shade val="15000"/>
-            </a:schemeClr>
-          </a:lnRef>
-          <a:fillRef idx="1">
-            <a:schemeClr val="accent2"/>
-          </a:fillRef>
-          <a:effectRef idx="0">
-            <a:schemeClr val="accent2"/>
-          </a:effectRef>
-          <a:fontRef idx="minor">
-            <a:schemeClr val="lt1"/>
-          </a:fontRef>
-        </p:style>
-        <p:txBody>
-          <a:bodyPr rtlCol="0" anchor="ctr"/>
-          <a:lstStyle/>
-          <a:p>
-            <a:pPr algn="ctr"/>
-            <a:endParaRPr kumimoji="1" lang="ja-JP" altLang="en-US"/>
-          </a:p>
-        </p:txBody>
-      </p:sp>
-      <p:sp>
-        <p:nvSpPr>
-          <p:cNvPr id="8" name="正方形/長方形 7">
-            <a:extLst>
-              <a:ext uri="{FF2B5EF4-FFF2-40B4-BE49-F238E27FC236}">
-                <a16:creationId xmlns:a16="http://schemas.microsoft.com/office/drawing/2014/main" id="{31A5317B-761F-AD05-07A6-D1325023983D}"/>
-              </a:ext>
-            </a:extLst>
-          </p:cNvPr>
-          <p:cNvSpPr/>
-          <p:nvPr/>
-        </p:nvSpPr>
-        <p:spPr>
-          <a:xfrm flipV="1">
-            <a:off x="8555043" y="5912761"/>
-            <a:ext cx="2775976" cy="216816"/>
-          </a:xfrm>
-          <a:prstGeom prst="rect">
-            <a:avLst/>
-          </a:prstGeom>
-          <a:solidFill>
-            <a:schemeClr val="accent2">
-              <a:alpha val="50000"/>
-            </a:schemeClr>
-          </a:solidFill>
-        </p:spPr>
-        <p:style>
-          <a:lnRef idx="2">
-            <a:schemeClr val="accent2">
-              <a:shade val="15000"/>
-            </a:schemeClr>
-          </a:lnRef>
-          <a:fillRef idx="1">
-            <a:schemeClr val="accent2"/>
-          </a:fillRef>
-          <a:effectRef idx="0">
-            <a:schemeClr val="accent2"/>
-          </a:effectRef>
-          <a:fontRef idx="minor">
-            <a:schemeClr val="lt1"/>
-          </a:fontRef>
-        </p:style>
-        <p:txBody>
-          <a:bodyPr rtlCol="0" anchor="ctr"/>
-          <a:lstStyle/>
-          <a:p>
-            <a:pPr algn="ctr"/>
+          <a:xfrm>
+            <a:off x="2843535" y="5096242"/>
+            <a:ext cx="414779" cy="369332"/>
+          </a:xfrm>
+          <a:prstGeom prst="rect">
+            <a:avLst/>
+          </a:prstGeom>
+          <a:noFill/>
+        </p:spPr>
+        <p:txBody>
+          <a:bodyPr wrap="square" rtlCol="0">
+            <a:spAutoFit/>
+          </a:bodyPr>
+          <a:lstStyle/>
+          <a:p>
+            <a:r>
+              <a:rPr lang="en-US" altLang="ja-JP" dirty="0"/>
+              <a:t>②</a:t>
+            </a:r>
             <a:endParaRPr kumimoji="1" lang="ja-JP" altLang="en-US"/>
           </a:p>
         </p:txBody>
@@ -4132,7 +4067,7 @@
     </p:spTree>
     <p:extLst>
       <p:ext uri="{BB962C8B-B14F-4D97-AF65-F5344CB8AC3E}">
-        <p14:creationId xmlns:p14="http://schemas.microsoft.com/office/powerpoint/2010/main" val="1182010517"/>
+        <p14:creationId xmlns:p14="http://schemas.microsoft.com/office/powerpoint/2010/main" val="3749420761"/>
       </p:ext>
     </p:extLst>
   </p:cSld>
@@ -4161,10 +4096,10 @@
       </p:grpSpPr>
       <p:pic>
         <p:nvPicPr>
-          <p:cNvPr id="5" name="図 4" descr="グラフィカル ユーザー インターフェイス, アプリケーション, Word&#10;&#10;自動的に生成された説明">
-            <a:extLst>
-              <a:ext uri="{FF2B5EF4-FFF2-40B4-BE49-F238E27FC236}">
-                <a16:creationId xmlns:a16="http://schemas.microsoft.com/office/drawing/2014/main" id="{7A7AA791-D1CB-AC47-6412-60286396B92F}"/>
+          <p:cNvPr id="5" name="図 4" descr="ダイアグラム&#10;&#10;低い精度で自動的に生成された説明">
+            <a:extLst>
+              <a:ext uri="{FF2B5EF4-FFF2-40B4-BE49-F238E27FC236}">
+                <a16:creationId xmlns:a16="http://schemas.microsoft.com/office/drawing/2014/main" id="{792A485A-FFBC-AD0B-950C-315FD4E943E1}"/>
               </a:ext>
             </a:extLst>
           </p:cNvPr>
@@ -4181,8 +4116,8 @@
         </p:blipFill>
         <p:spPr>
           <a:xfrm>
-            <a:off x="140438" y="126351"/>
-            <a:ext cx="11780168" cy="5005630"/>
+            <a:off x="188536" y="103108"/>
+            <a:ext cx="11142483" cy="6651783"/>
           </a:xfrm>
           <a:prstGeom prst="rect">
             <a:avLst/>
@@ -4194,7 +4129,7 @@
           <p:cNvPr id="6" name="正方形/長方形 5">
             <a:extLst>
               <a:ext uri="{FF2B5EF4-FFF2-40B4-BE49-F238E27FC236}">
-                <a16:creationId xmlns:a16="http://schemas.microsoft.com/office/drawing/2014/main" id="{C8BC4142-80A2-40ED-ADFF-0A628B9BF412}"/>
+                <a16:creationId xmlns:a16="http://schemas.microsoft.com/office/drawing/2014/main" id="{5E86F2AA-D313-F7AA-B96F-774284937EB2}"/>
               </a:ext>
             </a:extLst>
           </p:cNvPr>
@@ -4202,9 +4137,9 @@
           <p:nvPr/>
         </p:nvSpPr>
         <p:spPr>
-          <a:xfrm>
-            <a:off x="285570" y="1238962"/>
-            <a:ext cx="11481128" cy="1332357"/>
+          <a:xfrm flipV="1">
+            <a:off x="6396304" y="329937"/>
+            <a:ext cx="881190" cy="216817"/>
           </a:xfrm>
           <a:prstGeom prst="rect">
             <a:avLst/>
@@ -4242,10 +4177,10 @@
       </p:sp>
       <p:sp>
         <p:nvSpPr>
-          <p:cNvPr id="8" name="正方形/長方形 7">
-            <a:extLst>
-              <a:ext uri="{FF2B5EF4-FFF2-40B4-BE49-F238E27FC236}">
-                <a16:creationId xmlns:a16="http://schemas.microsoft.com/office/drawing/2014/main" id="{8F50BC32-A6BD-84C6-2F07-72D3F4FBDF85}"/>
+          <p:cNvPr id="7" name="正方形/長方形 6">
+            <a:extLst>
+              <a:ext uri="{FF2B5EF4-FFF2-40B4-BE49-F238E27FC236}">
+                <a16:creationId xmlns:a16="http://schemas.microsoft.com/office/drawing/2014/main" id="{62C91D83-B27D-851D-6485-02B4163E0B91}"/>
               </a:ext>
             </a:extLst>
           </p:cNvPr>
@@ -4253,9 +4188,9 @@
           <p:nvPr/>
         </p:nvSpPr>
         <p:spPr>
-          <a:xfrm>
-            <a:off x="285570" y="3962886"/>
-            <a:ext cx="2429277" cy="236976"/>
+          <a:xfrm flipV="1">
+            <a:off x="6396304" y="556765"/>
+            <a:ext cx="2775976" cy="216816"/>
           </a:xfrm>
           <a:prstGeom prst="rect">
             <a:avLst/>
@@ -4293,10 +4228,10 @@
       </p:sp>
       <p:sp>
         <p:nvSpPr>
-          <p:cNvPr id="9" name="正方形/長方形 8">
-            <a:extLst>
-              <a:ext uri="{FF2B5EF4-FFF2-40B4-BE49-F238E27FC236}">
-                <a16:creationId xmlns:a16="http://schemas.microsoft.com/office/drawing/2014/main" id="{D3523918-FDC2-12DE-518E-A7AEC37298E9}"/>
+          <p:cNvPr id="8" name="正方形/長方形 7">
+            <a:extLst>
+              <a:ext uri="{FF2B5EF4-FFF2-40B4-BE49-F238E27FC236}">
+                <a16:creationId xmlns:a16="http://schemas.microsoft.com/office/drawing/2014/main" id="{31A5317B-761F-AD05-07A6-D1325023983D}"/>
               </a:ext>
             </a:extLst>
           </p:cNvPr>
@@ -4304,9 +4239,9 @@
           <p:nvPr/>
         </p:nvSpPr>
         <p:spPr>
-          <a:xfrm>
-            <a:off x="10292315" y="4809946"/>
-            <a:ext cx="917945" cy="236976"/>
+          <a:xfrm flipV="1">
+            <a:off x="8555043" y="5912761"/>
+            <a:ext cx="2775976" cy="216816"/>
           </a:xfrm>
           <a:prstGeom prst="rect">
             <a:avLst/>
@@ -4342,118 +4277,10 @@
           </a:p>
         </p:txBody>
       </p:sp>
-      <p:sp>
-        <p:nvSpPr>
-          <p:cNvPr id="10" name="テキスト ボックス 9">
-            <a:extLst>
-              <a:ext uri="{FF2B5EF4-FFF2-40B4-BE49-F238E27FC236}">
-                <a16:creationId xmlns:a16="http://schemas.microsoft.com/office/drawing/2014/main" id="{21BA5F26-7D20-B049-D4B3-0858BCDDD6A0}"/>
-              </a:ext>
-            </a:extLst>
-          </p:cNvPr>
-          <p:cNvSpPr txBox="1"/>
-          <p:nvPr/>
-        </p:nvSpPr>
-        <p:spPr>
-          <a:xfrm>
-            <a:off x="5207763" y="2266085"/>
-            <a:ext cx="414779" cy="305234"/>
-          </a:xfrm>
-          <a:prstGeom prst="rect">
-            <a:avLst/>
-          </a:prstGeom>
-          <a:noFill/>
-        </p:spPr>
-        <p:txBody>
-          <a:bodyPr wrap="square" rtlCol="0">
-            <a:spAutoFit/>
-          </a:bodyPr>
-          <a:lstStyle/>
-          <a:p>
-            <a:r>
-              <a:rPr lang="en-US" altLang="ja-JP" dirty="0"/>
-              <a:t>③</a:t>
-            </a:r>
-            <a:endParaRPr kumimoji="1" lang="ja-JP" altLang="en-US"/>
-          </a:p>
-        </p:txBody>
-      </p:sp>
-      <p:sp>
-        <p:nvSpPr>
-          <p:cNvPr id="11" name="テキスト ボックス 10">
-            <a:extLst>
-              <a:ext uri="{FF2B5EF4-FFF2-40B4-BE49-F238E27FC236}">
-                <a16:creationId xmlns:a16="http://schemas.microsoft.com/office/drawing/2014/main" id="{A7CE45BF-1E77-7672-E6BB-FCB36E9FDD76}"/>
-              </a:ext>
-            </a:extLst>
-          </p:cNvPr>
-          <p:cNvSpPr txBox="1"/>
-          <p:nvPr/>
-        </p:nvSpPr>
-        <p:spPr>
-          <a:xfrm>
-            <a:off x="2300068" y="3908503"/>
-            <a:ext cx="414779" cy="369332"/>
-          </a:xfrm>
-          <a:prstGeom prst="rect">
-            <a:avLst/>
-          </a:prstGeom>
-          <a:noFill/>
-        </p:spPr>
-        <p:txBody>
-          <a:bodyPr wrap="square" rtlCol="0">
-            <a:spAutoFit/>
-          </a:bodyPr>
-          <a:lstStyle/>
-          <a:p>
-            <a:r>
-              <a:rPr kumimoji="1" lang="en-US" altLang="ja-JP" dirty="0"/>
-              <a:t>④</a:t>
-            </a:r>
-            <a:endParaRPr kumimoji="1" lang="ja-JP" altLang="en-US"/>
-          </a:p>
-        </p:txBody>
-      </p:sp>
-      <p:sp>
-        <p:nvSpPr>
-          <p:cNvPr id="12" name="テキスト ボックス 11">
-            <a:extLst>
-              <a:ext uri="{FF2B5EF4-FFF2-40B4-BE49-F238E27FC236}">
-                <a16:creationId xmlns:a16="http://schemas.microsoft.com/office/drawing/2014/main" id="{28E7BA2A-DA12-2F3A-465B-B72B88BB5DB8}"/>
-              </a:ext>
-            </a:extLst>
-          </p:cNvPr>
-          <p:cNvSpPr txBox="1"/>
-          <p:nvPr/>
-        </p:nvSpPr>
-        <p:spPr>
-          <a:xfrm>
-            <a:off x="10292316" y="4760330"/>
-            <a:ext cx="414779" cy="369332"/>
-          </a:xfrm>
-          <a:prstGeom prst="rect">
-            <a:avLst/>
-          </a:prstGeom>
-          <a:noFill/>
-        </p:spPr>
-        <p:txBody>
-          <a:bodyPr wrap="square" rtlCol="0">
-            <a:spAutoFit/>
-          </a:bodyPr>
-          <a:lstStyle/>
-          <a:p>
-            <a:r>
-              <a:rPr kumimoji="1" lang="en-US" altLang="ja-JP" dirty="0"/>
-              <a:t>⑤</a:t>
-            </a:r>
-            <a:endParaRPr kumimoji="1" lang="ja-JP" altLang="en-US"/>
-          </a:p>
-        </p:txBody>
-      </p:sp>
     </p:spTree>
     <p:extLst>
       <p:ext uri="{BB962C8B-B14F-4D97-AF65-F5344CB8AC3E}">
-        <p14:creationId xmlns:p14="http://schemas.microsoft.com/office/powerpoint/2010/main" val="3686609184"/>
+        <p14:creationId xmlns:p14="http://schemas.microsoft.com/office/powerpoint/2010/main" val="1182010517"/>
       </p:ext>
     </p:extLst>
   </p:cSld>
@@ -4482,10 +4309,10 @@
       </p:grpSpPr>
       <p:pic>
         <p:nvPicPr>
-          <p:cNvPr id="7" name="図 6" descr="グラフィカル ユーザー インターフェイス, アプリケーション&#10;&#10;自動的に生成された説明">
-            <a:extLst>
-              <a:ext uri="{FF2B5EF4-FFF2-40B4-BE49-F238E27FC236}">
-                <a16:creationId xmlns:a16="http://schemas.microsoft.com/office/drawing/2014/main" id="{7F485572-129D-E8F9-FA79-34FA12038D1D}"/>
+          <p:cNvPr id="5" name="図 4" descr="グラフィカル ユーザー インターフェイス, アプリケーション, Word&#10;&#10;自動的に生成された説明">
+            <a:extLst>
+              <a:ext uri="{FF2B5EF4-FFF2-40B4-BE49-F238E27FC236}">
+                <a16:creationId xmlns:a16="http://schemas.microsoft.com/office/drawing/2014/main" id="{7A7AA791-D1CB-AC47-6412-60286396B92F}"/>
               </a:ext>
             </a:extLst>
           </p:cNvPr>
@@ -4502,8 +4329,8 @@
         </p:blipFill>
         <p:spPr>
           <a:xfrm>
-            <a:off x="88061" y="123497"/>
-            <a:ext cx="12043383" cy="5121898"/>
+            <a:off x="140438" y="126351"/>
+            <a:ext cx="11780168" cy="5005630"/>
           </a:xfrm>
           <a:prstGeom prst="rect">
             <a:avLst/>
@@ -4512,10 +4339,10 @@
       </p:pic>
       <p:sp>
         <p:nvSpPr>
-          <p:cNvPr id="8" name="正方形/長方形 7">
-            <a:extLst>
-              <a:ext uri="{FF2B5EF4-FFF2-40B4-BE49-F238E27FC236}">
-                <a16:creationId xmlns:a16="http://schemas.microsoft.com/office/drawing/2014/main" id="{7365CD41-09F2-9850-696E-EFFDAF1D62A1}"/>
+          <p:cNvPr id="6" name="正方形/長方形 5">
+            <a:extLst>
+              <a:ext uri="{FF2B5EF4-FFF2-40B4-BE49-F238E27FC236}">
+                <a16:creationId xmlns:a16="http://schemas.microsoft.com/office/drawing/2014/main" id="{C8BC4142-80A2-40ED-ADFF-0A628B9BF412}"/>
               </a:ext>
             </a:extLst>
           </p:cNvPr>
@@ -4524,8 +4351,8 @@
         </p:nvSpPr>
         <p:spPr>
           <a:xfrm>
-            <a:off x="1412706" y="4845595"/>
-            <a:ext cx="2037870" cy="236976"/>
+            <a:off x="285570" y="1238962"/>
+            <a:ext cx="11481128" cy="1332357"/>
           </a:xfrm>
           <a:prstGeom prst="rect">
             <a:avLst/>
@@ -4563,6 +4390,327 @@
       </p:sp>
       <p:sp>
         <p:nvSpPr>
+          <p:cNvPr id="8" name="正方形/長方形 7">
+            <a:extLst>
+              <a:ext uri="{FF2B5EF4-FFF2-40B4-BE49-F238E27FC236}">
+                <a16:creationId xmlns:a16="http://schemas.microsoft.com/office/drawing/2014/main" id="{8F50BC32-A6BD-84C6-2F07-72D3F4FBDF85}"/>
+              </a:ext>
+            </a:extLst>
+          </p:cNvPr>
+          <p:cNvSpPr/>
+          <p:nvPr/>
+        </p:nvSpPr>
+        <p:spPr>
+          <a:xfrm>
+            <a:off x="285570" y="3962886"/>
+            <a:ext cx="2429277" cy="236976"/>
+          </a:xfrm>
+          <a:prstGeom prst="rect">
+            <a:avLst/>
+          </a:prstGeom>
+          <a:solidFill>
+            <a:schemeClr val="accent2">
+              <a:alpha val="50000"/>
+            </a:schemeClr>
+          </a:solidFill>
+        </p:spPr>
+        <p:style>
+          <a:lnRef idx="2">
+            <a:schemeClr val="accent2">
+              <a:shade val="15000"/>
+            </a:schemeClr>
+          </a:lnRef>
+          <a:fillRef idx="1">
+            <a:schemeClr val="accent2"/>
+          </a:fillRef>
+          <a:effectRef idx="0">
+            <a:schemeClr val="accent2"/>
+          </a:effectRef>
+          <a:fontRef idx="minor">
+            <a:schemeClr val="lt1"/>
+          </a:fontRef>
+        </p:style>
+        <p:txBody>
+          <a:bodyPr rtlCol="0" anchor="ctr"/>
+          <a:lstStyle/>
+          <a:p>
+            <a:pPr algn="ctr"/>
+            <a:endParaRPr kumimoji="1" lang="ja-JP" altLang="en-US"/>
+          </a:p>
+        </p:txBody>
+      </p:sp>
+      <p:sp>
+        <p:nvSpPr>
+          <p:cNvPr id="9" name="正方形/長方形 8">
+            <a:extLst>
+              <a:ext uri="{FF2B5EF4-FFF2-40B4-BE49-F238E27FC236}">
+                <a16:creationId xmlns:a16="http://schemas.microsoft.com/office/drawing/2014/main" id="{D3523918-FDC2-12DE-518E-A7AEC37298E9}"/>
+              </a:ext>
+            </a:extLst>
+          </p:cNvPr>
+          <p:cNvSpPr/>
+          <p:nvPr/>
+        </p:nvSpPr>
+        <p:spPr>
+          <a:xfrm>
+            <a:off x="10292315" y="4809946"/>
+            <a:ext cx="917945" cy="236976"/>
+          </a:xfrm>
+          <a:prstGeom prst="rect">
+            <a:avLst/>
+          </a:prstGeom>
+          <a:solidFill>
+            <a:schemeClr val="accent2">
+              <a:alpha val="50000"/>
+            </a:schemeClr>
+          </a:solidFill>
+        </p:spPr>
+        <p:style>
+          <a:lnRef idx="2">
+            <a:schemeClr val="accent2">
+              <a:shade val="15000"/>
+            </a:schemeClr>
+          </a:lnRef>
+          <a:fillRef idx="1">
+            <a:schemeClr val="accent2"/>
+          </a:fillRef>
+          <a:effectRef idx="0">
+            <a:schemeClr val="accent2"/>
+          </a:effectRef>
+          <a:fontRef idx="minor">
+            <a:schemeClr val="lt1"/>
+          </a:fontRef>
+        </p:style>
+        <p:txBody>
+          <a:bodyPr rtlCol="0" anchor="ctr"/>
+          <a:lstStyle/>
+          <a:p>
+            <a:pPr algn="ctr"/>
+            <a:endParaRPr kumimoji="1" lang="ja-JP" altLang="en-US"/>
+          </a:p>
+        </p:txBody>
+      </p:sp>
+      <p:sp>
+        <p:nvSpPr>
+          <p:cNvPr id="10" name="テキスト ボックス 9">
+            <a:extLst>
+              <a:ext uri="{FF2B5EF4-FFF2-40B4-BE49-F238E27FC236}">
+                <a16:creationId xmlns:a16="http://schemas.microsoft.com/office/drawing/2014/main" id="{21BA5F26-7D20-B049-D4B3-0858BCDDD6A0}"/>
+              </a:ext>
+            </a:extLst>
+          </p:cNvPr>
+          <p:cNvSpPr txBox="1"/>
+          <p:nvPr/>
+        </p:nvSpPr>
+        <p:spPr>
+          <a:xfrm>
+            <a:off x="5207763" y="2266085"/>
+            <a:ext cx="414779" cy="305234"/>
+          </a:xfrm>
+          <a:prstGeom prst="rect">
+            <a:avLst/>
+          </a:prstGeom>
+          <a:noFill/>
+        </p:spPr>
+        <p:txBody>
+          <a:bodyPr wrap="square" rtlCol="0">
+            <a:spAutoFit/>
+          </a:bodyPr>
+          <a:lstStyle/>
+          <a:p>
+            <a:r>
+              <a:rPr lang="en-US" altLang="ja-JP" dirty="0"/>
+              <a:t>③</a:t>
+            </a:r>
+            <a:endParaRPr kumimoji="1" lang="ja-JP" altLang="en-US"/>
+          </a:p>
+        </p:txBody>
+      </p:sp>
+      <p:sp>
+        <p:nvSpPr>
+          <p:cNvPr id="11" name="テキスト ボックス 10">
+            <a:extLst>
+              <a:ext uri="{FF2B5EF4-FFF2-40B4-BE49-F238E27FC236}">
+                <a16:creationId xmlns:a16="http://schemas.microsoft.com/office/drawing/2014/main" id="{A7CE45BF-1E77-7672-E6BB-FCB36E9FDD76}"/>
+              </a:ext>
+            </a:extLst>
+          </p:cNvPr>
+          <p:cNvSpPr txBox="1"/>
+          <p:nvPr/>
+        </p:nvSpPr>
+        <p:spPr>
+          <a:xfrm>
+            <a:off x="2300068" y="3908503"/>
+            <a:ext cx="414779" cy="369332"/>
+          </a:xfrm>
+          <a:prstGeom prst="rect">
+            <a:avLst/>
+          </a:prstGeom>
+          <a:noFill/>
+        </p:spPr>
+        <p:txBody>
+          <a:bodyPr wrap="square" rtlCol="0">
+            <a:spAutoFit/>
+          </a:bodyPr>
+          <a:lstStyle/>
+          <a:p>
+            <a:r>
+              <a:rPr kumimoji="1" lang="en-US" altLang="ja-JP" dirty="0"/>
+              <a:t>④</a:t>
+            </a:r>
+            <a:endParaRPr kumimoji="1" lang="ja-JP" altLang="en-US"/>
+          </a:p>
+        </p:txBody>
+      </p:sp>
+      <p:sp>
+        <p:nvSpPr>
+          <p:cNvPr id="12" name="テキスト ボックス 11">
+            <a:extLst>
+              <a:ext uri="{FF2B5EF4-FFF2-40B4-BE49-F238E27FC236}">
+                <a16:creationId xmlns:a16="http://schemas.microsoft.com/office/drawing/2014/main" id="{28E7BA2A-DA12-2F3A-465B-B72B88BB5DB8}"/>
+              </a:ext>
+            </a:extLst>
+          </p:cNvPr>
+          <p:cNvSpPr txBox="1"/>
+          <p:nvPr/>
+        </p:nvSpPr>
+        <p:spPr>
+          <a:xfrm>
+            <a:off x="10292316" y="4760330"/>
+            <a:ext cx="414779" cy="369332"/>
+          </a:xfrm>
+          <a:prstGeom prst="rect">
+            <a:avLst/>
+          </a:prstGeom>
+          <a:noFill/>
+        </p:spPr>
+        <p:txBody>
+          <a:bodyPr wrap="square" rtlCol="0">
+            <a:spAutoFit/>
+          </a:bodyPr>
+          <a:lstStyle/>
+          <a:p>
+            <a:r>
+              <a:rPr kumimoji="1" lang="en-US" altLang="ja-JP" dirty="0"/>
+              <a:t>⑤</a:t>
+            </a:r>
+            <a:endParaRPr kumimoji="1" lang="ja-JP" altLang="en-US"/>
+          </a:p>
+        </p:txBody>
+      </p:sp>
+    </p:spTree>
+    <p:extLst>
+      <p:ext uri="{BB962C8B-B14F-4D97-AF65-F5344CB8AC3E}">
+        <p14:creationId xmlns:p14="http://schemas.microsoft.com/office/powerpoint/2010/main" val="3686609184"/>
+      </p:ext>
+    </p:extLst>
+  </p:cSld>
+  <p:clrMapOvr>
+    <a:masterClrMapping/>
+  </p:clrMapOvr>
+</p:sld>
+</file>
+
+<file path=ppt/slides/slide13.xml><?xml version="1.0" encoding="utf-8"?>
+<p:sld xmlns:a="http://schemas.openxmlformats.org/drawingml/2006/main" xmlns:r="http://schemas.openxmlformats.org/officeDocument/2006/relationships" xmlns:p="http://schemas.openxmlformats.org/presentationml/2006/main">
+  <p:cSld>
+    <p:spTree>
+      <p:nvGrpSpPr>
+        <p:cNvPr id="1" name=""/>
+        <p:cNvGrpSpPr/>
+        <p:nvPr/>
+      </p:nvGrpSpPr>
+      <p:grpSpPr>
+        <a:xfrm>
+          <a:off x="0" y="0"/>
+          <a:ext cx="0" cy="0"/>
+          <a:chOff x="0" y="0"/>
+          <a:chExt cx="0" cy="0"/>
+        </a:xfrm>
+      </p:grpSpPr>
+      <p:pic>
+        <p:nvPicPr>
+          <p:cNvPr id="7" name="図 6" descr="グラフィカル ユーザー インターフェイス, アプリケーション&#10;&#10;自動的に生成された説明">
+            <a:extLst>
+              <a:ext uri="{FF2B5EF4-FFF2-40B4-BE49-F238E27FC236}">
+                <a16:creationId xmlns:a16="http://schemas.microsoft.com/office/drawing/2014/main" id="{7F485572-129D-E8F9-FA79-34FA12038D1D}"/>
+              </a:ext>
+            </a:extLst>
+          </p:cNvPr>
+          <p:cNvPicPr>
+            <a:picLocks noChangeAspect="1"/>
+          </p:cNvPicPr>
+          <p:nvPr/>
+        </p:nvPicPr>
+        <p:blipFill>
+          <a:blip r:embed="rId2"/>
+          <a:stretch>
+            <a:fillRect/>
+          </a:stretch>
+        </p:blipFill>
+        <p:spPr>
+          <a:xfrm>
+            <a:off x="88061" y="123497"/>
+            <a:ext cx="12043383" cy="5121898"/>
+          </a:xfrm>
+          <a:prstGeom prst="rect">
+            <a:avLst/>
+          </a:prstGeom>
+        </p:spPr>
+      </p:pic>
+      <p:sp>
+        <p:nvSpPr>
+          <p:cNvPr id="8" name="正方形/長方形 7">
+            <a:extLst>
+              <a:ext uri="{FF2B5EF4-FFF2-40B4-BE49-F238E27FC236}">
+                <a16:creationId xmlns:a16="http://schemas.microsoft.com/office/drawing/2014/main" id="{7365CD41-09F2-9850-696E-EFFDAF1D62A1}"/>
+              </a:ext>
+            </a:extLst>
+          </p:cNvPr>
+          <p:cNvSpPr/>
+          <p:nvPr/>
+        </p:nvSpPr>
+        <p:spPr>
+          <a:xfrm>
+            <a:off x="1412706" y="4845595"/>
+            <a:ext cx="2037870" cy="236976"/>
+          </a:xfrm>
+          <a:prstGeom prst="rect">
+            <a:avLst/>
+          </a:prstGeom>
+          <a:solidFill>
+            <a:schemeClr val="accent2">
+              <a:alpha val="50000"/>
+            </a:schemeClr>
+          </a:solidFill>
+        </p:spPr>
+        <p:style>
+          <a:lnRef idx="2">
+            <a:schemeClr val="accent2">
+              <a:shade val="15000"/>
+            </a:schemeClr>
+          </a:lnRef>
+          <a:fillRef idx="1">
+            <a:schemeClr val="accent2"/>
+          </a:fillRef>
+          <a:effectRef idx="0">
+            <a:schemeClr val="accent2"/>
+          </a:effectRef>
+          <a:fontRef idx="minor">
+            <a:schemeClr val="lt1"/>
+          </a:fontRef>
+        </p:style>
+        <p:txBody>
+          <a:bodyPr rtlCol="0" anchor="ctr"/>
+          <a:lstStyle/>
+          <a:p>
+            <a:pPr algn="ctr"/>
+            <a:endParaRPr kumimoji="1" lang="ja-JP" altLang="en-US"/>
+          </a:p>
+        </p:txBody>
+      </p:sp>
+      <p:sp>
+        <p:nvSpPr>
           <p:cNvPr id="9" name="テキスト ボックス 8">
             <a:extLst>
               <a:ext uri="{FF2B5EF4-FFF2-40B4-BE49-F238E27FC236}">
@@ -4610,7 +4758,7 @@
 </p:sld>
 </file>
 
-<file path=ppt/slides/slide13.xml><?xml version="1.0" encoding="utf-8"?>
+<file path=ppt/slides/slide14.xml><?xml version="1.0" encoding="utf-8"?>
 <p:sld xmlns:a="http://schemas.openxmlformats.org/drawingml/2006/main" xmlns:r="http://schemas.openxmlformats.org/officeDocument/2006/relationships" xmlns:p="http://schemas.openxmlformats.org/presentationml/2006/main">
   <p:cSld>
     <p:spTree>
@@ -4950,10 +5098,10 @@
       </p:grpSpPr>
       <p:pic>
         <p:nvPicPr>
-          <p:cNvPr id="5" name="図 4" descr="グラフィカル ユーザー インターフェイス, テキスト, アプリケーション&#10;&#10;自動的に生成された説明">
-            <a:extLst>
-              <a:ext uri="{FF2B5EF4-FFF2-40B4-BE49-F238E27FC236}">
-                <a16:creationId xmlns:a16="http://schemas.microsoft.com/office/drawing/2014/main" id="{53CB1558-A007-52C5-5218-AC26224CCACB}"/>
+          <p:cNvPr id="5" name="図 4" descr="グラフィカル ユーザー インターフェイス, アプリケーション, Word&#10;&#10;自動的に生成された説明">
+            <a:extLst>
+              <a:ext uri="{FF2B5EF4-FFF2-40B4-BE49-F238E27FC236}">
+                <a16:creationId xmlns:a16="http://schemas.microsoft.com/office/drawing/2014/main" id="{0AA827E4-FA90-5B8C-8AF6-4B2A6298562A}"/>
               </a:ext>
             </a:extLst>
           </p:cNvPr>
@@ -4970,8 +5118,8 @@
         </p:blipFill>
         <p:spPr>
           <a:xfrm>
-            <a:off x="25399" y="717550"/>
-            <a:ext cx="11992941" cy="5356679"/>
+            <a:off x="0" y="0"/>
+            <a:ext cx="12061005" cy="6795083"/>
           </a:xfrm>
           <a:prstGeom prst="rect">
             <a:avLst/>
@@ -4983,7 +5131,7 @@
           <p:cNvPr id="6" name="正方形/長方形 5">
             <a:extLst>
               <a:ext uri="{FF2B5EF4-FFF2-40B4-BE49-F238E27FC236}">
-                <a16:creationId xmlns:a16="http://schemas.microsoft.com/office/drawing/2014/main" id="{B869F619-1A38-109C-A2CE-E1B69F530256}"/>
+                <a16:creationId xmlns:a16="http://schemas.microsoft.com/office/drawing/2014/main" id="{3FDD94F0-C0DF-9270-7410-0E6B89DC6D0E}"/>
               </a:ext>
             </a:extLst>
           </p:cNvPr>
@@ -4992,8 +5140,8 @@
         </p:nvSpPr>
         <p:spPr>
           <a:xfrm>
-            <a:off x="135337" y="1358029"/>
-            <a:ext cx="1267436" cy="236976"/>
+            <a:off x="2528449" y="352247"/>
+            <a:ext cx="1185302" cy="209238"/>
           </a:xfrm>
           <a:prstGeom prst="rect">
             <a:avLst/>
@@ -5034,7 +5182,7 @@
           <p:cNvPr id="7" name="正方形/長方形 6">
             <a:extLst>
               <a:ext uri="{FF2B5EF4-FFF2-40B4-BE49-F238E27FC236}">
-                <a16:creationId xmlns:a16="http://schemas.microsoft.com/office/drawing/2014/main" id="{37C813D8-80B0-57F5-7ECD-370B2C8F5F78}"/>
+                <a16:creationId xmlns:a16="http://schemas.microsoft.com/office/drawing/2014/main" id="{AC5B7ECA-F777-DB9E-DBC2-D03CA3C4EE38}"/>
               </a:ext>
             </a:extLst>
           </p:cNvPr>
@@ -5043,8 +5191,8 @@
         </p:nvSpPr>
         <p:spPr>
           <a:xfrm>
-            <a:off x="1456714" y="1302610"/>
-            <a:ext cx="237004" cy="427475"/>
+            <a:off x="2528448" y="595041"/>
+            <a:ext cx="2709409" cy="209238"/>
           </a:xfrm>
           <a:prstGeom prst="rect">
             <a:avLst/>
@@ -5085,7 +5233,7 @@
           <p:cNvPr id="8" name="テキスト ボックス 7">
             <a:extLst>
               <a:ext uri="{FF2B5EF4-FFF2-40B4-BE49-F238E27FC236}">
-                <a16:creationId xmlns:a16="http://schemas.microsoft.com/office/drawing/2014/main" id="{660630BC-C544-3A5A-EA8F-93FB72648396}"/>
+                <a16:creationId xmlns:a16="http://schemas.microsoft.com/office/drawing/2014/main" id="{84537F2D-7481-7CA8-F14F-21FA3EB61217}"/>
               </a:ext>
             </a:extLst>
           </p:cNvPr>
@@ -5094,7 +5242,7 @@
         </p:nvSpPr>
         <p:spPr>
           <a:xfrm>
-            <a:off x="1054676" y="1358029"/>
+            <a:off x="4947167" y="595041"/>
             <a:ext cx="290690" cy="261610"/>
           </a:xfrm>
           <a:prstGeom prst="rect">
@@ -5109,44 +5257,8 @@
           <a:lstStyle/>
           <a:p>
             <a:r>
-              <a:rPr kumimoji="1" lang="en-US" altLang="ja-JP" sz="1100" dirty="0"/>
-              <a:t>②</a:t>
-            </a:r>
-            <a:endParaRPr kumimoji="1" lang="ja-JP" altLang="en-US" sz="1100"/>
-          </a:p>
-        </p:txBody>
-      </p:sp>
-      <p:sp>
-        <p:nvSpPr>
-          <p:cNvPr id="9" name="テキスト ボックス 8">
-            <a:extLst>
-              <a:ext uri="{FF2B5EF4-FFF2-40B4-BE49-F238E27FC236}">
-                <a16:creationId xmlns:a16="http://schemas.microsoft.com/office/drawing/2014/main" id="{519F9579-DF62-3CE0-5BE6-F337DCAA6413}"/>
-              </a:ext>
-            </a:extLst>
-          </p:cNvPr>
-          <p:cNvSpPr txBox="1"/>
-          <p:nvPr/>
-        </p:nvSpPr>
-        <p:spPr>
-          <a:xfrm>
-            <a:off x="1399307" y="1488834"/>
-            <a:ext cx="290690" cy="261610"/>
-          </a:xfrm>
-          <a:prstGeom prst="rect">
-            <a:avLst/>
-          </a:prstGeom>
-          <a:noFill/>
-        </p:spPr>
-        <p:txBody>
-          <a:bodyPr wrap="square" rtlCol="0">
-            <a:spAutoFit/>
-          </a:bodyPr>
-          <a:lstStyle/>
-          <a:p>
-            <a:r>
-              <a:rPr kumimoji="1" lang="en-US" altLang="ja-JP" sz="1100" dirty="0"/>
-              <a:t>③</a:t>
+              <a:rPr lang="ja-JP" altLang="en-US" sz="1100"/>
+              <a:t>①</a:t>
             </a:r>
             <a:endParaRPr kumimoji="1" lang="ja-JP" altLang="en-US" sz="1100"/>
           </a:p>
@@ -5155,7 +5267,7 @@
     </p:spTree>
     <p:extLst>
       <p:ext uri="{BB962C8B-B14F-4D97-AF65-F5344CB8AC3E}">
-        <p14:creationId xmlns:p14="http://schemas.microsoft.com/office/powerpoint/2010/main" val="1653641168"/>
+        <p14:creationId xmlns:p14="http://schemas.microsoft.com/office/powerpoint/2010/main" val="931842662"/>
       </p:ext>
     </p:extLst>
   </p:cSld>
@@ -5344,7 +5456,7 @@
           <a:p>
             <a:r>
               <a:rPr kumimoji="1" lang="en-US" altLang="ja-JP" sz="1100" dirty="0"/>
-              <a:t>①</a:t>
+              <a:t>②</a:t>
             </a:r>
             <a:endParaRPr kumimoji="1" lang="ja-JP" altLang="en-US" sz="1100"/>
           </a:p>
@@ -5379,8 +5491,8 @@
           <a:lstStyle/>
           <a:p>
             <a:r>
-              <a:rPr lang="en-US" altLang="ja-JP" sz="1100" dirty="0"/>
-              <a:t>②</a:t>
+              <a:rPr kumimoji="1" lang="en-US" altLang="ja-JP" sz="1100" dirty="0"/>
+              <a:t>③</a:t>
             </a:r>
             <a:endParaRPr kumimoji="1" lang="ja-JP" altLang="en-US" sz="1100"/>
           </a:p>
@@ -5389,7 +5501,7 @@
     </p:spTree>
     <p:extLst>
       <p:ext uri="{BB962C8B-B14F-4D97-AF65-F5344CB8AC3E}">
-        <p14:creationId xmlns:p14="http://schemas.microsoft.com/office/powerpoint/2010/main" val="812902546"/>
+        <p14:creationId xmlns:p14="http://schemas.microsoft.com/office/powerpoint/2010/main" val="1653641168"/>
       </p:ext>
     </p:extLst>
   </p:cSld>
@@ -5438,7 +5550,7 @@
         </p:blipFill>
         <p:spPr>
           <a:xfrm>
-            <a:off x="25399" y="722745"/>
+            <a:off x="25399" y="717550"/>
             <a:ext cx="11992941" cy="5356679"/>
           </a:xfrm>
           <a:prstGeom prst="rect">
@@ -5511,8 +5623,8 @@
         </p:nvSpPr>
         <p:spPr>
           <a:xfrm>
-            <a:off x="1451518" y="1281831"/>
-            <a:ext cx="2933446" cy="236976"/>
+            <a:off x="1456714" y="1302610"/>
+            <a:ext cx="237004" cy="427475"/>
           </a:xfrm>
           <a:prstGeom prst="rect">
             <a:avLst/>
@@ -5550,10 +5662,10 @@
       </p:sp>
       <p:sp>
         <p:nvSpPr>
-          <p:cNvPr id="2" name="テキスト ボックス 1">
-            <a:extLst>
-              <a:ext uri="{FF2B5EF4-FFF2-40B4-BE49-F238E27FC236}">
-                <a16:creationId xmlns:a16="http://schemas.microsoft.com/office/drawing/2014/main" id="{EDEF2282-8A60-95E1-17C0-FA7AFF4C8EC9}"/>
+          <p:cNvPr id="8" name="テキスト ボックス 7">
+            <a:extLst>
+              <a:ext uri="{FF2B5EF4-FFF2-40B4-BE49-F238E27FC236}">
+                <a16:creationId xmlns:a16="http://schemas.microsoft.com/office/drawing/2014/main" id="{660630BC-C544-3A5A-EA8F-93FB72648396}"/>
               </a:ext>
             </a:extLst>
           </p:cNvPr>
@@ -5578,7 +5690,7 @@
           <a:p>
             <a:r>
               <a:rPr kumimoji="1" lang="en-US" altLang="ja-JP" sz="1100" dirty="0"/>
-              <a:t>②</a:t>
+              <a:t>①</a:t>
             </a:r>
             <a:endParaRPr kumimoji="1" lang="ja-JP" altLang="en-US" sz="1100"/>
           </a:p>
@@ -5586,10 +5698,10 @@
       </p:sp>
       <p:sp>
         <p:nvSpPr>
-          <p:cNvPr id="3" name="テキスト ボックス 2">
-            <a:extLst>
-              <a:ext uri="{FF2B5EF4-FFF2-40B4-BE49-F238E27FC236}">
-                <a16:creationId xmlns:a16="http://schemas.microsoft.com/office/drawing/2014/main" id="{D75980EF-42A6-FFE9-7C5B-C80AFC5FE4CF}"/>
+          <p:cNvPr id="9" name="テキスト ボックス 8">
+            <a:extLst>
+              <a:ext uri="{FF2B5EF4-FFF2-40B4-BE49-F238E27FC236}">
+                <a16:creationId xmlns:a16="http://schemas.microsoft.com/office/drawing/2014/main" id="{519F9579-DF62-3CE0-5BE6-F337DCAA6413}"/>
               </a:ext>
             </a:extLst>
           </p:cNvPr>
@@ -5598,7 +5710,7 @@
         </p:nvSpPr>
         <p:spPr>
           <a:xfrm>
-            <a:off x="4094274" y="1281831"/>
+            <a:off x="1399307" y="1488834"/>
             <a:ext cx="290690" cy="261610"/>
           </a:xfrm>
           <a:prstGeom prst="rect">
@@ -5613,8 +5725,8 @@
           <a:lstStyle/>
           <a:p>
             <a:r>
-              <a:rPr kumimoji="1" lang="en-US" altLang="ja-JP" sz="1100" dirty="0"/>
-              <a:t>③</a:t>
+              <a:rPr lang="en-US" altLang="ja-JP" sz="1100" dirty="0"/>
+              <a:t>②</a:t>
             </a:r>
             <a:endParaRPr kumimoji="1" lang="ja-JP" altLang="en-US" sz="1100"/>
           </a:p>
@@ -5623,7 +5735,7 @@
     </p:spTree>
     <p:extLst>
       <p:ext uri="{BB962C8B-B14F-4D97-AF65-F5344CB8AC3E}">
-        <p14:creationId xmlns:p14="http://schemas.microsoft.com/office/powerpoint/2010/main" val="2456419198"/>
+        <p14:creationId xmlns:p14="http://schemas.microsoft.com/office/powerpoint/2010/main" val="812902546"/>
       </p:ext>
     </p:extLst>
   </p:cSld>
@@ -5652,10 +5764,10 @@
       </p:grpSpPr>
       <p:pic>
         <p:nvPicPr>
-          <p:cNvPr id="5" name="図 4" descr="ダイアグラム&#10;&#10;低い精度で自動的に生成された説明">
-            <a:extLst>
-              <a:ext uri="{FF2B5EF4-FFF2-40B4-BE49-F238E27FC236}">
-                <a16:creationId xmlns:a16="http://schemas.microsoft.com/office/drawing/2014/main" id="{792A485A-FFBC-AD0B-950C-315FD4E943E1}"/>
+          <p:cNvPr id="5" name="図 4" descr="グラフィカル ユーザー インターフェイス, テキスト, アプリケーション&#10;&#10;自動的に生成された説明">
+            <a:extLst>
+              <a:ext uri="{FF2B5EF4-FFF2-40B4-BE49-F238E27FC236}">
+                <a16:creationId xmlns:a16="http://schemas.microsoft.com/office/drawing/2014/main" id="{53CB1558-A007-52C5-5218-AC26224CCACB}"/>
               </a:ext>
             </a:extLst>
           </p:cNvPr>
@@ -5672,8 +5784,8 @@
         </p:blipFill>
         <p:spPr>
           <a:xfrm>
-            <a:off x="188536" y="103108"/>
-            <a:ext cx="11142483" cy="6651783"/>
+            <a:off x="25399" y="722745"/>
+            <a:ext cx="11992941" cy="5356679"/>
           </a:xfrm>
           <a:prstGeom prst="rect">
             <a:avLst/>
@@ -5685,7 +5797,7 @@
           <p:cNvPr id="6" name="正方形/長方形 5">
             <a:extLst>
               <a:ext uri="{FF2B5EF4-FFF2-40B4-BE49-F238E27FC236}">
-                <a16:creationId xmlns:a16="http://schemas.microsoft.com/office/drawing/2014/main" id="{5E86F2AA-D313-F7AA-B96F-774284937EB2}"/>
+                <a16:creationId xmlns:a16="http://schemas.microsoft.com/office/drawing/2014/main" id="{B869F619-1A38-109C-A2CE-E1B69F530256}"/>
               </a:ext>
             </a:extLst>
           </p:cNvPr>
@@ -5693,9 +5805,9 @@
           <p:nvPr/>
         </p:nvSpPr>
         <p:spPr>
-          <a:xfrm flipV="1">
-            <a:off x="6396304" y="329937"/>
-            <a:ext cx="881190" cy="216817"/>
+          <a:xfrm>
+            <a:off x="135337" y="1358029"/>
+            <a:ext cx="1267436" cy="236976"/>
           </a:xfrm>
           <a:prstGeom prst="rect">
             <a:avLst/>
@@ -5736,7 +5848,7 @@
           <p:cNvPr id="7" name="正方形/長方形 6">
             <a:extLst>
               <a:ext uri="{FF2B5EF4-FFF2-40B4-BE49-F238E27FC236}">
-                <a16:creationId xmlns:a16="http://schemas.microsoft.com/office/drawing/2014/main" id="{62C91D83-B27D-851D-6485-02B4163E0B91}"/>
+                <a16:creationId xmlns:a16="http://schemas.microsoft.com/office/drawing/2014/main" id="{37C813D8-80B0-57F5-7ECD-370B2C8F5F78}"/>
               </a:ext>
             </a:extLst>
           </p:cNvPr>
@@ -5744,9 +5856,9 @@
           <p:nvPr/>
         </p:nvSpPr>
         <p:spPr>
-          <a:xfrm flipV="1">
-            <a:off x="6396304" y="556765"/>
-            <a:ext cx="2775976" cy="216816"/>
+          <a:xfrm>
+            <a:off x="1451518" y="1281831"/>
+            <a:ext cx="2933446" cy="236976"/>
           </a:xfrm>
           <a:prstGeom prst="rect">
             <a:avLst/>
@@ -5784,59 +5896,80 @@
       </p:sp>
       <p:sp>
         <p:nvSpPr>
-          <p:cNvPr id="8" name="正方形/長方形 7">
-            <a:extLst>
-              <a:ext uri="{FF2B5EF4-FFF2-40B4-BE49-F238E27FC236}">
-                <a16:creationId xmlns:a16="http://schemas.microsoft.com/office/drawing/2014/main" id="{31A5317B-761F-AD05-07A6-D1325023983D}"/>
-              </a:ext>
-            </a:extLst>
-          </p:cNvPr>
-          <p:cNvSpPr/>
+          <p:cNvPr id="2" name="テキスト ボックス 1">
+            <a:extLst>
+              <a:ext uri="{FF2B5EF4-FFF2-40B4-BE49-F238E27FC236}">
+                <a16:creationId xmlns:a16="http://schemas.microsoft.com/office/drawing/2014/main" id="{EDEF2282-8A60-95E1-17C0-FA7AFF4C8EC9}"/>
+              </a:ext>
+            </a:extLst>
+          </p:cNvPr>
+          <p:cNvSpPr txBox="1"/>
           <p:nvPr/>
         </p:nvSpPr>
         <p:spPr>
-          <a:xfrm flipV="1">
-            <a:off x="8555043" y="5724225"/>
-            <a:ext cx="2775976" cy="216816"/>
-          </a:xfrm>
-          <a:prstGeom prst="rect">
-            <a:avLst/>
-          </a:prstGeom>
-          <a:solidFill>
-            <a:schemeClr val="accent2">
-              <a:alpha val="50000"/>
-            </a:schemeClr>
-          </a:solidFill>
-        </p:spPr>
-        <p:style>
-          <a:lnRef idx="2">
-            <a:schemeClr val="accent2">
-              <a:shade val="15000"/>
-            </a:schemeClr>
-          </a:lnRef>
-          <a:fillRef idx="1">
-            <a:schemeClr val="accent2"/>
-          </a:fillRef>
-          <a:effectRef idx="0">
-            <a:schemeClr val="accent2"/>
-          </a:effectRef>
-          <a:fontRef idx="minor">
-            <a:schemeClr val="lt1"/>
-          </a:fontRef>
-        </p:style>
-        <p:txBody>
-          <a:bodyPr rtlCol="0" anchor="ctr"/>
-          <a:lstStyle/>
-          <a:p>
-            <a:pPr algn="ctr"/>
-            <a:endParaRPr kumimoji="1" lang="ja-JP" altLang="en-US"/>
+          <a:xfrm>
+            <a:off x="1054676" y="1358029"/>
+            <a:ext cx="290690" cy="261610"/>
+          </a:xfrm>
+          <a:prstGeom prst="rect">
+            <a:avLst/>
+          </a:prstGeom>
+          <a:noFill/>
+        </p:spPr>
+        <p:txBody>
+          <a:bodyPr wrap="square" rtlCol="0">
+            <a:spAutoFit/>
+          </a:bodyPr>
+          <a:lstStyle/>
+          <a:p>
+            <a:r>
+              <a:rPr kumimoji="1" lang="en-US" altLang="ja-JP" sz="1100" dirty="0"/>
+              <a:t>②</a:t>
+            </a:r>
+            <a:endParaRPr kumimoji="1" lang="ja-JP" altLang="en-US" sz="1100"/>
+          </a:p>
+        </p:txBody>
+      </p:sp>
+      <p:sp>
+        <p:nvSpPr>
+          <p:cNvPr id="3" name="テキスト ボックス 2">
+            <a:extLst>
+              <a:ext uri="{FF2B5EF4-FFF2-40B4-BE49-F238E27FC236}">
+                <a16:creationId xmlns:a16="http://schemas.microsoft.com/office/drawing/2014/main" id="{D75980EF-42A6-FFE9-7C5B-C80AFC5FE4CF}"/>
+              </a:ext>
+            </a:extLst>
+          </p:cNvPr>
+          <p:cNvSpPr txBox="1"/>
+          <p:nvPr/>
+        </p:nvSpPr>
+        <p:spPr>
+          <a:xfrm>
+            <a:off x="4094274" y="1281831"/>
+            <a:ext cx="290690" cy="261610"/>
+          </a:xfrm>
+          <a:prstGeom prst="rect">
+            <a:avLst/>
+          </a:prstGeom>
+          <a:noFill/>
+        </p:spPr>
+        <p:txBody>
+          <a:bodyPr wrap="square" rtlCol="0">
+            <a:spAutoFit/>
+          </a:bodyPr>
+          <a:lstStyle/>
+          <a:p>
+            <a:r>
+              <a:rPr kumimoji="1" lang="en-US" altLang="ja-JP" sz="1100" dirty="0"/>
+              <a:t>③</a:t>
+            </a:r>
+            <a:endParaRPr kumimoji="1" lang="ja-JP" altLang="en-US" sz="1100"/>
           </a:p>
         </p:txBody>
       </p:sp>
     </p:spTree>
     <p:extLst>
       <p:ext uri="{BB962C8B-B14F-4D97-AF65-F5344CB8AC3E}">
-        <p14:creationId xmlns:p14="http://schemas.microsoft.com/office/powerpoint/2010/main" val="1386079753"/>
+        <p14:creationId xmlns:p14="http://schemas.microsoft.com/office/powerpoint/2010/main" val="2456419198"/>
       </p:ext>
     </p:extLst>
   </p:cSld>
@@ -5865,10 +5998,10 @@
       </p:grpSpPr>
       <p:pic>
         <p:nvPicPr>
-          <p:cNvPr id="5" name="図 4" descr="グラフィカル ユーザー インターフェイス, テキスト, アプリケーション&#10;&#10;自動的に生成された説明">
-            <a:extLst>
-              <a:ext uri="{FF2B5EF4-FFF2-40B4-BE49-F238E27FC236}">
-                <a16:creationId xmlns:a16="http://schemas.microsoft.com/office/drawing/2014/main" id="{0F226E97-3808-D2B7-2612-36D829824C07}"/>
+          <p:cNvPr id="5" name="図 4" descr="ダイアグラム&#10;&#10;低い精度で自動的に生成された説明">
+            <a:extLst>
+              <a:ext uri="{FF2B5EF4-FFF2-40B4-BE49-F238E27FC236}">
+                <a16:creationId xmlns:a16="http://schemas.microsoft.com/office/drawing/2014/main" id="{792A485A-FFBC-AD0B-950C-315FD4E943E1}"/>
               </a:ext>
             </a:extLst>
           </p:cNvPr>
@@ -5885,8 +6018,8 @@
         </p:blipFill>
         <p:spPr>
           <a:xfrm>
-            <a:off x="0" y="0"/>
-            <a:ext cx="12054750" cy="5533534"/>
+            <a:off x="188536" y="103108"/>
+            <a:ext cx="11142483" cy="6651783"/>
           </a:xfrm>
           <a:prstGeom prst="rect">
             <a:avLst/>
@@ -5895,10 +6028,10 @@
       </p:pic>
       <p:sp>
         <p:nvSpPr>
-          <p:cNvPr id="7" name="正方形/長方形 6">
-            <a:extLst>
-              <a:ext uri="{FF2B5EF4-FFF2-40B4-BE49-F238E27FC236}">
-                <a16:creationId xmlns:a16="http://schemas.microsoft.com/office/drawing/2014/main" id="{EA1B1539-B2D1-5A60-C73E-AE1340ADB3E1}"/>
+          <p:cNvPr id="6" name="正方形/長方形 5">
+            <a:extLst>
+              <a:ext uri="{FF2B5EF4-FFF2-40B4-BE49-F238E27FC236}">
+                <a16:creationId xmlns:a16="http://schemas.microsoft.com/office/drawing/2014/main" id="{5E86F2AA-D313-F7AA-B96F-774284937EB2}"/>
               </a:ext>
             </a:extLst>
           </p:cNvPr>
@@ -5906,9 +6039,9 @@
           <p:nvPr/>
         </p:nvSpPr>
         <p:spPr>
-          <a:xfrm>
-            <a:off x="163617" y="1103505"/>
-            <a:ext cx="3861627" cy="236976"/>
+          <a:xfrm flipV="1">
+            <a:off x="6396304" y="329937"/>
+            <a:ext cx="881190" cy="216817"/>
           </a:xfrm>
           <a:prstGeom prst="rect">
             <a:avLst/>
@@ -5946,10 +6079,10 @@
       </p:sp>
       <p:sp>
         <p:nvSpPr>
-          <p:cNvPr id="10" name="正方形/長方形 9">
-            <a:extLst>
-              <a:ext uri="{FF2B5EF4-FFF2-40B4-BE49-F238E27FC236}">
-                <a16:creationId xmlns:a16="http://schemas.microsoft.com/office/drawing/2014/main" id="{58F496C7-5411-F006-C49C-E018E6CCE343}"/>
+          <p:cNvPr id="7" name="正方形/長方形 6">
+            <a:extLst>
+              <a:ext uri="{FF2B5EF4-FFF2-40B4-BE49-F238E27FC236}">
+                <a16:creationId xmlns:a16="http://schemas.microsoft.com/office/drawing/2014/main" id="{62C91D83-B27D-851D-6485-02B4163E0B91}"/>
               </a:ext>
             </a:extLst>
           </p:cNvPr>
@@ -5957,9 +6090,9 @@
           <p:nvPr/>
         </p:nvSpPr>
         <p:spPr>
-          <a:xfrm>
-            <a:off x="163617" y="1414590"/>
-            <a:ext cx="3861627" cy="236976"/>
+          <a:xfrm flipV="1">
+            <a:off x="6396304" y="556765"/>
+            <a:ext cx="2775976" cy="216816"/>
           </a:xfrm>
           <a:prstGeom prst="rect">
             <a:avLst/>
@@ -5997,10 +6130,10 @@
       </p:sp>
       <p:sp>
         <p:nvSpPr>
-          <p:cNvPr id="11" name="正方形/長方形 10">
-            <a:extLst>
-              <a:ext uri="{FF2B5EF4-FFF2-40B4-BE49-F238E27FC236}">
-                <a16:creationId xmlns:a16="http://schemas.microsoft.com/office/drawing/2014/main" id="{F7BBE09A-0C56-4FAA-5E1F-0A1E9FFCA888}"/>
+          <p:cNvPr id="8" name="正方形/長方形 7">
+            <a:extLst>
+              <a:ext uri="{FF2B5EF4-FFF2-40B4-BE49-F238E27FC236}">
+                <a16:creationId xmlns:a16="http://schemas.microsoft.com/office/drawing/2014/main" id="{31A5317B-761F-AD05-07A6-D1325023983D}"/>
               </a:ext>
             </a:extLst>
           </p:cNvPr>
@@ -6008,9 +6141,9 @@
           <p:nvPr/>
         </p:nvSpPr>
         <p:spPr>
-          <a:xfrm>
-            <a:off x="163617" y="1670989"/>
-            <a:ext cx="3861627" cy="236976"/>
+          <a:xfrm flipV="1">
+            <a:off x="8555043" y="5724225"/>
+            <a:ext cx="2775976" cy="216816"/>
           </a:xfrm>
           <a:prstGeom prst="rect">
             <a:avLst/>
@@ -6046,378 +6179,10 @@
           </a:p>
         </p:txBody>
       </p:sp>
-      <p:sp>
-        <p:nvSpPr>
-          <p:cNvPr id="12" name="正方形/長方形 11">
-            <a:extLst>
-              <a:ext uri="{FF2B5EF4-FFF2-40B4-BE49-F238E27FC236}">
-                <a16:creationId xmlns:a16="http://schemas.microsoft.com/office/drawing/2014/main" id="{A7AF254D-C990-4EC1-A19C-F10E533186EF}"/>
-              </a:ext>
-            </a:extLst>
-          </p:cNvPr>
-          <p:cNvSpPr/>
-          <p:nvPr/>
-        </p:nvSpPr>
-        <p:spPr>
-          <a:xfrm>
-            <a:off x="163617" y="1940565"/>
-            <a:ext cx="3861627" cy="236976"/>
-          </a:xfrm>
-          <a:prstGeom prst="rect">
-            <a:avLst/>
-          </a:prstGeom>
-          <a:solidFill>
-            <a:schemeClr val="accent2">
-              <a:alpha val="50000"/>
-            </a:schemeClr>
-          </a:solidFill>
-        </p:spPr>
-        <p:style>
-          <a:lnRef idx="2">
-            <a:schemeClr val="accent2">
-              <a:shade val="15000"/>
-            </a:schemeClr>
-          </a:lnRef>
-          <a:fillRef idx="1">
-            <a:schemeClr val="accent2"/>
-          </a:fillRef>
-          <a:effectRef idx="0">
-            <a:schemeClr val="accent2"/>
-          </a:effectRef>
-          <a:fontRef idx="minor">
-            <a:schemeClr val="lt1"/>
-          </a:fontRef>
-        </p:style>
-        <p:txBody>
-          <a:bodyPr rtlCol="0" anchor="ctr"/>
-          <a:lstStyle/>
-          <a:p>
-            <a:pPr algn="ctr"/>
-            <a:endParaRPr kumimoji="1" lang="ja-JP" altLang="en-US"/>
-          </a:p>
-        </p:txBody>
-      </p:sp>
-      <p:sp>
-        <p:nvSpPr>
-          <p:cNvPr id="13" name="正方形/長方形 12">
-            <a:extLst>
-              <a:ext uri="{FF2B5EF4-FFF2-40B4-BE49-F238E27FC236}">
-                <a16:creationId xmlns:a16="http://schemas.microsoft.com/office/drawing/2014/main" id="{9CD14508-5982-3A33-5AC8-5EE8FBC22AEA}"/>
-              </a:ext>
-            </a:extLst>
-          </p:cNvPr>
-          <p:cNvSpPr/>
-          <p:nvPr/>
-        </p:nvSpPr>
-        <p:spPr>
-          <a:xfrm>
-            <a:off x="163617" y="2443986"/>
-            <a:ext cx="3861627" cy="236976"/>
-          </a:xfrm>
-          <a:prstGeom prst="rect">
-            <a:avLst/>
-          </a:prstGeom>
-          <a:solidFill>
-            <a:schemeClr val="accent2">
-              <a:alpha val="50000"/>
-            </a:schemeClr>
-          </a:solidFill>
-        </p:spPr>
-        <p:style>
-          <a:lnRef idx="2">
-            <a:schemeClr val="accent2">
-              <a:shade val="15000"/>
-            </a:schemeClr>
-          </a:lnRef>
-          <a:fillRef idx="1">
-            <a:schemeClr val="accent2"/>
-          </a:fillRef>
-          <a:effectRef idx="0">
-            <a:schemeClr val="accent2"/>
-          </a:effectRef>
-          <a:fontRef idx="minor">
-            <a:schemeClr val="lt1"/>
-          </a:fontRef>
-        </p:style>
-        <p:txBody>
-          <a:bodyPr rtlCol="0" anchor="ctr"/>
-          <a:lstStyle/>
-          <a:p>
-            <a:pPr algn="ctr"/>
-            <a:endParaRPr kumimoji="1" lang="ja-JP" altLang="en-US"/>
-          </a:p>
-        </p:txBody>
-      </p:sp>
-      <p:sp>
-        <p:nvSpPr>
-          <p:cNvPr id="14" name="正方形/長方形 13">
-            <a:extLst>
-              <a:ext uri="{FF2B5EF4-FFF2-40B4-BE49-F238E27FC236}">
-                <a16:creationId xmlns:a16="http://schemas.microsoft.com/office/drawing/2014/main" id="{D6259E2C-14F8-35D3-D93D-802C3B24B013}"/>
-              </a:ext>
-            </a:extLst>
-          </p:cNvPr>
-          <p:cNvSpPr/>
-          <p:nvPr/>
-        </p:nvSpPr>
-        <p:spPr>
-          <a:xfrm>
-            <a:off x="10256363" y="5124453"/>
-            <a:ext cx="1121791" cy="260674"/>
-          </a:xfrm>
-          <a:prstGeom prst="rect">
-            <a:avLst/>
-          </a:prstGeom>
-          <a:solidFill>
-            <a:schemeClr val="accent2">
-              <a:alpha val="50000"/>
-            </a:schemeClr>
-          </a:solidFill>
-        </p:spPr>
-        <p:style>
-          <a:lnRef idx="2">
-            <a:schemeClr val="accent2">
-              <a:shade val="15000"/>
-            </a:schemeClr>
-          </a:lnRef>
-          <a:fillRef idx="1">
-            <a:schemeClr val="accent2"/>
-          </a:fillRef>
-          <a:effectRef idx="0">
-            <a:schemeClr val="accent2"/>
-          </a:effectRef>
-          <a:fontRef idx="minor">
-            <a:schemeClr val="lt1"/>
-          </a:fontRef>
-        </p:style>
-        <p:txBody>
-          <a:bodyPr rtlCol="0" anchor="ctr"/>
-          <a:lstStyle/>
-          <a:p>
-            <a:pPr algn="ctr"/>
-            <a:endParaRPr kumimoji="1" lang="ja-JP" altLang="en-US"/>
-          </a:p>
-        </p:txBody>
-      </p:sp>
-      <p:sp>
-        <p:nvSpPr>
-          <p:cNvPr id="15" name="テキスト ボックス 14">
-            <a:extLst>
-              <a:ext uri="{FF2B5EF4-FFF2-40B4-BE49-F238E27FC236}">
-                <a16:creationId xmlns:a16="http://schemas.microsoft.com/office/drawing/2014/main" id="{75F1AF36-A0D3-5611-D0C0-845F7A65E385}"/>
-              </a:ext>
-            </a:extLst>
-          </p:cNvPr>
-          <p:cNvSpPr txBox="1"/>
-          <p:nvPr/>
-        </p:nvSpPr>
-        <p:spPr>
-          <a:xfrm>
-            <a:off x="1762814" y="1061062"/>
-            <a:ext cx="414779" cy="305234"/>
-          </a:xfrm>
-          <a:prstGeom prst="rect">
-            <a:avLst/>
-          </a:prstGeom>
-          <a:noFill/>
-        </p:spPr>
-        <p:txBody>
-          <a:bodyPr wrap="square" rtlCol="0">
-            <a:spAutoFit/>
-          </a:bodyPr>
-          <a:lstStyle/>
-          <a:p>
-            <a:r>
-              <a:rPr lang="en-US" altLang="ja-JP" dirty="0"/>
-              <a:t>③</a:t>
-            </a:r>
-            <a:endParaRPr kumimoji="1" lang="ja-JP" altLang="en-US"/>
-          </a:p>
-        </p:txBody>
-      </p:sp>
-      <p:sp>
-        <p:nvSpPr>
-          <p:cNvPr id="16" name="テキスト ボックス 15">
-            <a:extLst>
-              <a:ext uri="{FF2B5EF4-FFF2-40B4-BE49-F238E27FC236}">
-                <a16:creationId xmlns:a16="http://schemas.microsoft.com/office/drawing/2014/main" id="{A07B7557-DC94-B5AF-2628-6CEC0664BD79}"/>
-              </a:ext>
-            </a:extLst>
-          </p:cNvPr>
-          <p:cNvSpPr txBox="1"/>
-          <p:nvPr/>
-        </p:nvSpPr>
-        <p:spPr>
-          <a:xfrm>
-            <a:off x="3493985" y="1367129"/>
-            <a:ext cx="414779" cy="369332"/>
-          </a:xfrm>
-          <a:prstGeom prst="rect">
-            <a:avLst/>
-          </a:prstGeom>
-          <a:noFill/>
-        </p:spPr>
-        <p:txBody>
-          <a:bodyPr wrap="square" rtlCol="0">
-            <a:spAutoFit/>
-          </a:bodyPr>
-          <a:lstStyle/>
-          <a:p>
-            <a:r>
-              <a:rPr kumimoji="1" lang="ja-JP" altLang="en-US"/>
-              <a:t>④</a:t>
-            </a:r>
-          </a:p>
-        </p:txBody>
-      </p:sp>
-      <p:sp>
-        <p:nvSpPr>
-          <p:cNvPr id="17" name="テキスト ボックス 16">
-            <a:extLst>
-              <a:ext uri="{FF2B5EF4-FFF2-40B4-BE49-F238E27FC236}">
-                <a16:creationId xmlns:a16="http://schemas.microsoft.com/office/drawing/2014/main" id="{5C2CDE54-DD12-4961-4AAF-4CEF6E9ED2C9}"/>
-              </a:ext>
-            </a:extLst>
-          </p:cNvPr>
-          <p:cNvSpPr txBox="1"/>
-          <p:nvPr/>
-        </p:nvSpPr>
-        <p:spPr>
-          <a:xfrm>
-            <a:off x="3493985" y="1632712"/>
-            <a:ext cx="414779" cy="369332"/>
-          </a:xfrm>
-          <a:prstGeom prst="rect">
-            <a:avLst/>
-          </a:prstGeom>
-          <a:noFill/>
-        </p:spPr>
-        <p:txBody>
-          <a:bodyPr wrap="square" rtlCol="0">
-            <a:spAutoFit/>
-          </a:bodyPr>
-          <a:lstStyle/>
-          <a:p>
-            <a:r>
-              <a:rPr kumimoji="1" lang="en-US" altLang="ja-JP" dirty="0"/>
-              <a:t>⑤</a:t>
-            </a:r>
-            <a:endParaRPr kumimoji="1" lang="ja-JP" altLang="en-US"/>
-          </a:p>
-        </p:txBody>
-      </p:sp>
-      <p:sp>
-        <p:nvSpPr>
-          <p:cNvPr id="18" name="テキスト ボックス 17">
-            <a:extLst>
-              <a:ext uri="{FF2B5EF4-FFF2-40B4-BE49-F238E27FC236}">
-                <a16:creationId xmlns:a16="http://schemas.microsoft.com/office/drawing/2014/main" id="{B4F253DA-EAAE-BCDF-CD9D-8423F535D624}"/>
-              </a:ext>
-            </a:extLst>
-          </p:cNvPr>
-          <p:cNvSpPr txBox="1"/>
-          <p:nvPr/>
-        </p:nvSpPr>
-        <p:spPr>
-          <a:xfrm>
-            <a:off x="3493985" y="1897969"/>
-            <a:ext cx="414779" cy="369332"/>
-          </a:xfrm>
-          <a:prstGeom prst="rect">
-            <a:avLst/>
-          </a:prstGeom>
-          <a:noFill/>
-        </p:spPr>
-        <p:txBody>
-          <a:bodyPr wrap="square" rtlCol="0">
-            <a:spAutoFit/>
-          </a:bodyPr>
-          <a:lstStyle/>
-          <a:p>
-            <a:r>
-              <a:rPr kumimoji="1" lang="en-US" altLang="ja-JP" dirty="0"/>
-              <a:t>⑥</a:t>
-            </a:r>
-            <a:endParaRPr kumimoji="1" lang="ja-JP" altLang="en-US"/>
-          </a:p>
-        </p:txBody>
-      </p:sp>
-      <p:sp>
-        <p:nvSpPr>
-          <p:cNvPr id="19" name="テキスト ボックス 18">
-            <a:extLst>
-              <a:ext uri="{FF2B5EF4-FFF2-40B4-BE49-F238E27FC236}">
-                <a16:creationId xmlns:a16="http://schemas.microsoft.com/office/drawing/2014/main" id="{F1B82F31-3AF4-2E34-B9E3-FCFB986ABE20}"/>
-              </a:ext>
-            </a:extLst>
-          </p:cNvPr>
-          <p:cNvSpPr txBox="1"/>
-          <p:nvPr/>
-        </p:nvSpPr>
-        <p:spPr>
-          <a:xfrm>
-            <a:off x="3079206" y="2404009"/>
-            <a:ext cx="414779" cy="369332"/>
-          </a:xfrm>
-          <a:prstGeom prst="rect">
-            <a:avLst/>
-          </a:prstGeom>
-          <a:noFill/>
-        </p:spPr>
-        <p:txBody>
-          <a:bodyPr wrap="square" rtlCol="0">
-            <a:spAutoFit/>
-          </a:bodyPr>
-          <a:lstStyle/>
-          <a:p>
-            <a:r>
-              <a:rPr kumimoji="1" lang="en-US" altLang="ja-JP" dirty="0"/>
-              <a:t>⑦</a:t>
-            </a:r>
-            <a:endParaRPr kumimoji="1" lang="ja-JP" altLang="en-US"/>
-          </a:p>
-        </p:txBody>
-      </p:sp>
-      <p:sp>
-        <p:nvSpPr>
-          <p:cNvPr id="20" name="テキスト ボックス 19">
-            <a:extLst>
-              <a:ext uri="{FF2B5EF4-FFF2-40B4-BE49-F238E27FC236}">
-                <a16:creationId xmlns:a16="http://schemas.microsoft.com/office/drawing/2014/main" id="{F1190591-83A3-0C4E-D80E-4B3CE5197BCA}"/>
-              </a:ext>
-            </a:extLst>
-          </p:cNvPr>
-          <p:cNvSpPr txBox="1"/>
-          <p:nvPr/>
-        </p:nvSpPr>
-        <p:spPr>
-          <a:xfrm>
-            <a:off x="10256363" y="5102173"/>
-            <a:ext cx="414779" cy="369332"/>
-          </a:xfrm>
-          <a:prstGeom prst="rect">
-            <a:avLst/>
-          </a:prstGeom>
-          <a:noFill/>
-        </p:spPr>
-        <p:txBody>
-          <a:bodyPr wrap="square" rtlCol="0">
-            <a:spAutoFit/>
-          </a:bodyPr>
-          <a:lstStyle/>
-          <a:p>
-            <a:r>
-              <a:rPr kumimoji="1" lang="en-US" altLang="ja-JP" dirty="0"/>
-              <a:t>⑧</a:t>
-            </a:r>
-            <a:endParaRPr kumimoji="1" lang="ja-JP" altLang="en-US"/>
-          </a:p>
-        </p:txBody>
-      </p:sp>
     </p:spTree>
     <p:extLst>
       <p:ext uri="{BB962C8B-B14F-4D97-AF65-F5344CB8AC3E}">
-        <p14:creationId xmlns:p14="http://schemas.microsoft.com/office/powerpoint/2010/main" val="4036690311"/>
+        <p14:creationId xmlns:p14="http://schemas.microsoft.com/office/powerpoint/2010/main" val="1386079753"/>
       </p:ext>
     </p:extLst>
   </p:cSld>
@@ -6446,10 +6211,10 @@
       </p:grpSpPr>
       <p:pic>
         <p:nvPicPr>
-          <p:cNvPr id="5" name="図 4" descr="グラフィカル ユーザー インターフェイス, アプリケーション&#10;&#10;自動的に生成された説明">
-            <a:extLst>
-              <a:ext uri="{FF2B5EF4-FFF2-40B4-BE49-F238E27FC236}">
-                <a16:creationId xmlns:a16="http://schemas.microsoft.com/office/drawing/2014/main" id="{DADC9B33-2202-B769-8BBE-E519C492345A}"/>
+          <p:cNvPr id="5" name="図 4" descr="グラフィカル ユーザー インターフェイス, テキスト, アプリケーション&#10;&#10;自動的に生成された説明">
+            <a:extLst>
+              <a:ext uri="{FF2B5EF4-FFF2-40B4-BE49-F238E27FC236}">
+                <a16:creationId xmlns:a16="http://schemas.microsoft.com/office/drawing/2014/main" id="{0F226E97-3808-D2B7-2612-36D829824C07}"/>
               </a:ext>
             </a:extLst>
           </p:cNvPr>
@@ -6467,7 +6232,7 @@
         <p:spPr>
           <a:xfrm>
             <a:off x="0" y="0"/>
-            <a:ext cx="12191152" cy="5184742"/>
+            <a:ext cx="12054750" cy="5533534"/>
           </a:xfrm>
           <a:prstGeom prst="rect">
             <a:avLst/>
@@ -6476,10 +6241,10 @@
       </p:pic>
       <p:sp>
         <p:nvSpPr>
-          <p:cNvPr id="6" name="正方形/長方形 5">
-            <a:extLst>
-              <a:ext uri="{FF2B5EF4-FFF2-40B4-BE49-F238E27FC236}">
-                <a16:creationId xmlns:a16="http://schemas.microsoft.com/office/drawing/2014/main" id="{F1B49D37-032A-A92C-C00D-677B660B15B6}"/>
+          <p:cNvPr id="7" name="正方形/長方形 6">
+            <a:extLst>
+              <a:ext uri="{FF2B5EF4-FFF2-40B4-BE49-F238E27FC236}">
+                <a16:creationId xmlns:a16="http://schemas.microsoft.com/office/drawing/2014/main" id="{EA1B1539-B2D1-5A60-C73E-AE1340ADB3E1}"/>
               </a:ext>
             </a:extLst>
           </p:cNvPr>
@@ -6488,7 +6253,7 @@
         </p:nvSpPr>
         <p:spPr>
           <a:xfrm>
-            <a:off x="174613" y="1131786"/>
+            <a:off x="163617" y="1103505"/>
             <a:ext cx="3861627" cy="236976"/>
           </a:xfrm>
           <a:prstGeom prst="rect">
@@ -6527,10 +6292,10 @@
       </p:sp>
       <p:sp>
         <p:nvSpPr>
-          <p:cNvPr id="7" name="正方形/長方形 6">
-            <a:extLst>
-              <a:ext uri="{FF2B5EF4-FFF2-40B4-BE49-F238E27FC236}">
-                <a16:creationId xmlns:a16="http://schemas.microsoft.com/office/drawing/2014/main" id="{130841D9-3CCB-E903-7202-C7A6E99D0EDE}"/>
+          <p:cNvPr id="10" name="正方形/長方形 9">
+            <a:extLst>
+              <a:ext uri="{FF2B5EF4-FFF2-40B4-BE49-F238E27FC236}">
+                <a16:creationId xmlns:a16="http://schemas.microsoft.com/office/drawing/2014/main" id="{58F496C7-5411-F006-C49C-E018E6CCE343}"/>
               </a:ext>
             </a:extLst>
           </p:cNvPr>
@@ -6539,7 +6304,7 @@
         </p:nvSpPr>
         <p:spPr>
           <a:xfrm>
-            <a:off x="174613" y="1680113"/>
+            <a:off x="163617" y="1414590"/>
             <a:ext cx="3861627" cy="236976"/>
           </a:xfrm>
           <a:prstGeom prst="rect">
@@ -6578,10 +6343,10 @@
       </p:sp>
       <p:sp>
         <p:nvSpPr>
-          <p:cNvPr id="8" name="正方形/長方形 7">
-            <a:extLst>
-              <a:ext uri="{FF2B5EF4-FFF2-40B4-BE49-F238E27FC236}">
-                <a16:creationId xmlns:a16="http://schemas.microsoft.com/office/drawing/2014/main" id="{71E75316-C40E-C361-1338-3E0FA31BE26E}"/>
+          <p:cNvPr id="11" name="正方形/長方形 10">
+            <a:extLst>
+              <a:ext uri="{FF2B5EF4-FFF2-40B4-BE49-F238E27FC236}">
+                <a16:creationId xmlns:a16="http://schemas.microsoft.com/office/drawing/2014/main" id="{F7BBE09A-0C56-4FAA-5E1F-0A1E9FFCA888}"/>
               </a:ext>
             </a:extLst>
           </p:cNvPr>
@@ -6590,8 +6355,8 @@
         </p:nvSpPr>
         <p:spPr>
           <a:xfrm>
-            <a:off x="10341206" y="4766237"/>
-            <a:ext cx="1121791" cy="260674"/>
+            <a:off x="163617" y="1670989"/>
+            <a:ext cx="3861627" cy="236976"/>
           </a:xfrm>
           <a:prstGeom prst="rect">
             <a:avLst/>
@@ -6629,10 +6394,163 @@
       </p:sp>
       <p:sp>
         <p:nvSpPr>
-          <p:cNvPr id="9" name="テキスト ボックス 8">
-            <a:extLst>
-              <a:ext uri="{FF2B5EF4-FFF2-40B4-BE49-F238E27FC236}">
-                <a16:creationId xmlns:a16="http://schemas.microsoft.com/office/drawing/2014/main" id="{6D645027-7454-069C-BEC1-0CCA5DE29873}"/>
+          <p:cNvPr id="12" name="正方形/長方形 11">
+            <a:extLst>
+              <a:ext uri="{FF2B5EF4-FFF2-40B4-BE49-F238E27FC236}">
+                <a16:creationId xmlns:a16="http://schemas.microsoft.com/office/drawing/2014/main" id="{A7AF254D-C990-4EC1-A19C-F10E533186EF}"/>
+              </a:ext>
+            </a:extLst>
+          </p:cNvPr>
+          <p:cNvSpPr/>
+          <p:nvPr/>
+        </p:nvSpPr>
+        <p:spPr>
+          <a:xfrm>
+            <a:off x="163617" y="1940565"/>
+            <a:ext cx="3861627" cy="236976"/>
+          </a:xfrm>
+          <a:prstGeom prst="rect">
+            <a:avLst/>
+          </a:prstGeom>
+          <a:solidFill>
+            <a:schemeClr val="accent2">
+              <a:alpha val="50000"/>
+            </a:schemeClr>
+          </a:solidFill>
+        </p:spPr>
+        <p:style>
+          <a:lnRef idx="2">
+            <a:schemeClr val="accent2">
+              <a:shade val="15000"/>
+            </a:schemeClr>
+          </a:lnRef>
+          <a:fillRef idx="1">
+            <a:schemeClr val="accent2"/>
+          </a:fillRef>
+          <a:effectRef idx="0">
+            <a:schemeClr val="accent2"/>
+          </a:effectRef>
+          <a:fontRef idx="minor">
+            <a:schemeClr val="lt1"/>
+          </a:fontRef>
+        </p:style>
+        <p:txBody>
+          <a:bodyPr rtlCol="0" anchor="ctr"/>
+          <a:lstStyle/>
+          <a:p>
+            <a:pPr algn="ctr"/>
+            <a:endParaRPr kumimoji="1" lang="ja-JP" altLang="en-US"/>
+          </a:p>
+        </p:txBody>
+      </p:sp>
+      <p:sp>
+        <p:nvSpPr>
+          <p:cNvPr id="13" name="正方形/長方形 12">
+            <a:extLst>
+              <a:ext uri="{FF2B5EF4-FFF2-40B4-BE49-F238E27FC236}">
+                <a16:creationId xmlns:a16="http://schemas.microsoft.com/office/drawing/2014/main" id="{9CD14508-5982-3A33-5AC8-5EE8FBC22AEA}"/>
+              </a:ext>
+            </a:extLst>
+          </p:cNvPr>
+          <p:cNvSpPr/>
+          <p:nvPr/>
+        </p:nvSpPr>
+        <p:spPr>
+          <a:xfrm>
+            <a:off x="163617" y="2443986"/>
+            <a:ext cx="3861627" cy="236976"/>
+          </a:xfrm>
+          <a:prstGeom prst="rect">
+            <a:avLst/>
+          </a:prstGeom>
+          <a:solidFill>
+            <a:schemeClr val="accent2">
+              <a:alpha val="50000"/>
+            </a:schemeClr>
+          </a:solidFill>
+        </p:spPr>
+        <p:style>
+          <a:lnRef idx="2">
+            <a:schemeClr val="accent2">
+              <a:shade val="15000"/>
+            </a:schemeClr>
+          </a:lnRef>
+          <a:fillRef idx="1">
+            <a:schemeClr val="accent2"/>
+          </a:fillRef>
+          <a:effectRef idx="0">
+            <a:schemeClr val="accent2"/>
+          </a:effectRef>
+          <a:fontRef idx="minor">
+            <a:schemeClr val="lt1"/>
+          </a:fontRef>
+        </p:style>
+        <p:txBody>
+          <a:bodyPr rtlCol="0" anchor="ctr"/>
+          <a:lstStyle/>
+          <a:p>
+            <a:pPr algn="ctr"/>
+            <a:endParaRPr kumimoji="1" lang="ja-JP" altLang="en-US"/>
+          </a:p>
+        </p:txBody>
+      </p:sp>
+      <p:sp>
+        <p:nvSpPr>
+          <p:cNvPr id="14" name="正方形/長方形 13">
+            <a:extLst>
+              <a:ext uri="{FF2B5EF4-FFF2-40B4-BE49-F238E27FC236}">
+                <a16:creationId xmlns:a16="http://schemas.microsoft.com/office/drawing/2014/main" id="{D6259E2C-14F8-35D3-D93D-802C3B24B013}"/>
+              </a:ext>
+            </a:extLst>
+          </p:cNvPr>
+          <p:cNvSpPr/>
+          <p:nvPr/>
+        </p:nvSpPr>
+        <p:spPr>
+          <a:xfrm>
+            <a:off x="10256363" y="5124453"/>
+            <a:ext cx="1121791" cy="260674"/>
+          </a:xfrm>
+          <a:prstGeom prst="rect">
+            <a:avLst/>
+          </a:prstGeom>
+          <a:solidFill>
+            <a:schemeClr val="accent2">
+              <a:alpha val="50000"/>
+            </a:schemeClr>
+          </a:solidFill>
+        </p:spPr>
+        <p:style>
+          <a:lnRef idx="2">
+            <a:schemeClr val="accent2">
+              <a:shade val="15000"/>
+            </a:schemeClr>
+          </a:lnRef>
+          <a:fillRef idx="1">
+            <a:schemeClr val="accent2"/>
+          </a:fillRef>
+          <a:effectRef idx="0">
+            <a:schemeClr val="accent2"/>
+          </a:effectRef>
+          <a:fontRef idx="minor">
+            <a:schemeClr val="lt1"/>
+          </a:fontRef>
+        </p:style>
+        <p:txBody>
+          <a:bodyPr rtlCol="0" anchor="ctr"/>
+          <a:lstStyle/>
+          <a:p>
+            <a:pPr algn="ctr"/>
+            <a:endParaRPr kumimoji="1" lang="ja-JP" altLang="en-US"/>
+          </a:p>
+        </p:txBody>
+      </p:sp>
+      <p:sp>
+        <p:nvSpPr>
+          <p:cNvPr id="15" name="テキスト ボックス 14">
+            <a:extLst>
+              <a:ext uri="{FF2B5EF4-FFF2-40B4-BE49-F238E27FC236}">
+                <a16:creationId xmlns:a16="http://schemas.microsoft.com/office/drawing/2014/main" id="{75F1AF36-A0D3-5611-D0C0-845F7A65E385}"/>
               </a:ext>
             </a:extLst>
           </p:cNvPr>
@@ -6641,7 +6559,7 @@
         </p:nvSpPr>
         <p:spPr>
           <a:xfrm>
-            <a:off x="1762814" y="1089343"/>
+            <a:off x="1762814" y="1061062"/>
             <a:ext cx="414779" cy="305234"/>
           </a:xfrm>
           <a:prstGeom prst="rect">
@@ -6665,10 +6583,10 @@
       </p:sp>
       <p:sp>
         <p:nvSpPr>
-          <p:cNvPr id="10" name="テキスト ボックス 9">
-            <a:extLst>
-              <a:ext uri="{FF2B5EF4-FFF2-40B4-BE49-F238E27FC236}">
-                <a16:creationId xmlns:a16="http://schemas.microsoft.com/office/drawing/2014/main" id="{A486561B-49B9-F57B-E97E-E1113E349628}"/>
+          <p:cNvPr id="16" name="テキスト ボックス 15">
+            <a:extLst>
+              <a:ext uri="{FF2B5EF4-FFF2-40B4-BE49-F238E27FC236}">
+                <a16:creationId xmlns:a16="http://schemas.microsoft.com/office/drawing/2014/main" id="{A07B7557-DC94-B5AF-2628-6CEC0664BD79}"/>
               </a:ext>
             </a:extLst>
           </p:cNvPr>
@@ -6677,7 +6595,7 @@
         </p:nvSpPr>
         <p:spPr>
           <a:xfrm>
-            <a:off x="3357514" y="1637668"/>
+            <a:off x="3493985" y="1367129"/>
             <a:ext cx="414779" cy="369332"/>
           </a:xfrm>
           <a:prstGeom prst="rect">
@@ -6695,16 +6613,15 @@
               <a:rPr kumimoji="1" lang="ja-JP" altLang="en-US"/>
               <a:t>④</a:t>
             </a:r>
-            <a:endParaRPr kumimoji="1" lang="en-US" altLang="ja-JP" dirty="0"/>
-          </a:p>
-        </p:txBody>
-      </p:sp>
-      <p:sp>
-        <p:nvSpPr>
-          <p:cNvPr id="11" name="テキスト ボックス 10">
-            <a:extLst>
-              <a:ext uri="{FF2B5EF4-FFF2-40B4-BE49-F238E27FC236}">
-                <a16:creationId xmlns:a16="http://schemas.microsoft.com/office/drawing/2014/main" id="{86C42038-7486-C79F-7D54-CBAF55E3046F}"/>
+          </a:p>
+        </p:txBody>
+      </p:sp>
+      <p:sp>
+        <p:nvSpPr>
+          <p:cNvPr id="17" name="テキスト ボックス 16">
+            <a:extLst>
+              <a:ext uri="{FF2B5EF4-FFF2-40B4-BE49-F238E27FC236}">
+                <a16:creationId xmlns:a16="http://schemas.microsoft.com/office/drawing/2014/main" id="{5C2CDE54-DD12-4961-4AAF-4CEF6E9ED2C9}"/>
               </a:ext>
             </a:extLst>
           </p:cNvPr>
@@ -6713,7 +6630,7 @@
         </p:nvSpPr>
         <p:spPr>
           <a:xfrm>
-            <a:off x="10419761" y="4743957"/>
+            <a:off x="3493985" y="1632712"/>
             <a:ext cx="414779" cy="369332"/>
           </a:xfrm>
           <a:prstGeom prst="rect">
@@ -6728,8 +6645,116 @@
           <a:lstStyle/>
           <a:p>
             <a:r>
-              <a:rPr lang="en-US" altLang="ja-JP" dirty="0"/>
+              <a:rPr kumimoji="1" lang="en-US" altLang="ja-JP" dirty="0"/>
               <a:t>⑤</a:t>
+            </a:r>
+            <a:endParaRPr kumimoji="1" lang="ja-JP" altLang="en-US"/>
+          </a:p>
+        </p:txBody>
+      </p:sp>
+      <p:sp>
+        <p:nvSpPr>
+          <p:cNvPr id="18" name="テキスト ボックス 17">
+            <a:extLst>
+              <a:ext uri="{FF2B5EF4-FFF2-40B4-BE49-F238E27FC236}">
+                <a16:creationId xmlns:a16="http://schemas.microsoft.com/office/drawing/2014/main" id="{B4F253DA-EAAE-BCDF-CD9D-8423F535D624}"/>
+              </a:ext>
+            </a:extLst>
+          </p:cNvPr>
+          <p:cNvSpPr txBox="1"/>
+          <p:nvPr/>
+        </p:nvSpPr>
+        <p:spPr>
+          <a:xfrm>
+            <a:off x="3493985" y="1897969"/>
+            <a:ext cx="414779" cy="369332"/>
+          </a:xfrm>
+          <a:prstGeom prst="rect">
+            <a:avLst/>
+          </a:prstGeom>
+          <a:noFill/>
+        </p:spPr>
+        <p:txBody>
+          <a:bodyPr wrap="square" rtlCol="0">
+            <a:spAutoFit/>
+          </a:bodyPr>
+          <a:lstStyle/>
+          <a:p>
+            <a:r>
+              <a:rPr kumimoji="1" lang="en-US" altLang="ja-JP" dirty="0"/>
+              <a:t>⑥</a:t>
+            </a:r>
+            <a:endParaRPr kumimoji="1" lang="ja-JP" altLang="en-US"/>
+          </a:p>
+        </p:txBody>
+      </p:sp>
+      <p:sp>
+        <p:nvSpPr>
+          <p:cNvPr id="19" name="テキスト ボックス 18">
+            <a:extLst>
+              <a:ext uri="{FF2B5EF4-FFF2-40B4-BE49-F238E27FC236}">
+                <a16:creationId xmlns:a16="http://schemas.microsoft.com/office/drawing/2014/main" id="{F1B82F31-3AF4-2E34-B9E3-FCFB986ABE20}"/>
+              </a:ext>
+            </a:extLst>
+          </p:cNvPr>
+          <p:cNvSpPr txBox="1"/>
+          <p:nvPr/>
+        </p:nvSpPr>
+        <p:spPr>
+          <a:xfrm>
+            <a:off x="3079206" y="2404009"/>
+            <a:ext cx="414779" cy="369332"/>
+          </a:xfrm>
+          <a:prstGeom prst="rect">
+            <a:avLst/>
+          </a:prstGeom>
+          <a:noFill/>
+        </p:spPr>
+        <p:txBody>
+          <a:bodyPr wrap="square" rtlCol="0">
+            <a:spAutoFit/>
+          </a:bodyPr>
+          <a:lstStyle/>
+          <a:p>
+            <a:r>
+              <a:rPr kumimoji="1" lang="en-US" altLang="ja-JP" dirty="0"/>
+              <a:t>⑦</a:t>
+            </a:r>
+            <a:endParaRPr kumimoji="1" lang="ja-JP" altLang="en-US"/>
+          </a:p>
+        </p:txBody>
+      </p:sp>
+      <p:sp>
+        <p:nvSpPr>
+          <p:cNvPr id="20" name="テキスト ボックス 19">
+            <a:extLst>
+              <a:ext uri="{FF2B5EF4-FFF2-40B4-BE49-F238E27FC236}">
+                <a16:creationId xmlns:a16="http://schemas.microsoft.com/office/drawing/2014/main" id="{F1190591-83A3-0C4E-D80E-4B3CE5197BCA}"/>
+              </a:ext>
+            </a:extLst>
+          </p:cNvPr>
+          <p:cNvSpPr txBox="1"/>
+          <p:nvPr/>
+        </p:nvSpPr>
+        <p:spPr>
+          <a:xfrm>
+            <a:off x="10256363" y="5102173"/>
+            <a:ext cx="414779" cy="369332"/>
+          </a:xfrm>
+          <a:prstGeom prst="rect">
+            <a:avLst/>
+          </a:prstGeom>
+          <a:noFill/>
+        </p:spPr>
+        <p:txBody>
+          <a:bodyPr wrap="square" rtlCol="0">
+            <a:spAutoFit/>
+          </a:bodyPr>
+          <a:lstStyle/>
+          <a:p>
+            <a:r>
+              <a:rPr kumimoji="1" lang="en-US" altLang="ja-JP" dirty="0"/>
+              <a:t>⑧</a:t>
             </a:r>
             <a:endParaRPr kumimoji="1" lang="ja-JP" altLang="en-US"/>
           </a:p>
@@ -6738,7 +6763,7 @@
     </p:spTree>
     <p:extLst>
       <p:ext uri="{BB962C8B-B14F-4D97-AF65-F5344CB8AC3E}">
-        <p14:creationId xmlns:p14="http://schemas.microsoft.com/office/powerpoint/2010/main" val="3937282397"/>
+        <p14:creationId xmlns:p14="http://schemas.microsoft.com/office/powerpoint/2010/main" val="4036690311"/>
       </p:ext>
     </p:extLst>
   </p:cSld>
@@ -6767,10 +6792,10 @@
       </p:grpSpPr>
       <p:pic>
         <p:nvPicPr>
-          <p:cNvPr id="5" name="図 4" descr="グラフィカル ユーザー インターフェイス, アプリケーション, Word&#10;&#10;自動的に生成された説明">
-            <a:extLst>
-              <a:ext uri="{FF2B5EF4-FFF2-40B4-BE49-F238E27FC236}">
-                <a16:creationId xmlns:a16="http://schemas.microsoft.com/office/drawing/2014/main" id="{29FBF5A6-6808-2AD2-7F95-7AE62F3DC296}"/>
+          <p:cNvPr id="5" name="図 4" descr="グラフィカル ユーザー インターフェイス, アプリケーション&#10;&#10;自動的に生成された説明">
+            <a:extLst>
+              <a:ext uri="{FF2B5EF4-FFF2-40B4-BE49-F238E27FC236}">
+                <a16:creationId xmlns:a16="http://schemas.microsoft.com/office/drawing/2014/main" id="{DADC9B33-2202-B769-8BBE-E519C492345A}"/>
               </a:ext>
             </a:extLst>
           </p:cNvPr>
@@ -6787,18 +6812,279 @@
         </p:blipFill>
         <p:spPr>
           <a:xfrm>
-            <a:off x="-1" y="0"/>
-            <a:ext cx="12201687" cy="5184742"/>
+            <a:off x="0" y="0"/>
+            <a:ext cx="12191152" cy="5184742"/>
           </a:xfrm>
           <a:prstGeom prst="rect">
             <a:avLst/>
           </a:prstGeom>
         </p:spPr>
       </p:pic>
+      <p:sp>
+        <p:nvSpPr>
+          <p:cNvPr id="6" name="正方形/長方形 5">
+            <a:extLst>
+              <a:ext uri="{FF2B5EF4-FFF2-40B4-BE49-F238E27FC236}">
+                <a16:creationId xmlns:a16="http://schemas.microsoft.com/office/drawing/2014/main" id="{F1B49D37-032A-A92C-C00D-677B660B15B6}"/>
+              </a:ext>
+            </a:extLst>
+          </p:cNvPr>
+          <p:cNvSpPr/>
+          <p:nvPr/>
+        </p:nvSpPr>
+        <p:spPr>
+          <a:xfrm>
+            <a:off x="174613" y="1131786"/>
+            <a:ext cx="3861627" cy="236976"/>
+          </a:xfrm>
+          <a:prstGeom prst="rect">
+            <a:avLst/>
+          </a:prstGeom>
+          <a:solidFill>
+            <a:schemeClr val="accent2">
+              <a:alpha val="50000"/>
+            </a:schemeClr>
+          </a:solidFill>
+        </p:spPr>
+        <p:style>
+          <a:lnRef idx="2">
+            <a:schemeClr val="accent2">
+              <a:shade val="15000"/>
+            </a:schemeClr>
+          </a:lnRef>
+          <a:fillRef idx="1">
+            <a:schemeClr val="accent2"/>
+          </a:fillRef>
+          <a:effectRef idx="0">
+            <a:schemeClr val="accent2"/>
+          </a:effectRef>
+          <a:fontRef idx="minor">
+            <a:schemeClr val="lt1"/>
+          </a:fontRef>
+        </p:style>
+        <p:txBody>
+          <a:bodyPr rtlCol="0" anchor="ctr"/>
+          <a:lstStyle/>
+          <a:p>
+            <a:pPr algn="ctr"/>
+            <a:endParaRPr kumimoji="1" lang="ja-JP" altLang="en-US"/>
+          </a:p>
+        </p:txBody>
+      </p:sp>
+      <p:sp>
+        <p:nvSpPr>
+          <p:cNvPr id="7" name="正方形/長方形 6">
+            <a:extLst>
+              <a:ext uri="{FF2B5EF4-FFF2-40B4-BE49-F238E27FC236}">
+                <a16:creationId xmlns:a16="http://schemas.microsoft.com/office/drawing/2014/main" id="{130841D9-3CCB-E903-7202-C7A6E99D0EDE}"/>
+              </a:ext>
+            </a:extLst>
+          </p:cNvPr>
+          <p:cNvSpPr/>
+          <p:nvPr/>
+        </p:nvSpPr>
+        <p:spPr>
+          <a:xfrm>
+            <a:off x="174613" y="1680113"/>
+            <a:ext cx="3861627" cy="236976"/>
+          </a:xfrm>
+          <a:prstGeom prst="rect">
+            <a:avLst/>
+          </a:prstGeom>
+          <a:solidFill>
+            <a:schemeClr val="accent2">
+              <a:alpha val="50000"/>
+            </a:schemeClr>
+          </a:solidFill>
+        </p:spPr>
+        <p:style>
+          <a:lnRef idx="2">
+            <a:schemeClr val="accent2">
+              <a:shade val="15000"/>
+            </a:schemeClr>
+          </a:lnRef>
+          <a:fillRef idx="1">
+            <a:schemeClr val="accent2"/>
+          </a:fillRef>
+          <a:effectRef idx="0">
+            <a:schemeClr val="accent2"/>
+          </a:effectRef>
+          <a:fontRef idx="minor">
+            <a:schemeClr val="lt1"/>
+          </a:fontRef>
+        </p:style>
+        <p:txBody>
+          <a:bodyPr rtlCol="0" anchor="ctr"/>
+          <a:lstStyle/>
+          <a:p>
+            <a:pPr algn="ctr"/>
+            <a:endParaRPr kumimoji="1" lang="ja-JP" altLang="en-US"/>
+          </a:p>
+        </p:txBody>
+      </p:sp>
+      <p:sp>
+        <p:nvSpPr>
+          <p:cNvPr id="8" name="正方形/長方形 7">
+            <a:extLst>
+              <a:ext uri="{FF2B5EF4-FFF2-40B4-BE49-F238E27FC236}">
+                <a16:creationId xmlns:a16="http://schemas.microsoft.com/office/drawing/2014/main" id="{71E75316-C40E-C361-1338-3E0FA31BE26E}"/>
+              </a:ext>
+            </a:extLst>
+          </p:cNvPr>
+          <p:cNvSpPr/>
+          <p:nvPr/>
+        </p:nvSpPr>
+        <p:spPr>
+          <a:xfrm>
+            <a:off x="10341206" y="4766237"/>
+            <a:ext cx="1121791" cy="260674"/>
+          </a:xfrm>
+          <a:prstGeom prst="rect">
+            <a:avLst/>
+          </a:prstGeom>
+          <a:solidFill>
+            <a:schemeClr val="accent2">
+              <a:alpha val="50000"/>
+            </a:schemeClr>
+          </a:solidFill>
+        </p:spPr>
+        <p:style>
+          <a:lnRef idx="2">
+            <a:schemeClr val="accent2">
+              <a:shade val="15000"/>
+            </a:schemeClr>
+          </a:lnRef>
+          <a:fillRef idx="1">
+            <a:schemeClr val="accent2"/>
+          </a:fillRef>
+          <a:effectRef idx="0">
+            <a:schemeClr val="accent2"/>
+          </a:effectRef>
+          <a:fontRef idx="minor">
+            <a:schemeClr val="lt1"/>
+          </a:fontRef>
+        </p:style>
+        <p:txBody>
+          <a:bodyPr rtlCol="0" anchor="ctr"/>
+          <a:lstStyle/>
+          <a:p>
+            <a:pPr algn="ctr"/>
+            <a:endParaRPr kumimoji="1" lang="ja-JP" altLang="en-US"/>
+          </a:p>
+        </p:txBody>
+      </p:sp>
+      <p:sp>
+        <p:nvSpPr>
+          <p:cNvPr id="9" name="テキスト ボックス 8">
+            <a:extLst>
+              <a:ext uri="{FF2B5EF4-FFF2-40B4-BE49-F238E27FC236}">
+                <a16:creationId xmlns:a16="http://schemas.microsoft.com/office/drawing/2014/main" id="{6D645027-7454-069C-BEC1-0CCA5DE29873}"/>
+              </a:ext>
+            </a:extLst>
+          </p:cNvPr>
+          <p:cNvSpPr txBox="1"/>
+          <p:nvPr/>
+        </p:nvSpPr>
+        <p:spPr>
+          <a:xfrm>
+            <a:off x="1762814" y="1089343"/>
+            <a:ext cx="414779" cy="305234"/>
+          </a:xfrm>
+          <a:prstGeom prst="rect">
+            <a:avLst/>
+          </a:prstGeom>
+          <a:noFill/>
+        </p:spPr>
+        <p:txBody>
+          <a:bodyPr wrap="square" rtlCol="0">
+            <a:spAutoFit/>
+          </a:bodyPr>
+          <a:lstStyle/>
+          <a:p>
+            <a:r>
+              <a:rPr lang="en-US" altLang="ja-JP" dirty="0"/>
+              <a:t>③</a:t>
+            </a:r>
+            <a:endParaRPr kumimoji="1" lang="ja-JP" altLang="en-US"/>
+          </a:p>
+        </p:txBody>
+      </p:sp>
+      <p:sp>
+        <p:nvSpPr>
+          <p:cNvPr id="10" name="テキスト ボックス 9">
+            <a:extLst>
+              <a:ext uri="{FF2B5EF4-FFF2-40B4-BE49-F238E27FC236}">
+                <a16:creationId xmlns:a16="http://schemas.microsoft.com/office/drawing/2014/main" id="{A486561B-49B9-F57B-E97E-E1113E349628}"/>
+              </a:ext>
+            </a:extLst>
+          </p:cNvPr>
+          <p:cNvSpPr txBox="1"/>
+          <p:nvPr/>
+        </p:nvSpPr>
+        <p:spPr>
+          <a:xfrm>
+            <a:off x="3357514" y="1637668"/>
+            <a:ext cx="414779" cy="369332"/>
+          </a:xfrm>
+          <a:prstGeom prst="rect">
+            <a:avLst/>
+          </a:prstGeom>
+          <a:noFill/>
+        </p:spPr>
+        <p:txBody>
+          <a:bodyPr wrap="square" rtlCol="0">
+            <a:spAutoFit/>
+          </a:bodyPr>
+          <a:lstStyle/>
+          <a:p>
+            <a:r>
+              <a:rPr kumimoji="1" lang="ja-JP" altLang="en-US"/>
+              <a:t>④</a:t>
+            </a:r>
+            <a:endParaRPr kumimoji="1" lang="en-US" altLang="ja-JP" dirty="0"/>
+          </a:p>
+        </p:txBody>
+      </p:sp>
+      <p:sp>
+        <p:nvSpPr>
+          <p:cNvPr id="11" name="テキスト ボックス 10">
+            <a:extLst>
+              <a:ext uri="{FF2B5EF4-FFF2-40B4-BE49-F238E27FC236}">
+                <a16:creationId xmlns:a16="http://schemas.microsoft.com/office/drawing/2014/main" id="{86C42038-7486-C79F-7D54-CBAF55E3046F}"/>
+              </a:ext>
+            </a:extLst>
+          </p:cNvPr>
+          <p:cNvSpPr txBox="1"/>
+          <p:nvPr/>
+        </p:nvSpPr>
+        <p:spPr>
+          <a:xfrm>
+            <a:off x="10419761" y="4743957"/>
+            <a:ext cx="414779" cy="369332"/>
+          </a:xfrm>
+          <a:prstGeom prst="rect">
+            <a:avLst/>
+          </a:prstGeom>
+          <a:noFill/>
+        </p:spPr>
+        <p:txBody>
+          <a:bodyPr wrap="square" rtlCol="0">
+            <a:spAutoFit/>
+          </a:bodyPr>
+          <a:lstStyle/>
+          <a:p>
+            <a:r>
+              <a:rPr lang="en-US" altLang="ja-JP" dirty="0"/>
+              <a:t>⑤</a:t>
+            </a:r>
+            <a:endParaRPr kumimoji="1" lang="ja-JP" altLang="en-US"/>
+          </a:p>
+        </p:txBody>
+      </p:sp>
     </p:spTree>
     <p:extLst>
       <p:ext uri="{BB962C8B-B14F-4D97-AF65-F5344CB8AC3E}">
-        <p14:creationId xmlns:p14="http://schemas.microsoft.com/office/powerpoint/2010/main" val="1367162684"/>
+        <p14:creationId xmlns:p14="http://schemas.microsoft.com/office/powerpoint/2010/main" val="3937282397"/>
       </p:ext>
     </p:extLst>
   </p:cSld>
@@ -6827,10 +7113,10 @@
       </p:grpSpPr>
       <p:pic>
         <p:nvPicPr>
-          <p:cNvPr id="5" name="図 4" descr="グラフィカル ユーザー インターフェイス, テキスト, アプリケーション&#10;&#10;自動的に生成された説明">
-            <a:extLst>
-              <a:ext uri="{FF2B5EF4-FFF2-40B4-BE49-F238E27FC236}">
-                <a16:creationId xmlns:a16="http://schemas.microsoft.com/office/drawing/2014/main" id="{0F226E97-3808-D2B7-2612-36D829824C07}"/>
+          <p:cNvPr id="5" name="図 4" descr="グラフィカル ユーザー インターフェイス, アプリケーション, Word&#10;&#10;自動的に生成された説明">
+            <a:extLst>
+              <a:ext uri="{FF2B5EF4-FFF2-40B4-BE49-F238E27FC236}">
+                <a16:creationId xmlns:a16="http://schemas.microsoft.com/office/drawing/2014/main" id="{29FBF5A6-6808-2AD2-7F95-7AE62F3DC296}"/>
               </a:ext>
             </a:extLst>
           </p:cNvPr>
@@ -6847,105 +7133,18 @@
         </p:blipFill>
         <p:spPr>
           <a:xfrm>
-            <a:off x="0" y="0"/>
-            <a:ext cx="12054750" cy="5533534"/>
+            <a:off x="-1" y="0"/>
+            <a:ext cx="12201687" cy="5184742"/>
           </a:xfrm>
           <a:prstGeom prst="rect">
             <a:avLst/>
           </a:prstGeom>
         </p:spPr>
       </p:pic>
-      <p:sp>
-        <p:nvSpPr>
-          <p:cNvPr id="7" name="正方形/長方形 6">
-            <a:extLst>
-              <a:ext uri="{FF2B5EF4-FFF2-40B4-BE49-F238E27FC236}">
-                <a16:creationId xmlns:a16="http://schemas.microsoft.com/office/drawing/2014/main" id="{EA1B1539-B2D1-5A60-C73E-AE1340ADB3E1}"/>
-              </a:ext>
-            </a:extLst>
-          </p:cNvPr>
-          <p:cNvSpPr/>
-          <p:nvPr/>
-        </p:nvSpPr>
-        <p:spPr>
-          <a:xfrm>
-            <a:off x="1270939" y="5143307"/>
-            <a:ext cx="2037870" cy="236976"/>
-          </a:xfrm>
-          <a:prstGeom prst="rect">
-            <a:avLst/>
-          </a:prstGeom>
-          <a:solidFill>
-            <a:schemeClr val="accent2">
-              <a:alpha val="50000"/>
-            </a:schemeClr>
-          </a:solidFill>
-        </p:spPr>
-        <p:style>
-          <a:lnRef idx="2">
-            <a:schemeClr val="accent2">
-              <a:shade val="15000"/>
-            </a:schemeClr>
-          </a:lnRef>
-          <a:fillRef idx="1">
-            <a:schemeClr val="accent2"/>
-          </a:fillRef>
-          <a:effectRef idx="0">
-            <a:schemeClr val="accent2"/>
-          </a:effectRef>
-          <a:fontRef idx="minor">
-            <a:schemeClr val="lt1"/>
-          </a:fontRef>
-        </p:style>
-        <p:txBody>
-          <a:bodyPr rtlCol="0" anchor="ctr"/>
-          <a:lstStyle/>
-          <a:p>
-            <a:pPr algn="ctr"/>
-            <a:endParaRPr kumimoji="1" lang="ja-JP" altLang="en-US"/>
-          </a:p>
-        </p:txBody>
-      </p:sp>
-      <p:sp>
-        <p:nvSpPr>
-          <p:cNvPr id="15" name="テキスト ボックス 14">
-            <a:extLst>
-              <a:ext uri="{FF2B5EF4-FFF2-40B4-BE49-F238E27FC236}">
-                <a16:creationId xmlns:a16="http://schemas.microsoft.com/office/drawing/2014/main" id="{75F1AF36-A0D3-5611-D0C0-845F7A65E385}"/>
-              </a:ext>
-            </a:extLst>
-          </p:cNvPr>
-          <p:cNvSpPr txBox="1"/>
-          <p:nvPr/>
-        </p:nvSpPr>
-        <p:spPr>
-          <a:xfrm>
-            <a:off x="2843535" y="5096242"/>
-            <a:ext cx="414779" cy="369332"/>
-          </a:xfrm>
-          <a:prstGeom prst="rect">
-            <a:avLst/>
-          </a:prstGeom>
-          <a:noFill/>
-        </p:spPr>
-        <p:txBody>
-          <a:bodyPr wrap="square" rtlCol="0">
-            <a:spAutoFit/>
-          </a:bodyPr>
-          <a:lstStyle/>
-          <a:p>
-            <a:r>
-              <a:rPr lang="en-US" altLang="ja-JP" dirty="0"/>
-              <a:t>②</a:t>
-            </a:r>
-            <a:endParaRPr kumimoji="1" lang="ja-JP" altLang="en-US"/>
-          </a:p>
-        </p:txBody>
-      </p:sp>
     </p:spTree>
     <p:extLst>
       <p:ext uri="{BB962C8B-B14F-4D97-AF65-F5344CB8AC3E}">
-        <p14:creationId xmlns:p14="http://schemas.microsoft.com/office/powerpoint/2010/main" val="3749420761"/>
+        <p14:creationId xmlns:p14="http://schemas.microsoft.com/office/powerpoint/2010/main" val="1367162684"/>
       </p:ext>
     </p:extLst>
   </p:cSld>

--- a/document/画像生成用.pptx
+++ b/document/画像生成用.pptx
@@ -19,6 +19,11 @@
     <p:sldId id="265" r:id="rId13"/>
     <p:sldId id="266" r:id="rId14"/>
     <p:sldId id="267" r:id="rId15"/>
+    <p:sldId id="270" r:id="rId16"/>
+    <p:sldId id="271" r:id="rId17"/>
+    <p:sldId id="272" r:id="rId18"/>
+    <p:sldId id="274" r:id="rId19"/>
+    <p:sldId id="273" r:id="rId20"/>
   </p:sldIdLst>
   <p:sldSz cx="12192000" cy="6858000"/>
   <p:notesSz cx="6858000" cy="9144000"/>
@@ -5079,6 +5084,1149 @@
 </p:sld>
 </file>
 
+<file path=ppt/slides/slide15.xml><?xml version="1.0" encoding="utf-8"?>
+<p:sld xmlns:a="http://schemas.openxmlformats.org/drawingml/2006/main" xmlns:r="http://schemas.openxmlformats.org/officeDocument/2006/relationships" xmlns:p="http://schemas.openxmlformats.org/presentationml/2006/main">
+  <p:cSld>
+    <p:spTree>
+      <p:nvGrpSpPr>
+        <p:cNvPr id="1" name=""/>
+        <p:cNvGrpSpPr/>
+        <p:nvPr/>
+      </p:nvGrpSpPr>
+      <p:grpSpPr>
+        <a:xfrm>
+          <a:off x="0" y="0"/>
+          <a:ext cx="0" cy="0"/>
+          <a:chOff x="0" y="0"/>
+          <a:chExt cx="0" cy="0"/>
+        </a:xfrm>
+      </p:grpSpPr>
+      <p:pic>
+        <p:nvPicPr>
+          <p:cNvPr id="5" name="図 4" descr="グラフィカル ユーザー インターフェイス, アプリケーション&#10;&#10;自動的に生成された説明">
+            <a:extLst>
+              <a:ext uri="{FF2B5EF4-FFF2-40B4-BE49-F238E27FC236}">
+                <a16:creationId xmlns:a16="http://schemas.microsoft.com/office/drawing/2014/main" id="{BCD9ABB0-D0DA-EBCD-8BC6-2EB5B2345668}"/>
+              </a:ext>
+            </a:extLst>
+          </p:cNvPr>
+          <p:cNvPicPr>
+            <a:picLocks noChangeAspect="1"/>
+          </p:cNvPicPr>
+          <p:nvPr/>
+        </p:nvPicPr>
+        <p:blipFill>
+          <a:blip r:embed="rId2"/>
+          <a:stretch>
+            <a:fillRect/>
+          </a:stretch>
+        </p:blipFill>
+        <p:spPr>
+          <a:xfrm>
+            <a:off x="0" y="0"/>
+            <a:ext cx="10138733" cy="6623222"/>
+          </a:xfrm>
+          <a:prstGeom prst="rect">
+            <a:avLst/>
+          </a:prstGeom>
+        </p:spPr>
+      </p:pic>
+      <p:sp>
+        <p:nvSpPr>
+          <p:cNvPr id="10" name="正方形/長方形 9">
+            <a:extLst>
+              <a:ext uri="{FF2B5EF4-FFF2-40B4-BE49-F238E27FC236}">
+                <a16:creationId xmlns:a16="http://schemas.microsoft.com/office/drawing/2014/main" id="{22DADB1F-213E-DE97-931B-579BED55F6D9}"/>
+              </a:ext>
+            </a:extLst>
+          </p:cNvPr>
+          <p:cNvSpPr/>
+          <p:nvPr/>
+        </p:nvSpPr>
+        <p:spPr>
+          <a:xfrm>
+            <a:off x="503886" y="1456695"/>
+            <a:ext cx="1934514" cy="209238"/>
+          </a:xfrm>
+          <a:prstGeom prst="rect">
+            <a:avLst/>
+          </a:prstGeom>
+          <a:solidFill>
+            <a:schemeClr val="accent2">
+              <a:alpha val="50000"/>
+            </a:schemeClr>
+          </a:solidFill>
+        </p:spPr>
+        <p:style>
+          <a:lnRef idx="2">
+            <a:schemeClr val="accent2">
+              <a:shade val="15000"/>
+            </a:schemeClr>
+          </a:lnRef>
+          <a:fillRef idx="1">
+            <a:schemeClr val="accent2"/>
+          </a:fillRef>
+          <a:effectRef idx="0">
+            <a:schemeClr val="accent2"/>
+          </a:effectRef>
+          <a:fontRef idx="minor">
+            <a:schemeClr val="lt1"/>
+          </a:fontRef>
+        </p:style>
+        <p:txBody>
+          <a:bodyPr rtlCol="0" anchor="ctr"/>
+          <a:lstStyle/>
+          <a:p>
+            <a:pPr algn="ctr"/>
+            <a:endParaRPr kumimoji="1" lang="ja-JP" altLang="en-US"/>
+          </a:p>
+        </p:txBody>
+      </p:sp>
+      <p:sp>
+        <p:nvSpPr>
+          <p:cNvPr id="11" name="テキスト ボックス 10">
+            <a:extLst>
+              <a:ext uri="{FF2B5EF4-FFF2-40B4-BE49-F238E27FC236}">
+                <a16:creationId xmlns:a16="http://schemas.microsoft.com/office/drawing/2014/main" id="{2EC45F23-7754-EB98-CE3D-B16A7100F832}"/>
+              </a:ext>
+            </a:extLst>
+          </p:cNvPr>
+          <p:cNvSpPr txBox="1"/>
+          <p:nvPr/>
+        </p:nvSpPr>
+        <p:spPr>
+          <a:xfrm>
+            <a:off x="2113424" y="1448457"/>
+            <a:ext cx="292024" cy="261610"/>
+          </a:xfrm>
+          <a:prstGeom prst="rect">
+            <a:avLst/>
+          </a:prstGeom>
+          <a:noFill/>
+        </p:spPr>
+        <p:txBody>
+          <a:bodyPr wrap="square" rtlCol="0">
+            <a:spAutoFit/>
+          </a:bodyPr>
+          <a:lstStyle/>
+          <a:p>
+            <a:r>
+              <a:rPr lang="ja-JP" altLang="en-US" sz="1100"/>
+              <a:t>①</a:t>
+            </a:r>
+            <a:endParaRPr kumimoji="1" lang="ja-JP" altLang="en-US" sz="1100"/>
+          </a:p>
+        </p:txBody>
+      </p:sp>
+      <p:sp>
+        <p:nvSpPr>
+          <p:cNvPr id="12" name="正方形/長方形 11">
+            <a:extLst>
+              <a:ext uri="{FF2B5EF4-FFF2-40B4-BE49-F238E27FC236}">
+                <a16:creationId xmlns:a16="http://schemas.microsoft.com/office/drawing/2014/main" id="{7338CC15-C944-274C-D2E3-EAB8750D42A8}"/>
+              </a:ext>
+            </a:extLst>
+          </p:cNvPr>
+          <p:cNvSpPr/>
+          <p:nvPr/>
+        </p:nvSpPr>
+        <p:spPr>
+          <a:xfrm>
+            <a:off x="503885" y="2656836"/>
+            <a:ext cx="2898341" cy="230162"/>
+          </a:xfrm>
+          <a:prstGeom prst="rect">
+            <a:avLst/>
+          </a:prstGeom>
+          <a:solidFill>
+            <a:schemeClr val="accent2">
+              <a:alpha val="50000"/>
+            </a:schemeClr>
+          </a:solidFill>
+        </p:spPr>
+        <p:style>
+          <a:lnRef idx="2">
+            <a:schemeClr val="accent2">
+              <a:shade val="15000"/>
+            </a:schemeClr>
+          </a:lnRef>
+          <a:fillRef idx="1">
+            <a:schemeClr val="accent2"/>
+          </a:fillRef>
+          <a:effectRef idx="0">
+            <a:schemeClr val="accent2"/>
+          </a:effectRef>
+          <a:fontRef idx="minor">
+            <a:schemeClr val="lt1"/>
+          </a:fontRef>
+        </p:style>
+        <p:txBody>
+          <a:bodyPr rtlCol="0" anchor="ctr"/>
+          <a:lstStyle/>
+          <a:p>
+            <a:pPr algn="ctr"/>
+            <a:endParaRPr kumimoji="1" lang="ja-JP" altLang="en-US"/>
+          </a:p>
+        </p:txBody>
+      </p:sp>
+      <p:sp>
+        <p:nvSpPr>
+          <p:cNvPr id="13" name="テキスト ボックス 12">
+            <a:extLst>
+              <a:ext uri="{FF2B5EF4-FFF2-40B4-BE49-F238E27FC236}">
+                <a16:creationId xmlns:a16="http://schemas.microsoft.com/office/drawing/2014/main" id="{2CE5BB3B-F35B-A966-FEF1-DF1AF8ED8A0B}"/>
+              </a:ext>
+            </a:extLst>
+          </p:cNvPr>
+          <p:cNvSpPr txBox="1"/>
+          <p:nvPr/>
+        </p:nvSpPr>
+        <p:spPr>
+          <a:xfrm>
+            <a:off x="3085488" y="2656836"/>
+            <a:ext cx="292024" cy="261610"/>
+          </a:xfrm>
+          <a:prstGeom prst="rect">
+            <a:avLst/>
+          </a:prstGeom>
+          <a:noFill/>
+        </p:spPr>
+        <p:txBody>
+          <a:bodyPr wrap="square" rtlCol="0">
+            <a:spAutoFit/>
+          </a:bodyPr>
+          <a:lstStyle/>
+          <a:p>
+            <a:r>
+              <a:rPr kumimoji="1" lang="en-US" altLang="ja-JP" sz="1100" dirty="0"/>
+              <a:t>②</a:t>
+            </a:r>
+            <a:endParaRPr kumimoji="1" lang="ja-JP" altLang="en-US" sz="1100"/>
+          </a:p>
+        </p:txBody>
+      </p:sp>
+    </p:spTree>
+    <p:extLst>
+      <p:ext uri="{BB962C8B-B14F-4D97-AF65-F5344CB8AC3E}">
+        <p14:creationId xmlns:p14="http://schemas.microsoft.com/office/powerpoint/2010/main" val="2294289713"/>
+      </p:ext>
+    </p:extLst>
+  </p:cSld>
+  <p:clrMapOvr>
+    <a:masterClrMapping/>
+  </p:clrMapOvr>
+</p:sld>
+</file>
+
+<file path=ppt/slides/slide16.xml><?xml version="1.0" encoding="utf-8"?>
+<p:sld xmlns:a="http://schemas.openxmlformats.org/drawingml/2006/main" xmlns:r="http://schemas.openxmlformats.org/officeDocument/2006/relationships" xmlns:p="http://schemas.openxmlformats.org/presentationml/2006/main">
+  <p:cSld>
+    <p:spTree>
+      <p:nvGrpSpPr>
+        <p:cNvPr id="1" name=""/>
+        <p:cNvGrpSpPr/>
+        <p:nvPr/>
+      </p:nvGrpSpPr>
+      <p:grpSpPr>
+        <a:xfrm>
+          <a:off x="0" y="0"/>
+          <a:ext cx="0" cy="0"/>
+          <a:chOff x="0" y="0"/>
+          <a:chExt cx="0" cy="0"/>
+        </a:xfrm>
+      </p:grpSpPr>
+      <p:pic>
+        <p:nvPicPr>
+          <p:cNvPr id="5" name="図 4" descr="グラフィカル ユーザー インターフェイス, テキスト, アプリケーション, メール&#10;&#10;自動的に生成された説明">
+            <a:extLst>
+              <a:ext uri="{FF2B5EF4-FFF2-40B4-BE49-F238E27FC236}">
+                <a16:creationId xmlns:a16="http://schemas.microsoft.com/office/drawing/2014/main" id="{23A18A56-488C-FE36-43CB-130F62A9C369}"/>
+              </a:ext>
+            </a:extLst>
+          </p:cNvPr>
+          <p:cNvPicPr>
+            <a:picLocks noChangeAspect="1"/>
+          </p:cNvPicPr>
+          <p:nvPr/>
+        </p:nvPicPr>
+        <p:blipFill>
+          <a:blip r:embed="rId2"/>
+          <a:stretch>
+            <a:fillRect/>
+          </a:stretch>
+        </p:blipFill>
+        <p:spPr>
+          <a:xfrm>
+            <a:off x="139871" y="102115"/>
+            <a:ext cx="10118571" cy="6455204"/>
+          </a:xfrm>
+          <a:prstGeom prst="rect">
+            <a:avLst/>
+          </a:prstGeom>
+        </p:spPr>
+      </p:pic>
+      <p:sp>
+        <p:nvSpPr>
+          <p:cNvPr id="6" name="正方形/長方形 5">
+            <a:extLst>
+              <a:ext uri="{FF2B5EF4-FFF2-40B4-BE49-F238E27FC236}">
+                <a16:creationId xmlns:a16="http://schemas.microsoft.com/office/drawing/2014/main" id="{29CCD64D-A657-A8BA-6EBE-C5D4D6362AFE}"/>
+              </a:ext>
+            </a:extLst>
+          </p:cNvPr>
+          <p:cNvSpPr/>
+          <p:nvPr/>
+        </p:nvSpPr>
+        <p:spPr>
+          <a:xfrm>
+            <a:off x="3345939" y="3812716"/>
+            <a:ext cx="5625065" cy="1064084"/>
+          </a:xfrm>
+          <a:prstGeom prst="rect">
+            <a:avLst/>
+          </a:prstGeom>
+          <a:solidFill>
+            <a:schemeClr val="accent2">
+              <a:alpha val="50000"/>
+            </a:schemeClr>
+          </a:solidFill>
+        </p:spPr>
+        <p:style>
+          <a:lnRef idx="2">
+            <a:schemeClr val="accent2">
+              <a:shade val="15000"/>
+            </a:schemeClr>
+          </a:lnRef>
+          <a:fillRef idx="1">
+            <a:schemeClr val="accent2"/>
+          </a:fillRef>
+          <a:effectRef idx="0">
+            <a:schemeClr val="accent2"/>
+          </a:effectRef>
+          <a:fontRef idx="minor">
+            <a:schemeClr val="lt1"/>
+          </a:fontRef>
+        </p:style>
+        <p:txBody>
+          <a:bodyPr rtlCol="0" anchor="ctr"/>
+          <a:lstStyle/>
+          <a:p>
+            <a:pPr algn="ctr"/>
+            <a:endParaRPr kumimoji="1" lang="ja-JP" altLang="en-US"/>
+          </a:p>
+        </p:txBody>
+      </p:sp>
+      <p:sp>
+        <p:nvSpPr>
+          <p:cNvPr id="7" name="テキスト ボックス 6">
+            <a:extLst>
+              <a:ext uri="{FF2B5EF4-FFF2-40B4-BE49-F238E27FC236}">
+                <a16:creationId xmlns:a16="http://schemas.microsoft.com/office/drawing/2014/main" id="{3C1E68C8-9149-0D68-2EB2-9311E32CCB5D}"/>
+              </a:ext>
+            </a:extLst>
+          </p:cNvPr>
+          <p:cNvSpPr txBox="1"/>
+          <p:nvPr/>
+        </p:nvSpPr>
+        <p:spPr>
+          <a:xfrm>
+            <a:off x="6012459" y="4316926"/>
+            <a:ext cx="292024" cy="261610"/>
+          </a:xfrm>
+          <a:prstGeom prst="rect">
+            <a:avLst/>
+          </a:prstGeom>
+          <a:noFill/>
+        </p:spPr>
+        <p:txBody>
+          <a:bodyPr wrap="square" rtlCol="0">
+            <a:spAutoFit/>
+          </a:bodyPr>
+          <a:lstStyle/>
+          <a:p>
+            <a:r>
+              <a:rPr kumimoji="1" lang="en-US" altLang="ja-JP" sz="1100" dirty="0"/>
+              <a:t>③</a:t>
+            </a:r>
+            <a:endParaRPr kumimoji="1" lang="ja-JP" altLang="en-US" sz="1100"/>
+          </a:p>
+        </p:txBody>
+      </p:sp>
+    </p:spTree>
+    <p:extLst>
+      <p:ext uri="{BB962C8B-B14F-4D97-AF65-F5344CB8AC3E}">
+        <p14:creationId xmlns:p14="http://schemas.microsoft.com/office/powerpoint/2010/main" val="874574851"/>
+      </p:ext>
+    </p:extLst>
+  </p:cSld>
+  <p:clrMapOvr>
+    <a:masterClrMapping/>
+  </p:clrMapOvr>
+</p:sld>
+</file>
+
+<file path=ppt/slides/slide17.xml><?xml version="1.0" encoding="utf-8"?>
+<p:sld xmlns:a="http://schemas.openxmlformats.org/drawingml/2006/main" xmlns:r="http://schemas.openxmlformats.org/officeDocument/2006/relationships" xmlns:p="http://schemas.openxmlformats.org/presentationml/2006/main">
+  <p:cSld>
+    <p:spTree>
+      <p:nvGrpSpPr>
+        <p:cNvPr id="1" name=""/>
+        <p:cNvGrpSpPr/>
+        <p:nvPr/>
+      </p:nvGrpSpPr>
+      <p:grpSpPr>
+        <a:xfrm>
+          <a:off x="0" y="0"/>
+          <a:ext cx="0" cy="0"/>
+          <a:chOff x="0" y="0"/>
+          <a:chExt cx="0" cy="0"/>
+        </a:xfrm>
+      </p:grpSpPr>
+      <p:pic>
+        <p:nvPicPr>
+          <p:cNvPr id="7" name="図 6" descr="グラフィカル ユーザー インターフェイス, アプリケーション&#10;&#10;自動的に生成された説明">
+            <a:extLst>
+              <a:ext uri="{FF2B5EF4-FFF2-40B4-BE49-F238E27FC236}">
+                <a16:creationId xmlns:a16="http://schemas.microsoft.com/office/drawing/2014/main" id="{3F44599D-9C3B-F789-D8B6-2B9510E911E8}"/>
+              </a:ext>
+            </a:extLst>
+          </p:cNvPr>
+          <p:cNvPicPr>
+            <a:picLocks noChangeAspect="1"/>
+          </p:cNvPicPr>
+          <p:nvPr/>
+        </p:nvPicPr>
+        <p:blipFill>
+          <a:blip r:embed="rId2"/>
+          <a:stretch>
+            <a:fillRect/>
+          </a:stretch>
+        </p:blipFill>
+        <p:spPr>
+          <a:xfrm>
+            <a:off x="80368" y="131805"/>
+            <a:ext cx="5770509" cy="3676994"/>
+          </a:xfrm>
+          <a:prstGeom prst="rect">
+            <a:avLst/>
+          </a:prstGeom>
+        </p:spPr>
+      </p:pic>
+      <p:pic>
+        <p:nvPicPr>
+          <p:cNvPr id="9" name="図 8" descr="グラフィカル ユーザー インターフェイス が含まれている画像&#10;&#10;自動的に生成された説明">
+            <a:extLst>
+              <a:ext uri="{FF2B5EF4-FFF2-40B4-BE49-F238E27FC236}">
+                <a16:creationId xmlns:a16="http://schemas.microsoft.com/office/drawing/2014/main" id="{B87431E7-C589-9DEA-6084-ABA963737F5F}"/>
+              </a:ext>
+            </a:extLst>
+          </p:cNvPr>
+          <p:cNvPicPr>
+            <a:picLocks noChangeAspect="1"/>
+          </p:cNvPicPr>
+          <p:nvPr/>
+        </p:nvPicPr>
+        <p:blipFill>
+          <a:blip r:embed="rId3"/>
+          <a:stretch>
+            <a:fillRect/>
+          </a:stretch>
+        </p:blipFill>
+        <p:spPr>
+          <a:xfrm>
+            <a:off x="-6135" y="1572812"/>
+            <a:ext cx="5857012" cy="3826148"/>
+          </a:xfrm>
+          <a:prstGeom prst="rect">
+            <a:avLst/>
+          </a:prstGeom>
+        </p:spPr>
+      </p:pic>
+      <p:pic>
+        <p:nvPicPr>
+          <p:cNvPr id="11" name="図 10" descr="グラフィカル ユーザー インターフェイス が含まれている画像&#10;&#10;自動的に生成された説明">
+            <a:extLst>
+              <a:ext uri="{FF2B5EF4-FFF2-40B4-BE49-F238E27FC236}">
+                <a16:creationId xmlns:a16="http://schemas.microsoft.com/office/drawing/2014/main" id="{33E031F3-26B3-049A-610E-B48B8DBB32C1}"/>
+              </a:ext>
+            </a:extLst>
+          </p:cNvPr>
+          <p:cNvPicPr>
+            <a:picLocks noChangeAspect="1"/>
+          </p:cNvPicPr>
+          <p:nvPr/>
+        </p:nvPicPr>
+        <p:blipFill>
+          <a:blip r:embed="rId4"/>
+          <a:stretch>
+            <a:fillRect/>
+          </a:stretch>
+        </p:blipFill>
+        <p:spPr>
+          <a:xfrm>
+            <a:off x="5813811" y="481927"/>
+            <a:ext cx="6341123" cy="4142398"/>
+          </a:xfrm>
+          <a:prstGeom prst="rect">
+            <a:avLst/>
+          </a:prstGeom>
+        </p:spPr>
+      </p:pic>
+      <p:sp>
+        <p:nvSpPr>
+          <p:cNvPr id="12" name="正方形/長方形 11">
+            <a:extLst>
+              <a:ext uri="{FF2B5EF4-FFF2-40B4-BE49-F238E27FC236}">
+                <a16:creationId xmlns:a16="http://schemas.microsoft.com/office/drawing/2014/main" id="{CCACEDD3-01BE-1695-4A74-F24BF3A89811}"/>
+              </a:ext>
+            </a:extLst>
+          </p:cNvPr>
+          <p:cNvSpPr/>
+          <p:nvPr/>
+        </p:nvSpPr>
+        <p:spPr>
+          <a:xfrm>
+            <a:off x="1191733" y="824861"/>
+            <a:ext cx="1576182" cy="320197"/>
+          </a:xfrm>
+          <a:prstGeom prst="rect">
+            <a:avLst/>
+          </a:prstGeom>
+          <a:solidFill>
+            <a:schemeClr val="accent2">
+              <a:alpha val="50000"/>
+            </a:schemeClr>
+          </a:solidFill>
+        </p:spPr>
+        <p:style>
+          <a:lnRef idx="2">
+            <a:schemeClr val="accent2">
+              <a:shade val="15000"/>
+            </a:schemeClr>
+          </a:lnRef>
+          <a:fillRef idx="1">
+            <a:schemeClr val="accent2"/>
+          </a:fillRef>
+          <a:effectRef idx="0">
+            <a:schemeClr val="accent2"/>
+          </a:effectRef>
+          <a:fontRef idx="minor">
+            <a:schemeClr val="lt1"/>
+          </a:fontRef>
+        </p:style>
+        <p:txBody>
+          <a:bodyPr rtlCol="0" anchor="ctr"/>
+          <a:lstStyle/>
+          <a:p>
+            <a:pPr algn="ctr"/>
+            <a:endParaRPr kumimoji="1" lang="ja-JP" altLang="en-US"/>
+          </a:p>
+        </p:txBody>
+      </p:sp>
+      <p:sp>
+        <p:nvSpPr>
+          <p:cNvPr id="13" name="テキスト ボックス 12">
+            <a:extLst>
+              <a:ext uri="{FF2B5EF4-FFF2-40B4-BE49-F238E27FC236}">
+                <a16:creationId xmlns:a16="http://schemas.microsoft.com/office/drawing/2014/main" id="{890792B7-2060-529A-F6E3-5161D091E59E}"/>
+              </a:ext>
+            </a:extLst>
+          </p:cNvPr>
+          <p:cNvSpPr txBox="1"/>
+          <p:nvPr/>
+        </p:nvSpPr>
+        <p:spPr>
+          <a:xfrm>
+            <a:off x="2308307" y="824861"/>
+            <a:ext cx="336040" cy="369332"/>
+          </a:xfrm>
+          <a:prstGeom prst="rect">
+            <a:avLst/>
+          </a:prstGeom>
+          <a:noFill/>
+        </p:spPr>
+        <p:txBody>
+          <a:bodyPr wrap="square" rtlCol="0">
+            <a:spAutoFit/>
+          </a:bodyPr>
+          <a:lstStyle/>
+          <a:p>
+            <a:r>
+              <a:rPr lang="en-US" altLang="ja-JP" dirty="0"/>
+              <a:t>①</a:t>
+            </a:r>
+            <a:endParaRPr kumimoji="1" lang="ja-JP" altLang="en-US"/>
+          </a:p>
+        </p:txBody>
+      </p:sp>
+      <p:sp>
+        <p:nvSpPr>
+          <p:cNvPr id="14" name="正方形/長方形 13">
+            <a:extLst>
+              <a:ext uri="{FF2B5EF4-FFF2-40B4-BE49-F238E27FC236}">
+                <a16:creationId xmlns:a16="http://schemas.microsoft.com/office/drawing/2014/main" id="{3663C36D-AD40-FEA9-4AD1-74945FAAB940}"/>
+              </a:ext>
+            </a:extLst>
+          </p:cNvPr>
+          <p:cNvSpPr/>
+          <p:nvPr/>
+        </p:nvSpPr>
+        <p:spPr>
+          <a:xfrm>
+            <a:off x="1179374" y="2488383"/>
+            <a:ext cx="1576182" cy="243659"/>
+          </a:xfrm>
+          <a:prstGeom prst="rect">
+            <a:avLst/>
+          </a:prstGeom>
+          <a:solidFill>
+            <a:schemeClr val="accent2">
+              <a:alpha val="50000"/>
+            </a:schemeClr>
+          </a:solidFill>
+        </p:spPr>
+        <p:style>
+          <a:lnRef idx="2">
+            <a:schemeClr val="accent2">
+              <a:shade val="15000"/>
+            </a:schemeClr>
+          </a:lnRef>
+          <a:fillRef idx="1">
+            <a:schemeClr val="accent2"/>
+          </a:fillRef>
+          <a:effectRef idx="0">
+            <a:schemeClr val="accent2"/>
+          </a:effectRef>
+          <a:fontRef idx="minor">
+            <a:schemeClr val="lt1"/>
+          </a:fontRef>
+        </p:style>
+        <p:txBody>
+          <a:bodyPr rtlCol="0" anchor="ctr"/>
+          <a:lstStyle/>
+          <a:p>
+            <a:pPr algn="ctr"/>
+            <a:endParaRPr kumimoji="1" lang="ja-JP" altLang="en-US"/>
+          </a:p>
+        </p:txBody>
+      </p:sp>
+      <p:sp>
+        <p:nvSpPr>
+          <p:cNvPr id="15" name="テキスト ボックス 14">
+            <a:extLst>
+              <a:ext uri="{FF2B5EF4-FFF2-40B4-BE49-F238E27FC236}">
+                <a16:creationId xmlns:a16="http://schemas.microsoft.com/office/drawing/2014/main" id="{099F0D3C-A237-F947-B574-06F2E7BC34DE}"/>
+              </a:ext>
+            </a:extLst>
+          </p:cNvPr>
+          <p:cNvSpPr txBox="1"/>
+          <p:nvPr/>
+        </p:nvSpPr>
+        <p:spPr>
+          <a:xfrm>
+            <a:off x="2295948" y="2447193"/>
+            <a:ext cx="336040" cy="369332"/>
+          </a:xfrm>
+          <a:prstGeom prst="rect">
+            <a:avLst/>
+          </a:prstGeom>
+          <a:noFill/>
+        </p:spPr>
+        <p:txBody>
+          <a:bodyPr wrap="square" rtlCol="0">
+            <a:spAutoFit/>
+          </a:bodyPr>
+          <a:lstStyle/>
+          <a:p>
+            <a:r>
+              <a:rPr lang="en-US" altLang="ja-JP" dirty="0"/>
+              <a:t>②</a:t>
+            </a:r>
+            <a:endParaRPr kumimoji="1" lang="ja-JP" altLang="en-US"/>
+          </a:p>
+        </p:txBody>
+      </p:sp>
+      <p:sp>
+        <p:nvSpPr>
+          <p:cNvPr id="16" name="正方形/長方形 15">
+            <a:extLst>
+              <a:ext uri="{FF2B5EF4-FFF2-40B4-BE49-F238E27FC236}">
+                <a16:creationId xmlns:a16="http://schemas.microsoft.com/office/drawing/2014/main" id="{2EE0E34E-B3C8-FF5C-5264-0E0300DED6E9}"/>
+              </a:ext>
+            </a:extLst>
+          </p:cNvPr>
+          <p:cNvSpPr/>
+          <p:nvPr/>
+        </p:nvSpPr>
+        <p:spPr>
+          <a:xfrm>
+            <a:off x="7081785" y="1536907"/>
+            <a:ext cx="1221954" cy="752391"/>
+          </a:xfrm>
+          <a:prstGeom prst="rect">
+            <a:avLst/>
+          </a:prstGeom>
+          <a:solidFill>
+            <a:schemeClr val="accent2">
+              <a:alpha val="50000"/>
+            </a:schemeClr>
+          </a:solidFill>
+        </p:spPr>
+        <p:style>
+          <a:lnRef idx="2">
+            <a:schemeClr val="accent2">
+              <a:shade val="15000"/>
+            </a:schemeClr>
+          </a:lnRef>
+          <a:fillRef idx="1">
+            <a:schemeClr val="accent2"/>
+          </a:fillRef>
+          <a:effectRef idx="0">
+            <a:schemeClr val="accent2"/>
+          </a:effectRef>
+          <a:fontRef idx="minor">
+            <a:schemeClr val="lt1"/>
+          </a:fontRef>
+        </p:style>
+        <p:txBody>
+          <a:bodyPr rtlCol="0" anchor="ctr"/>
+          <a:lstStyle/>
+          <a:p>
+            <a:pPr algn="ctr"/>
+            <a:endParaRPr kumimoji="1" lang="ja-JP" altLang="en-US"/>
+          </a:p>
+        </p:txBody>
+      </p:sp>
+      <p:sp>
+        <p:nvSpPr>
+          <p:cNvPr id="17" name="テキスト ボックス 16">
+            <a:extLst>
+              <a:ext uri="{FF2B5EF4-FFF2-40B4-BE49-F238E27FC236}">
+                <a16:creationId xmlns:a16="http://schemas.microsoft.com/office/drawing/2014/main" id="{2A430954-B5FB-D3D2-A958-96318DF5785D}"/>
+              </a:ext>
+            </a:extLst>
+          </p:cNvPr>
+          <p:cNvSpPr txBox="1"/>
+          <p:nvPr/>
+        </p:nvSpPr>
+        <p:spPr>
+          <a:xfrm>
+            <a:off x="7484885" y="1976742"/>
+            <a:ext cx="336040" cy="369332"/>
+          </a:xfrm>
+          <a:prstGeom prst="rect">
+            <a:avLst/>
+          </a:prstGeom>
+          <a:noFill/>
+        </p:spPr>
+        <p:txBody>
+          <a:bodyPr wrap="square" rtlCol="0">
+            <a:spAutoFit/>
+          </a:bodyPr>
+          <a:lstStyle/>
+          <a:p>
+            <a:r>
+              <a:rPr lang="en-US" altLang="ja-JP" dirty="0"/>
+              <a:t>③</a:t>
+            </a:r>
+            <a:endParaRPr kumimoji="1" lang="ja-JP" altLang="en-US"/>
+          </a:p>
+        </p:txBody>
+      </p:sp>
+    </p:spTree>
+    <p:extLst>
+      <p:ext uri="{BB962C8B-B14F-4D97-AF65-F5344CB8AC3E}">
+        <p14:creationId xmlns:p14="http://schemas.microsoft.com/office/powerpoint/2010/main" val="3104269073"/>
+      </p:ext>
+    </p:extLst>
+  </p:cSld>
+  <p:clrMapOvr>
+    <a:masterClrMapping/>
+  </p:clrMapOvr>
+</p:sld>
+</file>
+
+<file path=ppt/slides/slide18.xml><?xml version="1.0" encoding="utf-8"?>
+<p:sld xmlns:a="http://schemas.openxmlformats.org/drawingml/2006/main" xmlns:r="http://schemas.openxmlformats.org/officeDocument/2006/relationships" xmlns:p="http://schemas.openxmlformats.org/presentationml/2006/main">
+  <p:cSld>
+    <p:spTree>
+      <p:nvGrpSpPr>
+        <p:cNvPr id="1" name=""/>
+        <p:cNvGrpSpPr/>
+        <p:nvPr/>
+      </p:nvGrpSpPr>
+      <p:grpSpPr>
+        <a:xfrm>
+          <a:off x="0" y="0"/>
+          <a:ext cx="0" cy="0"/>
+          <a:chOff x="0" y="0"/>
+          <a:chExt cx="0" cy="0"/>
+        </a:xfrm>
+      </p:grpSpPr>
+      <p:pic>
+        <p:nvPicPr>
+          <p:cNvPr id="7" name="図 6" descr="グラフィカル ユーザー インターフェイス, アプリケーション&#10;&#10;自動的に生成された説明">
+            <a:extLst>
+              <a:ext uri="{FF2B5EF4-FFF2-40B4-BE49-F238E27FC236}">
+                <a16:creationId xmlns:a16="http://schemas.microsoft.com/office/drawing/2014/main" id="{40661194-320B-F2A2-2F6D-43DEF0442B68}"/>
+              </a:ext>
+            </a:extLst>
+          </p:cNvPr>
+          <p:cNvPicPr>
+            <a:picLocks noChangeAspect="1"/>
+          </p:cNvPicPr>
+          <p:nvPr/>
+        </p:nvPicPr>
+        <p:blipFill>
+          <a:blip r:embed="rId2"/>
+          <a:stretch>
+            <a:fillRect/>
+          </a:stretch>
+        </p:blipFill>
+        <p:spPr>
+          <a:xfrm>
+            <a:off x="0" y="0"/>
+            <a:ext cx="10585622" cy="6915157"/>
+          </a:xfrm>
+          <a:prstGeom prst="rect">
+            <a:avLst/>
+          </a:prstGeom>
+        </p:spPr>
+      </p:pic>
+      <p:sp>
+        <p:nvSpPr>
+          <p:cNvPr id="8" name="正方形/長方形 7">
+            <a:extLst>
+              <a:ext uri="{FF2B5EF4-FFF2-40B4-BE49-F238E27FC236}">
+                <a16:creationId xmlns:a16="http://schemas.microsoft.com/office/drawing/2014/main" id="{442CA525-3F8D-ADDF-2061-86D772B2D094}"/>
+              </a:ext>
+            </a:extLst>
+          </p:cNvPr>
+          <p:cNvSpPr/>
+          <p:nvPr/>
+        </p:nvSpPr>
+        <p:spPr>
+          <a:xfrm>
+            <a:off x="503886" y="1530837"/>
+            <a:ext cx="1934514" cy="209238"/>
+          </a:xfrm>
+          <a:prstGeom prst="rect">
+            <a:avLst/>
+          </a:prstGeom>
+          <a:solidFill>
+            <a:schemeClr val="accent2">
+              <a:alpha val="50000"/>
+            </a:schemeClr>
+          </a:solidFill>
+        </p:spPr>
+        <p:style>
+          <a:lnRef idx="2">
+            <a:schemeClr val="accent2">
+              <a:shade val="15000"/>
+            </a:schemeClr>
+          </a:lnRef>
+          <a:fillRef idx="1">
+            <a:schemeClr val="accent2"/>
+          </a:fillRef>
+          <a:effectRef idx="0">
+            <a:schemeClr val="accent2"/>
+          </a:effectRef>
+          <a:fontRef idx="minor">
+            <a:schemeClr val="lt1"/>
+          </a:fontRef>
+        </p:style>
+        <p:txBody>
+          <a:bodyPr rtlCol="0" anchor="ctr"/>
+          <a:lstStyle/>
+          <a:p>
+            <a:pPr algn="ctr"/>
+            <a:endParaRPr kumimoji="1" lang="ja-JP" altLang="en-US"/>
+          </a:p>
+        </p:txBody>
+      </p:sp>
+      <p:sp>
+        <p:nvSpPr>
+          <p:cNvPr id="9" name="テキスト ボックス 8">
+            <a:extLst>
+              <a:ext uri="{FF2B5EF4-FFF2-40B4-BE49-F238E27FC236}">
+                <a16:creationId xmlns:a16="http://schemas.microsoft.com/office/drawing/2014/main" id="{9AE90CA4-6146-04C7-9252-2686B6C5D665}"/>
+              </a:ext>
+            </a:extLst>
+          </p:cNvPr>
+          <p:cNvSpPr txBox="1"/>
+          <p:nvPr/>
+        </p:nvSpPr>
+        <p:spPr>
+          <a:xfrm>
+            <a:off x="2113424" y="1522599"/>
+            <a:ext cx="292024" cy="261610"/>
+          </a:xfrm>
+          <a:prstGeom prst="rect">
+            <a:avLst/>
+          </a:prstGeom>
+          <a:noFill/>
+        </p:spPr>
+        <p:txBody>
+          <a:bodyPr wrap="square" rtlCol="0">
+            <a:spAutoFit/>
+          </a:bodyPr>
+          <a:lstStyle/>
+          <a:p>
+            <a:r>
+              <a:rPr lang="ja-JP" altLang="en-US" sz="1100"/>
+              <a:t>①</a:t>
+            </a:r>
+            <a:endParaRPr kumimoji="1" lang="ja-JP" altLang="en-US" sz="1100"/>
+          </a:p>
+        </p:txBody>
+      </p:sp>
+      <p:sp>
+        <p:nvSpPr>
+          <p:cNvPr id="10" name="正方形/長方形 9">
+            <a:extLst>
+              <a:ext uri="{FF2B5EF4-FFF2-40B4-BE49-F238E27FC236}">
+                <a16:creationId xmlns:a16="http://schemas.microsoft.com/office/drawing/2014/main" id="{9B36157D-B07B-AA2C-11FF-98278F9A509B}"/>
+              </a:ext>
+            </a:extLst>
+          </p:cNvPr>
+          <p:cNvSpPr/>
+          <p:nvPr/>
+        </p:nvSpPr>
+        <p:spPr>
+          <a:xfrm>
+            <a:off x="503885" y="2780406"/>
+            <a:ext cx="3170191" cy="230162"/>
+          </a:xfrm>
+          <a:prstGeom prst="rect">
+            <a:avLst/>
+          </a:prstGeom>
+          <a:solidFill>
+            <a:schemeClr val="accent2">
+              <a:alpha val="50000"/>
+            </a:schemeClr>
+          </a:solidFill>
+        </p:spPr>
+        <p:style>
+          <a:lnRef idx="2">
+            <a:schemeClr val="accent2">
+              <a:shade val="15000"/>
+            </a:schemeClr>
+          </a:lnRef>
+          <a:fillRef idx="1">
+            <a:schemeClr val="accent2"/>
+          </a:fillRef>
+          <a:effectRef idx="0">
+            <a:schemeClr val="accent2"/>
+          </a:effectRef>
+          <a:fontRef idx="minor">
+            <a:schemeClr val="lt1"/>
+          </a:fontRef>
+        </p:style>
+        <p:txBody>
+          <a:bodyPr rtlCol="0" anchor="ctr"/>
+          <a:lstStyle/>
+          <a:p>
+            <a:pPr algn="ctr"/>
+            <a:endParaRPr kumimoji="1" lang="ja-JP" altLang="en-US"/>
+          </a:p>
+        </p:txBody>
+      </p:sp>
+      <p:sp>
+        <p:nvSpPr>
+          <p:cNvPr id="11" name="テキスト ボックス 10">
+            <a:extLst>
+              <a:ext uri="{FF2B5EF4-FFF2-40B4-BE49-F238E27FC236}">
+                <a16:creationId xmlns:a16="http://schemas.microsoft.com/office/drawing/2014/main" id="{9643024B-2E93-1DEC-736C-6627168E18C0}"/>
+              </a:ext>
+            </a:extLst>
+          </p:cNvPr>
+          <p:cNvSpPr txBox="1"/>
+          <p:nvPr/>
+        </p:nvSpPr>
+        <p:spPr>
+          <a:xfrm>
+            <a:off x="3291437" y="2772168"/>
+            <a:ext cx="292024" cy="261610"/>
+          </a:xfrm>
+          <a:prstGeom prst="rect">
+            <a:avLst/>
+          </a:prstGeom>
+          <a:noFill/>
+        </p:spPr>
+        <p:txBody>
+          <a:bodyPr wrap="square" rtlCol="0">
+            <a:spAutoFit/>
+          </a:bodyPr>
+          <a:lstStyle/>
+          <a:p>
+            <a:r>
+              <a:rPr kumimoji="1" lang="en-US" altLang="ja-JP" sz="1100" dirty="0"/>
+              <a:t>②</a:t>
+            </a:r>
+            <a:endParaRPr kumimoji="1" lang="ja-JP" altLang="en-US" sz="1100"/>
+          </a:p>
+        </p:txBody>
+      </p:sp>
+    </p:spTree>
+    <p:extLst>
+      <p:ext uri="{BB962C8B-B14F-4D97-AF65-F5344CB8AC3E}">
+        <p14:creationId xmlns:p14="http://schemas.microsoft.com/office/powerpoint/2010/main" val="3905772578"/>
+      </p:ext>
+    </p:extLst>
+  </p:cSld>
+  <p:clrMapOvr>
+    <a:masterClrMapping/>
+  </p:clrMapOvr>
+</p:sld>
+</file>
+
+<file path=ppt/slides/slide19.xml><?xml version="1.0" encoding="utf-8"?>
+<p:sld xmlns:a="http://schemas.openxmlformats.org/drawingml/2006/main" xmlns:r="http://schemas.openxmlformats.org/officeDocument/2006/relationships" xmlns:p="http://schemas.openxmlformats.org/presentationml/2006/main">
+  <p:cSld>
+    <p:spTree>
+      <p:nvGrpSpPr>
+        <p:cNvPr id="1" name=""/>
+        <p:cNvGrpSpPr/>
+        <p:nvPr/>
+      </p:nvGrpSpPr>
+      <p:grpSpPr>
+        <a:xfrm>
+          <a:off x="0" y="0"/>
+          <a:ext cx="0" cy="0"/>
+          <a:chOff x="0" y="0"/>
+          <a:chExt cx="0" cy="0"/>
+        </a:xfrm>
+      </p:grpSpPr>
+      <p:pic>
+        <p:nvPicPr>
+          <p:cNvPr id="5" name="図 4" descr="グラフィカル ユーザー インターフェイス, アプリケーション&#10;&#10;自動的に生成された説明">
+            <a:extLst>
+              <a:ext uri="{FF2B5EF4-FFF2-40B4-BE49-F238E27FC236}">
+                <a16:creationId xmlns:a16="http://schemas.microsoft.com/office/drawing/2014/main" id="{B8BBD5E1-5E71-48F8-DE12-CA3F06ECED31}"/>
+              </a:ext>
+            </a:extLst>
+          </p:cNvPr>
+          <p:cNvPicPr>
+            <a:picLocks noChangeAspect="1"/>
+          </p:cNvPicPr>
+          <p:nvPr/>
+        </p:nvPicPr>
+        <p:blipFill>
+          <a:blip r:embed="rId2"/>
+          <a:stretch>
+            <a:fillRect/>
+          </a:stretch>
+        </p:blipFill>
+        <p:spPr>
+          <a:xfrm>
+            <a:off x="96795" y="87527"/>
+            <a:ext cx="10399396" cy="6659262"/>
+          </a:xfrm>
+          <a:prstGeom prst="rect">
+            <a:avLst/>
+          </a:prstGeom>
+        </p:spPr>
+      </p:pic>
+      <p:sp>
+        <p:nvSpPr>
+          <p:cNvPr id="6" name="正方形/長方形 5">
+            <a:extLst>
+              <a:ext uri="{FF2B5EF4-FFF2-40B4-BE49-F238E27FC236}">
+                <a16:creationId xmlns:a16="http://schemas.microsoft.com/office/drawing/2014/main" id="{2B290EA6-CF4B-C6C9-8733-11784E2292D0}"/>
+              </a:ext>
+            </a:extLst>
+          </p:cNvPr>
+          <p:cNvSpPr/>
+          <p:nvPr/>
+        </p:nvSpPr>
+        <p:spPr>
+          <a:xfrm>
+            <a:off x="3370652" y="3021884"/>
+            <a:ext cx="5765110" cy="1064084"/>
+          </a:xfrm>
+          <a:prstGeom prst="rect">
+            <a:avLst/>
+          </a:prstGeom>
+          <a:solidFill>
+            <a:schemeClr val="accent2">
+              <a:alpha val="50000"/>
+            </a:schemeClr>
+          </a:solidFill>
+        </p:spPr>
+        <p:style>
+          <a:lnRef idx="2">
+            <a:schemeClr val="accent2">
+              <a:shade val="15000"/>
+            </a:schemeClr>
+          </a:lnRef>
+          <a:fillRef idx="1">
+            <a:schemeClr val="accent2"/>
+          </a:fillRef>
+          <a:effectRef idx="0">
+            <a:schemeClr val="accent2"/>
+          </a:effectRef>
+          <a:fontRef idx="minor">
+            <a:schemeClr val="lt1"/>
+          </a:fontRef>
+        </p:style>
+        <p:txBody>
+          <a:bodyPr rtlCol="0" anchor="ctr"/>
+          <a:lstStyle/>
+          <a:p>
+            <a:pPr algn="ctr"/>
+            <a:endParaRPr kumimoji="1" lang="ja-JP" altLang="en-US"/>
+          </a:p>
+        </p:txBody>
+      </p:sp>
+      <p:sp>
+        <p:nvSpPr>
+          <p:cNvPr id="7" name="テキスト ボックス 6">
+            <a:extLst>
+              <a:ext uri="{FF2B5EF4-FFF2-40B4-BE49-F238E27FC236}">
+                <a16:creationId xmlns:a16="http://schemas.microsoft.com/office/drawing/2014/main" id="{487C8EDD-E29D-DD27-1113-2DFA3A5194F3}"/>
+              </a:ext>
+            </a:extLst>
+          </p:cNvPr>
+          <p:cNvSpPr txBox="1"/>
+          <p:nvPr/>
+        </p:nvSpPr>
+        <p:spPr>
+          <a:xfrm>
+            <a:off x="5755516" y="3410763"/>
+            <a:ext cx="299294" cy="261610"/>
+          </a:xfrm>
+          <a:prstGeom prst="rect">
+            <a:avLst/>
+          </a:prstGeom>
+          <a:noFill/>
+        </p:spPr>
+        <p:txBody>
+          <a:bodyPr wrap="square" rtlCol="0">
+            <a:spAutoFit/>
+          </a:bodyPr>
+          <a:lstStyle/>
+          <a:p>
+            <a:r>
+              <a:rPr kumimoji="1" lang="en-US" altLang="ja-JP" sz="1100" dirty="0"/>
+              <a:t>③</a:t>
+            </a:r>
+            <a:endParaRPr kumimoji="1" lang="ja-JP" altLang="en-US" sz="1100"/>
+          </a:p>
+        </p:txBody>
+      </p:sp>
+    </p:spTree>
+    <p:extLst>
+      <p:ext uri="{BB962C8B-B14F-4D97-AF65-F5344CB8AC3E}">
+        <p14:creationId xmlns:p14="http://schemas.microsoft.com/office/powerpoint/2010/main" val="488201671"/>
+      </p:ext>
+    </p:extLst>
+  </p:cSld>
+  <p:clrMapOvr>
+    <a:masterClrMapping/>
+  </p:clrMapOvr>
+</p:sld>
+</file>
+
 <file path=ppt/slides/slide2.xml><?xml version="1.0" encoding="utf-8"?>
 <p:sld xmlns:a="http://schemas.openxmlformats.org/drawingml/2006/main" xmlns:r="http://schemas.openxmlformats.org/officeDocument/2006/relationships" xmlns:p="http://schemas.openxmlformats.org/presentationml/2006/main">
   <p:cSld>
